--- a/paper/figures/verification-flow.pptx
+++ b/paper/figures/verification-flow.pptx
@@ -3119,7 +3119,7 @@
         </p:nvSpPr>
         <p:spPr>
           <a:xfrm>
-            <a:off x="-2856865" y="1595793"/>
+            <a:off x="-653492" y="1595793"/>
             <a:ext cx="1385221" cy="276999"/>
           </a:xfrm>
           <a:prstGeom prst="rect">
@@ -3156,7 +3156,7 @@
         </p:nvSpPr>
         <p:spPr>
           <a:xfrm>
-            <a:off x="-2864757" y="3448820"/>
+            <a:off x="-474091" y="3448820"/>
             <a:ext cx="1385221" cy="276999"/>
           </a:xfrm>
           <a:prstGeom prst="rect">
@@ -3187,973 +3187,163 @@
       </p:sp>
       <p:grpSp>
         <p:nvGrpSpPr>
-          <p:cNvPr id="2" name="Grupo 1"/>
+          <p:cNvPr id="48" name="Group 47"/>
+          <p:cNvGrpSpPr/>
+          <p:nvPr/>
+        </p:nvGrpSpPr>
+        <p:grpSpPr>
+          <a:xfrm rot="16200000">
+            <a:off x="96675" y="1702642"/>
+            <a:ext cx="243399" cy="583699"/>
+            <a:chOff x="3376545" y="5409984"/>
+            <a:chExt cx="243399" cy="351072"/>
+          </a:xfrm>
+        </p:grpSpPr>
+        <p:cxnSp>
+          <p:nvCxnSpPr>
+            <p:cNvPr id="23" name="Straight Arrow Connector 22"/>
+            <p:cNvCxnSpPr/>
+            <p:nvPr/>
+          </p:nvCxnSpPr>
+          <p:spPr>
+            <a:xfrm rot="5400000">
+              <a:off x="3201141" y="5585388"/>
+              <a:ext cx="351070" cy="261"/>
+            </a:xfrm>
+            <a:prstGeom prst="straightConnector1">
+              <a:avLst/>
+            </a:prstGeom>
+            <a:ln w="6350" cmpd="sng">
+              <a:solidFill>
+                <a:srgbClr val="000000"/>
+              </a:solidFill>
+              <a:headEnd type="none"/>
+              <a:tailEnd type="triangle"/>
+            </a:ln>
+            <a:effectLst/>
+          </p:spPr>
+          <p:style>
+            <a:lnRef idx="2">
+              <a:schemeClr val="accent1"/>
+            </a:lnRef>
+            <a:fillRef idx="0">
+              <a:schemeClr val="accent1"/>
+            </a:fillRef>
+            <a:effectRef idx="1">
+              <a:schemeClr val="accent1"/>
+            </a:effectRef>
+            <a:fontRef idx="minor">
+              <a:schemeClr val="tx1"/>
+            </a:fontRef>
+          </p:style>
+        </p:cxnSp>
+        <p:cxnSp>
+          <p:nvCxnSpPr>
+            <p:cNvPr id="51" name="Straight Arrow Connector 50"/>
+            <p:cNvCxnSpPr/>
+            <p:nvPr/>
+          </p:nvCxnSpPr>
+          <p:spPr>
+            <a:xfrm rot="5400000">
+              <a:off x="3326406" y="5585389"/>
+              <a:ext cx="351070" cy="261"/>
+            </a:xfrm>
+            <a:prstGeom prst="straightConnector1">
+              <a:avLst/>
+            </a:prstGeom>
+            <a:ln w="6350" cmpd="sng">
+              <a:solidFill>
+                <a:srgbClr val="000000"/>
+              </a:solidFill>
+              <a:headEnd type="none"/>
+              <a:tailEnd type="triangle"/>
+            </a:ln>
+            <a:effectLst/>
+          </p:spPr>
+          <p:style>
+            <a:lnRef idx="2">
+              <a:schemeClr val="accent1"/>
+            </a:lnRef>
+            <a:fillRef idx="0">
+              <a:schemeClr val="accent1"/>
+            </a:fillRef>
+            <a:effectRef idx="1">
+              <a:schemeClr val="accent1"/>
+            </a:effectRef>
+            <a:fontRef idx="minor">
+              <a:schemeClr val="tx1"/>
+            </a:fontRef>
+          </p:style>
+        </p:cxnSp>
+        <p:cxnSp>
+          <p:nvCxnSpPr>
+            <p:cNvPr id="52" name="Straight Arrow Connector 51"/>
+            <p:cNvCxnSpPr/>
+            <p:nvPr/>
+          </p:nvCxnSpPr>
+          <p:spPr>
+            <a:xfrm rot="5400000">
+              <a:off x="3444279" y="5585390"/>
+              <a:ext cx="351070" cy="261"/>
+            </a:xfrm>
+            <a:prstGeom prst="straightConnector1">
+              <a:avLst/>
+            </a:prstGeom>
+            <a:ln w="6350" cmpd="sng">
+              <a:solidFill>
+                <a:srgbClr val="000000"/>
+              </a:solidFill>
+              <a:headEnd type="none"/>
+              <a:tailEnd type="triangle"/>
+            </a:ln>
+            <a:effectLst/>
+          </p:spPr>
+          <p:style>
+            <a:lnRef idx="2">
+              <a:schemeClr val="accent1"/>
+            </a:lnRef>
+            <a:fillRef idx="0">
+              <a:schemeClr val="accent1"/>
+            </a:fillRef>
+            <a:effectRef idx="1">
+              <a:schemeClr val="accent1"/>
+            </a:effectRef>
+            <a:fontRef idx="minor">
+              <a:schemeClr val="tx1"/>
+            </a:fontRef>
+          </p:style>
+        </p:cxnSp>
+      </p:grpSp>
+      <p:grpSp>
+        <p:nvGrpSpPr>
+          <p:cNvPr id="3" name="Group 2"/>
           <p:cNvGrpSpPr/>
           <p:nvPr/>
         </p:nvGrpSpPr>
         <p:grpSpPr>
           <a:xfrm>
-            <a:off x="-2461012" y="1651502"/>
-            <a:ext cx="10372538" cy="2544756"/>
-            <a:chOff x="-2461012" y="1651502"/>
-            <a:chExt cx="10372538" cy="2544756"/>
+            <a:off x="2584540" y="1654013"/>
+            <a:ext cx="1727711" cy="678305"/>
+            <a:chOff x="740000" y="3583036"/>
+            <a:chExt cx="1727711" cy="678305"/>
           </a:xfrm>
         </p:grpSpPr>
-        <p:grpSp>
-          <p:nvGrpSpPr>
-            <p:cNvPr id="48" name="Group 47"/>
-            <p:cNvGrpSpPr/>
-            <p:nvPr/>
-          </p:nvGrpSpPr>
-          <p:grpSpPr>
-            <a:xfrm rot="16200000">
-              <a:off x="-2282970" y="1702642"/>
-              <a:ext cx="243399" cy="583699"/>
-              <a:chOff x="3376545" y="5409984"/>
-              <a:chExt cx="243399" cy="351072"/>
-            </a:xfrm>
-          </p:grpSpPr>
-          <p:cxnSp>
-            <p:nvCxnSpPr>
-              <p:cNvPr id="23" name="Straight Arrow Connector 22"/>
-              <p:cNvCxnSpPr/>
-              <p:nvPr/>
-            </p:nvCxnSpPr>
-            <p:spPr>
-              <a:xfrm rot="5400000">
-                <a:off x="3201141" y="5585388"/>
-                <a:ext cx="351070" cy="261"/>
-              </a:xfrm>
-              <a:prstGeom prst="straightConnector1">
-                <a:avLst/>
-              </a:prstGeom>
-              <a:ln w="6350" cmpd="sng">
-                <a:solidFill>
-                  <a:srgbClr val="000000"/>
-                </a:solidFill>
-                <a:headEnd type="none"/>
-                <a:tailEnd type="triangle"/>
-              </a:ln>
-              <a:effectLst/>
-            </p:spPr>
-            <p:style>
-              <a:lnRef idx="2">
-                <a:schemeClr val="accent1"/>
-              </a:lnRef>
-              <a:fillRef idx="0">
-                <a:schemeClr val="accent1"/>
-              </a:fillRef>
-              <a:effectRef idx="1">
-                <a:schemeClr val="accent1"/>
-              </a:effectRef>
-              <a:fontRef idx="minor">
-                <a:schemeClr val="tx1"/>
-              </a:fontRef>
-            </p:style>
-          </p:cxnSp>
-          <p:cxnSp>
-            <p:nvCxnSpPr>
-              <p:cNvPr id="51" name="Straight Arrow Connector 50"/>
-              <p:cNvCxnSpPr/>
-              <p:nvPr/>
-            </p:nvCxnSpPr>
-            <p:spPr>
-              <a:xfrm rot="5400000">
-                <a:off x="3326406" y="5585389"/>
-                <a:ext cx="351070" cy="261"/>
-              </a:xfrm>
-              <a:prstGeom prst="straightConnector1">
-                <a:avLst/>
-              </a:prstGeom>
-              <a:ln w="6350" cmpd="sng">
-                <a:solidFill>
-                  <a:srgbClr val="000000"/>
-                </a:solidFill>
-                <a:headEnd type="none"/>
-                <a:tailEnd type="triangle"/>
-              </a:ln>
-              <a:effectLst/>
-            </p:spPr>
-            <p:style>
-              <a:lnRef idx="2">
-                <a:schemeClr val="accent1"/>
-              </a:lnRef>
-              <a:fillRef idx="0">
-                <a:schemeClr val="accent1"/>
-              </a:fillRef>
-              <a:effectRef idx="1">
-                <a:schemeClr val="accent1"/>
-              </a:effectRef>
-              <a:fontRef idx="minor">
-                <a:schemeClr val="tx1"/>
-              </a:fontRef>
-            </p:style>
-          </p:cxnSp>
-          <p:cxnSp>
-            <p:nvCxnSpPr>
-              <p:cNvPr id="52" name="Straight Arrow Connector 51"/>
-              <p:cNvCxnSpPr/>
-              <p:nvPr/>
-            </p:nvCxnSpPr>
-            <p:spPr>
-              <a:xfrm rot="5400000">
-                <a:off x="3444279" y="5585390"/>
-                <a:ext cx="351070" cy="261"/>
-              </a:xfrm>
-              <a:prstGeom prst="straightConnector1">
-                <a:avLst/>
-              </a:prstGeom>
-              <a:ln w="6350" cmpd="sng">
-                <a:solidFill>
-                  <a:srgbClr val="000000"/>
-                </a:solidFill>
-                <a:headEnd type="none"/>
-                <a:tailEnd type="triangle"/>
-              </a:ln>
-              <a:effectLst/>
-            </p:spPr>
-            <p:style>
-              <a:lnRef idx="2">
-                <a:schemeClr val="accent1"/>
-              </a:lnRef>
-              <a:fillRef idx="0">
-                <a:schemeClr val="accent1"/>
-              </a:fillRef>
-              <a:effectRef idx="1">
-                <a:schemeClr val="accent1"/>
-              </a:effectRef>
-              <a:fontRef idx="minor">
-                <a:schemeClr val="tx1"/>
-              </a:fontRef>
-            </p:style>
-          </p:cxnSp>
-        </p:grpSp>
-        <p:grpSp>
-          <p:nvGrpSpPr>
-            <p:cNvPr id="3" name="Group 2"/>
-            <p:cNvGrpSpPr/>
-            <p:nvPr/>
-          </p:nvGrpSpPr>
-          <p:grpSpPr>
-            <a:xfrm>
-              <a:off x="2121835" y="1654013"/>
-              <a:ext cx="1727711" cy="678305"/>
-              <a:chOff x="740000" y="3583036"/>
-              <a:chExt cx="1727711" cy="678305"/>
-            </a:xfrm>
-          </p:grpSpPr>
-          <p:sp>
-            <p:nvSpPr>
-              <p:cNvPr id="33" name="Process 32"/>
-              <p:cNvSpPr/>
-              <p:nvPr/>
-            </p:nvSpPr>
-            <p:spPr>
-              <a:xfrm>
-                <a:off x="740000" y="3583036"/>
-                <a:ext cx="1727138" cy="677732"/>
-              </a:xfrm>
-              <a:prstGeom prst="flowChartProcess">
-                <a:avLst/>
-              </a:prstGeom>
-              <a:solidFill>
-                <a:schemeClr val="bg1"/>
-              </a:solidFill>
-              <a:ln w="6350" cmpd="sng">
-                <a:solidFill>
-                  <a:schemeClr val="tx1"/>
-                </a:solidFill>
-              </a:ln>
-              <a:effectLst/>
-            </p:spPr>
-            <p:style>
-              <a:lnRef idx="1">
-                <a:schemeClr val="accent1"/>
-              </a:lnRef>
-              <a:fillRef idx="3">
-                <a:schemeClr val="accent1"/>
-              </a:fillRef>
-              <a:effectRef idx="2">
-                <a:schemeClr val="accent1"/>
-              </a:effectRef>
-              <a:fontRef idx="minor">
-                <a:schemeClr val="lt1"/>
-              </a:fontRef>
-            </p:style>
-            <p:txBody>
-              <a:bodyPr rtlCol="0" anchor="ctr"/>
-              <a:lstStyle/>
-              <a:p>
-                <a:pPr algn="ctr"/>
-                <a:endParaRPr lang="en-GB" sz="1000" dirty="0" smtClean="0">
-                  <a:solidFill>
-                    <a:schemeClr val="tx1"/>
-                  </a:solidFill>
-                  <a:latin typeface="Arial"/>
-                  <a:cs typeface="Arial"/>
-                </a:endParaRPr>
-              </a:p>
-              <a:p>
-                <a:pPr algn="ctr"/>
-                <a:r>
-                  <a:rPr lang="en-GB" sz="1100" dirty="0" smtClean="0">
-                    <a:solidFill>
-                      <a:schemeClr val="tx1"/>
-                    </a:solidFill>
-                    <a:latin typeface="Arial"/>
-                    <a:cs typeface="Arial"/>
-                  </a:rPr>
-                  <a:t>Define controller numerical representation</a:t>
-                </a:r>
-                <a:endParaRPr lang="en-GB" sz="1100" dirty="0">
-                  <a:solidFill>
-                    <a:schemeClr val="tx1"/>
-                  </a:solidFill>
-                  <a:latin typeface="Arial"/>
-                  <a:cs typeface="Arial"/>
-                </a:endParaRPr>
-              </a:p>
-            </p:txBody>
-          </p:sp>
-          <p:sp>
-            <p:nvSpPr>
-              <p:cNvPr id="34" name="Process 33"/>
-              <p:cNvSpPr/>
-              <p:nvPr/>
-            </p:nvSpPr>
-            <p:spPr>
-              <a:xfrm>
-                <a:off x="740001" y="3583609"/>
-                <a:ext cx="1727710" cy="677732"/>
-              </a:xfrm>
-              <a:prstGeom prst="flowChartProcess">
-                <a:avLst/>
-              </a:prstGeom>
-              <a:noFill/>
-              <a:ln w="6350" cmpd="sng">
-                <a:solidFill>
-                  <a:schemeClr val="tx1"/>
-                </a:solidFill>
-              </a:ln>
-              <a:effectLst/>
-            </p:spPr>
-            <p:style>
-              <a:lnRef idx="1">
-                <a:schemeClr val="accent1"/>
-              </a:lnRef>
-              <a:fillRef idx="3">
-                <a:schemeClr val="accent1"/>
-              </a:fillRef>
-              <a:effectRef idx="2">
-                <a:schemeClr val="accent1"/>
-              </a:effectRef>
-              <a:fontRef idx="minor">
-                <a:schemeClr val="lt1"/>
-              </a:fontRef>
-            </p:style>
-            <p:txBody>
-              <a:bodyPr rtlCol="0" anchor="ctr"/>
-              <a:lstStyle/>
-              <a:p>
-                <a:pPr algn="ctr"/>
-                <a:r>
-                  <a:rPr lang="en-GB" sz="1200" b="1" dirty="0" smtClean="0">
-                    <a:solidFill>
-                      <a:schemeClr val="tx1"/>
-                    </a:solidFill>
-                    <a:latin typeface="Arial"/>
-                    <a:cs typeface="Arial"/>
-                  </a:rPr>
-                  <a:t>Step 3</a:t>
-                </a:r>
-              </a:p>
-              <a:p>
-                <a:pPr algn="ctr"/>
-                <a:endParaRPr lang="en-GB" sz="1200" dirty="0">
-                  <a:solidFill>
-                    <a:schemeClr val="tx1"/>
-                  </a:solidFill>
-                  <a:latin typeface="Arial"/>
-                  <a:cs typeface="Arial"/>
-                </a:endParaRPr>
-              </a:p>
-              <a:p>
-                <a:pPr algn="ctr"/>
-                <a:endParaRPr lang="en-GB" sz="1200" dirty="0" smtClean="0">
-                  <a:solidFill>
-                    <a:schemeClr val="tx1"/>
-                  </a:solidFill>
-                  <a:latin typeface="Arial"/>
-                  <a:cs typeface="Arial"/>
-                </a:endParaRPr>
-              </a:p>
-            </p:txBody>
-          </p:sp>
-        </p:grpSp>
-        <p:grpSp>
-          <p:nvGrpSpPr>
-            <p:cNvPr id="35" name="Group 34"/>
-            <p:cNvGrpSpPr/>
-            <p:nvPr/>
-          </p:nvGrpSpPr>
-          <p:grpSpPr>
-            <a:xfrm>
-              <a:off x="-1784763" y="1654013"/>
-              <a:ext cx="1652886" cy="678305"/>
-              <a:chOff x="814824" y="3583036"/>
-              <a:chExt cx="1652886" cy="678305"/>
-            </a:xfrm>
-          </p:grpSpPr>
-          <p:sp>
-            <p:nvSpPr>
-              <p:cNvPr id="37" name="Process 36"/>
-              <p:cNvSpPr/>
-              <p:nvPr/>
-            </p:nvSpPr>
-            <p:spPr>
-              <a:xfrm>
-                <a:off x="814824" y="3583036"/>
-                <a:ext cx="1652313" cy="677732"/>
-              </a:xfrm>
-              <a:prstGeom prst="flowChartProcess">
-                <a:avLst/>
-              </a:prstGeom>
-              <a:solidFill>
-                <a:schemeClr val="bg1"/>
-              </a:solidFill>
-              <a:ln w="6350" cmpd="sng">
-                <a:solidFill>
-                  <a:schemeClr val="tx1"/>
-                </a:solidFill>
-              </a:ln>
-              <a:effectLst/>
-            </p:spPr>
-            <p:style>
-              <a:lnRef idx="1">
-                <a:schemeClr val="accent1"/>
-              </a:lnRef>
-              <a:fillRef idx="3">
-                <a:schemeClr val="accent1"/>
-              </a:fillRef>
-              <a:effectRef idx="2">
-                <a:schemeClr val="accent1"/>
-              </a:effectRef>
-              <a:fontRef idx="minor">
-                <a:schemeClr val="lt1"/>
-              </a:fontRef>
-            </p:style>
-            <p:txBody>
-              <a:bodyPr rtlCol="0" anchor="ctr"/>
-              <a:lstStyle/>
-              <a:p>
-                <a:pPr algn="ctr"/>
-                <a:endParaRPr lang="en-GB" sz="1000" dirty="0" smtClean="0">
-                  <a:solidFill>
-                    <a:schemeClr val="tx1"/>
-                  </a:solidFill>
-                  <a:latin typeface="Arial"/>
-                  <a:cs typeface="Arial"/>
-                </a:endParaRPr>
-              </a:p>
-              <a:p>
-                <a:pPr algn="ctr"/>
-                <a:r>
-                  <a:rPr lang="en-GB" sz="1200" dirty="0" smtClean="0">
-                    <a:solidFill>
-                      <a:schemeClr val="tx1"/>
-                    </a:solidFill>
-                    <a:latin typeface="Arial"/>
-                    <a:cs typeface="Arial"/>
-                  </a:rPr>
-                  <a:t>Determine plant model and intervals</a:t>
-                </a:r>
-                <a:endParaRPr lang="en-GB" sz="1200" dirty="0">
-                  <a:solidFill>
-                    <a:schemeClr val="tx1"/>
-                  </a:solidFill>
-                  <a:latin typeface="Arial"/>
-                  <a:cs typeface="Arial"/>
-                </a:endParaRPr>
-              </a:p>
-            </p:txBody>
-          </p:sp>
-          <p:sp>
-            <p:nvSpPr>
-              <p:cNvPr id="38" name="Process 37"/>
-              <p:cNvSpPr/>
-              <p:nvPr/>
-            </p:nvSpPr>
-            <p:spPr>
-              <a:xfrm>
-                <a:off x="815397" y="3583609"/>
-                <a:ext cx="1652313" cy="677732"/>
-              </a:xfrm>
-              <a:prstGeom prst="flowChartProcess">
-                <a:avLst/>
-              </a:prstGeom>
-              <a:noFill/>
-              <a:ln w="6350" cmpd="sng">
-                <a:solidFill>
-                  <a:schemeClr val="tx1"/>
-                </a:solidFill>
-              </a:ln>
-              <a:effectLst/>
-            </p:spPr>
-            <p:style>
-              <a:lnRef idx="1">
-                <a:schemeClr val="accent1"/>
-              </a:lnRef>
-              <a:fillRef idx="3">
-                <a:schemeClr val="accent1"/>
-              </a:fillRef>
-              <a:effectRef idx="2">
-                <a:schemeClr val="accent1"/>
-              </a:effectRef>
-              <a:fontRef idx="minor">
-                <a:schemeClr val="lt1"/>
-              </a:fontRef>
-            </p:style>
-            <p:txBody>
-              <a:bodyPr rtlCol="0" anchor="ctr"/>
-              <a:lstStyle/>
-              <a:p>
-                <a:pPr algn="ctr"/>
-                <a:r>
-                  <a:rPr lang="en-GB" sz="1200" b="1" dirty="0" smtClean="0">
-                    <a:solidFill>
-                      <a:schemeClr val="tx1"/>
-                    </a:solidFill>
-                    <a:latin typeface="Arial"/>
-                    <a:cs typeface="Arial"/>
-                  </a:rPr>
-                  <a:t>Step 1</a:t>
-                </a:r>
-              </a:p>
-              <a:p>
-                <a:pPr algn="ctr"/>
-                <a:endParaRPr lang="en-GB" sz="1200" dirty="0">
-                  <a:solidFill>
-                    <a:schemeClr val="tx1"/>
-                  </a:solidFill>
-                  <a:latin typeface="Arial"/>
-                  <a:cs typeface="Arial"/>
-                </a:endParaRPr>
-              </a:p>
-              <a:p>
-                <a:pPr algn="ctr"/>
-                <a:endParaRPr lang="en-GB" sz="1200" dirty="0" smtClean="0">
-                  <a:solidFill>
-                    <a:schemeClr val="tx1"/>
-                  </a:solidFill>
-                  <a:latin typeface="Arial"/>
-                  <a:cs typeface="Arial"/>
-                </a:endParaRPr>
-              </a:p>
-            </p:txBody>
-          </p:sp>
-        </p:grpSp>
-        <p:grpSp>
-          <p:nvGrpSpPr>
-            <p:cNvPr id="39" name="Group 38"/>
-            <p:cNvGrpSpPr/>
-            <p:nvPr/>
-          </p:nvGrpSpPr>
-          <p:grpSpPr>
-            <a:xfrm>
-              <a:off x="205948" y="1653221"/>
-              <a:ext cx="1652886" cy="678305"/>
-              <a:chOff x="814824" y="3583036"/>
-              <a:chExt cx="1652886" cy="678305"/>
-            </a:xfrm>
-          </p:grpSpPr>
-          <p:sp>
-            <p:nvSpPr>
-              <p:cNvPr id="40" name="Process 39"/>
-              <p:cNvSpPr/>
-              <p:nvPr/>
-            </p:nvSpPr>
-            <p:spPr>
-              <a:xfrm>
-                <a:off x="814824" y="3583036"/>
-                <a:ext cx="1652313" cy="677732"/>
-              </a:xfrm>
-              <a:prstGeom prst="flowChartProcess">
-                <a:avLst/>
-              </a:prstGeom>
-              <a:solidFill>
-                <a:schemeClr val="bg1"/>
-              </a:solidFill>
-              <a:ln w="6350" cmpd="sng">
-                <a:solidFill>
-                  <a:schemeClr val="tx1"/>
-                </a:solidFill>
-              </a:ln>
-              <a:effectLst/>
-            </p:spPr>
-            <p:style>
-              <a:lnRef idx="1">
-                <a:schemeClr val="accent1"/>
-              </a:lnRef>
-              <a:fillRef idx="3">
-                <a:schemeClr val="accent1"/>
-              </a:fillRef>
-              <a:effectRef idx="2">
-                <a:schemeClr val="accent1"/>
-              </a:effectRef>
-              <a:fontRef idx="minor">
-                <a:schemeClr val="lt1"/>
-              </a:fontRef>
-            </p:style>
-            <p:txBody>
-              <a:bodyPr rtlCol="0" anchor="ctr"/>
-              <a:lstStyle/>
-              <a:p>
-                <a:pPr algn="ctr"/>
-                <a:endParaRPr lang="en-GB" sz="1000" dirty="0" smtClean="0">
-                  <a:solidFill>
-                    <a:schemeClr val="tx1"/>
-                  </a:solidFill>
-                  <a:latin typeface="Arial"/>
-                  <a:cs typeface="Arial"/>
-                </a:endParaRPr>
-              </a:p>
-              <a:p>
-                <a:pPr algn="ctr"/>
-                <a:r>
-                  <a:rPr lang="en-GB" sz="1200" dirty="0" smtClean="0">
-                    <a:solidFill>
-                      <a:schemeClr val="tx1"/>
-                    </a:solidFill>
-                    <a:latin typeface="Arial"/>
-                    <a:cs typeface="Arial"/>
-                  </a:rPr>
-                  <a:t>Design digital controllers</a:t>
-                </a:r>
-                <a:endParaRPr lang="en-GB" sz="1200" dirty="0">
-                  <a:solidFill>
-                    <a:schemeClr val="tx1"/>
-                  </a:solidFill>
-                  <a:latin typeface="Arial"/>
-                  <a:cs typeface="Arial"/>
-                </a:endParaRPr>
-              </a:p>
-            </p:txBody>
-          </p:sp>
-          <p:sp>
-            <p:nvSpPr>
-              <p:cNvPr id="41" name="Process 40"/>
-              <p:cNvSpPr/>
-              <p:nvPr/>
-            </p:nvSpPr>
-            <p:spPr>
-              <a:xfrm>
-                <a:off x="815397" y="3583609"/>
-                <a:ext cx="1652313" cy="677732"/>
-              </a:xfrm>
-              <a:prstGeom prst="flowChartProcess">
-                <a:avLst/>
-              </a:prstGeom>
-              <a:noFill/>
-              <a:ln w="6350" cmpd="sng">
-                <a:solidFill>
-                  <a:schemeClr val="tx1"/>
-                </a:solidFill>
-              </a:ln>
-              <a:effectLst/>
-            </p:spPr>
-            <p:style>
-              <a:lnRef idx="1">
-                <a:schemeClr val="accent1"/>
-              </a:lnRef>
-              <a:fillRef idx="3">
-                <a:schemeClr val="accent1"/>
-              </a:fillRef>
-              <a:effectRef idx="2">
-                <a:schemeClr val="accent1"/>
-              </a:effectRef>
-              <a:fontRef idx="minor">
-                <a:schemeClr val="lt1"/>
-              </a:fontRef>
-            </p:style>
-            <p:txBody>
-              <a:bodyPr rtlCol="0" anchor="ctr"/>
-              <a:lstStyle/>
-              <a:p>
-                <a:pPr algn="ctr"/>
-                <a:r>
-                  <a:rPr lang="en-GB" sz="1200" b="1" dirty="0" smtClean="0">
-                    <a:solidFill>
-                      <a:schemeClr val="tx1"/>
-                    </a:solidFill>
-                    <a:latin typeface="Arial"/>
-                    <a:cs typeface="Arial"/>
-                  </a:rPr>
-                  <a:t>Step 2</a:t>
-                </a:r>
-              </a:p>
-              <a:p>
-                <a:pPr algn="ctr"/>
-                <a:endParaRPr lang="en-GB" sz="1200" dirty="0">
-                  <a:solidFill>
-                    <a:schemeClr val="tx1"/>
-                  </a:solidFill>
-                  <a:latin typeface="Arial"/>
-                  <a:cs typeface="Arial"/>
-                </a:endParaRPr>
-              </a:p>
-              <a:p>
-                <a:pPr algn="ctr"/>
-                <a:endParaRPr lang="en-GB" sz="1200" dirty="0" smtClean="0">
-                  <a:solidFill>
-                    <a:schemeClr val="tx1"/>
-                  </a:solidFill>
-                  <a:latin typeface="Arial"/>
-                  <a:cs typeface="Arial"/>
-                </a:endParaRPr>
-              </a:p>
-            </p:txBody>
-          </p:sp>
-        </p:grpSp>
-        <p:grpSp>
-          <p:nvGrpSpPr>
-            <p:cNvPr id="42" name="Group 41"/>
-            <p:cNvGrpSpPr/>
-            <p:nvPr/>
-          </p:nvGrpSpPr>
-          <p:grpSpPr>
-            <a:xfrm>
-              <a:off x="4187943" y="1652648"/>
-              <a:ext cx="1652886" cy="678305"/>
-              <a:chOff x="814824" y="3583036"/>
-              <a:chExt cx="1652886" cy="678305"/>
-            </a:xfrm>
-          </p:grpSpPr>
-          <p:sp>
-            <p:nvSpPr>
-              <p:cNvPr id="44" name="Process 43"/>
-              <p:cNvSpPr/>
-              <p:nvPr/>
-            </p:nvSpPr>
-            <p:spPr>
-              <a:xfrm>
-                <a:off x="814824" y="3583036"/>
-                <a:ext cx="1652313" cy="677732"/>
-              </a:xfrm>
-              <a:prstGeom prst="flowChartProcess">
-                <a:avLst/>
-              </a:prstGeom>
-              <a:solidFill>
-                <a:schemeClr val="bg1"/>
-              </a:solidFill>
-              <a:ln w="6350" cmpd="sng">
-                <a:solidFill>
-                  <a:schemeClr val="tx1"/>
-                </a:solidFill>
-              </a:ln>
-              <a:effectLst/>
-            </p:spPr>
-            <p:style>
-              <a:lnRef idx="1">
-                <a:schemeClr val="accent1"/>
-              </a:lnRef>
-              <a:fillRef idx="3">
-                <a:schemeClr val="accent1"/>
-              </a:fillRef>
-              <a:effectRef idx="2">
-                <a:schemeClr val="accent1"/>
-              </a:effectRef>
-              <a:fontRef idx="minor">
-                <a:schemeClr val="lt1"/>
-              </a:fontRef>
-            </p:style>
-            <p:txBody>
-              <a:bodyPr rtlCol="0" anchor="ctr"/>
-              <a:lstStyle/>
-              <a:p>
-                <a:pPr algn="ctr"/>
-                <a:endParaRPr lang="en-GB" sz="1000" dirty="0" smtClean="0">
-                  <a:solidFill>
-                    <a:schemeClr val="tx1"/>
-                  </a:solidFill>
-                  <a:latin typeface="Arial"/>
-                  <a:cs typeface="Arial"/>
-                </a:endParaRPr>
-              </a:p>
-              <a:p>
-                <a:pPr algn="ctr"/>
-                <a:r>
-                  <a:rPr lang="en-GB" sz="1200" dirty="0" smtClean="0">
-                    <a:solidFill>
-                      <a:schemeClr val="tx1"/>
-                    </a:solidFill>
-                    <a:latin typeface="Arial"/>
-                    <a:cs typeface="Arial"/>
-                  </a:rPr>
-                  <a:t>Define controller realization form</a:t>
-                </a:r>
-                <a:endParaRPr lang="en-GB" sz="1200" dirty="0">
-                  <a:solidFill>
-                    <a:schemeClr val="tx1"/>
-                  </a:solidFill>
-                  <a:latin typeface="Arial"/>
-                  <a:cs typeface="Arial"/>
-                </a:endParaRPr>
-              </a:p>
-            </p:txBody>
-          </p:sp>
-          <p:sp>
-            <p:nvSpPr>
-              <p:cNvPr id="45" name="Process 44"/>
-              <p:cNvSpPr/>
-              <p:nvPr/>
-            </p:nvSpPr>
-            <p:spPr>
-              <a:xfrm>
-                <a:off x="815397" y="3583609"/>
-                <a:ext cx="1652313" cy="677732"/>
-              </a:xfrm>
-              <a:prstGeom prst="flowChartProcess">
-                <a:avLst/>
-              </a:prstGeom>
-              <a:noFill/>
-              <a:ln w="6350" cmpd="sng">
-                <a:solidFill>
-                  <a:schemeClr val="tx1"/>
-                </a:solidFill>
-              </a:ln>
-              <a:effectLst/>
-            </p:spPr>
-            <p:style>
-              <a:lnRef idx="1">
-                <a:schemeClr val="accent1"/>
-              </a:lnRef>
-              <a:fillRef idx="3">
-                <a:schemeClr val="accent1"/>
-              </a:fillRef>
-              <a:effectRef idx="2">
-                <a:schemeClr val="accent1"/>
-              </a:effectRef>
-              <a:fontRef idx="minor">
-                <a:schemeClr val="lt1"/>
-              </a:fontRef>
-            </p:style>
-            <p:txBody>
-              <a:bodyPr rtlCol="0" anchor="ctr"/>
-              <a:lstStyle/>
-              <a:p>
-                <a:pPr algn="ctr"/>
-                <a:r>
-                  <a:rPr lang="en-GB" sz="1200" b="1" dirty="0" smtClean="0">
-                    <a:solidFill>
-                      <a:schemeClr val="tx1"/>
-                    </a:solidFill>
-                    <a:latin typeface="Arial"/>
-                    <a:cs typeface="Arial"/>
-                  </a:rPr>
-                  <a:t>Step 4</a:t>
-                </a:r>
-              </a:p>
-              <a:p>
-                <a:pPr algn="ctr"/>
-                <a:endParaRPr lang="en-GB" sz="1200" dirty="0">
-                  <a:solidFill>
-                    <a:schemeClr val="tx1"/>
-                  </a:solidFill>
-                  <a:latin typeface="Arial"/>
-                  <a:cs typeface="Arial"/>
-                </a:endParaRPr>
-              </a:p>
-              <a:p>
-                <a:pPr algn="ctr"/>
-                <a:endParaRPr lang="en-GB" sz="1200" dirty="0" smtClean="0">
-                  <a:solidFill>
-                    <a:schemeClr val="tx1"/>
-                  </a:solidFill>
-                  <a:latin typeface="Arial"/>
-                  <a:cs typeface="Arial"/>
-                </a:endParaRPr>
-              </a:p>
-            </p:txBody>
-          </p:sp>
-        </p:grpSp>
-        <p:grpSp>
-          <p:nvGrpSpPr>
-            <p:cNvPr id="46" name="Group 45"/>
-            <p:cNvGrpSpPr/>
-            <p:nvPr/>
-          </p:nvGrpSpPr>
-          <p:grpSpPr>
-            <a:xfrm>
-              <a:off x="6180373" y="1651502"/>
-              <a:ext cx="1652886" cy="678305"/>
-              <a:chOff x="814824" y="3583036"/>
-              <a:chExt cx="1652886" cy="678305"/>
-            </a:xfrm>
-          </p:grpSpPr>
-          <p:sp>
-            <p:nvSpPr>
-              <p:cNvPr id="47" name="Process 46"/>
-              <p:cNvSpPr/>
-              <p:nvPr/>
-            </p:nvSpPr>
-            <p:spPr>
-              <a:xfrm>
-                <a:off x="814824" y="3583036"/>
-                <a:ext cx="1652313" cy="677732"/>
-              </a:xfrm>
-              <a:prstGeom prst="flowChartProcess">
-                <a:avLst/>
-              </a:prstGeom>
-              <a:solidFill>
-                <a:schemeClr val="bg1"/>
-              </a:solidFill>
-              <a:ln w="6350" cmpd="sng">
-                <a:solidFill>
-                  <a:schemeClr val="tx1"/>
-                </a:solidFill>
-              </a:ln>
-              <a:effectLst/>
-            </p:spPr>
-            <p:style>
-              <a:lnRef idx="1">
-                <a:schemeClr val="accent1"/>
-              </a:lnRef>
-              <a:fillRef idx="3">
-                <a:schemeClr val="accent1"/>
-              </a:fillRef>
-              <a:effectRef idx="2">
-                <a:schemeClr val="accent1"/>
-              </a:effectRef>
-              <a:fontRef idx="minor">
-                <a:schemeClr val="lt1"/>
-              </a:fontRef>
-            </p:style>
-            <p:txBody>
-              <a:bodyPr rtlCol="0" anchor="ctr"/>
-              <a:lstStyle/>
-              <a:p>
-                <a:pPr algn="ctr"/>
-                <a:endParaRPr lang="en-GB" sz="1000" dirty="0" smtClean="0">
-                  <a:solidFill>
-                    <a:schemeClr val="tx1"/>
-                  </a:solidFill>
-                  <a:latin typeface="Arial"/>
-                  <a:cs typeface="Arial"/>
-                </a:endParaRPr>
-              </a:p>
-              <a:p>
-                <a:pPr algn="ctr"/>
-                <a:r>
-                  <a:rPr lang="en-GB" sz="1200" dirty="0" smtClean="0">
-                    <a:solidFill>
-                      <a:schemeClr val="tx1"/>
-                    </a:solidFill>
-                    <a:latin typeface="Arial"/>
-                    <a:cs typeface="Arial"/>
-                  </a:rPr>
-                  <a:t>Configure verification</a:t>
-                </a:r>
-                <a:endParaRPr lang="en-GB" sz="1200" dirty="0">
-                  <a:solidFill>
-                    <a:schemeClr val="tx1"/>
-                  </a:solidFill>
-                  <a:latin typeface="Arial"/>
-                  <a:cs typeface="Arial"/>
-                </a:endParaRPr>
-              </a:p>
-            </p:txBody>
-          </p:sp>
-          <p:sp>
-            <p:nvSpPr>
-              <p:cNvPr id="57" name="Process 56"/>
-              <p:cNvSpPr/>
-              <p:nvPr/>
-            </p:nvSpPr>
-            <p:spPr>
-              <a:xfrm>
-                <a:off x="815397" y="3583609"/>
-                <a:ext cx="1652313" cy="677732"/>
-              </a:xfrm>
-              <a:prstGeom prst="flowChartProcess">
-                <a:avLst/>
-              </a:prstGeom>
-              <a:noFill/>
-              <a:ln w="6350" cmpd="sng">
-                <a:solidFill>
-                  <a:schemeClr val="tx1"/>
-                </a:solidFill>
-              </a:ln>
-              <a:effectLst/>
-            </p:spPr>
-            <p:style>
-              <a:lnRef idx="1">
-                <a:schemeClr val="accent1"/>
-              </a:lnRef>
-              <a:fillRef idx="3">
-                <a:schemeClr val="accent1"/>
-              </a:fillRef>
-              <a:effectRef idx="2">
-                <a:schemeClr val="accent1"/>
-              </a:effectRef>
-              <a:fontRef idx="minor">
-                <a:schemeClr val="lt1"/>
-              </a:fontRef>
-            </p:style>
-            <p:txBody>
-              <a:bodyPr rtlCol="0" anchor="ctr"/>
-              <a:lstStyle/>
-              <a:p>
-                <a:pPr algn="ctr"/>
-                <a:r>
-                  <a:rPr lang="en-GB" sz="1200" b="1" dirty="0" smtClean="0">
-                    <a:solidFill>
-                      <a:schemeClr val="tx1"/>
-                    </a:solidFill>
-                    <a:latin typeface="Arial"/>
-                    <a:cs typeface="Arial"/>
-                  </a:rPr>
-                  <a:t>Step 5</a:t>
-                </a:r>
-              </a:p>
-              <a:p>
-                <a:pPr algn="ctr"/>
-                <a:endParaRPr lang="en-GB" sz="1200" dirty="0">
-                  <a:solidFill>
-                    <a:schemeClr val="tx1"/>
-                  </a:solidFill>
-                  <a:latin typeface="Arial"/>
-                  <a:cs typeface="Arial"/>
-                </a:endParaRPr>
-              </a:p>
-              <a:p>
-                <a:pPr algn="ctr"/>
-                <a:endParaRPr lang="en-GB" sz="1200" dirty="0" smtClean="0">
-                  <a:solidFill>
-                    <a:schemeClr val="tx1"/>
-                  </a:solidFill>
-                  <a:latin typeface="Arial"/>
-                  <a:cs typeface="Arial"/>
-                </a:endParaRPr>
-              </a:p>
-            </p:txBody>
-          </p:sp>
-        </p:grpSp>
         <p:sp>
           <p:nvSpPr>
-            <p:cNvPr id="60" name="Process 59"/>
+            <p:cNvPr id="33" name="Process 32"/>
             <p:cNvSpPr/>
             <p:nvPr/>
           </p:nvSpPr>
           <p:spPr>
             <a:xfrm>
-              <a:off x="-1784190" y="3517380"/>
-              <a:ext cx="1752639" cy="677732"/>
+              <a:off x="740000" y="3583036"/>
+              <a:ext cx="1727138" cy="677732"/>
             </a:xfrm>
             <a:prstGeom prst="flowChartProcess">
               <a:avLst/>
             </a:prstGeom>
             <a:solidFill>
-              <a:srgbClr val="F2F2F2"/>
+              <a:schemeClr val="bg1"/>
             </a:solidFill>
             <a:ln w="6350" cmpd="sng">
               <a:solidFill>
@@ -4199,7 +3389,7 @@
                   <a:latin typeface="Arial"/>
                   <a:cs typeface="Arial"/>
                 </a:rPr>
-                <a:t>Construct a non-deterministic plant model</a:t>
+                <a:t>Define controller numerical representation</a:t>
               </a:r>
               <a:endParaRPr lang="en-GB" sz="1100" dirty="0">
                 <a:solidFill>
@@ -4213,14 +3403,14 @@
         </p:sp>
         <p:sp>
           <p:nvSpPr>
-            <p:cNvPr id="62" name="Process 61"/>
+            <p:cNvPr id="34" name="Process 33"/>
             <p:cNvSpPr/>
             <p:nvPr/>
           </p:nvSpPr>
           <p:spPr>
             <a:xfrm>
-              <a:off x="-1783617" y="3517953"/>
-              <a:ext cx="1752066" cy="677732"/>
+              <a:off x="740001" y="3583609"/>
+              <a:ext cx="1727710" cy="677732"/>
             </a:xfrm>
             <a:prstGeom prst="flowChartProcess">
               <a:avLst/>
@@ -4260,8 +3450,25 @@
                   <a:latin typeface="Arial"/>
                   <a:cs typeface="Arial"/>
                 </a:rPr>
-                <a:t>Step A</a:t>
+                <a:t>Step </a:t>
               </a:r>
+              <a:r>
+                <a:rPr lang="en-GB" sz="1200" b="1" dirty="0" smtClean="0">
+                  <a:solidFill>
+                    <a:schemeClr val="tx1"/>
+                  </a:solidFill>
+                  <a:latin typeface="Arial"/>
+                  <a:cs typeface="Arial"/>
+                </a:rPr>
+                <a:t>2</a:t>
+              </a:r>
+              <a:endParaRPr lang="en-GB" sz="1200" b="1" dirty="0" smtClean="0">
+                <a:solidFill>
+                  <a:schemeClr val="tx1"/>
+                </a:solidFill>
+                <a:latin typeface="Arial"/>
+                <a:cs typeface="Arial"/>
+              </a:endParaRPr>
             </a:p>
             <a:p>
               <a:pPr algn="ctr"/>
@@ -4285,186 +3492,37 @@
             </a:p>
           </p:txBody>
         </p:sp>
-        <p:cxnSp>
-          <p:nvCxnSpPr>
-            <p:cNvPr id="63" name="Straight Arrow Connector 62"/>
-            <p:cNvCxnSpPr>
-              <a:stCxn id="37" idx="3"/>
-              <a:endCxn id="40" idx="1"/>
-            </p:cNvCxnSpPr>
-            <p:nvPr/>
-          </p:nvCxnSpPr>
-          <p:spPr>
-            <a:xfrm flipV="1">
-              <a:off x="-132450" y="1992087"/>
-              <a:ext cx="338398" cy="792"/>
-            </a:xfrm>
-            <a:prstGeom prst="straightConnector1">
-              <a:avLst/>
-            </a:prstGeom>
-            <a:ln w="6350" cmpd="sng">
-              <a:solidFill>
-                <a:srgbClr val="000000"/>
-              </a:solidFill>
-              <a:headEnd type="none"/>
-              <a:tailEnd type="triangle"/>
-            </a:ln>
-            <a:effectLst/>
-          </p:spPr>
-          <p:style>
-            <a:lnRef idx="2">
-              <a:schemeClr val="accent1"/>
-            </a:lnRef>
-            <a:fillRef idx="0">
-              <a:schemeClr val="accent1"/>
-            </a:fillRef>
-            <a:effectRef idx="1">
-              <a:schemeClr val="accent1"/>
-            </a:effectRef>
-            <a:fontRef idx="minor">
-              <a:schemeClr val="tx1"/>
-            </a:fontRef>
-          </p:style>
-        </p:cxnSp>
-        <p:cxnSp>
-          <p:nvCxnSpPr>
-            <p:cNvPr id="65" name="Straight Arrow Connector 64"/>
-            <p:cNvCxnSpPr>
-              <a:stCxn id="40" idx="3"/>
-              <a:endCxn id="33" idx="1"/>
-            </p:cNvCxnSpPr>
-            <p:nvPr/>
-          </p:nvCxnSpPr>
-          <p:spPr>
-            <a:xfrm>
-              <a:off x="1858261" y="1992087"/>
-              <a:ext cx="263574" cy="792"/>
-            </a:xfrm>
-            <a:prstGeom prst="straightConnector1">
-              <a:avLst/>
-            </a:prstGeom>
-            <a:ln w="6350" cmpd="sng">
-              <a:solidFill>
-                <a:srgbClr val="000000"/>
-              </a:solidFill>
-              <a:headEnd type="none"/>
-              <a:tailEnd type="triangle"/>
-            </a:ln>
-            <a:effectLst/>
-          </p:spPr>
-          <p:style>
-            <a:lnRef idx="2">
-              <a:schemeClr val="accent1"/>
-            </a:lnRef>
-            <a:fillRef idx="0">
-              <a:schemeClr val="accent1"/>
-            </a:fillRef>
-            <a:effectRef idx="1">
-              <a:schemeClr val="accent1"/>
-            </a:effectRef>
-            <a:fontRef idx="minor">
-              <a:schemeClr val="tx1"/>
-            </a:fontRef>
-          </p:style>
-        </p:cxnSp>
-        <p:cxnSp>
-          <p:nvCxnSpPr>
-            <p:cNvPr id="66" name="Straight Arrow Connector 65"/>
-            <p:cNvCxnSpPr>
-              <a:stCxn id="33" idx="3"/>
-              <a:endCxn id="44" idx="1"/>
-            </p:cNvCxnSpPr>
-            <p:nvPr/>
-          </p:nvCxnSpPr>
-          <p:spPr>
-            <a:xfrm flipV="1">
-              <a:off x="3848973" y="1991514"/>
-              <a:ext cx="338970" cy="1365"/>
-            </a:xfrm>
-            <a:prstGeom prst="straightConnector1">
-              <a:avLst/>
-            </a:prstGeom>
-            <a:ln w="6350" cmpd="sng">
-              <a:solidFill>
-                <a:srgbClr val="000000"/>
-              </a:solidFill>
-              <a:headEnd type="none"/>
-              <a:tailEnd type="triangle"/>
-            </a:ln>
-            <a:effectLst/>
-          </p:spPr>
-          <p:style>
-            <a:lnRef idx="2">
-              <a:schemeClr val="accent1"/>
-            </a:lnRef>
-            <a:fillRef idx="0">
-              <a:schemeClr val="accent1"/>
-            </a:fillRef>
-            <a:effectRef idx="1">
-              <a:schemeClr val="accent1"/>
-            </a:effectRef>
-            <a:fontRef idx="minor">
-              <a:schemeClr val="tx1"/>
-            </a:fontRef>
-          </p:style>
-        </p:cxnSp>
-        <p:cxnSp>
-          <p:nvCxnSpPr>
-            <p:cNvPr id="67" name="Straight Arrow Connector 66"/>
-            <p:cNvCxnSpPr>
-              <a:stCxn id="45" idx="3"/>
-              <a:endCxn id="47" idx="1"/>
-            </p:cNvCxnSpPr>
-            <p:nvPr/>
-          </p:nvCxnSpPr>
-          <p:spPr>
-            <a:xfrm flipV="1">
-              <a:off x="5840829" y="1990368"/>
-              <a:ext cx="339544" cy="1719"/>
-            </a:xfrm>
-            <a:prstGeom prst="straightConnector1">
-              <a:avLst/>
-            </a:prstGeom>
-            <a:ln w="6350" cmpd="sng">
-              <a:solidFill>
-                <a:srgbClr val="000000"/>
-              </a:solidFill>
-              <a:headEnd type="none"/>
-              <a:tailEnd type="triangle"/>
-            </a:ln>
-            <a:effectLst/>
-          </p:spPr>
-          <p:style>
-            <a:lnRef idx="2">
-              <a:schemeClr val="accent1"/>
-            </a:lnRef>
-            <a:fillRef idx="0">
-              <a:schemeClr val="accent1"/>
-            </a:fillRef>
-            <a:effectRef idx="1">
-              <a:schemeClr val="accent1"/>
-            </a:effectRef>
-            <a:fontRef idx="minor">
-              <a:schemeClr val="tx1"/>
-            </a:fontRef>
-          </p:style>
-        </p:cxnSp>
+      </p:grpSp>
+      <p:grpSp>
+        <p:nvGrpSpPr>
+          <p:cNvPr id="35" name="Group 34"/>
+          <p:cNvGrpSpPr/>
+          <p:nvPr/>
+        </p:nvGrpSpPr>
+        <p:grpSpPr>
+          <a:xfrm>
+            <a:off x="594882" y="1654013"/>
+            <a:ext cx="1652886" cy="678305"/>
+            <a:chOff x="814824" y="3583036"/>
+            <a:chExt cx="1652886" cy="678305"/>
+          </a:xfrm>
+        </p:grpSpPr>
         <p:sp>
           <p:nvSpPr>
-            <p:cNvPr id="69" name="Process 68"/>
+            <p:cNvPr id="37" name="Process 36"/>
             <p:cNvSpPr/>
             <p:nvPr/>
           </p:nvSpPr>
           <p:spPr>
             <a:xfrm>
-              <a:off x="206521" y="3516807"/>
+              <a:off x="814824" y="3583036"/>
               <a:ext cx="1652313" cy="677732"/>
             </a:xfrm>
             <a:prstGeom prst="flowChartProcess">
               <a:avLst/>
             </a:prstGeom>
             <a:solidFill>
-              <a:srgbClr val="F2F2F2"/>
+              <a:schemeClr val="bg1"/>
             </a:solidFill>
             <a:ln w="6350" cmpd="sng">
               <a:solidFill>
@@ -4510,7 +3568,7 @@
                   <a:latin typeface="Arial"/>
                   <a:cs typeface="Arial"/>
                 </a:rPr>
-                <a:t>Formulate a FWL effect function</a:t>
+                <a:t>Determine plant model and intervals</a:t>
               </a:r>
               <a:endParaRPr lang="en-GB" sz="1200" dirty="0">
                 <a:solidFill>
@@ -4524,13 +3582,13 @@
         </p:sp>
         <p:sp>
           <p:nvSpPr>
-            <p:cNvPr id="70" name="Process 69"/>
+            <p:cNvPr id="38" name="Process 37"/>
             <p:cNvSpPr/>
             <p:nvPr/>
           </p:nvSpPr>
           <p:spPr>
             <a:xfrm>
-              <a:off x="207094" y="3517380"/>
+              <a:off x="815397" y="3583609"/>
               <a:ext cx="1652313" cy="677732"/>
             </a:xfrm>
             <a:prstGeom prst="flowChartProcess">
@@ -4571,7 +3629,7 @@
                   <a:latin typeface="Arial"/>
                   <a:cs typeface="Arial"/>
                 </a:rPr>
-                <a:t>Step B</a:t>
+                <a:t>Step 1</a:t>
               </a:r>
             </a:p>
             <a:p>
@@ -4596,22 +3654,37 @@
             </a:p>
           </p:txBody>
         </p:sp>
+      </p:grpSp>
+      <p:grpSp>
+        <p:nvGrpSpPr>
+          <p:cNvPr id="46" name="Group 45"/>
+          <p:cNvGrpSpPr/>
+          <p:nvPr/>
+        </p:nvGrpSpPr>
+        <p:grpSpPr>
+          <a:xfrm>
+            <a:off x="4671057" y="1651502"/>
+            <a:ext cx="1652886" cy="678305"/>
+            <a:chOff x="814824" y="3583036"/>
+            <a:chExt cx="1652886" cy="678305"/>
+          </a:xfrm>
+        </p:grpSpPr>
         <p:sp>
           <p:nvSpPr>
-            <p:cNvPr id="72" name="Process 71"/>
+            <p:cNvPr id="47" name="Process 46"/>
             <p:cNvSpPr/>
             <p:nvPr/>
           </p:nvSpPr>
           <p:spPr>
             <a:xfrm>
-              <a:off x="2196086" y="3517953"/>
+              <a:off x="814824" y="3583036"/>
               <a:ext cx="1652313" cy="677732"/>
             </a:xfrm>
             <a:prstGeom prst="flowChartProcess">
               <a:avLst/>
             </a:prstGeom>
             <a:solidFill>
-              <a:srgbClr val="F2F2F2"/>
+              <a:schemeClr val="bg1"/>
             </a:solidFill>
             <a:ln w="6350" cmpd="sng">
               <a:solidFill>
@@ -4650,14 +3723,14 @@
             <a:p>
               <a:pPr algn="ctr"/>
               <a:r>
-                <a:rPr lang="en-GB" sz="1200" dirty="0" smtClean="0">
+                <a:rPr lang="en-GB" sz="1200" dirty="0">
                   <a:solidFill>
                     <a:schemeClr val="tx1"/>
                   </a:solidFill>
                   <a:latin typeface="Arial"/>
                   <a:cs typeface="Arial"/>
                 </a:rPr>
-                <a:t>Compute FWL controller model</a:t>
+                <a:t>Define controller realization form</a:t>
               </a:r>
               <a:endParaRPr lang="en-GB" sz="1200" dirty="0">
                 <a:solidFill>
@@ -4671,13 +3744,13 @@
         </p:sp>
         <p:sp>
           <p:nvSpPr>
-            <p:cNvPr id="73" name="Process 72"/>
+            <p:cNvPr id="57" name="Process 56"/>
             <p:cNvSpPr/>
             <p:nvPr/>
           </p:nvSpPr>
           <p:spPr>
             <a:xfrm>
-              <a:off x="2196659" y="3518526"/>
+              <a:off x="815397" y="3583609"/>
               <a:ext cx="1652313" cy="677732"/>
             </a:xfrm>
             <a:prstGeom prst="flowChartProcess">
@@ -4718,8 +3791,25 @@
                   <a:latin typeface="Arial"/>
                   <a:cs typeface="Arial"/>
                 </a:rPr>
-                <a:t>Step C</a:t>
+                <a:t>Step </a:t>
               </a:r>
+              <a:r>
+                <a:rPr lang="en-GB" sz="1200" b="1" dirty="0" smtClean="0">
+                  <a:solidFill>
+                    <a:schemeClr val="tx1"/>
+                  </a:solidFill>
+                  <a:latin typeface="Arial"/>
+                  <a:cs typeface="Arial"/>
+                </a:rPr>
+                <a:t>3</a:t>
+              </a:r>
+              <a:endParaRPr lang="en-GB" sz="1200" b="1" dirty="0" smtClean="0">
+                <a:solidFill>
+                  <a:schemeClr val="tx1"/>
+                </a:solidFill>
+                <a:latin typeface="Arial"/>
+                <a:cs typeface="Arial"/>
+              </a:endParaRPr>
             </a:p>
             <a:p>
               <a:pPr algn="ctr"/>
@@ -4743,186 +3833,985 @@
             </a:p>
           </p:txBody>
         </p:sp>
-        <p:sp>
-          <p:nvSpPr>
-            <p:cNvPr id="75" name="Process 74"/>
-            <p:cNvSpPr/>
-            <p:nvPr/>
-          </p:nvSpPr>
-          <p:spPr>
-            <a:xfrm>
-              <a:off x="5775864" y="3511898"/>
-              <a:ext cx="1652313" cy="677732"/>
-            </a:xfrm>
-            <a:prstGeom prst="flowChartProcess">
-              <a:avLst/>
-            </a:prstGeom>
+      </p:grpSp>
+      <p:sp>
+        <p:nvSpPr>
+          <p:cNvPr id="60" name="Process 59"/>
+          <p:cNvSpPr/>
+          <p:nvPr/>
+        </p:nvSpPr>
+        <p:spPr>
+          <a:xfrm>
+            <a:off x="606476" y="3517380"/>
+            <a:ext cx="1752639" cy="677732"/>
+          </a:xfrm>
+          <a:prstGeom prst="flowChartProcess">
+            <a:avLst/>
+          </a:prstGeom>
+          <a:solidFill>
+            <a:srgbClr val="F2F2F2"/>
+          </a:solidFill>
+          <a:ln w="6350" cmpd="sng">
             <a:solidFill>
-              <a:srgbClr val="F2F2F2"/>
+              <a:schemeClr val="tx1"/>
             </a:solidFill>
-            <a:ln w="6350" cmpd="sng">
+          </a:ln>
+          <a:effectLst/>
+        </p:spPr>
+        <p:style>
+          <a:lnRef idx="1">
+            <a:schemeClr val="accent1"/>
+          </a:lnRef>
+          <a:fillRef idx="3">
+            <a:schemeClr val="accent1"/>
+          </a:fillRef>
+          <a:effectRef idx="2">
+            <a:schemeClr val="accent1"/>
+          </a:effectRef>
+          <a:fontRef idx="minor">
+            <a:schemeClr val="lt1"/>
+          </a:fontRef>
+        </p:style>
+        <p:txBody>
+          <a:bodyPr rtlCol="0" anchor="ctr"/>
+          <a:lstStyle/>
+          <a:p>
+            <a:pPr algn="ctr"/>
+            <a:endParaRPr lang="en-GB" sz="1000" dirty="0" smtClean="0">
               <a:solidFill>
                 <a:schemeClr val="tx1"/>
               </a:solidFill>
-            </a:ln>
-            <a:effectLst/>
-          </p:spPr>
-          <p:style>
-            <a:lnRef idx="1">
-              <a:schemeClr val="accent1"/>
-            </a:lnRef>
-            <a:fillRef idx="3">
-              <a:schemeClr val="accent1"/>
-            </a:fillRef>
-            <a:effectRef idx="2">
-              <a:schemeClr val="accent1"/>
-            </a:effectRef>
-            <a:fontRef idx="minor">
-              <a:schemeClr val="lt1"/>
-            </a:fontRef>
-          </p:style>
-          <p:txBody>
-            <a:bodyPr rtlCol="0" anchor="ctr"/>
-            <a:lstStyle/>
-            <a:p>
-              <a:pPr algn="ctr"/>
-              <a:endParaRPr lang="en-GB" sz="1000" dirty="0" smtClean="0">
+              <a:latin typeface="Arial"/>
+              <a:cs typeface="Arial"/>
+            </a:endParaRPr>
+          </a:p>
+          <a:p>
+            <a:pPr algn="ctr"/>
+            <a:r>
+              <a:rPr lang="en-GB" sz="1100" dirty="0" smtClean="0">
                 <a:solidFill>
                   <a:schemeClr val="tx1"/>
                 </a:solidFill>
                 <a:latin typeface="Arial"/>
                 <a:cs typeface="Arial"/>
-              </a:endParaRPr>
-            </a:p>
-            <a:p>
-              <a:pPr algn="ctr"/>
-              <a:r>
-                <a:rPr lang="en-GB" sz="1200" dirty="0" smtClean="0">
-                  <a:solidFill>
-                    <a:schemeClr val="tx1"/>
-                  </a:solidFill>
-                  <a:latin typeface="Arial"/>
-                  <a:cs typeface="Arial"/>
-                </a:rPr>
-                <a:t>Synthesise </a:t>
-              </a:r>
-              <a:r>
-                <a:rPr lang="en-GB" sz="1200" dirty="0">
-                  <a:solidFill>
-                    <a:schemeClr val="tx1"/>
-                  </a:solidFill>
-                  <a:latin typeface="Arial"/>
-                  <a:cs typeface="Arial"/>
-                </a:rPr>
-                <a:t>closed-loop </a:t>
-              </a:r>
-              <a:r>
-                <a:rPr lang="en-GB" sz="1200" dirty="0" smtClean="0">
-                  <a:solidFill>
-                    <a:schemeClr val="tx1"/>
-                  </a:solidFill>
-                  <a:latin typeface="Arial"/>
-                  <a:cs typeface="Arial"/>
-                </a:rPr>
-                <a:t>control system</a:t>
-              </a:r>
-              <a:endParaRPr lang="en-GB" sz="1200" dirty="0">
+              </a:rPr>
+              <a:t>Construct a non-deterministic plant model</a:t>
+            </a:r>
+            <a:endParaRPr lang="en-GB" sz="1100" dirty="0">
+              <a:solidFill>
+                <a:schemeClr val="tx1"/>
+              </a:solidFill>
+              <a:latin typeface="Arial"/>
+              <a:cs typeface="Arial"/>
+            </a:endParaRPr>
+          </a:p>
+        </p:txBody>
+      </p:sp>
+      <p:sp>
+        <p:nvSpPr>
+          <p:cNvPr id="62" name="Process 61"/>
+          <p:cNvSpPr/>
+          <p:nvPr/>
+        </p:nvSpPr>
+        <p:spPr>
+          <a:xfrm>
+            <a:off x="607049" y="3517953"/>
+            <a:ext cx="1752066" cy="677732"/>
+          </a:xfrm>
+          <a:prstGeom prst="flowChartProcess">
+            <a:avLst/>
+          </a:prstGeom>
+          <a:noFill/>
+          <a:ln w="6350" cmpd="sng">
+            <a:solidFill>
+              <a:schemeClr val="tx1"/>
+            </a:solidFill>
+          </a:ln>
+          <a:effectLst/>
+        </p:spPr>
+        <p:style>
+          <a:lnRef idx="1">
+            <a:schemeClr val="accent1"/>
+          </a:lnRef>
+          <a:fillRef idx="3">
+            <a:schemeClr val="accent1"/>
+          </a:fillRef>
+          <a:effectRef idx="2">
+            <a:schemeClr val="accent1"/>
+          </a:effectRef>
+          <a:fontRef idx="minor">
+            <a:schemeClr val="lt1"/>
+          </a:fontRef>
+        </p:style>
+        <p:txBody>
+          <a:bodyPr rtlCol="0" anchor="ctr"/>
+          <a:lstStyle/>
+          <a:p>
+            <a:pPr algn="ctr"/>
+            <a:r>
+              <a:rPr lang="en-GB" sz="1200" b="1" dirty="0" smtClean="0">
                 <a:solidFill>
                   <a:schemeClr val="tx1"/>
                 </a:solidFill>
                 <a:latin typeface="Arial"/>
                 <a:cs typeface="Arial"/>
-              </a:endParaRPr>
-            </a:p>
-          </p:txBody>
-        </p:sp>
-        <p:sp>
-          <p:nvSpPr>
-            <p:cNvPr id="76" name="Process 75"/>
-            <p:cNvSpPr/>
-            <p:nvPr/>
-          </p:nvSpPr>
-          <p:spPr>
-            <a:xfrm>
-              <a:off x="5776437" y="3512471"/>
-              <a:ext cx="1652313" cy="677732"/>
-            </a:xfrm>
-            <a:prstGeom prst="flowChartProcess">
-              <a:avLst/>
-            </a:prstGeom>
-            <a:noFill/>
-            <a:ln w="6350" cmpd="sng">
+              </a:rPr>
+              <a:t>Step A</a:t>
+            </a:r>
+          </a:p>
+          <a:p>
+            <a:pPr algn="ctr"/>
+            <a:endParaRPr lang="en-GB" sz="1200" dirty="0">
               <a:solidFill>
                 <a:schemeClr val="tx1"/>
               </a:solidFill>
-            </a:ln>
-            <a:effectLst/>
-          </p:spPr>
-          <p:style>
-            <a:lnRef idx="1">
-              <a:schemeClr val="accent1"/>
-            </a:lnRef>
-            <a:fillRef idx="3">
-              <a:schemeClr val="accent1"/>
-            </a:fillRef>
-            <a:effectRef idx="2">
-              <a:schemeClr val="accent1"/>
-            </a:effectRef>
-            <a:fontRef idx="minor">
-              <a:schemeClr val="lt1"/>
-            </a:fontRef>
-          </p:style>
-          <p:txBody>
-            <a:bodyPr rtlCol="0" anchor="ctr"/>
-            <a:lstStyle/>
-            <a:p>
-              <a:pPr algn="ctr"/>
-              <a:r>
-                <a:rPr lang="en-GB" sz="1200" b="1" dirty="0" smtClean="0">
-                  <a:solidFill>
-                    <a:schemeClr val="tx1"/>
-                  </a:solidFill>
-                  <a:latin typeface="Arial"/>
-                  <a:cs typeface="Arial"/>
-                </a:rPr>
-                <a:t>Step D</a:t>
-              </a:r>
-            </a:p>
-            <a:p>
-              <a:pPr algn="ctr"/>
-              <a:endParaRPr lang="en-GB" sz="1200" dirty="0">
+              <a:latin typeface="Arial"/>
+              <a:cs typeface="Arial"/>
+            </a:endParaRPr>
+          </a:p>
+          <a:p>
+            <a:pPr algn="ctr"/>
+            <a:endParaRPr lang="en-GB" sz="1200" dirty="0" smtClean="0">
+              <a:solidFill>
+                <a:schemeClr val="tx1"/>
+              </a:solidFill>
+              <a:latin typeface="Arial"/>
+              <a:cs typeface="Arial"/>
+            </a:endParaRPr>
+          </a:p>
+        </p:txBody>
+      </p:sp>
+      <p:cxnSp>
+        <p:nvCxnSpPr>
+          <p:cNvPr id="63" name="Straight Arrow Connector 62"/>
+          <p:cNvCxnSpPr>
+            <a:stCxn id="37" idx="3"/>
+          </p:cNvCxnSpPr>
+          <p:nvPr/>
+        </p:nvCxnSpPr>
+        <p:spPr>
+          <a:xfrm flipV="1">
+            <a:off x="2247195" y="1992087"/>
+            <a:ext cx="338398" cy="792"/>
+          </a:xfrm>
+          <a:prstGeom prst="straightConnector1">
+            <a:avLst/>
+          </a:prstGeom>
+          <a:ln w="6350" cmpd="sng">
+            <a:solidFill>
+              <a:srgbClr val="000000"/>
+            </a:solidFill>
+            <a:headEnd type="none"/>
+            <a:tailEnd type="triangle"/>
+          </a:ln>
+          <a:effectLst/>
+        </p:spPr>
+        <p:style>
+          <a:lnRef idx="2">
+            <a:schemeClr val="accent1"/>
+          </a:lnRef>
+          <a:fillRef idx="0">
+            <a:schemeClr val="accent1"/>
+          </a:fillRef>
+          <a:effectRef idx="1">
+            <a:schemeClr val="accent1"/>
+          </a:effectRef>
+          <a:fontRef idx="minor">
+            <a:schemeClr val="tx1"/>
+          </a:fontRef>
+        </p:style>
+      </p:cxnSp>
+      <p:cxnSp>
+        <p:nvCxnSpPr>
+          <p:cNvPr id="67" name="Straight Arrow Connector 66"/>
+          <p:cNvCxnSpPr>
+            <a:endCxn id="47" idx="1"/>
+          </p:cNvCxnSpPr>
+          <p:nvPr/>
+        </p:nvCxnSpPr>
+        <p:spPr>
+          <a:xfrm flipV="1">
+            <a:off x="4331513" y="1990368"/>
+            <a:ext cx="339544" cy="1719"/>
+          </a:xfrm>
+          <a:prstGeom prst="straightConnector1">
+            <a:avLst/>
+          </a:prstGeom>
+          <a:ln w="6350" cmpd="sng">
+            <a:solidFill>
+              <a:srgbClr val="000000"/>
+            </a:solidFill>
+            <a:headEnd type="none"/>
+            <a:tailEnd type="triangle"/>
+          </a:ln>
+          <a:effectLst/>
+        </p:spPr>
+        <p:style>
+          <a:lnRef idx="2">
+            <a:schemeClr val="accent1"/>
+          </a:lnRef>
+          <a:fillRef idx="0">
+            <a:schemeClr val="accent1"/>
+          </a:fillRef>
+          <a:effectRef idx="1">
+            <a:schemeClr val="accent1"/>
+          </a:effectRef>
+          <a:fontRef idx="minor">
+            <a:schemeClr val="tx1"/>
+          </a:fontRef>
+        </p:style>
+      </p:cxnSp>
+      <p:sp>
+        <p:nvSpPr>
+          <p:cNvPr id="69" name="Process 68"/>
+          <p:cNvSpPr/>
+          <p:nvPr/>
+        </p:nvSpPr>
+        <p:spPr>
+          <a:xfrm>
+            <a:off x="2597187" y="3516807"/>
+            <a:ext cx="1652313" cy="677732"/>
+          </a:xfrm>
+          <a:prstGeom prst="flowChartProcess">
+            <a:avLst/>
+          </a:prstGeom>
+          <a:solidFill>
+            <a:srgbClr val="F2F2F2"/>
+          </a:solidFill>
+          <a:ln w="6350" cmpd="sng">
+            <a:solidFill>
+              <a:schemeClr val="tx1"/>
+            </a:solidFill>
+          </a:ln>
+          <a:effectLst/>
+        </p:spPr>
+        <p:style>
+          <a:lnRef idx="1">
+            <a:schemeClr val="accent1"/>
+          </a:lnRef>
+          <a:fillRef idx="3">
+            <a:schemeClr val="accent1"/>
+          </a:fillRef>
+          <a:effectRef idx="2">
+            <a:schemeClr val="accent1"/>
+          </a:effectRef>
+          <a:fontRef idx="minor">
+            <a:schemeClr val="lt1"/>
+          </a:fontRef>
+        </p:style>
+        <p:txBody>
+          <a:bodyPr rtlCol="0" anchor="ctr"/>
+          <a:lstStyle/>
+          <a:p>
+            <a:pPr algn="ctr"/>
+            <a:endParaRPr lang="en-GB" sz="1000" dirty="0" smtClean="0">
+              <a:solidFill>
+                <a:schemeClr val="tx1"/>
+              </a:solidFill>
+              <a:latin typeface="Arial"/>
+              <a:cs typeface="Arial"/>
+            </a:endParaRPr>
+          </a:p>
+          <a:p>
+            <a:pPr algn="ctr"/>
+            <a:r>
+              <a:rPr lang="en-GB" sz="1200" dirty="0" smtClean="0">
                 <a:solidFill>
                   <a:schemeClr val="tx1"/>
                 </a:solidFill>
                 <a:latin typeface="Arial"/>
                 <a:cs typeface="Arial"/>
-              </a:endParaRPr>
-            </a:p>
-            <a:p>
-              <a:pPr algn="ctr"/>
-              <a:endParaRPr lang="en-GB" sz="1200" dirty="0" smtClean="0">
+              </a:rPr>
+              <a:t>Formulate a FWL effect function</a:t>
+            </a:r>
+            <a:endParaRPr lang="en-GB" sz="1200" dirty="0">
+              <a:solidFill>
+                <a:schemeClr val="tx1"/>
+              </a:solidFill>
+              <a:latin typeface="Arial"/>
+              <a:cs typeface="Arial"/>
+            </a:endParaRPr>
+          </a:p>
+        </p:txBody>
+      </p:sp>
+      <p:sp>
+        <p:nvSpPr>
+          <p:cNvPr id="70" name="Process 69"/>
+          <p:cNvSpPr/>
+          <p:nvPr/>
+        </p:nvSpPr>
+        <p:spPr>
+          <a:xfrm>
+            <a:off x="2597760" y="3517380"/>
+            <a:ext cx="1652313" cy="677732"/>
+          </a:xfrm>
+          <a:prstGeom prst="flowChartProcess">
+            <a:avLst/>
+          </a:prstGeom>
+          <a:noFill/>
+          <a:ln w="6350" cmpd="sng">
+            <a:solidFill>
+              <a:schemeClr val="tx1"/>
+            </a:solidFill>
+          </a:ln>
+          <a:effectLst/>
+        </p:spPr>
+        <p:style>
+          <a:lnRef idx="1">
+            <a:schemeClr val="accent1"/>
+          </a:lnRef>
+          <a:fillRef idx="3">
+            <a:schemeClr val="accent1"/>
+          </a:fillRef>
+          <a:effectRef idx="2">
+            <a:schemeClr val="accent1"/>
+          </a:effectRef>
+          <a:fontRef idx="minor">
+            <a:schemeClr val="lt1"/>
+          </a:fontRef>
+        </p:style>
+        <p:txBody>
+          <a:bodyPr rtlCol="0" anchor="ctr"/>
+          <a:lstStyle/>
+          <a:p>
+            <a:pPr algn="ctr"/>
+            <a:r>
+              <a:rPr lang="en-GB" sz="1200" b="1" dirty="0" smtClean="0">
                 <a:solidFill>
                   <a:schemeClr val="tx1"/>
                 </a:solidFill>
                 <a:latin typeface="Arial"/>
                 <a:cs typeface="Arial"/>
-              </a:endParaRPr>
-            </a:p>
-          </p:txBody>
-        </p:sp>
+              </a:rPr>
+              <a:t>Step B</a:t>
+            </a:r>
+          </a:p>
+          <a:p>
+            <a:pPr algn="ctr"/>
+            <a:endParaRPr lang="en-GB" sz="1200" dirty="0">
+              <a:solidFill>
+                <a:schemeClr val="tx1"/>
+              </a:solidFill>
+              <a:latin typeface="Arial"/>
+              <a:cs typeface="Arial"/>
+            </a:endParaRPr>
+          </a:p>
+          <a:p>
+            <a:pPr algn="ctr"/>
+            <a:endParaRPr lang="en-GB" sz="1200" dirty="0" smtClean="0">
+              <a:solidFill>
+                <a:schemeClr val="tx1"/>
+              </a:solidFill>
+              <a:latin typeface="Arial"/>
+              <a:cs typeface="Arial"/>
+            </a:endParaRPr>
+          </a:p>
+        </p:txBody>
+      </p:sp>
+      <p:sp>
+        <p:nvSpPr>
+          <p:cNvPr id="72" name="Process 71"/>
+          <p:cNvSpPr/>
+          <p:nvPr/>
+        </p:nvSpPr>
+        <p:spPr>
+          <a:xfrm>
+            <a:off x="4586752" y="3517953"/>
+            <a:ext cx="1652313" cy="677732"/>
+          </a:xfrm>
+          <a:prstGeom prst="flowChartProcess">
+            <a:avLst/>
+          </a:prstGeom>
+          <a:solidFill>
+            <a:srgbClr val="F2F2F2"/>
+          </a:solidFill>
+          <a:ln w="6350" cmpd="sng">
+            <a:solidFill>
+              <a:schemeClr val="tx1"/>
+            </a:solidFill>
+          </a:ln>
+          <a:effectLst/>
+        </p:spPr>
+        <p:style>
+          <a:lnRef idx="1">
+            <a:schemeClr val="accent1"/>
+          </a:lnRef>
+          <a:fillRef idx="3">
+            <a:schemeClr val="accent1"/>
+          </a:fillRef>
+          <a:effectRef idx="2">
+            <a:schemeClr val="accent1"/>
+          </a:effectRef>
+          <a:fontRef idx="minor">
+            <a:schemeClr val="lt1"/>
+          </a:fontRef>
+        </p:style>
+        <p:txBody>
+          <a:bodyPr rtlCol="0" anchor="ctr"/>
+          <a:lstStyle/>
+          <a:p>
+            <a:pPr algn="ctr"/>
+            <a:endParaRPr lang="en-GB" sz="1000" dirty="0" smtClean="0">
+              <a:solidFill>
+                <a:schemeClr val="tx1"/>
+              </a:solidFill>
+              <a:latin typeface="Arial"/>
+              <a:cs typeface="Arial"/>
+            </a:endParaRPr>
+          </a:p>
+          <a:p>
+            <a:pPr algn="ctr"/>
+            <a:r>
+              <a:rPr lang="en-GB" sz="1200" dirty="0" smtClean="0">
+                <a:solidFill>
+                  <a:schemeClr val="tx1"/>
+                </a:solidFill>
+                <a:latin typeface="Arial"/>
+                <a:cs typeface="Arial"/>
+              </a:rPr>
+              <a:t>Compute FWL controller model</a:t>
+            </a:r>
+            <a:endParaRPr lang="en-GB" sz="1200" dirty="0">
+              <a:solidFill>
+                <a:schemeClr val="tx1"/>
+              </a:solidFill>
+              <a:latin typeface="Arial"/>
+              <a:cs typeface="Arial"/>
+            </a:endParaRPr>
+          </a:p>
+        </p:txBody>
+      </p:sp>
+      <p:sp>
+        <p:nvSpPr>
+          <p:cNvPr id="73" name="Process 72"/>
+          <p:cNvSpPr/>
+          <p:nvPr/>
+        </p:nvSpPr>
+        <p:spPr>
+          <a:xfrm>
+            <a:off x="4587325" y="3518526"/>
+            <a:ext cx="1652313" cy="677732"/>
+          </a:xfrm>
+          <a:prstGeom prst="flowChartProcess">
+            <a:avLst/>
+          </a:prstGeom>
+          <a:noFill/>
+          <a:ln w="6350" cmpd="sng">
+            <a:solidFill>
+              <a:schemeClr val="tx1"/>
+            </a:solidFill>
+          </a:ln>
+          <a:effectLst/>
+        </p:spPr>
+        <p:style>
+          <a:lnRef idx="1">
+            <a:schemeClr val="accent1"/>
+          </a:lnRef>
+          <a:fillRef idx="3">
+            <a:schemeClr val="accent1"/>
+          </a:fillRef>
+          <a:effectRef idx="2">
+            <a:schemeClr val="accent1"/>
+          </a:effectRef>
+          <a:fontRef idx="minor">
+            <a:schemeClr val="lt1"/>
+          </a:fontRef>
+        </p:style>
+        <p:txBody>
+          <a:bodyPr rtlCol="0" anchor="ctr"/>
+          <a:lstStyle/>
+          <a:p>
+            <a:pPr algn="ctr"/>
+            <a:r>
+              <a:rPr lang="en-GB" sz="1200" b="1" dirty="0" smtClean="0">
+                <a:solidFill>
+                  <a:schemeClr val="tx1"/>
+                </a:solidFill>
+                <a:latin typeface="Arial"/>
+                <a:cs typeface="Arial"/>
+              </a:rPr>
+              <a:t>Step C</a:t>
+            </a:r>
+          </a:p>
+          <a:p>
+            <a:pPr algn="ctr"/>
+            <a:endParaRPr lang="en-GB" sz="1200" dirty="0">
+              <a:solidFill>
+                <a:schemeClr val="tx1"/>
+              </a:solidFill>
+              <a:latin typeface="Arial"/>
+              <a:cs typeface="Arial"/>
+            </a:endParaRPr>
+          </a:p>
+          <a:p>
+            <a:pPr algn="ctr"/>
+            <a:endParaRPr lang="en-GB" sz="1200" dirty="0" smtClean="0">
+              <a:solidFill>
+                <a:schemeClr val="tx1"/>
+              </a:solidFill>
+              <a:latin typeface="Arial"/>
+              <a:cs typeface="Arial"/>
+            </a:endParaRPr>
+          </a:p>
+        </p:txBody>
+      </p:sp>
+      <p:sp>
+        <p:nvSpPr>
+          <p:cNvPr id="75" name="Process 74"/>
+          <p:cNvSpPr/>
+          <p:nvPr/>
+        </p:nvSpPr>
+        <p:spPr>
+          <a:xfrm>
+            <a:off x="8166530" y="3511898"/>
+            <a:ext cx="1652313" cy="677732"/>
+          </a:xfrm>
+          <a:prstGeom prst="flowChartProcess">
+            <a:avLst/>
+          </a:prstGeom>
+          <a:solidFill>
+            <a:srgbClr val="F2F2F2"/>
+          </a:solidFill>
+          <a:ln w="6350" cmpd="sng">
+            <a:solidFill>
+              <a:schemeClr val="tx1"/>
+            </a:solidFill>
+          </a:ln>
+          <a:effectLst/>
+        </p:spPr>
+        <p:style>
+          <a:lnRef idx="1">
+            <a:schemeClr val="accent1"/>
+          </a:lnRef>
+          <a:fillRef idx="3">
+            <a:schemeClr val="accent1"/>
+          </a:fillRef>
+          <a:effectRef idx="2">
+            <a:schemeClr val="accent1"/>
+          </a:effectRef>
+          <a:fontRef idx="minor">
+            <a:schemeClr val="lt1"/>
+          </a:fontRef>
+        </p:style>
+        <p:txBody>
+          <a:bodyPr rtlCol="0" anchor="ctr"/>
+          <a:lstStyle/>
+          <a:p>
+            <a:pPr algn="ctr"/>
+            <a:endParaRPr lang="en-GB" sz="1000" dirty="0" smtClean="0">
+              <a:solidFill>
+                <a:schemeClr val="tx1"/>
+              </a:solidFill>
+              <a:latin typeface="Arial"/>
+              <a:cs typeface="Arial"/>
+            </a:endParaRPr>
+          </a:p>
+          <a:p>
+            <a:pPr algn="ctr"/>
+            <a:r>
+              <a:rPr lang="en-GB" sz="1200" dirty="0" smtClean="0">
+                <a:solidFill>
+                  <a:schemeClr val="tx1"/>
+                </a:solidFill>
+                <a:latin typeface="Arial"/>
+                <a:cs typeface="Arial"/>
+              </a:rPr>
+              <a:t>Synthesise </a:t>
+            </a:r>
+            <a:r>
+              <a:rPr lang="en-GB" sz="1200" dirty="0">
+                <a:solidFill>
+                  <a:schemeClr val="tx1"/>
+                </a:solidFill>
+                <a:latin typeface="Arial"/>
+                <a:cs typeface="Arial"/>
+              </a:rPr>
+              <a:t>closed-loop </a:t>
+            </a:r>
+            <a:r>
+              <a:rPr lang="en-GB" sz="1200" dirty="0" smtClean="0">
+                <a:solidFill>
+                  <a:schemeClr val="tx1"/>
+                </a:solidFill>
+                <a:latin typeface="Arial"/>
+                <a:cs typeface="Arial"/>
+              </a:rPr>
+              <a:t>control system</a:t>
+            </a:r>
+            <a:endParaRPr lang="en-GB" sz="1200" dirty="0">
+              <a:solidFill>
+                <a:schemeClr val="tx1"/>
+              </a:solidFill>
+              <a:latin typeface="Arial"/>
+              <a:cs typeface="Arial"/>
+            </a:endParaRPr>
+          </a:p>
+        </p:txBody>
+      </p:sp>
+      <p:sp>
+        <p:nvSpPr>
+          <p:cNvPr id="76" name="Process 75"/>
+          <p:cNvSpPr/>
+          <p:nvPr/>
+        </p:nvSpPr>
+        <p:spPr>
+          <a:xfrm>
+            <a:off x="8167103" y="3512471"/>
+            <a:ext cx="1652313" cy="677732"/>
+          </a:xfrm>
+          <a:prstGeom prst="flowChartProcess">
+            <a:avLst/>
+          </a:prstGeom>
+          <a:noFill/>
+          <a:ln w="6350" cmpd="sng">
+            <a:solidFill>
+              <a:schemeClr val="tx1"/>
+            </a:solidFill>
+          </a:ln>
+          <a:effectLst/>
+        </p:spPr>
+        <p:style>
+          <a:lnRef idx="1">
+            <a:schemeClr val="accent1"/>
+          </a:lnRef>
+          <a:fillRef idx="3">
+            <a:schemeClr val="accent1"/>
+          </a:fillRef>
+          <a:effectRef idx="2">
+            <a:schemeClr val="accent1"/>
+          </a:effectRef>
+          <a:fontRef idx="minor">
+            <a:schemeClr val="lt1"/>
+          </a:fontRef>
+        </p:style>
+        <p:txBody>
+          <a:bodyPr rtlCol="0" anchor="ctr"/>
+          <a:lstStyle/>
+          <a:p>
+            <a:pPr algn="ctr"/>
+            <a:r>
+              <a:rPr lang="en-GB" sz="1200" b="1" dirty="0" smtClean="0">
+                <a:solidFill>
+                  <a:schemeClr val="tx1"/>
+                </a:solidFill>
+                <a:latin typeface="Arial"/>
+                <a:cs typeface="Arial"/>
+              </a:rPr>
+              <a:t>Step D</a:t>
+            </a:r>
+          </a:p>
+          <a:p>
+            <a:pPr algn="ctr"/>
+            <a:endParaRPr lang="en-GB" sz="1200" dirty="0">
+              <a:solidFill>
+                <a:schemeClr val="tx1"/>
+              </a:solidFill>
+              <a:latin typeface="Arial"/>
+              <a:cs typeface="Arial"/>
+            </a:endParaRPr>
+          </a:p>
+          <a:p>
+            <a:pPr algn="ctr"/>
+            <a:endParaRPr lang="en-GB" sz="1200" dirty="0" smtClean="0">
+              <a:solidFill>
+                <a:schemeClr val="tx1"/>
+              </a:solidFill>
+              <a:latin typeface="Arial"/>
+              <a:cs typeface="Arial"/>
+            </a:endParaRPr>
+          </a:p>
+        </p:txBody>
+      </p:sp>
+      <p:cxnSp>
+        <p:nvCxnSpPr>
+          <p:cNvPr id="78" name="Straight Arrow Connector 77"/>
+          <p:cNvCxnSpPr>
+            <a:stCxn id="62" idx="3"/>
+            <a:endCxn id="69" idx="1"/>
+          </p:cNvCxnSpPr>
+          <p:nvPr/>
+        </p:nvCxnSpPr>
+        <p:spPr>
+          <a:xfrm flipV="1">
+            <a:off x="2359115" y="3855673"/>
+            <a:ext cx="238072" cy="1146"/>
+          </a:xfrm>
+          <a:prstGeom prst="straightConnector1">
+            <a:avLst/>
+          </a:prstGeom>
+          <a:ln w="6350" cmpd="sng">
+            <a:solidFill>
+              <a:srgbClr val="000000"/>
+            </a:solidFill>
+            <a:headEnd type="none"/>
+            <a:tailEnd type="triangle"/>
+          </a:ln>
+          <a:effectLst/>
+        </p:spPr>
+        <p:style>
+          <a:lnRef idx="2">
+            <a:schemeClr val="accent1"/>
+          </a:lnRef>
+          <a:fillRef idx="0">
+            <a:schemeClr val="accent1"/>
+          </a:fillRef>
+          <a:effectRef idx="1">
+            <a:schemeClr val="accent1"/>
+          </a:effectRef>
+          <a:fontRef idx="minor">
+            <a:schemeClr val="tx1"/>
+          </a:fontRef>
+        </p:style>
+      </p:cxnSp>
+      <p:cxnSp>
+        <p:nvCxnSpPr>
+          <p:cNvPr id="82" name="Straight Arrow Connector 81"/>
+          <p:cNvCxnSpPr>
+            <a:stCxn id="69" idx="3"/>
+            <a:endCxn id="72" idx="1"/>
+          </p:cNvCxnSpPr>
+          <p:nvPr/>
+        </p:nvCxnSpPr>
+        <p:spPr>
+          <a:xfrm>
+            <a:off x="4249500" y="3855673"/>
+            <a:ext cx="337252" cy="1146"/>
+          </a:xfrm>
+          <a:prstGeom prst="straightConnector1">
+            <a:avLst/>
+          </a:prstGeom>
+          <a:ln w="6350" cmpd="sng">
+            <a:solidFill>
+              <a:srgbClr val="000000"/>
+            </a:solidFill>
+            <a:headEnd type="none"/>
+            <a:tailEnd type="triangle"/>
+          </a:ln>
+          <a:effectLst/>
+        </p:spPr>
+        <p:style>
+          <a:lnRef idx="2">
+            <a:schemeClr val="accent1"/>
+          </a:lnRef>
+          <a:fillRef idx="0">
+            <a:schemeClr val="accent1"/>
+          </a:fillRef>
+          <a:effectRef idx="1">
+            <a:schemeClr val="accent1"/>
+          </a:effectRef>
+          <a:fontRef idx="minor">
+            <a:schemeClr val="tx1"/>
+          </a:fontRef>
+        </p:style>
+      </p:cxnSp>
+      <p:cxnSp>
+        <p:nvCxnSpPr>
+          <p:cNvPr id="86" name="Straight Arrow Connector 85"/>
+          <p:cNvCxnSpPr>
+            <a:stCxn id="72" idx="3"/>
+            <a:endCxn id="54" idx="1"/>
+          </p:cNvCxnSpPr>
+          <p:nvPr/>
+        </p:nvCxnSpPr>
+        <p:spPr>
+          <a:xfrm flipV="1">
+            <a:off x="6239065" y="3855960"/>
+            <a:ext cx="339544" cy="859"/>
+          </a:xfrm>
+          <a:prstGeom prst="straightConnector1">
+            <a:avLst/>
+          </a:prstGeom>
+          <a:ln w="6350" cmpd="sng">
+            <a:solidFill>
+              <a:srgbClr val="000000"/>
+            </a:solidFill>
+            <a:headEnd type="none"/>
+            <a:tailEnd type="triangle"/>
+          </a:ln>
+          <a:effectLst/>
+        </p:spPr>
+        <p:style>
+          <a:lnRef idx="2">
+            <a:schemeClr val="accent1"/>
+          </a:lnRef>
+          <a:fillRef idx="0">
+            <a:schemeClr val="accent1"/>
+          </a:fillRef>
+          <a:effectRef idx="1">
+            <a:schemeClr val="accent1"/>
+          </a:effectRef>
+          <a:fontRef idx="minor">
+            <a:schemeClr val="tx1"/>
+          </a:fontRef>
+        </p:style>
+      </p:cxnSp>
+      <p:sp>
+        <p:nvSpPr>
+          <p:cNvPr id="89" name="Right Brace 88"/>
+          <p:cNvSpPr/>
+          <p:nvPr/>
+        </p:nvSpPr>
+        <p:spPr>
+          <a:xfrm rot="5400000">
+            <a:off x="3347951" y="-445393"/>
+            <a:ext cx="138264" cy="5813720"/>
+          </a:xfrm>
+          <a:prstGeom prst="rightBrace">
+            <a:avLst/>
+          </a:prstGeom>
+          <a:ln w="12700" cmpd="sng">
+            <a:solidFill>
+              <a:schemeClr val="tx1"/>
+            </a:solidFill>
+          </a:ln>
+          <a:effectLst/>
+        </p:spPr>
+        <p:style>
+          <a:lnRef idx="2">
+            <a:schemeClr val="accent1"/>
+          </a:lnRef>
+          <a:fillRef idx="0">
+            <a:schemeClr val="accent1"/>
+          </a:fillRef>
+          <a:effectRef idx="1">
+            <a:schemeClr val="accent1"/>
+          </a:effectRef>
+          <a:fontRef idx="minor">
+            <a:schemeClr val="tx1"/>
+          </a:fontRef>
+        </p:style>
+        <p:txBody>
+          <a:bodyPr rtlCol="0" anchor="ctr"/>
+          <a:lstStyle/>
+          <a:p>
+            <a:pPr algn="ctr"/>
+            <a:endParaRPr lang="en-US"/>
+          </a:p>
+        </p:txBody>
+      </p:sp>
+      <p:sp>
+        <p:nvSpPr>
+          <p:cNvPr id="90" name="Document 89"/>
+          <p:cNvSpPr/>
+          <p:nvPr/>
+        </p:nvSpPr>
+        <p:spPr>
+          <a:xfrm>
+            <a:off x="2592701" y="2608459"/>
+            <a:ext cx="1652313" cy="790826"/>
+          </a:xfrm>
+          <a:prstGeom prst="flowChartDocument">
+            <a:avLst/>
+          </a:prstGeom>
+          <a:solidFill>
+            <a:schemeClr val="bg1"/>
+          </a:solidFill>
+          <a:ln>
+            <a:solidFill>
+              <a:srgbClr val="000000"/>
+            </a:solidFill>
+            <a:prstDash val="lgDash"/>
+          </a:ln>
+          <a:effectLst/>
+        </p:spPr>
+        <p:style>
+          <a:lnRef idx="1">
+            <a:schemeClr val="accent1"/>
+          </a:lnRef>
+          <a:fillRef idx="3">
+            <a:schemeClr val="accent1"/>
+          </a:fillRef>
+          <a:effectRef idx="2">
+            <a:schemeClr val="accent1"/>
+          </a:effectRef>
+          <a:fontRef idx="minor">
+            <a:schemeClr val="lt1"/>
+          </a:fontRef>
+        </p:style>
+        <p:txBody>
+          <a:bodyPr rtlCol="0" anchor="ctr"/>
+          <a:lstStyle/>
+          <a:p>
+            <a:pPr algn="ctr"/>
+            <a:r>
+              <a:rPr lang="en-GB" sz="1200" dirty="0" smtClean="0">
+                <a:solidFill>
+                  <a:prstClr val="black"/>
+                </a:solidFill>
+                <a:latin typeface="Arial"/>
+                <a:cs typeface="Arial"/>
+              </a:rPr>
+              <a:t>ANSI-C input file</a:t>
+            </a:r>
+            <a:endParaRPr lang="en-US" sz="1200" dirty="0"/>
+          </a:p>
+        </p:txBody>
+      </p:sp>
+      <p:cxnSp>
+        <p:nvCxnSpPr>
+          <p:cNvPr id="92" name="Elbow Connector 91"/>
+          <p:cNvCxnSpPr>
+            <a:stCxn id="90" idx="1"/>
+            <a:endCxn id="60" idx="0"/>
+          </p:cNvCxnSpPr>
+          <p:nvPr/>
+        </p:nvCxnSpPr>
+        <p:spPr>
+          <a:xfrm rot="10800000" flipV="1">
+            <a:off x="1482797" y="3003872"/>
+            <a:ext cx="1109905" cy="513508"/>
+          </a:xfrm>
+          <a:prstGeom prst="bentConnector2">
+            <a:avLst/>
+          </a:prstGeom>
+          <a:ln w="6350" cmpd="sng">
+            <a:solidFill>
+              <a:srgbClr val="000000"/>
+            </a:solidFill>
+            <a:headEnd type="none"/>
+            <a:tailEnd type="triangle"/>
+          </a:ln>
+          <a:effectLst/>
+        </p:spPr>
+        <p:style>
+          <a:lnRef idx="2">
+            <a:schemeClr val="accent1"/>
+          </a:lnRef>
+          <a:fillRef idx="0">
+            <a:schemeClr val="accent1"/>
+          </a:fillRef>
+          <a:effectRef idx="1">
+            <a:schemeClr val="accent1"/>
+          </a:effectRef>
+          <a:fontRef idx="minor">
+            <a:schemeClr val="tx1"/>
+          </a:fontRef>
+        </p:style>
+      </p:cxnSp>
+      <p:grpSp>
+        <p:nvGrpSpPr>
+          <p:cNvPr id="96" name="Group 95"/>
+          <p:cNvGrpSpPr/>
+          <p:nvPr/>
+        </p:nvGrpSpPr>
+        <p:grpSpPr>
+          <a:xfrm rot="16200000">
+            <a:off x="99804" y="3555669"/>
+            <a:ext cx="243399" cy="583699"/>
+            <a:chOff x="3376545" y="5409984"/>
+            <a:chExt cx="243399" cy="351072"/>
+          </a:xfrm>
+        </p:grpSpPr>
         <p:cxnSp>
           <p:nvCxnSpPr>
-            <p:cNvPr id="78" name="Straight Arrow Connector 77"/>
-            <p:cNvCxnSpPr>
-              <a:stCxn id="62" idx="3"/>
-              <a:endCxn id="69" idx="1"/>
-            </p:cNvCxnSpPr>
+            <p:cNvPr id="97" name="Straight Arrow Connector 96"/>
+            <p:cNvCxnSpPr/>
             <p:nvPr/>
           </p:nvCxnSpPr>
           <p:spPr>
-            <a:xfrm flipV="1">
-              <a:off x="-31551" y="3855673"/>
-              <a:ext cx="238072" cy="1146"/>
+            <a:xfrm rot="5400000">
+              <a:off x="3201141" y="5585388"/>
+              <a:ext cx="351070" cy="261"/>
             </a:xfrm>
             <a:prstGeom prst="straightConnector1">
               <a:avLst/>
@@ -4953,17 +4842,14 @@
         </p:cxnSp>
         <p:cxnSp>
           <p:nvCxnSpPr>
-            <p:cNvPr id="82" name="Straight Arrow Connector 81"/>
-            <p:cNvCxnSpPr>
-              <a:stCxn id="69" idx="3"/>
-              <a:endCxn id="72" idx="1"/>
-            </p:cNvCxnSpPr>
+            <p:cNvPr id="98" name="Straight Arrow Connector 97"/>
+            <p:cNvCxnSpPr/>
             <p:nvPr/>
           </p:nvCxnSpPr>
           <p:spPr>
-            <a:xfrm>
-              <a:off x="1858834" y="3855673"/>
-              <a:ext cx="337252" cy="1146"/>
+            <a:xfrm rot="5400000">
+              <a:off x="3326406" y="5585389"/>
+              <a:ext cx="351070" cy="261"/>
             </a:xfrm>
             <a:prstGeom prst="straightConnector1">
               <a:avLst/>
@@ -4994,398 +4880,14 @@
         </p:cxnSp>
         <p:cxnSp>
           <p:nvCxnSpPr>
-            <p:cNvPr id="86" name="Straight Arrow Connector 85"/>
-            <p:cNvCxnSpPr>
-              <a:stCxn id="72" idx="3"/>
-              <a:endCxn id="54" idx="1"/>
-            </p:cNvCxnSpPr>
-            <p:nvPr/>
-          </p:nvCxnSpPr>
-          <p:spPr>
-            <a:xfrm flipV="1">
-              <a:off x="3848399" y="3855960"/>
-              <a:ext cx="339544" cy="859"/>
-            </a:xfrm>
-            <a:prstGeom prst="straightConnector1">
-              <a:avLst/>
-            </a:prstGeom>
-            <a:ln w="6350" cmpd="sng">
-              <a:solidFill>
-                <a:srgbClr val="000000"/>
-              </a:solidFill>
-              <a:headEnd type="none"/>
-              <a:tailEnd type="triangle"/>
-            </a:ln>
-            <a:effectLst/>
-          </p:spPr>
-          <p:style>
-            <a:lnRef idx="2">
-              <a:schemeClr val="accent1"/>
-            </a:lnRef>
-            <a:fillRef idx="0">
-              <a:schemeClr val="accent1"/>
-            </a:fillRef>
-            <a:effectRef idx="1">
-              <a:schemeClr val="accent1"/>
-            </a:effectRef>
-            <a:fontRef idx="minor">
-              <a:schemeClr val="tx1"/>
-            </a:fontRef>
-          </p:style>
-        </p:cxnSp>
-        <p:sp>
-          <p:nvSpPr>
-            <p:cNvPr id="89" name="Right Brace 88"/>
-            <p:cNvSpPr/>
-            <p:nvPr/>
-          </p:nvSpPr>
-          <p:spPr>
-            <a:xfrm rot="5400000">
-              <a:off x="2931140" y="-2449790"/>
-              <a:ext cx="179825" cy="9780946"/>
-            </a:xfrm>
-            <a:prstGeom prst="rightBrace">
-              <a:avLst/>
-            </a:prstGeom>
-            <a:ln w="12700" cmpd="sng">
-              <a:solidFill>
-                <a:schemeClr val="tx1"/>
-              </a:solidFill>
-            </a:ln>
-            <a:effectLst/>
-          </p:spPr>
-          <p:style>
-            <a:lnRef idx="2">
-              <a:schemeClr val="accent1"/>
-            </a:lnRef>
-            <a:fillRef idx="0">
-              <a:schemeClr val="accent1"/>
-            </a:fillRef>
-            <a:effectRef idx="1">
-              <a:schemeClr val="accent1"/>
-            </a:effectRef>
-            <a:fontRef idx="minor">
-              <a:schemeClr val="tx1"/>
-            </a:fontRef>
-          </p:style>
-          <p:txBody>
-            <a:bodyPr rtlCol="0" anchor="ctr"/>
-            <a:lstStyle/>
-            <a:p>
-              <a:pPr algn="ctr"/>
-              <a:endParaRPr lang="en-US"/>
-            </a:p>
-          </p:txBody>
-        </p:sp>
-        <p:sp>
-          <p:nvSpPr>
-            <p:cNvPr id="90" name="Document 89"/>
-            <p:cNvSpPr/>
-            <p:nvPr/>
-          </p:nvSpPr>
-          <p:spPr>
-            <a:xfrm>
-              <a:off x="2196086" y="2608459"/>
-              <a:ext cx="1652313" cy="790826"/>
-            </a:xfrm>
-            <a:prstGeom prst="flowChartDocument">
-              <a:avLst/>
-            </a:prstGeom>
-            <a:solidFill>
-              <a:schemeClr val="bg1"/>
-            </a:solidFill>
-            <a:ln>
-              <a:solidFill>
-                <a:srgbClr val="000000"/>
-              </a:solidFill>
-              <a:prstDash val="lgDash"/>
-            </a:ln>
-            <a:effectLst/>
-          </p:spPr>
-          <p:style>
-            <a:lnRef idx="1">
-              <a:schemeClr val="accent1"/>
-            </a:lnRef>
-            <a:fillRef idx="3">
-              <a:schemeClr val="accent1"/>
-            </a:fillRef>
-            <a:effectRef idx="2">
-              <a:schemeClr val="accent1"/>
-            </a:effectRef>
-            <a:fontRef idx="minor">
-              <a:schemeClr val="lt1"/>
-            </a:fontRef>
-          </p:style>
-          <p:txBody>
-            <a:bodyPr rtlCol="0" anchor="ctr"/>
-            <a:lstStyle/>
-            <a:p>
-              <a:pPr algn="ctr"/>
-              <a:r>
-                <a:rPr lang="en-GB" sz="1200" dirty="0" smtClean="0">
-                  <a:solidFill>
-                    <a:prstClr val="black"/>
-                  </a:solidFill>
-                  <a:latin typeface="Arial"/>
-                  <a:cs typeface="Arial"/>
-                </a:rPr>
-                <a:t>ANSI-C input file</a:t>
-              </a:r>
-              <a:endParaRPr lang="en-US" sz="1200" dirty="0"/>
-            </a:p>
-          </p:txBody>
-        </p:sp>
-        <p:cxnSp>
-          <p:nvCxnSpPr>
-            <p:cNvPr id="92" name="Elbow Connector 91"/>
-            <p:cNvCxnSpPr>
-              <a:stCxn id="90" idx="1"/>
-              <a:endCxn id="60" idx="0"/>
-            </p:cNvCxnSpPr>
-            <p:nvPr/>
-          </p:nvCxnSpPr>
-          <p:spPr>
-            <a:xfrm rot="10800000" flipV="1">
-              <a:off x="-907870" y="3003872"/>
-              <a:ext cx="3103956" cy="513508"/>
-            </a:xfrm>
-            <a:prstGeom prst="bentConnector2">
-              <a:avLst/>
-            </a:prstGeom>
-            <a:ln w="6350" cmpd="sng">
-              <a:solidFill>
-                <a:srgbClr val="000000"/>
-              </a:solidFill>
-              <a:headEnd type="none"/>
-              <a:tailEnd type="triangle"/>
-            </a:ln>
-            <a:effectLst/>
-          </p:spPr>
-          <p:style>
-            <a:lnRef idx="2">
-              <a:schemeClr val="accent1"/>
-            </a:lnRef>
-            <a:fillRef idx="0">
-              <a:schemeClr val="accent1"/>
-            </a:fillRef>
-            <a:effectRef idx="1">
-              <a:schemeClr val="accent1"/>
-            </a:effectRef>
-            <a:fontRef idx="minor">
-              <a:schemeClr val="tx1"/>
-            </a:fontRef>
-          </p:style>
-        </p:cxnSp>
-        <p:grpSp>
-          <p:nvGrpSpPr>
-            <p:cNvPr id="96" name="Group 95"/>
-            <p:cNvGrpSpPr/>
-            <p:nvPr/>
-          </p:nvGrpSpPr>
-          <p:grpSpPr>
-            <a:xfrm rot="16200000">
-              <a:off x="-2290862" y="3555669"/>
-              <a:ext cx="243399" cy="583699"/>
-              <a:chOff x="3376545" y="5409984"/>
-              <a:chExt cx="243399" cy="351072"/>
-            </a:xfrm>
-          </p:grpSpPr>
-          <p:cxnSp>
-            <p:nvCxnSpPr>
-              <p:cNvPr id="97" name="Straight Arrow Connector 96"/>
-              <p:cNvCxnSpPr/>
-              <p:nvPr/>
-            </p:nvCxnSpPr>
-            <p:spPr>
-              <a:xfrm rot="5400000">
-                <a:off x="3201141" y="5585388"/>
-                <a:ext cx="351070" cy="261"/>
-              </a:xfrm>
-              <a:prstGeom prst="straightConnector1">
-                <a:avLst/>
-              </a:prstGeom>
-              <a:ln w="6350" cmpd="sng">
-                <a:solidFill>
-                  <a:srgbClr val="000000"/>
-                </a:solidFill>
-                <a:headEnd type="none"/>
-                <a:tailEnd type="triangle"/>
-              </a:ln>
-              <a:effectLst/>
-            </p:spPr>
-            <p:style>
-              <a:lnRef idx="2">
-                <a:schemeClr val="accent1"/>
-              </a:lnRef>
-              <a:fillRef idx="0">
-                <a:schemeClr val="accent1"/>
-              </a:fillRef>
-              <a:effectRef idx="1">
-                <a:schemeClr val="accent1"/>
-              </a:effectRef>
-              <a:fontRef idx="minor">
-                <a:schemeClr val="tx1"/>
-              </a:fontRef>
-            </p:style>
-          </p:cxnSp>
-          <p:cxnSp>
-            <p:nvCxnSpPr>
-              <p:cNvPr id="98" name="Straight Arrow Connector 97"/>
-              <p:cNvCxnSpPr/>
-              <p:nvPr/>
-            </p:nvCxnSpPr>
-            <p:spPr>
-              <a:xfrm rot="5400000">
-                <a:off x="3326406" y="5585389"/>
-                <a:ext cx="351070" cy="261"/>
-              </a:xfrm>
-              <a:prstGeom prst="straightConnector1">
-                <a:avLst/>
-              </a:prstGeom>
-              <a:ln w="6350" cmpd="sng">
-                <a:solidFill>
-                  <a:srgbClr val="000000"/>
-                </a:solidFill>
-                <a:headEnd type="none"/>
-                <a:tailEnd type="triangle"/>
-              </a:ln>
-              <a:effectLst/>
-            </p:spPr>
-            <p:style>
-              <a:lnRef idx="2">
-                <a:schemeClr val="accent1"/>
-              </a:lnRef>
-              <a:fillRef idx="0">
-                <a:schemeClr val="accent1"/>
-              </a:fillRef>
-              <a:effectRef idx="1">
-                <a:schemeClr val="accent1"/>
-              </a:effectRef>
-              <a:fontRef idx="minor">
-                <a:schemeClr val="tx1"/>
-              </a:fontRef>
-            </p:style>
-          </p:cxnSp>
-          <p:cxnSp>
-            <p:nvCxnSpPr>
-              <p:cNvPr id="99" name="Straight Arrow Connector 98"/>
-              <p:cNvCxnSpPr/>
-              <p:nvPr/>
-            </p:nvCxnSpPr>
-            <p:spPr>
-              <a:xfrm rot="5400000">
-                <a:off x="3444279" y="5585390"/>
-                <a:ext cx="351070" cy="261"/>
-              </a:xfrm>
-              <a:prstGeom prst="straightConnector1">
-                <a:avLst/>
-              </a:prstGeom>
-              <a:ln w="6350" cmpd="sng">
-                <a:solidFill>
-                  <a:srgbClr val="000000"/>
-                </a:solidFill>
-                <a:headEnd type="none"/>
-                <a:tailEnd type="triangle"/>
-              </a:ln>
-              <a:effectLst/>
-            </p:spPr>
-            <p:style>
-              <a:lnRef idx="2">
-                <a:schemeClr val="accent1"/>
-              </a:lnRef>
-              <a:fillRef idx="0">
-                <a:schemeClr val="accent1"/>
-              </a:fillRef>
-              <a:effectRef idx="1">
-                <a:schemeClr val="accent1"/>
-              </a:effectRef>
-              <a:fontRef idx="minor">
-                <a:schemeClr val="tx1"/>
-              </a:fontRef>
-            </p:style>
-          </p:cxnSp>
-        </p:grpSp>
-        <p:sp>
-          <p:nvSpPr>
-            <p:cNvPr id="54" name="Document 53"/>
-            <p:cNvSpPr/>
-            <p:nvPr/>
-          </p:nvSpPr>
-          <p:spPr>
-            <a:xfrm>
-              <a:off x="4187943" y="3517953"/>
-              <a:ext cx="1248377" cy="676013"/>
-            </a:xfrm>
-            <a:prstGeom prst="flowChartDocument">
-              <a:avLst/>
-            </a:prstGeom>
-            <a:solidFill>
-              <a:schemeClr val="bg1"/>
-            </a:solidFill>
-            <a:ln>
-              <a:solidFill>
-                <a:srgbClr val="000000"/>
-              </a:solidFill>
-              <a:prstDash val="lgDash"/>
-            </a:ln>
-            <a:effectLst/>
-          </p:spPr>
-          <p:style>
-            <a:lnRef idx="1">
-              <a:schemeClr val="accent1"/>
-            </a:lnRef>
-            <a:fillRef idx="3">
-              <a:schemeClr val="accent1"/>
-            </a:fillRef>
-            <a:effectRef idx="2">
-              <a:schemeClr val="accent1"/>
-            </a:effectRef>
-            <a:fontRef idx="minor">
-              <a:schemeClr val="lt1"/>
-            </a:fontRef>
-          </p:style>
-          <p:txBody>
-            <a:bodyPr rtlCol="0" anchor="ctr"/>
-            <a:lstStyle/>
-            <a:p>
-              <a:pPr algn="ctr"/>
-              <a:r>
-                <a:rPr lang="en-GB" sz="1200" dirty="0" smtClean="0">
-                  <a:solidFill>
-                    <a:prstClr val="black"/>
-                  </a:solidFill>
-                  <a:latin typeface="Arial"/>
-                  <a:cs typeface="Arial"/>
-                </a:rPr>
-                <a:t>Intermediate</a:t>
-              </a:r>
-            </a:p>
-            <a:p>
-              <a:pPr algn="ctr"/>
-              <a:r>
-                <a:rPr lang="en-GB" sz="1200" dirty="0" smtClean="0">
-                  <a:solidFill>
-                    <a:prstClr val="black"/>
-                  </a:solidFill>
-                  <a:latin typeface="Arial"/>
-                  <a:cs typeface="Arial"/>
-                </a:rPr>
-                <a:t>ANSI-C code</a:t>
-              </a:r>
-              <a:endParaRPr lang="en-US" sz="1200" dirty="0"/>
-            </a:p>
-          </p:txBody>
-        </p:sp>
-        <p:cxnSp>
-          <p:nvCxnSpPr>
-            <p:cNvPr id="56" name="Straight Arrow Connector 55"/>
+            <p:cNvPr id="99" name="Straight Arrow Connector 98"/>
             <p:cNvCxnSpPr/>
             <p:nvPr/>
           </p:nvCxnSpPr>
           <p:spPr>
-            <a:xfrm flipV="1">
-              <a:off x="5436320" y="3842833"/>
-              <a:ext cx="339544" cy="859"/>
+            <a:xfrm rot="5400000">
+              <a:off x="3444279" y="5585390"/>
+              <a:ext cx="351070" cy="261"/>
             </a:xfrm>
             <a:prstGeom prst="straightConnector1">
               <a:avLst/>
@@ -5415,6 +4917,115 @@
           </p:style>
         </p:cxnSp>
       </p:grpSp>
+      <p:sp>
+        <p:nvSpPr>
+          <p:cNvPr id="54" name="Document 53"/>
+          <p:cNvSpPr/>
+          <p:nvPr/>
+        </p:nvSpPr>
+        <p:spPr>
+          <a:xfrm>
+            <a:off x="6578609" y="3517953"/>
+            <a:ext cx="1248377" cy="676013"/>
+          </a:xfrm>
+          <a:prstGeom prst="flowChartDocument">
+            <a:avLst/>
+          </a:prstGeom>
+          <a:solidFill>
+            <a:schemeClr val="bg1"/>
+          </a:solidFill>
+          <a:ln>
+            <a:solidFill>
+              <a:srgbClr val="000000"/>
+            </a:solidFill>
+            <a:prstDash val="lgDash"/>
+          </a:ln>
+          <a:effectLst/>
+        </p:spPr>
+        <p:style>
+          <a:lnRef idx="1">
+            <a:schemeClr val="accent1"/>
+          </a:lnRef>
+          <a:fillRef idx="3">
+            <a:schemeClr val="accent1"/>
+          </a:fillRef>
+          <a:effectRef idx="2">
+            <a:schemeClr val="accent1"/>
+          </a:effectRef>
+          <a:fontRef idx="minor">
+            <a:schemeClr val="lt1"/>
+          </a:fontRef>
+        </p:style>
+        <p:txBody>
+          <a:bodyPr rtlCol="0" anchor="ctr"/>
+          <a:lstStyle/>
+          <a:p>
+            <a:pPr algn="ctr"/>
+            <a:r>
+              <a:rPr lang="en-GB" sz="1200" dirty="0" smtClean="0">
+                <a:solidFill>
+                  <a:prstClr val="black"/>
+                </a:solidFill>
+                <a:latin typeface="Arial"/>
+                <a:cs typeface="Arial"/>
+              </a:rPr>
+              <a:t>Intermediate</a:t>
+            </a:r>
+          </a:p>
+          <a:p>
+            <a:pPr algn="ctr"/>
+            <a:r>
+              <a:rPr lang="en-GB" sz="1200" dirty="0" smtClean="0">
+                <a:solidFill>
+                  <a:prstClr val="black"/>
+                </a:solidFill>
+                <a:latin typeface="Arial"/>
+                <a:cs typeface="Arial"/>
+              </a:rPr>
+              <a:t>ANSI-C code</a:t>
+            </a:r>
+            <a:endParaRPr lang="en-US" sz="1200" dirty="0"/>
+          </a:p>
+        </p:txBody>
+      </p:sp>
+      <p:cxnSp>
+        <p:nvCxnSpPr>
+          <p:cNvPr id="56" name="Straight Arrow Connector 55"/>
+          <p:cNvCxnSpPr/>
+          <p:nvPr/>
+        </p:nvCxnSpPr>
+        <p:spPr>
+          <a:xfrm flipV="1">
+            <a:off x="7826986" y="3842833"/>
+            <a:ext cx="339544" cy="859"/>
+          </a:xfrm>
+          <a:prstGeom prst="straightConnector1">
+            <a:avLst/>
+          </a:prstGeom>
+          <a:ln w="6350" cmpd="sng">
+            <a:solidFill>
+              <a:srgbClr val="000000"/>
+            </a:solidFill>
+            <a:headEnd type="none"/>
+            <a:tailEnd type="triangle"/>
+          </a:ln>
+          <a:effectLst/>
+        </p:spPr>
+        <p:style>
+          <a:lnRef idx="2">
+            <a:schemeClr val="accent1"/>
+          </a:lnRef>
+          <a:fillRef idx="0">
+            <a:schemeClr val="accent1"/>
+          </a:fillRef>
+          <a:effectRef idx="1">
+            <a:schemeClr val="accent1"/>
+          </a:effectRef>
+          <a:fontRef idx="minor">
+            <a:schemeClr val="tx1"/>
+          </a:fontRef>
+        </p:style>
+      </p:cxnSp>
     </p:spTree>
     <p:extLst>
       <p:ext uri="{BB962C8B-B14F-4D97-AF65-F5344CB8AC3E}">

--- a/paper/figures/verification-flow.pptx
+++ b/paper/figures/verification-flow.pptx
@@ -3111,239 +3111,759 @@
           <a:chExt cx="0" cy="0"/>
         </a:xfrm>
       </p:grpSpPr>
-      <p:sp>
-        <p:nvSpPr>
-          <p:cNvPr id="55" name="TextBox 54"/>
-          <p:cNvSpPr txBox="1"/>
-          <p:nvPr/>
-        </p:nvSpPr>
-        <p:spPr>
-          <a:xfrm>
-            <a:off x="-653492" y="1595793"/>
-            <a:ext cx="1385221" cy="276999"/>
-          </a:xfrm>
-          <a:prstGeom prst="rect">
-            <a:avLst/>
-          </a:prstGeom>
-          <a:noFill/>
-        </p:spPr>
-        <p:txBody>
-          <a:bodyPr wrap="square" rtlCol="0">
-            <a:spAutoFit/>
-          </a:bodyPr>
-          <a:lstStyle/>
-          <a:p>
-            <a:pPr algn="ctr"/>
-            <a:r>
-              <a:rPr lang="en-GB" sz="1200" dirty="0" smtClean="0">
-                <a:latin typeface="Arial"/>
-                <a:cs typeface="Arial"/>
-              </a:rPr>
-              <a:t>User</a:t>
-            </a:r>
-            <a:endParaRPr lang="en-GB" sz="1200" dirty="0">
-              <a:latin typeface="Arial"/>
-              <a:cs typeface="Arial"/>
-            </a:endParaRPr>
-          </a:p>
-        </p:txBody>
-      </p:sp>
-      <p:sp>
-        <p:nvSpPr>
-          <p:cNvPr id="100" name="TextBox 99"/>
-          <p:cNvSpPr txBox="1"/>
-          <p:nvPr/>
-        </p:nvSpPr>
-        <p:spPr>
-          <a:xfrm>
-            <a:off x="-474091" y="3448820"/>
-            <a:ext cx="1385221" cy="276999"/>
-          </a:xfrm>
-          <a:prstGeom prst="rect">
-            <a:avLst/>
-          </a:prstGeom>
-          <a:noFill/>
-        </p:spPr>
-        <p:txBody>
-          <a:bodyPr wrap="square" rtlCol="0">
-            <a:spAutoFit/>
-          </a:bodyPr>
-          <a:lstStyle/>
-          <a:p>
-            <a:pPr algn="ctr"/>
-            <a:r>
-              <a:rPr lang="en-GB" sz="1200" dirty="0" smtClean="0">
-                <a:latin typeface="Arial"/>
-                <a:cs typeface="Arial"/>
-              </a:rPr>
-              <a:t>DSVerifier</a:t>
-            </a:r>
-            <a:endParaRPr lang="en-GB" sz="1200" dirty="0">
-              <a:latin typeface="Arial"/>
-              <a:cs typeface="Arial"/>
-            </a:endParaRPr>
-          </a:p>
-        </p:txBody>
-      </p:sp>
       <p:grpSp>
         <p:nvGrpSpPr>
-          <p:cNvPr id="48" name="Group 47"/>
-          <p:cNvGrpSpPr/>
-          <p:nvPr/>
-        </p:nvGrpSpPr>
-        <p:grpSpPr>
-          <a:xfrm rot="16200000">
-            <a:off x="96675" y="1702642"/>
-            <a:ext cx="243399" cy="583699"/>
-            <a:chOff x="3376545" y="5409984"/>
-            <a:chExt cx="243399" cy="351072"/>
-          </a:xfrm>
-        </p:grpSpPr>
-        <p:cxnSp>
-          <p:nvCxnSpPr>
-            <p:cNvPr id="23" name="Straight Arrow Connector 22"/>
-            <p:cNvCxnSpPr/>
-            <p:nvPr/>
-          </p:nvCxnSpPr>
-          <p:spPr>
-            <a:xfrm rot="5400000">
-              <a:off x="3201141" y="5585388"/>
-              <a:ext cx="351070" cy="261"/>
-            </a:xfrm>
-            <a:prstGeom prst="straightConnector1">
-              <a:avLst/>
-            </a:prstGeom>
-            <a:ln w="6350" cmpd="sng">
-              <a:solidFill>
-                <a:srgbClr val="000000"/>
-              </a:solidFill>
-              <a:headEnd type="none"/>
-              <a:tailEnd type="triangle"/>
-            </a:ln>
-            <a:effectLst/>
-          </p:spPr>
-          <p:style>
-            <a:lnRef idx="2">
-              <a:schemeClr val="accent1"/>
-            </a:lnRef>
-            <a:fillRef idx="0">
-              <a:schemeClr val="accent1"/>
-            </a:fillRef>
-            <a:effectRef idx="1">
-              <a:schemeClr val="accent1"/>
-            </a:effectRef>
-            <a:fontRef idx="minor">
-              <a:schemeClr val="tx1"/>
-            </a:fontRef>
-          </p:style>
-        </p:cxnSp>
-        <p:cxnSp>
-          <p:nvCxnSpPr>
-            <p:cNvPr id="51" name="Straight Arrow Connector 50"/>
-            <p:cNvCxnSpPr/>
-            <p:nvPr/>
-          </p:nvCxnSpPr>
-          <p:spPr>
-            <a:xfrm rot="5400000">
-              <a:off x="3326406" y="5585389"/>
-              <a:ext cx="351070" cy="261"/>
-            </a:xfrm>
-            <a:prstGeom prst="straightConnector1">
-              <a:avLst/>
-            </a:prstGeom>
-            <a:ln w="6350" cmpd="sng">
-              <a:solidFill>
-                <a:srgbClr val="000000"/>
-              </a:solidFill>
-              <a:headEnd type="none"/>
-              <a:tailEnd type="triangle"/>
-            </a:ln>
-            <a:effectLst/>
-          </p:spPr>
-          <p:style>
-            <a:lnRef idx="2">
-              <a:schemeClr val="accent1"/>
-            </a:lnRef>
-            <a:fillRef idx="0">
-              <a:schemeClr val="accent1"/>
-            </a:fillRef>
-            <a:effectRef idx="1">
-              <a:schemeClr val="accent1"/>
-            </a:effectRef>
-            <a:fontRef idx="minor">
-              <a:schemeClr val="tx1"/>
-            </a:fontRef>
-          </p:style>
-        </p:cxnSp>
-        <p:cxnSp>
-          <p:nvCxnSpPr>
-            <p:cNvPr id="52" name="Straight Arrow Connector 51"/>
-            <p:cNvCxnSpPr/>
-            <p:nvPr/>
-          </p:nvCxnSpPr>
-          <p:spPr>
-            <a:xfrm rot="5400000">
-              <a:off x="3444279" y="5585390"/>
-              <a:ext cx="351070" cy="261"/>
-            </a:xfrm>
-            <a:prstGeom prst="straightConnector1">
-              <a:avLst/>
-            </a:prstGeom>
-            <a:ln w="6350" cmpd="sng">
-              <a:solidFill>
-                <a:srgbClr val="000000"/>
-              </a:solidFill>
-              <a:headEnd type="none"/>
-              <a:tailEnd type="triangle"/>
-            </a:ln>
-            <a:effectLst/>
-          </p:spPr>
-          <p:style>
-            <a:lnRef idx="2">
-              <a:schemeClr val="accent1"/>
-            </a:lnRef>
-            <a:fillRef idx="0">
-              <a:schemeClr val="accent1"/>
-            </a:fillRef>
-            <a:effectRef idx="1">
-              <a:schemeClr val="accent1"/>
-            </a:effectRef>
-            <a:fontRef idx="minor">
-              <a:schemeClr val="tx1"/>
-            </a:fontRef>
-          </p:style>
-        </p:cxnSp>
-      </p:grpSp>
-      <p:grpSp>
-        <p:nvGrpSpPr>
-          <p:cNvPr id="3" name="Group 2"/>
+          <p:cNvPr id="5" name="Grupo 4"/>
           <p:cNvGrpSpPr/>
           <p:nvPr/>
         </p:nvGrpSpPr>
         <p:grpSpPr>
           <a:xfrm>
-            <a:off x="2584540" y="1654013"/>
-            <a:ext cx="1727711" cy="678305"/>
-            <a:chOff x="740000" y="3583036"/>
-            <a:chExt cx="1727711" cy="678305"/>
+            <a:off x="-653492" y="1595793"/>
+            <a:ext cx="10472908" cy="2600465"/>
+            <a:chOff x="-653492" y="1595793"/>
+            <a:chExt cx="10472908" cy="2600465"/>
           </a:xfrm>
         </p:grpSpPr>
         <p:sp>
           <p:nvSpPr>
-            <p:cNvPr id="33" name="Process 32"/>
+            <p:cNvPr id="55" name="TextBox 54"/>
+            <p:cNvSpPr txBox="1"/>
+            <p:nvPr/>
+          </p:nvSpPr>
+          <p:spPr>
+            <a:xfrm>
+              <a:off x="-653492" y="1595793"/>
+              <a:ext cx="1385221" cy="276999"/>
+            </a:xfrm>
+            <a:prstGeom prst="rect">
+              <a:avLst/>
+            </a:prstGeom>
+            <a:noFill/>
+          </p:spPr>
+          <p:txBody>
+            <a:bodyPr wrap="square" rtlCol="0">
+              <a:spAutoFit/>
+            </a:bodyPr>
+            <a:lstStyle/>
+            <a:p>
+              <a:pPr algn="ctr"/>
+              <a:r>
+                <a:rPr lang="en-GB" sz="1200" dirty="0" smtClean="0">
+                  <a:latin typeface="Arial"/>
+                  <a:cs typeface="Arial"/>
+                </a:rPr>
+                <a:t>User</a:t>
+              </a:r>
+              <a:endParaRPr lang="en-GB" sz="1200" dirty="0">
+                <a:latin typeface="Arial"/>
+                <a:cs typeface="Arial"/>
+              </a:endParaRPr>
+            </a:p>
+          </p:txBody>
+        </p:sp>
+        <p:sp>
+          <p:nvSpPr>
+            <p:cNvPr id="100" name="TextBox 99"/>
+            <p:cNvSpPr txBox="1"/>
+            <p:nvPr/>
+          </p:nvSpPr>
+          <p:spPr>
+            <a:xfrm>
+              <a:off x="-474091" y="3448820"/>
+              <a:ext cx="1385221" cy="276999"/>
+            </a:xfrm>
+            <a:prstGeom prst="rect">
+              <a:avLst/>
+            </a:prstGeom>
+            <a:noFill/>
+          </p:spPr>
+          <p:txBody>
+            <a:bodyPr wrap="square" rtlCol="0">
+              <a:spAutoFit/>
+            </a:bodyPr>
+            <a:lstStyle/>
+            <a:p>
+              <a:pPr algn="ctr"/>
+              <a:r>
+                <a:rPr lang="en-GB" sz="1200" dirty="0" smtClean="0">
+                  <a:latin typeface="Arial"/>
+                  <a:cs typeface="Arial"/>
+                </a:rPr>
+                <a:t>DSVerifier</a:t>
+              </a:r>
+              <a:endParaRPr lang="en-GB" sz="1200" dirty="0">
+                <a:latin typeface="Arial"/>
+                <a:cs typeface="Arial"/>
+              </a:endParaRPr>
+            </a:p>
+          </p:txBody>
+        </p:sp>
+        <p:grpSp>
+          <p:nvGrpSpPr>
+            <p:cNvPr id="48" name="Group 47"/>
+            <p:cNvGrpSpPr/>
+            <p:nvPr/>
+          </p:nvGrpSpPr>
+          <p:grpSpPr>
+            <a:xfrm rot="16200000">
+              <a:off x="96675" y="1702642"/>
+              <a:ext cx="243399" cy="583699"/>
+              <a:chOff x="3376545" y="5409984"/>
+              <a:chExt cx="243399" cy="351072"/>
+            </a:xfrm>
+          </p:grpSpPr>
+          <p:cxnSp>
+            <p:nvCxnSpPr>
+              <p:cNvPr id="23" name="Straight Arrow Connector 22"/>
+              <p:cNvCxnSpPr/>
+              <p:nvPr/>
+            </p:nvCxnSpPr>
+            <p:spPr>
+              <a:xfrm rot="5400000">
+                <a:off x="3201141" y="5585388"/>
+                <a:ext cx="351070" cy="261"/>
+              </a:xfrm>
+              <a:prstGeom prst="straightConnector1">
+                <a:avLst/>
+              </a:prstGeom>
+              <a:ln w="6350" cmpd="sng">
+                <a:solidFill>
+                  <a:srgbClr val="000000"/>
+                </a:solidFill>
+                <a:headEnd type="none"/>
+                <a:tailEnd type="triangle"/>
+              </a:ln>
+              <a:effectLst/>
+            </p:spPr>
+            <p:style>
+              <a:lnRef idx="2">
+                <a:schemeClr val="accent1"/>
+              </a:lnRef>
+              <a:fillRef idx="0">
+                <a:schemeClr val="accent1"/>
+              </a:fillRef>
+              <a:effectRef idx="1">
+                <a:schemeClr val="accent1"/>
+              </a:effectRef>
+              <a:fontRef idx="minor">
+                <a:schemeClr val="tx1"/>
+              </a:fontRef>
+            </p:style>
+          </p:cxnSp>
+          <p:cxnSp>
+            <p:nvCxnSpPr>
+              <p:cNvPr id="51" name="Straight Arrow Connector 50"/>
+              <p:cNvCxnSpPr/>
+              <p:nvPr/>
+            </p:nvCxnSpPr>
+            <p:spPr>
+              <a:xfrm rot="5400000">
+                <a:off x="3326406" y="5585389"/>
+                <a:ext cx="351070" cy="261"/>
+              </a:xfrm>
+              <a:prstGeom prst="straightConnector1">
+                <a:avLst/>
+              </a:prstGeom>
+              <a:ln w="6350" cmpd="sng">
+                <a:solidFill>
+                  <a:srgbClr val="000000"/>
+                </a:solidFill>
+                <a:headEnd type="none"/>
+                <a:tailEnd type="triangle"/>
+              </a:ln>
+              <a:effectLst/>
+            </p:spPr>
+            <p:style>
+              <a:lnRef idx="2">
+                <a:schemeClr val="accent1"/>
+              </a:lnRef>
+              <a:fillRef idx="0">
+                <a:schemeClr val="accent1"/>
+              </a:fillRef>
+              <a:effectRef idx="1">
+                <a:schemeClr val="accent1"/>
+              </a:effectRef>
+              <a:fontRef idx="minor">
+                <a:schemeClr val="tx1"/>
+              </a:fontRef>
+            </p:style>
+          </p:cxnSp>
+          <p:cxnSp>
+            <p:nvCxnSpPr>
+              <p:cNvPr id="52" name="Straight Arrow Connector 51"/>
+              <p:cNvCxnSpPr/>
+              <p:nvPr/>
+            </p:nvCxnSpPr>
+            <p:spPr>
+              <a:xfrm rot="5400000">
+                <a:off x="3444279" y="5585390"/>
+                <a:ext cx="351070" cy="261"/>
+              </a:xfrm>
+              <a:prstGeom prst="straightConnector1">
+                <a:avLst/>
+              </a:prstGeom>
+              <a:ln w="6350" cmpd="sng">
+                <a:solidFill>
+                  <a:srgbClr val="000000"/>
+                </a:solidFill>
+                <a:headEnd type="none"/>
+                <a:tailEnd type="triangle"/>
+              </a:ln>
+              <a:effectLst/>
+            </p:spPr>
+            <p:style>
+              <a:lnRef idx="2">
+                <a:schemeClr val="accent1"/>
+              </a:lnRef>
+              <a:fillRef idx="0">
+                <a:schemeClr val="accent1"/>
+              </a:fillRef>
+              <a:effectRef idx="1">
+                <a:schemeClr val="accent1"/>
+              </a:effectRef>
+              <a:fontRef idx="minor">
+                <a:schemeClr val="tx1"/>
+              </a:fontRef>
+            </p:style>
+          </p:cxnSp>
+        </p:grpSp>
+        <p:grpSp>
+          <p:nvGrpSpPr>
+            <p:cNvPr id="3" name="Group 2"/>
+            <p:cNvGrpSpPr/>
+            <p:nvPr/>
+          </p:nvGrpSpPr>
+          <p:grpSpPr>
+            <a:xfrm>
+              <a:off x="2584540" y="1654013"/>
+              <a:ext cx="1727711" cy="678305"/>
+              <a:chOff x="740000" y="3583036"/>
+              <a:chExt cx="1727711" cy="678305"/>
+            </a:xfrm>
+          </p:grpSpPr>
+          <p:sp>
+            <p:nvSpPr>
+              <p:cNvPr id="33" name="Process 32"/>
+              <p:cNvSpPr/>
+              <p:nvPr/>
+            </p:nvSpPr>
+            <p:spPr>
+              <a:xfrm>
+                <a:off x="740000" y="3583036"/>
+                <a:ext cx="1727138" cy="677732"/>
+              </a:xfrm>
+              <a:prstGeom prst="flowChartProcess">
+                <a:avLst/>
+              </a:prstGeom>
+              <a:solidFill>
+                <a:schemeClr val="bg1"/>
+              </a:solidFill>
+              <a:ln w="6350" cmpd="sng">
+                <a:solidFill>
+                  <a:schemeClr val="tx1"/>
+                </a:solidFill>
+              </a:ln>
+              <a:effectLst/>
+            </p:spPr>
+            <p:style>
+              <a:lnRef idx="1">
+                <a:schemeClr val="accent1"/>
+              </a:lnRef>
+              <a:fillRef idx="3">
+                <a:schemeClr val="accent1"/>
+              </a:fillRef>
+              <a:effectRef idx="2">
+                <a:schemeClr val="accent1"/>
+              </a:effectRef>
+              <a:fontRef idx="minor">
+                <a:schemeClr val="lt1"/>
+              </a:fontRef>
+            </p:style>
+            <p:txBody>
+              <a:bodyPr rtlCol="0" anchor="ctr"/>
+              <a:lstStyle/>
+              <a:p>
+                <a:pPr algn="ctr"/>
+                <a:endParaRPr lang="en-GB" sz="1000" dirty="0" smtClean="0">
+                  <a:solidFill>
+                    <a:schemeClr val="tx1"/>
+                  </a:solidFill>
+                  <a:latin typeface="Arial"/>
+                  <a:cs typeface="Arial"/>
+                </a:endParaRPr>
+              </a:p>
+              <a:p>
+                <a:pPr algn="ctr"/>
+                <a:r>
+                  <a:rPr lang="en-GB" sz="1100" dirty="0" smtClean="0">
+                    <a:solidFill>
+                      <a:schemeClr val="tx1"/>
+                    </a:solidFill>
+                    <a:latin typeface="Arial"/>
+                    <a:cs typeface="Arial"/>
+                  </a:rPr>
+                  <a:t>Define controller numerical representation</a:t>
+                </a:r>
+                <a:endParaRPr lang="en-GB" sz="1100" dirty="0">
+                  <a:solidFill>
+                    <a:schemeClr val="tx1"/>
+                  </a:solidFill>
+                  <a:latin typeface="Arial"/>
+                  <a:cs typeface="Arial"/>
+                </a:endParaRPr>
+              </a:p>
+            </p:txBody>
+          </p:sp>
+          <p:sp>
+            <p:nvSpPr>
+              <p:cNvPr id="34" name="Process 33"/>
+              <p:cNvSpPr/>
+              <p:nvPr/>
+            </p:nvSpPr>
+            <p:spPr>
+              <a:xfrm>
+                <a:off x="740001" y="3583609"/>
+                <a:ext cx="1727710" cy="677732"/>
+              </a:xfrm>
+              <a:prstGeom prst="flowChartProcess">
+                <a:avLst/>
+              </a:prstGeom>
+              <a:noFill/>
+              <a:ln w="6350" cmpd="sng">
+                <a:solidFill>
+                  <a:schemeClr val="tx1"/>
+                </a:solidFill>
+              </a:ln>
+              <a:effectLst/>
+            </p:spPr>
+            <p:style>
+              <a:lnRef idx="1">
+                <a:schemeClr val="accent1"/>
+              </a:lnRef>
+              <a:fillRef idx="3">
+                <a:schemeClr val="accent1"/>
+              </a:fillRef>
+              <a:effectRef idx="2">
+                <a:schemeClr val="accent1"/>
+              </a:effectRef>
+              <a:fontRef idx="minor">
+                <a:schemeClr val="lt1"/>
+              </a:fontRef>
+            </p:style>
+            <p:txBody>
+              <a:bodyPr rtlCol="0" anchor="ctr"/>
+              <a:lstStyle/>
+              <a:p>
+                <a:pPr algn="ctr"/>
+                <a:r>
+                  <a:rPr lang="en-GB" sz="1200" b="1" dirty="0" smtClean="0">
+                    <a:solidFill>
+                      <a:schemeClr val="tx1"/>
+                    </a:solidFill>
+                    <a:latin typeface="Arial"/>
+                    <a:cs typeface="Arial"/>
+                  </a:rPr>
+                  <a:t>Step </a:t>
+                </a:r>
+                <a:r>
+                  <a:rPr lang="en-GB" sz="1200" b="1" dirty="0" smtClean="0">
+                    <a:solidFill>
+                      <a:schemeClr val="tx1"/>
+                    </a:solidFill>
+                    <a:latin typeface="Arial"/>
+                    <a:cs typeface="Arial"/>
+                  </a:rPr>
+                  <a:t>2</a:t>
+                </a:r>
+                <a:endParaRPr lang="en-GB" sz="1200" b="1" dirty="0" smtClean="0">
+                  <a:solidFill>
+                    <a:schemeClr val="tx1"/>
+                  </a:solidFill>
+                  <a:latin typeface="Arial"/>
+                  <a:cs typeface="Arial"/>
+                </a:endParaRPr>
+              </a:p>
+              <a:p>
+                <a:pPr algn="ctr"/>
+                <a:endParaRPr lang="en-GB" sz="1200" dirty="0">
+                  <a:solidFill>
+                    <a:schemeClr val="tx1"/>
+                  </a:solidFill>
+                  <a:latin typeface="Arial"/>
+                  <a:cs typeface="Arial"/>
+                </a:endParaRPr>
+              </a:p>
+              <a:p>
+                <a:pPr algn="ctr"/>
+                <a:endParaRPr lang="en-GB" sz="1200" dirty="0" smtClean="0">
+                  <a:solidFill>
+                    <a:schemeClr val="tx1"/>
+                  </a:solidFill>
+                  <a:latin typeface="Arial"/>
+                  <a:cs typeface="Arial"/>
+                </a:endParaRPr>
+              </a:p>
+            </p:txBody>
+          </p:sp>
+        </p:grpSp>
+        <p:grpSp>
+          <p:nvGrpSpPr>
+            <p:cNvPr id="35" name="Group 34"/>
+            <p:cNvGrpSpPr/>
+            <p:nvPr/>
+          </p:nvGrpSpPr>
+          <p:grpSpPr>
+            <a:xfrm>
+              <a:off x="594882" y="1654013"/>
+              <a:ext cx="1652886" cy="678305"/>
+              <a:chOff x="814824" y="3583036"/>
+              <a:chExt cx="1652886" cy="678305"/>
+            </a:xfrm>
+          </p:grpSpPr>
+          <p:sp>
+            <p:nvSpPr>
+              <p:cNvPr id="37" name="Process 36"/>
+              <p:cNvSpPr/>
+              <p:nvPr/>
+            </p:nvSpPr>
+            <p:spPr>
+              <a:xfrm>
+                <a:off x="814824" y="3583036"/>
+                <a:ext cx="1652313" cy="677732"/>
+              </a:xfrm>
+              <a:prstGeom prst="flowChartProcess">
+                <a:avLst/>
+              </a:prstGeom>
+              <a:solidFill>
+                <a:schemeClr val="bg1"/>
+              </a:solidFill>
+              <a:ln w="6350" cmpd="sng">
+                <a:solidFill>
+                  <a:schemeClr val="tx1"/>
+                </a:solidFill>
+              </a:ln>
+              <a:effectLst/>
+            </p:spPr>
+            <p:style>
+              <a:lnRef idx="1">
+                <a:schemeClr val="accent1"/>
+              </a:lnRef>
+              <a:fillRef idx="3">
+                <a:schemeClr val="accent1"/>
+              </a:fillRef>
+              <a:effectRef idx="2">
+                <a:schemeClr val="accent1"/>
+              </a:effectRef>
+              <a:fontRef idx="minor">
+                <a:schemeClr val="lt1"/>
+              </a:fontRef>
+            </p:style>
+            <p:txBody>
+              <a:bodyPr rtlCol="0" anchor="ctr"/>
+              <a:lstStyle/>
+              <a:p>
+                <a:pPr algn="ctr"/>
+                <a:endParaRPr lang="en-GB" sz="1000" dirty="0" smtClean="0">
+                  <a:solidFill>
+                    <a:schemeClr val="tx1"/>
+                  </a:solidFill>
+                  <a:latin typeface="Arial"/>
+                  <a:cs typeface="Arial"/>
+                </a:endParaRPr>
+              </a:p>
+              <a:p>
+                <a:pPr algn="ctr"/>
+                <a:r>
+                  <a:rPr lang="en-GB" sz="1200" dirty="0" smtClean="0">
+                    <a:solidFill>
+                      <a:schemeClr val="tx1"/>
+                    </a:solidFill>
+                    <a:latin typeface="Arial"/>
+                    <a:cs typeface="Arial"/>
+                  </a:rPr>
+                  <a:t>Determine plant model and intervals</a:t>
+                </a:r>
+                <a:endParaRPr lang="en-GB" sz="1200" dirty="0">
+                  <a:solidFill>
+                    <a:schemeClr val="tx1"/>
+                  </a:solidFill>
+                  <a:latin typeface="Arial"/>
+                  <a:cs typeface="Arial"/>
+                </a:endParaRPr>
+              </a:p>
+            </p:txBody>
+          </p:sp>
+          <p:sp>
+            <p:nvSpPr>
+              <p:cNvPr id="38" name="Process 37"/>
+              <p:cNvSpPr/>
+              <p:nvPr/>
+            </p:nvSpPr>
+            <p:spPr>
+              <a:xfrm>
+                <a:off x="815397" y="3583609"/>
+                <a:ext cx="1652313" cy="677732"/>
+              </a:xfrm>
+              <a:prstGeom prst="flowChartProcess">
+                <a:avLst/>
+              </a:prstGeom>
+              <a:noFill/>
+              <a:ln w="6350" cmpd="sng">
+                <a:solidFill>
+                  <a:schemeClr val="tx1"/>
+                </a:solidFill>
+              </a:ln>
+              <a:effectLst/>
+            </p:spPr>
+            <p:style>
+              <a:lnRef idx="1">
+                <a:schemeClr val="accent1"/>
+              </a:lnRef>
+              <a:fillRef idx="3">
+                <a:schemeClr val="accent1"/>
+              </a:fillRef>
+              <a:effectRef idx="2">
+                <a:schemeClr val="accent1"/>
+              </a:effectRef>
+              <a:fontRef idx="minor">
+                <a:schemeClr val="lt1"/>
+              </a:fontRef>
+            </p:style>
+            <p:txBody>
+              <a:bodyPr rtlCol="0" anchor="ctr"/>
+              <a:lstStyle/>
+              <a:p>
+                <a:pPr algn="ctr"/>
+                <a:r>
+                  <a:rPr lang="en-GB" sz="1200" b="1" dirty="0" smtClean="0">
+                    <a:solidFill>
+                      <a:schemeClr val="tx1"/>
+                    </a:solidFill>
+                    <a:latin typeface="Arial"/>
+                    <a:cs typeface="Arial"/>
+                  </a:rPr>
+                  <a:t>Step 1</a:t>
+                </a:r>
+              </a:p>
+              <a:p>
+                <a:pPr algn="ctr"/>
+                <a:endParaRPr lang="en-GB" sz="1200" dirty="0">
+                  <a:solidFill>
+                    <a:schemeClr val="tx1"/>
+                  </a:solidFill>
+                  <a:latin typeface="Arial"/>
+                  <a:cs typeface="Arial"/>
+                </a:endParaRPr>
+              </a:p>
+              <a:p>
+                <a:pPr algn="ctr"/>
+                <a:endParaRPr lang="en-GB" sz="1200" dirty="0" smtClean="0">
+                  <a:solidFill>
+                    <a:schemeClr val="tx1"/>
+                  </a:solidFill>
+                  <a:latin typeface="Arial"/>
+                  <a:cs typeface="Arial"/>
+                </a:endParaRPr>
+              </a:p>
+            </p:txBody>
+          </p:sp>
+        </p:grpSp>
+        <p:grpSp>
+          <p:nvGrpSpPr>
+            <p:cNvPr id="46" name="Group 45"/>
+            <p:cNvGrpSpPr/>
+            <p:nvPr/>
+          </p:nvGrpSpPr>
+          <p:grpSpPr>
+            <a:xfrm>
+              <a:off x="4671057" y="1651502"/>
+              <a:ext cx="1652886" cy="678305"/>
+              <a:chOff x="814824" y="3583036"/>
+              <a:chExt cx="1652886" cy="678305"/>
+            </a:xfrm>
+          </p:grpSpPr>
+          <p:sp>
+            <p:nvSpPr>
+              <p:cNvPr id="47" name="Process 46"/>
+              <p:cNvSpPr/>
+              <p:nvPr/>
+            </p:nvSpPr>
+            <p:spPr>
+              <a:xfrm>
+                <a:off x="814824" y="3583036"/>
+                <a:ext cx="1652313" cy="677732"/>
+              </a:xfrm>
+              <a:prstGeom prst="flowChartProcess">
+                <a:avLst/>
+              </a:prstGeom>
+              <a:solidFill>
+                <a:schemeClr val="bg1"/>
+              </a:solidFill>
+              <a:ln w="6350" cmpd="sng">
+                <a:solidFill>
+                  <a:schemeClr val="tx1"/>
+                </a:solidFill>
+              </a:ln>
+              <a:effectLst/>
+            </p:spPr>
+            <p:style>
+              <a:lnRef idx="1">
+                <a:schemeClr val="accent1"/>
+              </a:lnRef>
+              <a:fillRef idx="3">
+                <a:schemeClr val="accent1"/>
+              </a:fillRef>
+              <a:effectRef idx="2">
+                <a:schemeClr val="accent1"/>
+              </a:effectRef>
+              <a:fontRef idx="minor">
+                <a:schemeClr val="lt1"/>
+              </a:fontRef>
+            </p:style>
+            <p:txBody>
+              <a:bodyPr rtlCol="0" anchor="ctr"/>
+              <a:lstStyle/>
+              <a:p>
+                <a:pPr algn="ctr"/>
+                <a:endParaRPr lang="en-GB" sz="1000" dirty="0" smtClean="0">
+                  <a:solidFill>
+                    <a:schemeClr val="tx1"/>
+                  </a:solidFill>
+                  <a:latin typeface="Arial"/>
+                  <a:cs typeface="Arial"/>
+                </a:endParaRPr>
+              </a:p>
+              <a:p>
+                <a:pPr algn="ctr"/>
+                <a:r>
+                  <a:rPr lang="en-GB" sz="1200" dirty="0">
+                    <a:solidFill>
+                      <a:schemeClr val="tx1"/>
+                    </a:solidFill>
+                    <a:latin typeface="Arial"/>
+                    <a:cs typeface="Arial"/>
+                  </a:rPr>
+                  <a:t>Define controller realization form</a:t>
+                </a:r>
+                <a:endParaRPr lang="en-GB" sz="1200" dirty="0">
+                  <a:solidFill>
+                    <a:schemeClr val="tx1"/>
+                  </a:solidFill>
+                  <a:latin typeface="Arial"/>
+                  <a:cs typeface="Arial"/>
+                </a:endParaRPr>
+              </a:p>
+            </p:txBody>
+          </p:sp>
+          <p:sp>
+            <p:nvSpPr>
+              <p:cNvPr id="57" name="Process 56"/>
+              <p:cNvSpPr/>
+              <p:nvPr/>
+            </p:nvSpPr>
+            <p:spPr>
+              <a:xfrm>
+                <a:off x="815397" y="3583609"/>
+                <a:ext cx="1652313" cy="677732"/>
+              </a:xfrm>
+              <a:prstGeom prst="flowChartProcess">
+                <a:avLst/>
+              </a:prstGeom>
+              <a:noFill/>
+              <a:ln w="6350" cmpd="sng">
+                <a:solidFill>
+                  <a:schemeClr val="tx1"/>
+                </a:solidFill>
+              </a:ln>
+              <a:effectLst/>
+            </p:spPr>
+            <p:style>
+              <a:lnRef idx="1">
+                <a:schemeClr val="accent1"/>
+              </a:lnRef>
+              <a:fillRef idx="3">
+                <a:schemeClr val="accent1"/>
+              </a:fillRef>
+              <a:effectRef idx="2">
+                <a:schemeClr val="accent1"/>
+              </a:effectRef>
+              <a:fontRef idx="minor">
+                <a:schemeClr val="lt1"/>
+              </a:fontRef>
+            </p:style>
+            <p:txBody>
+              <a:bodyPr rtlCol="0" anchor="ctr"/>
+              <a:lstStyle/>
+              <a:p>
+                <a:pPr algn="ctr"/>
+                <a:r>
+                  <a:rPr lang="en-GB" sz="1200" b="1" dirty="0" smtClean="0">
+                    <a:solidFill>
+                      <a:schemeClr val="tx1"/>
+                    </a:solidFill>
+                    <a:latin typeface="Arial"/>
+                    <a:cs typeface="Arial"/>
+                  </a:rPr>
+                  <a:t>Step </a:t>
+                </a:r>
+                <a:r>
+                  <a:rPr lang="en-GB" sz="1200" b="1" dirty="0" smtClean="0">
+                    <a:solidFill>
+                      <a:schemeClr val="tx1"/>
+                    </a:solidFill>
+                    <a:latin typeface="Arial"/>
+                    <a:cs typeface="Arial"/>
+                  </a:rPr>
+                  <a:t>3</a:t>
+                </a:r>
+                <a:endParaRPr lang="en-GB" sz="1200" b="1" dirty="0" smtClean="0">
+                  <a:solidFill>
+                    <a:schemeClr val="tx1"/>
+                  </a:solidFill>
+                  <a:latin typeface="Arial"/>
+                  <a:cs typeface="Arial"/>
+                </a:endParaRPr>
+              </a:p>
+              <a:p>
+                <a:pPr algn="ctr"/>
+                <a:endParaRPr lang="en-GB" sz="1200" dirty="0">
+                  <a:solidFill>
+                    <a:schemeClr val="tx1"/>
+                  </a:solidFill>
+                  <a:latin typeface="Arial"/>
+                  <a:cs typeface="Arial"/>
+                </a:endParaRPr>
+              </a:p>
+              <a:p>
+                <a:pPr algn="ctr"/>
+                <a:endParaRPr lang="en-GB" sz="1200" dirty="0" smtClean="0">
+                  <a:solidFill>
+                    <a:schemeClr val="tx1"/>
+                  </a:solidFill>
+                  <a:latin typeface="Arial"/>
+                  <a:cs typeface="Arial"/>
+                </a:endParaRPr>
+              </a:p>
+            </p:txBody>
+          </p:sp>
+        </p:grpSp>
+        <p:sp>
+          <p:nvSpPr>
+            <p:cNvPr id="60" name="Process 59"/>
             <p:cNvSpPr/>
             <p:nvPr/>
           </p:nvSpPr>
           <p:spPr>
             <a:xfrm>
-              <a:off x="740000" y="3583036"/>
-              <a:ext cx="1727138" cy="677732"/>
+              <a:off x="606476" y="3517380"/>
+              <a:ext cx="1752639" cy="677732"/>
             </a:xfrm>
             <a:prstGeom prst="flowChartProcess">
               <a:avLst/>
             </a:prstGeom>
             <a:solidFill>
-              <a:schemeClr val="bg1"/>
+              <a:srgbClr val="F2F2F2"/>
             </a:solidFill>
             <a:ln w="6350" cmpd="sng">
               <a:solidFill>
@@ -3389,7 +3909,7 @@
                   <a:latin typeface="Arial"/>
                   <a:cs typeface="Arial"/>
                 </a:rPr>
-                <a:t>Define controller numerical representation</a:t>
+                <a:t>Construct a non-deterministic plant model</a:t>
               </a:r>
               <a:endParaRPr lang="en-GB" sz="1100" dirty="0">
                 <a:solidFill>
@@ -3403,14 +3923,14 @@
         </p:sp>
         <p:sp>
           <p:nvSpPr>
-            <p:cNvPr id="34" name="Process 33"/>
+            <p:cNvPr id="62" name="Process 61"/>
             <p:cNvSpPr/>
             <p:nvPr/>
           </p:nvSpPr>
           <p:spPr>
             <a:xfrm>
-              <a:off x="740001" y="3583609"/>
-              <a:ext cx="1727710" cy="677732"/>
+              <a:off x="607049" y="3517953"/>
+              <a:ext cx="1752066" cy="677732"/>
             </a:xfrm>
             <a:prstGeom prst="flowChartProcess">
               <a:avLst/>
@@ -3450,25 +3970,8 @@
                   <a:latin typeface="Arial"/>
                   <a:cs typeface="Arial"/>
                 </a:rPr>
-                <a:t>Step </a:t>
+                <a:t>Step A</a:t>
               </a:r>
-              <a:r>
-                <a:rPr lang="en-GB" sz="1200" b="1" dirty="0" smtClean="0">
-                  <a:solidFill>
-                    <a:schemeClr val="tx1"/>
-                  </a:solidFill>
-                  <a:latin typeface="Arial"/>
-                  <a:cs typeface="Arial"/>
-                </a:rPr>
-                <a:t>2</a:t>
-              </a:r>
-              <a:endParaRPr lang="en-GB" sz="1200" b="1" dirty="0" smtClean="0">
-                <a:solidFill>
-                  <a:schemeClr val="tx1"/>
-                </a:solidFill>
-                <a:latin typeface="Arial"/>
-                <a:cs typeface="Arial"/>
-              </a:endParaRPr>
             </a:p>
             <a:p>
               <a:pPr algn="ctr"/>
@@ -3492,37 +3995,102 @@
             </a:p>
           </p:txBody>
         </p:sp>
-      </p:grpSp>
-      <p:grpSp>
-        <p:nvGrpSpPr>
-          <p:cNvPr id="35" name="Group 34"/>
-          <p:cNvGrpSpPr/>
-          <p:nvPr/>
-        </p:nvGrpSpPr>
-        <p:grpSpPr>
-          <a:xfrm>
-            <a:off x="594882" y="1654013"/>
-            <a:ext cx="1652886" cy="678305"/>
-            <a:chOff x="814824" y="3583036"/>
-            <a:chExt cx="1652886" cy="678305"/>
-          </a:xfrm>
-        </p:grpSpPr>
+        <p:cxnSp>
+          <p:nvCxnSpPr>
+            <p:cNvPr id="63" name="Straight Arrow Connector 62"/>
+            <p:cNvCxnSpPr>
+              <a:stCxn id="37" idx="3"/>
+            </p:cNvCxnSpPr>
+            <p:nvPr/>
+          </p:nvCxnSpPr>
+          <p:spPr>
+            <a:xfrm flipV="1">
+              <a:off x="2247195" y="1992087"/>
+              <a:ext cx="338398" cy="792"/>
+            </a:xfrm>
+            <a:prstGeom prst="straightConnector1">
+              <a:avLst/>
+            </a:prstGeom>
+            <a:ln w="6350" cmpd="sng">
+              <a:solidFill>
+                <a:srgbClr val="000000"/>
+              </a:solidFill>
+              <a:headEnd type="none"/>
+              <a:tailEnd type="triangle"/>
+            </a:ln>
+            <a:effectLst/>
+          </p:spPr>
+          <p:style>
+            <a:lnRef idx="2">
+              <a:schemeClr val="accent1"/>
+            </a:lnRef>
+            <a:fillRef idx="0">
+              <a:schemeClr val="accent1"/>
+            </a:fillRef>
+            <a:effectRef idx="1">
+              <a:schemeClr val="accent1"/>
+            </a:effectRef>
+            <a:fontRef idx="minor">
+              <a:schemeClr val="tx1"/>
+            </a:fontRef>
+          </p:style>
+        </p:cxnSp>
+        <p:cxnSp>
+          <p:nvCxnSpPr>
+            <p:cNvPr id="67" name="Straight Arrow Connector 66"/>
+            <p:cNvCxnSpPr>
+              <a:endCxn id="47" idx="1"/>
+            </p:cNvCxnSpPr>
+            <p:nvPr/>
+          </p:nvCxnSpPr>
+          <p:spPr>
+            <a:xfrm flipV="1">
+              <a:off x="4331513" y="1990368"/>
+              <a:ext cx="339544" cy="1719"/>
+            </a:xfrm>
+            <a:prstGeom prst="straightConnector1">
+              <a:avLst/>
+            </a:prstGeom>
+            <a:ln w="6350" cmpd="sng">
+              <a:solidFill>
+                <a:srgbClr val="000000"/>
+              </a:solidFill>
+              <a:headEnd type="none"/>
+              <a:tailEnd type="triangle"/>
+            </a:ln>
+            <a:effectLst/>
+          </p:spPr>
+          <p:style>
+            <a:lnRef idx="2">
+              <a:schemeClr val="accent1"/>
+            </a:lnRef>
+            <a:fillRef idx="0">
+              <a:schemeClr val="accent1"/>
+            </a:fillRef>
+            <a:effectRef idx="1">
+              <a:schemeClr val="accent1"/>
+            </a:effectRef>
+            <a:fontRef idx="minor">
+              <a:schemeClr val="tx1"/>
+            </a:fontRef>
+          </p:style>
+        </p:cxnSp>
         <p:sp>
           <p:nvSpPr>
-            <p:cNvPr id="37" name="Process 36"/>
+            <p:cNvPr id="69" name="Process 68"/>
             <p:cNvSpPr/>
             <p:nvPr/>
           </p:nvSpPr>
           <p:spPr>
             <a:xfrm>
-              <a:off x="814824" y="3583036"/>
+              <a:off x="2597187" y="3516807"/>
               <a:ext cx="1652313" cy="677732"/>
             </a:xfrm>
             <a:prstGeom prst="flowChartProcess">
               <a:avLst/>
             </a:prstGeom>
             <a:solidFill>
-              <a:schemeClr val="bg1"/>
+              <a:srgbClr val="F2F2F2"/>
             </a:solidFill>
             <a:ln w="6350" cmpd="sng">
               <a:solidFill>
@@ -3568,7 +4136,7 @@
                   <a:latin typeface="Arial"/>
                   <a:cs typeface="Arial"/>
                 </a:rPr>
-                <a:t>Determine plant model and intervals</a:t>
+                <a:t>Formulate a FWL effect function</a:t>
               </a:r>
               <a:endParaRPr lang="en-GB" sz="1200" dirty="0">
                 <a:solidFill>
@@ -3582,13 +4150,13 @@
         </p:sp>
         <p:sp>
           <p:nvSpPr>
-            <p:cNvPr id="38" name="Process 37"/>
+            <p:cNvPr id="70" name="Process 69"/>
             <p:cNvSpPr/>
             <p:nvPr/>
           </p:nvSpPr>
           <p:spPr>
             <a:xfrm>
-              <a:off x="815397" y="3583609"/>
+              <a:off x="2597760" y="3517380"/>
               <a:ext cx="1652313" cy="677732"/>
             </a:xfrm>
             <a:prstGeom prst="flowChartProcess">
@@ -3629,7 +4197,7 @@
                   <a:latin typeface="Arial"/>
                   <a:cs typeface="Arial"/>
                 </a:rPr>
-                <a:t>Step 1</a:t>
+                <a:t>Step B</a:t>
               </a:r>
             </a:p>
             <a:p>
@@ -3654,37 +4222,22 @@
             </a:p>
           </p:txBody>
         </p:sp>
-      </p:grpSp>
-      <p:grpSp>
-        <p:nvGrpSpPr>
-          <p:cNvPr id="46" name="Group 45"/>
-          <p:cNvGrpSpPr/>
-          <p:nvPr/>
-        </p:nvGrpSpPr>
-        <p:grpSpPr>
-          <a:xfrm>
-            <a:off x="4671057" y="1651502"/>
-            <a:ext cx="1652886" cy="678305"/>
-            <a:chOff x="814824" y="3583036"/>
-            <a:chExt cx="1652886" cy="678305"/>
-          </a:xfrm>
-        </p:grpSpPr>
         <p:sp>
           <p:nvSpPr>
-            <p:cNvPr id="47" name="Process 46"/>
+            <p:cNvPr id="72" name="Process 71"/>
             <p:cNvSpPr/>
             <p:nvPr/>
           </p:nvSpPr>
           <p:spPr>
             <a:xfrm>
-              <a:off x="814824" y="3583036"/>
+              <a:off x="4586752" y="3517953"/>
               <a:ext cx="1652313" cy="677732"/>
             </a:xfrm>
             <a:prstGeom prst="flowChartProcess">
               <a:avLst/>
             </a:prstGeom>
             <a:solidFill>
-              <a:schemeClr val="bg1"/>
+              <a:srgbClr val="F2F2F2"/>
             </a:solidFill>
             <a:ln w="6350" cmpd="sng">
               <a:solidFill>
@@ -3723,14 +4276,14 @@
             <a:p>
               <a:pPr algn="ctr"/>
               <a:r>
-                <a:rPr lang="en-GB" sz="1200" dirty="0">
+                <a:rPr lang="en-GB" sz="1200" dirty="0" smtClean="0">
                   <a:solidFill>
                     <a:schemeClr val="tx1"/>
                   </a:solidFill>
                   <a:latin typeface="Arial"/>
                   <a:cs typeface="Arial"/>
                 </a:rPr>
-                <a:t>Define controller realization form</a:t>
+                <a:t>Compute FWL controller model</a:t>
               </a:r>
               <a:endParaRPr lang="en-GB" sz="1200" dirty="0">
                 <a:solidFill>
@@ -3744,13 +4297,13 @@
         </p:sp>
         <p:sp>
           <p:nvSpPr>
-            <p:cNvPr id="57" name="Process 56"/>
+            <p:cNvPr id="73" name="Process 72"/>
             <p:cNvSpPr/>
             <p:nvPr/>
           </p:nvSpPr>
           <p:spPr>
             <a:xfrm>
-              <a:off x="815397" y="3583609"/>
+              <a:off x="4587325" y="3518526"/>
               <a:ext cx="1652313" cy="677732"/>
             </a:xfrm>
             <a:prstGeom prst="flowChartProcess">
@@ -3791,25 +4344,8 @@
                   <a:latin typeface="Arial"/>
                   <a:cs typeface="Arial"/>
                 </a:rPr>
-                <a:t>Step </a:t>
+                <a:t>Step C</a:t>
               </a:r>
-              <a:r>
-                <a:rPr lang="en-GB" sz="1200" b="1" dirty="0" smtClean="0">
-                  <a:solidFill>
-                    <a:schemeClr val="tx1"/>
-                  </a:solidFill>
-                  <a:latin typeface="Arial"/>
-                  <a:cs typeface="Arial"/>
-                </a:rPr>
-                <a:t>3</a:t>
-              </a:r>
-              <a:endParaRPr lang="en-GB" sz="1200" b="1" dirty="0" smtClean="0">
-                <a:solidFill>
-                  <a:schemeClr val="tx1"/>
-                </a:solidFill>
-                <a:latin typeface="Arial"/>
-                <a:cs typeface="Arial"/>
-              </a:endParaRPr>
             </a:p>
             <a:p>
               <a:pPr algn="ctr"/>
@@ -3833,985 +4369,186 @@
             </a:p>
           </p:txBody>
         </p:sp>
-      </p:grpSp>
-      <p:sp>
-        <p:nvSpPr>
-          <p:cNvPr id="60" name="Process 59"/>
-          <p:cNvSpPr/>
-          <p:nvPr/>
-        </p:nvSpPr>
-        <p:spPr>
-          <a:xfrm>
-            <a:off x="606476" y="3517380"/>
-            <a:ext cx="1752639" cy="677732"/>
-          </a:xfrm>
-          <a:prstGeom prst="flowChartProcess">
-            <a:avLst/>
-          </a:prstGeom>
-          <a:solidFill>
-            <a:srgbClr val="F2F2F2"/>
-          </a:solidFill>
-          <a:ln w="6350" cmpd="sng">
+        <p:sp>
+          <p:nvSpPr>
+            <p:cNvPr id="75" name="Process 74"/>
+            <p:cNvSpPr/>
+            <p:nvPr/>
+          </p:nvSpPr>
+          <p:spPr>
+            <a:xfrm>
+              <a:off x="8166530" y="3511898"/>
+              <a:ext cx="1652313" cy="677732"/>
+            </a:xfrm>
+            <a:prstGeom prst="flowChartProcess">
+              <a:avLst/>
+            </a:prstGeom>
             <a:solidFill>
-              <a:schemeClr val="tx1"/>
+              <a:srgbClr val="F2F2F2"/>
             </a:solidFill>
-          </a:ln>
-          <a:effectLst/>
-        </p:spPr>
-        <p:style>
-          <a:lnRef idx="1">
-            <a:schemeClr val="accent1"/>
-          </a:lnRef>
-          <a:fillRef idx="3">
-            <a:schemeClr val="accent1"/>
-          </a:fillRef>
-          <a:effectRef idx="2">
-            <a:schemeClr val="accent1"/>
-          </a:effectRef>
-          <a:fontRef idx="minor">
-            <a:schemeClr val="lt1"/>
-          </a:fontRef>
-        </p:style>
-        <p:txBody>
-          <a:bodyPr rtlCol="0" anchor="ctr"/>
-          <a:lstStyle/>
-          <a:p>
-            <a:pPr algn="ctr"/>
-            <a:endParaRPr lang="en-GB" sz="1000" dirty="0" smtClean="0">
+            <a:ln w="6350" cmpd="sng">
               <a:solidFill>
                 <a:schemeClr val="tx1"/>
               </a:solidFill>
-              <a:latin typeface="Arial"/>
-              <a:cs typeface="Arial"/>
-            </a:endParaRPr>
-          </a:p>
-          <a:p>
-            <a:pPr algn="ctr"/>
-            <a:r>
-              <a:rPr lang="en-GB" sz="1100" dirty="0" smtClean="0">
+            </a:ln>
+            <a:effectLst/>
+          </p:spPr>
+          <p:style>
+            <a:lnRef idx="1">
+              <a:schemeClr val="accent1"/>
+            </a:lnRef>
+            <a:fillRef idx="3">
+              <a:schemeClr val="accent1"/>
+            </a:fillRef>
+            <a:effectRef idx="2">
+              <a:schemeClr val="accent1"/>
+            </a:effectRef>
+            <a:fontRef idx="minor">
+              <a:schemeClr val="lt1"/>
+            </a:fontRef>
+          </p:style>
+          <p:txBody>
+            <a:bodyPr rtlCol="0" anchor="ctr"/>
+            <a:lstStyle/>
+            <a:p>
+              <a:pPr algn="ctr"/>
+              <a:endParaRPr lang="en-GB" sz="1000" dirty="0" smtClean="0">
                 <a:solidFill>
                   <a:schemeClr val="tx1"/>
                 </a:solidFill>
                 <a:latin typeface="Arial"/>
                 <a:cs typeface="Arial"/>
-              </a:rPr>
-              <a:t>Construct a non-deterministic plant model</a:t>
-            </a:r>
-            <a:endParaRPr lang="en-GB" sz="1100" dirty="0">
-              <a:solidFill>
-                <a:schemeClr val="tx1"/>
-              </a:solidFill>
-              <a:latin typeface="Arial"/>
-              <a:cs typeface="Arial"/>
-            </a:endParaRPr>
-          </a:p>
-        </p:txBody>
-      </p:sp>
-      <p:sp>
-        <p:nvSpPr>
-          <p:cNvPr id="62" name="Process 61"/>
-          <p:cNvSpPr/>
-          <p:nvPr/>
-        </p:nvSpPr>
-        <p:spPr>
-          <a:xfrm>
-            <a:off x="607049" y="3517953"/>
-            <a:ext cx="1752066" cy="677732"/>
-          </a:xfrm>
-          <a:prstGeom prst="flowChartProcess">
-            <a:avLst/>
-          </a:prstGeom>
-          <a:noFill/>
-          <a:ln w="6350" cmpd="sng">
-            <a:solidFill>
-              <a:schemeClr val="tx1"/>
-            </a:solidFill>
-          </a:ln>
-          <a:effectLst/>
-        </p:spPr>
-        <p:style>
-          <a:lnRef idx="1">
-            <a:schemeClr val="accent1"/>
-          </a:lnRef>
-          <a:fillRef idx="3">
-            <a:schemeClr val="accent1"/>
-          </a:fillRef>
-          <a:effectRef idx="2">
-            <a:schemeClr val="accent1"/>
-          </a:effectRef>
-          <a:fontRef idx="minor">
-            <a:schemeClr val="lt1"/>
-          </a:fontRef>
-        </p:style>
-        <p:txBody>
-          <a:bodyPr rtlCol="0" anchor="ctr"/>
-          <a:lstStyle/>
-          <a:p>
-            <a:pPr algn="ctr"/>
-            <a:r>
-              <a:rPr lang="en-GB" sz="1200" b="1" dirty="0" smtClean="0">
+              </a:endParaRPr>
+            </a:p>
+            <a:p>
+              <a:pPr algn="ctr"/>
+              <a:r>
+                <a:rPr lang="en-GB" sz="1200" dirty="0" smtClean="0">
+                  <a:solidFill>
+                    <a:schemeClr val="tx1"/>
+                  </a:solidFill>
+                  <a:latin typeface="Arial"/>
+                  <a:cs typeface="Arial"/>
+                </a:rPr>
+                <a:t>Synthesise </a:t>
+              </a:r>
+              <a:r>
+                <a:rPr lang="en-GB" sz="1200" dirty="0">
+                  <a:solidFill>
+                    <a:schemeClr val="tx1"/>
+                  </a:solidFill>
+                  <a:latin typeface="Arial"/>
+                  <a:cs typeface="Arial"/>
+                </a:rPr>
+                <a:t>closed-loop </a:t>
+              </a:r>
+              <a:r>
+                <a:rPr lang="en-GB" sz="1200" dirty="0" smtClean="0">
+                  <a:solidFill>
+                    <a:schemeClr val="tx1"/>
+                  </a:solidFill>
+                  <a:latin typeface="Arial"/>
+                  <a:cs typeface="Arial"/>
+                </a:rPr>
+                <a:t>control system</a:t>
+              </a:r>
+              <a:endParaRPr lang="en-GB" sz="1200" dirty="0">
                 <a:solidFill>
                   <a:schemeClr val="tx1"/>
                 </a:solidFill>
                 <a:latin typeface="Arial"/>
                 <a:cs typeface="Arial"/>
-              </a:rPr>
-              <a:t>Step A</a:t>
-            </a:r>
-          </a:p>
-          <a:p>
-            <a:pPr algn="ctr"/>
-            <a:endParaRPr lang="en-GB" sz="1200" dirty="0">
+              </a:endParaRPr>
+            </a:p>
+          </p:txBody>
+        </p:sp>
+        <p:sp>
+          <p:nvSpPr>
+            <p:cNvPr id="76" name="Process 75"/>
+            <p:cNvSpPr/>
+            <p:nvPr/>
+          </p:nvSpPr>
+          <p:spPr>
+            <a:xfrm>
+              <a:off x="8167103" y="3512471"/>
+              <a:ext cx="1652313" cy="677732"/>
+            </a:xfrm>
+            <a:prstGeom prst="flowChartProcess">
+              <a:avLst/>
+            </a:prstGeom>
+            <a:noFill/>
+            <a:ln w="6350" cmpd="sng">
               <a:solidFill>
                 <a:schemeClr val="tx1"/>
               </a:solidFill>
-              <a:latin typeface="Arial"/>
-              <a:cs typeface="Arial"/>
-            </a:endParaRPr>
-          </a:p>
-          <a:p>
-            <a:pPr algn="ctr"/>
-            <a:endParaRPr lang="en-GB" sz="1200" dirty="0" smtClean="0">
-              <a:solidFill>
-                <a:schemeClr val="tx1"/>
-              </a:solidFill>
-              <a:latin typeface="Arial"/>
-              <a:cs typeface="Arial"/>
-            </a:endParaRPr>
-          </a:p>
-        </p:txBody>
-      </p:sp>
-      <p:cxnSp>
-        <p:nvCxnSpPr>
-          <p:cNvPr id="63" name="Straight Arrow Connector 62"/>
-          <p:cNvCxnSpPr>
-            <a:stCxn id="37" idx="3"/>
-          </p:cNvCxnSpPr>
-          <p:nvPr/>
-        </p:nvCxnSpPr>
-        <p:spPr>
-          <a:xfrm flipV="1">
-            <a:off x="2247195" y="1992087"/>
-            <a:ext cx="338398" cy="792"/>
-          </a:xfrm>
-          <a:prstGeom prst="straightConnector1">
-            <a:avLst/>
-          </a:prstGeom>
-          <a:ln w="6350" cmpd="sng">
-            <a:solidFill>
-              <a:srgbClr val="000000"/>
-            </a:solidFill>
-            <a:headEnd type="none"/>
-            <a:tailEnd type="triangle"/>
-          </a:ln>
-          <a:effectLst/>
-        </p:spPr>
-        <p:style>
-          <a:lnRef idx="2">
-            <a:schemeClr val="accent1"/>
-          </a:lnRef>
-          <a:fillRef idx="0">
-            <a:schemeClr val="accent1"/>
-          </a:fillRef>
-          <a:effectRef idx="1">
-            <a:schemeClr val="accent1"/>
-          </a:effectRef>
-          <a:fontRef idx="minor">
-            <a:schemeClr val="tx1"/>
-          </a:fontRef>
-        </p:style>
-      </p:cxnSp>
-      <p:cxnSp>
-        <p:nvCxnSpPr>
-          <p:cNvPr id="67" name="Straight Arrow Connector 66"/>
-          <p:cNvCxnSpPr>
-            <a:endCxn id="47" idx="1"/>
-          </p:cNvCxnSpPr>
-          <p:nvPr/>
-        </p:nvCxnSpPr>
-        <p:spPr>
-          <a:xfrm flipV="1">
-            <a:off x="4331513" y="1990368"/>
-            <a:ext cx="339544" cy="1719"/>
-          </a:xfrm>
-          <a:prstGeom prst="straightConnector1">
-            <a:avLst/>
-          </a:prstGeom>
-          <a:ln w="6350" cmpd="sng">
-            <a:solidFill>
-              <a:srgbClr val="000000"/>
-            </a:solidFill>
-            <a:headEnd type="none"/>
-            <a:tailEnd type="triangle"/>
-          </a:ln>
-          <a:effectLst/>
-        </p:spPr>
-        <p:style>
-          <a:lnRef idx="2">
-            <a:schemeClr val="accent1"/>
-          </a:lnRef>
-          <a:fillRef idx="0">
-            <a:schemeClr val="accent1"/>
-          </a:fillRef>
-          <a:effectRef idx="1">
-            <a:schemeClr val="accent1"/>
-          </a:effectRef>
-          <a:fontRef idx="minor">
-            <a:schemeClr val="tx1"/>
-          </a:fontRef>
-        </p:style>
-      </p:cxnSp>
-      <p:sp>
-        <p:nvSpPr>
-          <p:cNvPr id="69" name="Process 68"/>
-          <p:cNvSpPr/>
-          <p:nvPr/>
-        </p:nvSpPr>
-        <p:spPr>
-          <a:xfrm>
-            <a:off x="2597187" y="3516807"/>
-            <a:ext cx="1652313" cy="677732"/>
-          </a:xfrm>
-          <a:prstGeom prst="flowChartProcess">
-            <a:avLst/>
-          </a:prstGeom>
-          <a:solidFill>
-            <a:srgbClr val="F2F2F2"/>
-          </a:solidFill>
-          <a:ln w="6350" cmpd="sng">
-            <a:solidFill>
-              <a:schemeClr val="tx1"/>
-            </a:solidFill>
-          </a:ln>
-          <a:effectLst/>
-        </p:spPr>
-        <p:style>
-          <a:lnRef idx="1">
-            <a:schemeClr val="accent1"/>
-          </a:lnRef>
-          <a:fillRef idx="3">
-            <a:schemeClr val="accent1"/>
-          </a:fillRef>
-          <a:effectRef idx="2">
-            <a:schemeClr val="accent1"/>
-          </a:effectRef>
-          <a:fontRef idx="minor">
-            <a:schemeClr val="lt1"/>
-          </a:fontRef>
-        </p:style>
-        <p:txBody>
-          <a:bodyPr rtlCol="0" anchor="ctr"/>
-          <a:lstStyle/>
-          <a:p>
-            <a:pPr algn="ctr"/>
-            <a:endParaRPr lang="en-GB" sz="1000" dirty="0" smtClean="0">
-              <a:solidFill>
-                <a:schemeClr val="tx1"/>
-              </a:solidFill>
-              <a:latin typeface="Arial"/>
-              <a:cs typeface="Arial"/>
-            </a:endParaRPr>
-          </a:p>
-          <a:p>
-            <a:pPr algn="ctr"/>
-            <a:r>
-              <a:rPr lang="en-GB" sz="1200" dirty="0" smtClean="0">
+            </a:ln>
+            <a:effectLst/>
+          </p:spPr>
+          <p:style>
+            <a:lnRef idx="1">
+              <a:schemeClr val="accent1"/>
+            </a:lnRef>
+            <a:fillRef idx="3">
+              <a:schemeClr val="accent1"/>
+            </a:fillRef>
+            <a:effectRef idx="2">
+              <a:schemeClr val="accent1"/>
+            </a:effectRef>
+            <a:fontRef idx="minor">
+              <a:schemeClr val="lt1"/>
+            </a:fontRef>
+          </p:style>
+          <p:txBody>
+            <a:bodyPr rtlCol="0" anchor="ctr"/>
+            <a:lstStyle/>
+            <a:p>
+              <a:pPr algn="ctr"/>
+              <a:r>
+                <a:rPr lang="en-GB" sz="1200" b="1" dirty="0" smtClean="0">
+                  <a:solidFill>
+                    <a:schemeClr val="tx1"/>
+                  </a:solidFill>
+                  <a:latin typeface="Arial"/>
+                  <a:cs typeface="Arial"/>
+                </a:rPr>
+                <a:t>Step D</a:t>
+              </a:r>
+            </a:p>
+            <a:p>
+              <a:pPr algn="ctr"/>
+              <a:endParaRPr lang="en-GB" sz="1200" dirty="0">
                 <a:solidFill>
                   <a:schemeClr val="tx1"/>
                 </a:solidFill>
                 <a:latin typeface="Arial"/>
                 <a:cs typeface="Arial"/>
-              </a:rPr>
-              <a:t>Formulate a FWL effect function</a:t>
-            </a:r>
-            <a:endParaRPr lang="en-GB" sz="1200" dirty="0">
-              <a:solidFill>
-                <a:schemeClr val="tx1"/>
-              </a:solidFill>
-              <a:latin typeface="Arial"/>
-              <a:cs typeface="Arial"/>
-            </a:endParaRPr>
-          </a:p>
-        </p:txBody>
-      </p:sp>
-      <p:sp>
-        <p:nvSpPr>
-          <p:cNvPr id="70" name="Process 69"/>
-          <p:cNvSpPr/>
-          <p:nvPr/>
-        </p:nvSpPr>
-        <p:spPr>
-          <a:xfrm>
-            <a:off x="2597760" y="3517380"/>
-            <a:ext cx="1652313" cy="677732"/>
-          </a:xfrm>
-          <a:prstGeom prst="flowChartProcess">
-            <a:avLst/>
-          </a:prstGeom>
-          <a:noFill/>
-          <a:ln w="6350" cmpd="sng">
-            <a:solidFill>
-              <a:schemeClr val="tx1"/>
-            </a:solidFill>
-          </a:ln>
-          <a:effectLst/>
-        </p:spPr>
-        <p:style>
-          <a:lnRef idx="1">
-            <a:schemeClr val="accent1"/>
-          </a:lnRef>
-          <a:fillRef idx="3">
-            <a:schemeClr val="accent1"/>
-          </a:fillRef>
-          <a:effectRef idx="2">
-            <a:schemeClr val="accent1"/>
-          </a:effectRef>
-          <a:fontRef idx="minor">
-            <a:schemeClr val="lt1"/>
-          </a:fontRef>
-        </p:style>
-        <p:txBody>
-          <a:bodyPr rtlCol="0" anchor="ctr"/>
-          <a:lstStyle/>
-          <a:p>
-            <a:pPr algn="ctr"/>
-            <a:r>
-              <a:rPr lang="en-GB" sz="1200" b="1" dirty="0" smtClean="0">
+              </a:endParaRPr>
+            </a:p>
+            <a:p>
+              <a:pPr algn="ctr"/>
+              <a:endParaRPr lang="en-GB" sz="1200" dirty="0" smtClean="0">
                 <a:solidFill>
                   <a:schemeClr val="tx1"/>
                 </a:solidFill>
                 <a:latin typeface="Arial"/>
                 <a:cs typeface="Arial"/>
-              </a:rPr>
-              <a:t>Step B</a:t>
-            </a:r>
-          </a:p>
-          <a:p>
-            <a:pPr algn="ctr"/>
-            <a:endParaRPr lang="en-GB" sz="1200" dirty="0">
-              <a:solidFill>
-                <a:schemeClr val="tx1"/>
-              </a:solidFill>
-              <a:latin typeface="Arial"/>
-              <a:cs typeface="Arial"/>
-            </a:endParaRPr>
-          </a:p>
-          <a:p>
-            <a:pPr algn="ctr"/>
-            <a:endParaRPr lang="en-GB" sz="1200" dirty="0" smtClean="0">
-              <a:solidFill>
-                <a:schemeClr val="tx1"/>
-              </a:solidFill>
-              <a:latin typeface="Arial"/>
-              <a:cs typeface="Arial"/>
-            </a:endParaRPr>
-          </a:p>
-        </p:txBody>
-      </p:sp>
-      <p:sp>
-        <p:nvSpPr>
-          <p:cNvPr id="72" name="Process 71"/>
-          <p:cNvSpPr/>
-          <p:nvPr/>
-        </p:nvSpPr>
-        <p:spPr>
-          <a:xfrm>
-            <a:off x="4586752" y="3517953"/>
-            <a:ext cx="1652313" cy="677732"/>
-          </a:xfrm>
-          <a:prstGeom prst="flowChartProcess">
-            <a:avLst/>
-          </a:prstGeom>
-          <a:solidFill>
-            <a:srgbClr val="F2F2F2"/>
-          </a:solidFill>
-          <a:ln w="6350" cmpd="sng">
-            <a:solidFill>
-              <a:schemeClr val="tx1"/>
-            </a:solidFill>
-          </a:ln>
-          <a:effectLst/>
-        </p:spPr>
-        <p:style>
-          <a:lnRef idx="1">
-            <a:schemeClr val="accent1"/>
-          </a:lnRef>
-          <a:fillRef idx="3">
-            <a:schemeClr val="accent1"/>
-          </a:fillRef>
-          <a:effectRef idx="2">
-            <a:schemeClr val="accent1"/>
-          </a:effectRef>
-          <a:fontRef idx="minor">
-            <a:schemeClr val="lt1"/>
-          </a:fontRef>
-        </p:style>
-        <p:txBody>
-          <a:bodyPr rtlCol="0" anchor="ctr"/>
-          <a:lstStyle/>
-          <a:p>
-            <a:pPr algn="ctr"/>
-            <a:endParaRPr lang="en-GB" sz="1000" dirty="0" smtClean="0">
-              <a:solidFill>
-                <a:schemeClr val="tx1"/>
-              </a:solidFill>
-              <a:latin typeface="Arial"/>
-              <a:cs typeface="Arial"/>
-            </a:endParaRPr>
-          </a:p>
-          <a:p>
-            <a:pPr algn="ctr"/>
-            <a:r>
-              <a:rPr lang="en-GB" sz="1200" dirty="0" smtClean="0">
-                <a:solidFill>
-                  <a:schemeClr val="tx1"/>
-                </a:solidFill>
-                <a:latin typeface="Arial"/>
-                <a:cs typeface="Arial"/>
-              </a:rPr>
-              <a:t>Compute FWL controller model</a:t>
-            </a:r>
-            <a:endParaRPr lang="en-GB" sz="1200" dirty="0">
-              <a:solidFill>
-                <a:schemeClr val="tx1"/>
-              </a:solidFill>
-              <a:latin typeface="Arial"/>
-              <a:cs typeface="Arial"/>
-            </a:endParaRPr>
-          </a:p>
-        </p:txBody>
-      </p:sp>
-      <p:sp>
-        <p:nvSpPr>
-          <p:cNvPr id="73" name="Process 72"/>
-          <p:cNvSpPr/>
-          <p:nvPr/>
-        </p:nvSpPr>
-        <p:spPr>
-          <a:xfrm>
-            <a:off x="4587325" y="3518526"/>
-            <a:ext cx="1652313" cy="677732"/>
-          </a:xfrm>
-          <a:prstGeom prst="flowChartProcess">
-            <a:avLst/>
-          </a:prstGeom>
-          <a:noFill/>
-          <a:ln w="6350" cmpd="sng">
-            <a:solidFill>
-              <a:schemeClr val="tx1"/>
-            </a:solidFill>
-          </a:ln>
-          <a:effectLst/>
-        </p:spPr>
-        <p:style>
-          <a:lnRef idx="1">
-            <a:schemeClr val="accent1"/>
-          </a:lnRef>
-          <a:fillRef idx="3">
-            <a:schemeClr val="accent1"/>
-          </a:fillRef>
-          <a:effectRef idx="2">
-            <a:schemeClr val="accent1"/>
-          </a:effectRef>
-          <a:fontRef idx="minor">
-            <a:schemeClr val="lt1"/>
-          </a:fontRef>
-        </p:style>
-        <p:txBody>
-          <a:bodyPr rtlCol="0" anchor="ctr"/>
-          <a:lstStyle/>
-          <a:p>
-            <a:pPr algn="ctr"/>
-            <a:r>
-              <a:rPr lang="en-GB" sz="1200" b="1" dirty="0" smtClean="0">
-                <a:solidFill>
-                  <a:schemeClr val="tx1"/>
-                </a:solidFill>
-                <a:latin typeface="Arial"/>
-                <a:cs typeface="Arial"/>
-              </a:rPr>
-              <a:t>Step C</a:t>
-            </a:r>
-          </a:p>
-          <a:p>
-            <a:pPr algn="ctr"/>
-            <a:endParaRPr lang="en-GB" sz="1200" dirty="0">
-              <a:solidFill>
-                <a:schemeClr val="tx1"/>
-              </a:solidFill>
-              <a:latin typeface="Arial"/>
-              <a:cs typeface="Arial"/>
-            </a:endParaRPr>
-          </a:p>
-          <a:p>
-            <a:pPr algn="ctr"/>
-            <a:endParaRPr lang="en-GB" sz="1200" dirty="0" smtClean="0">
-              <a:solidFill>
-                <a:schemeClr val="tx1"/>
-              </a:solidFill>
-              <a:latin typeface="Arial"/>
-              <a:cs typeface="Arial"/>
-            </a:endParaRPr>
-          </a:p>
-        </p:txBody>
-      </p:sp>
-      <p:sp>
-        <p:nvSpPr>
-          <p:cNvPr id="75" name="Process 74"/>
-          <p:cNvSpPr/>
-          <p:nvPr/>
-        </p:nvSpPr>
-        <p:spPr>
-          <a:xfrm>
-            <a:off x="8166530" y="3511898"/>
-            <a:ext cx="1652313" cy="677732"/>
-          </a:xfrm>
-          <a:prstGeom prst="flowChartProcess">
-            <a:avLst/>
-          </a:prstGeom>
-          <a:solidFill>
-            <a:srgbClr val="F2F2F2"/>
-          </a:solidFill>
-          <a:ln w="6350" cmpd="sng">
-            <a:solidFill>
-              <a:schemeClr val="tx1"/>
-            </a:solidFill>
-          </a:ln>
-          <a:effectLst/>
-        </p:spPr>
-        <p:style>
-          <a:lnRef idx="1">
-            <a:schemeClr val="accent1"/>
-          </a:lnRef>
-          <a:fillRef idx="3">
-            <a:schemeClr val="accent1"/>
-          </a:fillRef>
-          <a:effectRef idx="2">
-            <a:schemeClr val="accent1"/>
-          </a:effectRef>
-          <a:fontRef idx="minor">
-            <a:schemeClr val="lt1"/>
-          </a:fontRef>
-        </p:style>
-        <p:txBody>
-          <a:bodyPr rtlCol="0" anchor="ctr"/>
-          <a:lstStyle/>
-          <a:p>
-            <a:pPr algn="ctr"/>
-            <a:endParaRPr lang="en-GB" sz="1000" dirty="0" smtClean="0">
-              <a:solidFill>
-                <a:schemeClr val="tx1"/>
-              </a:solidFill>
-              <a:latin typeface="Arial"/>
-              <a:cs typeface="Arial"/>
-            </a:endParaRPr>
-          </a:p>
-          <a:p>
-            <a:pPr algn="ctr"/>
-            <a:r>
-              <a:rPr lang="en-GB" sz="1200" dirty="0" smtClean="0">
-                <a:solidFill>
-                  <a:schemeClr val="tx1"/>
-                </a:solidFill>
-                <a:latin typeface="Arial"/>
-                <a:cs typeface="Arial"/>
-              </a:rPr>
-              <a:t>Synthesise </a:t>
-            </a:r>
-            <a:r>
-              <a:rPr lang="en-GB" sz="1200" dirty="0">
-                <a:solidFill>
-                  <a:schemeClr val="tx1"/>
-                </a:solidFill>
-                <a:latin typeface="Arial"/>
-                <a:cs typeface="Arial"/>
-              </a:rPr>
-              <a:t>closed-loop </a:t>
-            </a:r>
-            <a:r>
-              <a:rPr lang="en-GB" sz="1200" dirty="0" smtClean="0">
-                <a:solidFill>
-                  <a:schemeClr val="tx1"/>
-                </a:solidFill>
-                <a:latin typeface="Arial"/>
-                <a:cs typeface="Arial"/>
-              </a:rPr>
-              <a:t>control system</a:t>
-            </a:r>
-            <a:endParaRPr lang="en-GB" sz="1200" dirty="0">
-              <a:solidFill>
-                <a:schemeClr val="tx1"/>
-              </a:solidFill>
-              <a:latin typeface="Arial"/>
-              <a:cs typeface="Arial"/>
-            </a:endParaRPr>
-          </a:p>
-        </p:txBody>
-      </p:sp>
-      <p:sp>
-        <p:nvSpPr>
-          <p:cNvPr id="76" name="Process 75"/>
-          <p:cNvSpPr/>
-          <p:nvPr/>
-        </p:nvSpPr>
-        <p:spPr>
-          <a:xfrm>
-            <a:off x="8167103" y="3512471"/>
-            <a:ext cx="1652313" cy="677732"/>
-          </a:xfrm>
-          <a:prstGeom prst="flowChartProcess">
-            <a:avLst/>
-          </a:prstGeom>
-          <a:noFill/>
-          <a:ln w="6350" cmpd="sng">
-            <a:solidFill>
-              <a:schemeClr val="tx1"/>
-            </a:solidFill>
-          </a:ln>
-          <a:effectLst/>
-        </p:spPr>
-        <p:style>
-          <a:lnRef idx="1">
-            <a:schemeClr val="accent1"/>
-          </a:lnRef>
-          <a:fillRef idx="3">
-            <a:schemeClr val="accent1"/>
-          </a:fillRef>
-          <a:effectRef idx="2">
-            <a:schemeClr val="accent1"/>
-          </a:effectRef>
-          <a:fontRef idx="minor">
-            <a:schemeClr val="lt1"/>
-          </a:fontRef>
-        </p:style>
-        <p:txBody>
-          <a:bodyPr rtlCol="0" anchor="ctr"/>
-          <a:lstStyle/>
-          <a:p>
-            <a:pPr algn="ctr"/>
-            <a:r>
-              <a:rPr lang="en-GB" sz="1200" b="1" dirty="0" smtClean="0">
-                <a:solidFill>
-                  <a:schemeClr val="tx1"/>
-                </a:solidFill>
-                <a:latin typeface="Arial"/>
-                <a:cs typeface="Arial"/>
-              </a:rPr>
-              <a:t>Step D</a:t>
-            </a:r>
-          </a:p>
-          <a:p>
-            <a:pPr algn="ctr"/>
-            <a:endParaRPr lang="en-GB" sz="1200" dirty="0">
-              <a:solidFill>
-                <a:schemeClr val="tx1"/>
-              </a:solidFill>
-              <a:latin typeface="Arial"/>
-              <a:cs typeface="Arial"/>
-            </a:endParaRPr>
-          </a:p>
-          <a:p>
-            <a:pPr algn="ctr"/>
-            <a:endParaRPr lang="en-GB" sz="1200" dirty="0" smtClean="0">
-              <a:solidFill>
-                <a:schemeClr val="tx1"/>
-              </a:solidFill>
-              <a:latin typeface="Arial"/>
-              <a:cs typeface="Arial"/>
-            </a:endParaRPr>
-          </a:p>
-        </p:txBody>
-      </p:sp>
-      <p:cxnSp>
-        <p:nvCxnSpPr>
-          <p:cNvPr id="78" name="Straight Arrow Connector 77"/>
-          <p:cNvCxnSpPr>
-            <a:stCxn id="62" idx="3"/>
-            <a:endCxn id="69" idx="1"/>
-          </p:cNvCxnSpPr>
-          <p:nvPr/>
-        </p:nvCxnSpPr>
-        <p:spPr>
-          <a:xfrm flipV="1">
-            <a:off x="2359115" y="3855673"/>
-            <a:ext cx="238072" cy="1146"/>
-          </a:xfrm>
-          <a:prstGeom prst="straightConnector1">
-            <a:avLst/>
-          </a:prstGeom>
-          <a:ln w="6350" cmpd="sng">
-            <a:solidFill>
-              <a:srgbClr val="000000"/>
-            </a:solidFill>
-            <a:headEnd type="none"/>
-            <a:tailEnd type="triangle"/>
-          </a:ln>
-          <a:effectLst/>
-        </p:spPr>
-        <p:style>
-          <a:lnRef idx="2">
-            <a:schemeClr val="accent1"/>
-          </a:lnRef>
-          <a:fillRef idx="0">
-            <a:schemeClr val="accent1"/>
-          </a:fillRef>
-          <a:effectRef idx="1">
-            <a:schemeClr val="accent1"/>
-          </a:effectRef>
-          <a:fontRef idx="minor">
-            <a:schemeClr val="tx1"/>
-          </a:fontRef>
-        </p:style>
-      </p:cxnSp>
-      <p:cxnSp>
-        <p:nvCxnSpPr>
-          <p:cNvPr id="82" name="Straight Arrow Connector 81"/>
-          <p:cNvCxnSpPr>
-            <a:stCxn id="69" idx="3"/>
-            <a:endCxn id="72" idx="1"/>
-          </p:cNvCxnSpPr>
-          <p:nvPr/>
-        </p:nvCxnSpPr>
-        <p:spPr>
-          <a:xfrm>
-            <a:off x="4249500" y="3855673"/>
-            <a:ext cx="337252" cy="1146"/>
-          </a:xfrm>
-          <a:prstGeom prst="straightConnector1">
-            <a:avLst/>
-          </a:prstGeom>
-          <a:ln w="6350" cmpd="sng">
-            <a:solidFill>
-              <a:srgbClr val="000000"/>
-            </a:solidFill>
-            <a:headEnd type="none"/>
-            <a:tailEnd type="triangle"/>
-          </a:ln>
-          <a:effectLst/>
-        </p:spPr>
-        <p:style>
-          <a:lnRef idx="2">
-            <a:schemeClr val="accent1"/>
-          </a:lnRef>
-          <a:fillRef idx="0">
-            <a:schemeClr val="accent1"/>
-          </a:fillRef>
-          <a:effectRef idx="1">
-            <a:schemeClr val="accent1"/>
-          </a:effectRef>
-          <a:fontRef idx="minor">
-            <a:schemeClr val="tx1"/>
-          </a:fontRef>
-        </p:style>
-      </p:cxnSp>
-      <p:cxnSp>
-        <p:nvCxnSpPr>
-          <p:cNvPr id="86" name="Straight Arrow Connector 85"/>
-          <p:cNvCxnSpPr>
-            <a:stCxn id="72" idx="3"/>
-            <a:endCxn id="54" idx="1"/>
-          </p:cNvCxnSpPr>
-          <p:nvPr/>
-        </p:nvCxnSpPr>
-        <p:spPr>
-          <a:xfrm flipV="1">
-            <a:off x="6239065" y="3855960"/>
-            <a:ext cx="339544" cy="859"/>
-          </a:xfrm>
-          <a:prstGeom prst="straightConnector1">
-            <a:avLst/>
-          </a:prstGeom>
-          <a:ln w="6350" cmpd="sng">
-            <a:solidFill>
-              <a:srgbClr val="000000"/>
-            </a:solidFill>
-            <a:headEnd type="none"/>
-            <a:tailEnd type="triangle"/>
-          </a:ln>
-          <a:effectLst/>
-        </p:spPr>
-        <p:style>
-          <a:lnRef idx="2">
-            <a:schemeClr val="accent1"/>
-          </a:lnRef>
-          <a:fillRef idx="0">
-            <a:schemeClr val="accent1"/>
-          </a:fillRef>
-          <a:effectRef idx="1">
-            <a:schemeClr val="accent1"/>
-          </a:effectRef>
-          <a:fontRef idx="minor">
-            <a:schemeClr val="tx1"/>
-          </a:fontRef>
-        </p:style>
-      </p:cxnSp>
-      <p:sp>
-        <p:nvSpPr>
-          <p:cNvPr id="89" name="Right Brace 88"/>
-          <p:cNvSpPr/>
-          <p:nvPr/>
-        </p:nvSpPr>
-        <p:spPr>
-          <a:xfrm rot="5400000">
-            <a:off x="3347951" y="-445393"/>
-            <a:ext cx="138264" cy="5813720"/>
-          </a:xfrm>
-          <a:prstGeom prst="rightBrace">
-            <a:avLst/>
-          </a:prstGeom>
-          <a:ln w="12700" cmpd="sng">
-            <a:solidFill>
-              <a:schemeClr val="tx1"/>
-            </a:solidFill>
-          </a:ln>
-          <a:effectLst/>
-        </p:spPr>
-        <p:style>
-          <a:lnRef idx="2">
-            <a:schemeClr val="accent1"/>
-          </a:lnRef>
-          <a:fillRef idx="0">
-            <a:schemeClr val="accent1"/>
-          </a:fillRef>
-          <a:effectRef idx="1">
-            <a:schemeClr val="accent1"/>
-          </a:effectRef>
-          <a:fontRef idx="minor">
-            <a:schemeClr val="tx1"/>
-          </a:fontRef>
-        </p:style>
-        <p:txBody>
-          <a:bodyPr rtlCol="0" anchor="ctr"/>
-          <a:lstStyle/>
-          <a:p>
-            <a:pPr algn="ctr"/>
-            <a:endParaRPr lang="en-US"/>
-          </a:p>
-        </p:txBody>
-      </p:sp>
-      <p:sp>
-        <p:nvSpPr>
-          <p:cNvPr id="90" name="Document 89"/>
-          <p:cNvSpPr/>
-          <p:nvPr/>
-        </p:nvSpPr>
-        <p:spPr>
-          <a:xfrm>
-            <a:off x="2592701" y="2608459"/>
-            <a:ext cx="1652313" cy="790826"/>
-          </a:xfrm>
-          <a:prstGeom prst="flowChartDocument">
-            <a:avLst/>
-          </a:prstGeom>
-          <a:solidFill>
-            <a:schemeClr val="bg1"/>
-          </a:solidFill>
-          <a:ln>
-            <a:solidFill>
-              <a:srgbClr val="000000"/>
-            </a:solidFill>
-            <a:prstDash val="lgDash"/>
-          </a:ln>
-          <a:effectLst/>
-        </p:spPr>
-        <p:style>
-          <a:lnRef idx="1">
-            <a:schemeClr val="accent1"/>
-          </a:lnRef>
-          <a:fillRef idx="3">
-            <a:schemeClr val="accent1"/>
-          </a:fillRef>
-          <a:effectRef idx="2">
-            <a:schemeClr val="accent1"/>
-          </a:effectRef>
-          <a:fontRef idx="minor">
-            <a:schemeClr val="lt1"/>
-          </a:fontRef>
-        </p:style>
-        <p:txBody>
-          <a:bodyPr rtlCol="0" anchor="ctr"/>
-          <a:lstStyle/>
-          <a:p>
-            <a:pPr algn="ctr"/>
-            <a:r>
-              <a:rPr lang="en-GB" sz="1200" dirty="0" smtClean="0">
-                <a:solidFill>
-                  <a:prstClr val="black"/>
-                </a:solidFill>
-                <a:latin typeface="Arial"/>
-                <a:cs typeface="Arial"/>
-              </a:rPr>
-              <a:t>ANSI-C input file</a:t>
-            </a:r>
-            <a:endParaRPr lang="en-US" sz="1200" dirty="0"/>
-          </a:p>
-        </p:txBody>
-      </p:sp>
-      <p:cxnSp>
-        <p:nvCxnSpPr>
-          <p:cNvPr id="92" name="Elbow Connector 91"/>
-          <p:cNvCxnSpPr>
-            <a:stCxn id="90" idx="1"/>
-            <a:endCxn id="60" idx="0"/>
-          </p:cNvCxnSpPr>
-          <p:nvPr/>
-        </p:nvCxnSpPr>
-        <p:spPr>
-          <a:xfrm rot="10800000" flipV="1">
-            <a:off x="1482797" y="3003872"/>
-            <a:ext cx="1109905" cy="513508"/>
-          </a:xfrm>
-          <a:prstGeom prst="bentConnector2">
-            <a:avLst/>
-          </a:prstGeom>
-          <a:ln w="6350" cmpd="sng">
-            <a:solidFill>
-              <a:srgbClr val="000000"/>
-            </a:solidFill>
-            <a:headEnd type="none"/>
-            <a:tailEnd type="triangle"/>
-          </a:ln>
-          <a:effectLst/>
-        </p:spPr>
-        <p:style>
-          <a:lnRef idx="2">
-            <a:schemeClr val="accent1"/>
-          </a:lnRef>
-          <a:fillRef idx="0">
-            <a:schemeClr val="accent1"/>
-          </a:fillRef>
-          <a:effectRef idx="1">
-            <a:schemeClr val="accent1"/>
-          </a:effectRef>
-          <a:fontRef idx="minor">
-            <a:schemeClr val="tx1"/>
-          </a:fontRef>
-        </p:style>
-      </p:cxnSp>
-      <p:grpSp>
-        <p:nvGrpSpPr>
-          <p:cNvPr id="96" name="Group 95"/>
-          <p:cNvGrpSpPr/>
-          <p:nvPr/>
-        </p:nvGrpSpPr>
-        <p:grpSpPr>
-          <a:xfrm rot="16200000">
-            <a:off x="99804" y="3555669"/>
-            <a:ext cx="243399" cy="583699"/>
-            <a:chOff x="3376545" y="5409984"/>
-            <a:chExt cx="243399" cy="351072"/>
-          </a:xfrm>
-        </p:grpSpPr>
+              </a:endParaRPr>
+            </a:p>
+          </p:txBody>
+        </p:sp>
         <p:cxnSp>
           <p:nvCxnSpPr>
-            <p:cNvPr id="97" name="Straight Arrow Connector 96"/>
-            <p:cNvCxnSpPr/>
+            <p:cNvPr id="78" name="Straight Arrow Connector 77"/>
+            <p:cNvCxnSpPr>
+              <a:stCxn id="62" idx="3"/>
+              <a:endCxn id="69" idx="1"/>
+            </p:cNvCxnSpPr>
             <p:nvPr/>
           </p:nvCxnSpPr>
           <p:spPr>
-            <a:xfrm rot="5400000">
-              <a:off x="3201141" y="5585388"/>
-              <a:ext cx="351070" cy="261"/>
+            <a:xfrm flipV="1">
+              <a:off x="2359115" y="3855673"/>
+              <a:ext cx="238072" cy="1146"/>
             </a:xfrm>
             <a:prstGeom prst="straightConnector1">
               <a:avLst/>
@@ -4842,14 +4579,17 @@
         </p:cxnSp>
         <p:cxnSp>
           <p:nvCxnSpPr>
-            <p:cNvPr id="98" name="Straight Arrow Connector 97"/>
-            <p:cNvCxnSpPr/>
+            <p:cNvPr id="82" name="Straight Arrow Connector 81"/>
+            <p:cNvCxnSpPr>
+              <a:stCxn id="69" idx="3"/>
+              <a:endCxn id="72" idx="1"/>
+            </p:cNvCxnSpPr>
             <p:nvPr/>
           </p:nvCxnSpPr>
           <p:spPr>
-            <a:xfrm rot="5400000">
-              <a:off x="3326406" y="5585389"/>
-              <a:ext cx="351070" cy="261"/>
+            <a:xfrm>
+              <a:off x="4249500" y="3855673"/>
+              <a:ext cx="337252" cy="1146"/>
             </a:xfrm>
             <a:prstGeom prst="straightConnector1">
               <a:avLst/>
@@ -4880,14 +4620,398 @@
         </p:cxnSp>
         <p:cxnSp>
           <p:nvCxnSpPr>
-            <p:cNvPr id="99" name="Straight Arrow Connector 98"/>
+            <p:cNvPr id="86" name="Straight Arrow Connector 85"/>
+            <p:cNvCxnSpPr>
+              <a:stCxn id="72" idx="3"/>
+              <a:endCxn id="54" idx="1"/>
+            </p:cNvCxnSpPr>
+            <p:nvPr/>
+          </p:nvCxnSpPr>
+          <p:spPr>
+            <a:xfrm flipV="1">
+              <a:off x="6239065" y="3855960"/>
+              <a:ext cx="339544" cy="859"/>
+            </a:xfrm>
+            <a:prstGeom prst="straightConnector1">
+              <a:avLst/>
+            </a:prstGeom>
+            <a:ln w="6350" cmpd="sng">
+              <a:solidFill>
+                <a:srgbClr val="000000"/>
+              </a:solidFill>
+              <a:headEnd type="none"/>
+              <a:tailEnd type="triangle"/>
+            </a:ln>
+            <a:effectLst/>
+          </p:spPr>
+          <p:style>
+            <a:lnRef idx="2">
+              <a:schemeClr val="accent1"/>
+            </a:lnRef>
+            <a:fillRef idx="0">
+              <a:schemeClr val="accent1"/>
+            </a:fillRef>
+            <a:effectRef idx="1">
+              <a:schemeClr val="accent1"/>
+            </a:effectRef>
+            <a:fontRef idx="minor">
+              <a:schemeClr val="tx1"/>
+            </a:fontRef>
+          </p:style>
+        </p:cxnSp>
+        <p:sp>
+          <p:nvSpPr>
+            <p:cNvPr id="89" name="Right Brace 88"/>
+            <p:cNvSpPr/>
+            <p:nvPr/>
+          </p:nvSpPr>
+          <p:spPr>
+            <a:xfrm rot="5400000">
+              <a:off x="3347951" y="-445393"/>
+              <a:ext cx="138264" cy="5813720"/>
+            </a:xfrm>
+            <a:prstGeom prst="rightBrace">
+              <a:avLst/>
+            </a:prstGeom>
+            <a:ln w="12700" cmpd="sng">
+              <a:solidFill>
+                <a:schemeClr val="tx1"/>
+              </a:solidFill>
+            </a:ln>
+            <a:effectLst/>
+          </p:spPr>
+          <p:style>
+            <a:lnRef idx="2">
+              <a:schemeClr val="accent1"/>
+            </a:lnRef>
+            <a:fillRef idx="0">
+              <a:schemeClr val="accent1"/>
+            </a:fillRef>
+            <a:effectRef idx="1">
+              <a:schemeClr val="accent1"/>
+            </a:effectRef>
+            <a:fontRef idx="minor">
+              <a:schemeClr val="tx1"/>
+            </a:fontRef>
+          </p:style>
+          <p:txBody>
+            <a:bodyPr rtlCol="0" anchor="ctr"/>
+            <a:lstStyle/>
+            <a:p>
+              <a:pPr algn="ctr"/>
+              <a:endParaRPr lang="en-US"/>
+            </a:p>
+          </p:txBody>
+        </p:sp>
+        <p:sp>
+          <p:nvSpPr>
+            <p:cNvPr id="90" name="Document 89"/>
+            <p:cNvSpPr/>
+            <p:nvPr/>
+          </p:nvSpPr>
+          <p:spPr>
+            <a:xfrm>
+              <a:off x="2592701" y="2608459"/>
+              <a:ext cx="1652313" cy="790826"/>
+            </a:xfrm>
+            <a:prstGeom prst="flowChartDocument">
+              <a:avLst/>
+            </a:prstGeom>
+            <a:solidFill>
+              <a:schemeClr val="bg1"/>
+            </a:solidFill>
+            <a:ln>
+              <a:solidFill>
+                <a:srgbClr val="000000"/>
+              </a:solidFill>
+              <a:prstDash val="lgDash"/>
+            </a:ln>
+            <a:effectLst/>
+          </p:spPr>
+          <p:style>
+            <a:lnRef idx="1">
+              <a:schemeClr val="accent1"/>
+            </a:lnRef>
+            <a:fillRef idx="3">
+              <a:schemeClr val="accent1"/>
+            </a:fillRef>
+            <a:effectRef idx="2">
+              <a:schemeClr val="accent1"/>
+            </a:effectRef>
+            <a:fontRef idx="minor">
+              <a:schemeClr val="lt1"/>
+            </a:fontRef>
+          </p:style>
+          <p:txBody>
+            <a:bodyPr rtlCol="0" anchor="ctr"/>
+            <a:lstStyle/>
+            <a:p>
+              <a:pPr algn="ctr"/>
+              <a:r>
+                <a:rPr lang="en-GB" sz="1200" dirty="0" smtClean="0">
+                  <a:solidFill>
+                    <a:prstClr val="black"/>
+                  </a:solidFill>
+                  <a:latin typeface="Arial"/>
+                  <a:cs typeface="Arial"/>
+                </a:rPr>
+                <a:t>ANSI-C input file</a:t>
+              </a:r>
+              <a:endParaRPr lang="en-US" sz="1200" dirty="0"/>
+            </a:p>
+          </p:txBody>
+        </p:sp>
+        <p:cxnSp>
+          <p:nvCxnSpPr>
+            <p:cNvPr id="92" name="Elbow Connector 91"/>
+            <p:cNvCxnSpPr>
+              <a:stCxn id="90" idx="1"/>
+              <a:endCxn id="60" idx="0"/>
+            </p:cNvCxnSpPr>
+            <p:nvPr/>
+          </p:nvCxnSpPr>
+          <p:spPr>
+            <a:xfrm rot="10800000" flipV="1">
+              <a:off x="1482797" y="3003872"/>
+              <a:ext cx="1109905" cy="513508"/>
+            </a:xfrm>
+            <a:prstGeom prst="bentConnector2">
+              <a:avLst/>
+            </a:prstGeom>
+            <a:ln w="6350" cmpd="sng">
+              <a:solidFill>
+                <a:srgbClr val="000000"/>
+              </a:solidFill>
+              <a:headEnd type="none"/>
+              <a:tailEnd type="triangle"/>
+            </a:ln>
+            <a:effectLst/>
+          </p:spPr>
+          <p:style>
+            <a:lnRef idx="2">
+              <a:schemeClr val="accent1"/>
+            </a:lnRef>
+            <a:fillRef idx="0">
+              <a:schemeClr val="accent1"/>
+            </a:fillRef>
+            <a:effectRef idx="1">
+              <a:schemeClr val="accent1"/>
+            </a:effectRef>
+            <a:fontRef idx="minor">
+              <a:schemeClr val="tx1"/>
+            </a:fontRef>
+          </p:style>
+        </p:cxnSp>
+        <p:grpSp>
+          <p:nvGrpSpPr>
+            <p:cNvPr id="96" name="Group 95"/>
+            <p:cNvGrpSpPr/>
+            <p:nvPr/>
+          </p:nvGrpSpPr>
+          <p:grpSpPr>
+            <a:xfrm rot="16200000">
+              <a:off x="99804" y="3555669"/>
+              <a:ext cx="243399" cy="583699"/>
+              <a:chOff x="3376545" y="5409984"/>
+              <a:chExt cx="243399" cy="351072"/>
+            </a:xfrm>
+          </p:grpSpPr>
+          <p:cxnSp>
+            <p:nvCxnSpPr>
+              <p:cNvPr id="97" name="Straight Arrow Connector 96"/>
+              <p:cNvCxnSpPr/>
+              <p:nvPr/>
+            </p:nvCxnSpPr>
+            <p:spPr>
+              <a:xfrm rot="5400000">
+                <a:off x="3201141" y="5585388"/>
+                <a:ext cx="351070" cy="261"/>
+              </a:xfrm>
+              <a:prstGeom prst="straightConnector1">
+                <a:avLst/>
+              </a:prstGeom>
+              <a:ln w="6350" cmpd="sng">
+                <a:solidFill>
+                  <a:srgbClr val="000000"/>
+                </a:solidFill>
+                <a:headEnd type="none"/>
+                <a:tailEnd type="triangle"/>
+              </a:ln>
+              <a:effectLst/>
+            </p:spPr>
+            <p:style>
+              <a:lnRef idx="2">
+                <a:schemeClr val="accent1"/>
+              </a:lnRef>
+              <a:fillRef idx="0">
+                <a:schemeClr val="accent1"/>
+              </a:fillRef>
+              <a:effectRef idx="1">
+                <a:schemeClr val="accent1"/>
+              </a:effectRef>
+              <a:fontRef idx="minor">
+                <a:schemeClr val="tx1"/>
+              </a:fontRef>
+            </p:style>
+          </p:cxnSp>
+          <p:cxnSp>
+            <p:nvCxnSpPr>
+              <p:cNvPr id="98" name="Straight Arrow Connector 97"/>
+              <p:cNvCxnSpPr/>
+              <p:nvPr/>
+            </p:nvCxnSpPr>
+            <p:spPr>
+              <a:xfrm rot="5400000">
+                <a:off x="3326406" y="5585389"/>
+                <a:ext cx="351070" cy="261"/>
+              </a:xfrm>
+              <a:prstGeom prst="straightConnector1">
+                <a:avLst/>
+              </a:prstGeom>
+              <a:ln w="6350" cmpd="sng">
+                <a:solidFill>
+                  <a:srgbClr val="000000"/>
+                </a:solidFill>
+                <a:headEnd type="none"/>
+                <a:tailEnd type="triangle"/>
+              </a:ln>
+              <a:effectLst/>
+            </p:spPr>
+            <p:style>
+              <a:lnRef idx="2">
+                <a:schemeClr val="accent1"/>
+              </a:lnRef>
+              <a:fillRef idx="0">
+                <a:schemeClr val="accent1"/>
+              </a:fillRef>
+              <a:effectRef idx="1">
+                <a:schemeClr val="accent1"/>
+              </a:effectRef>
+              <a:fontRef idx="minor">
+                <a:schemeClr val="tx1"/>
+              </a:fontRef>
+            </p:style>
+          </p:cxnSp>
+          <p:cxnSp>
+            <p:nvCxnSpPr>
+              <p:cNvPr id="99" name="Straight Arrow Connector 98"/>
+              <p:cNvCxnSpPr/>
+              <p:nvPr/>
+            </p:nvCxnSpPr>
+            <p:spPr>
+              <a:xfrm rot="5400000">
+                <a:off x="3444279" y="5585390"/>
+                <a:ext cx="351070" cy="261"/>
+              </a:xfrm>
+              <a:prstGeom prst="straightConnector1">
+                <a:avLst/>
+              </a:prstGeom>
+              <a:ln w="6350" cmpd="sng">
+                <a:solidFill>
+                  <a:srgbClr val="000000"/>
+                </a:solidFill>
+                <a:headEnd type="none"/>
+                <a:tailEnd type="triangle"/>
+              </a:ln>
+              <a:effectLst/>
+            </p:spPr>
+            <p:style>
+              <a:lnRef idx="2">
+                <a:schemeClr val="accent1"/>
+              </a:lnRef>
+              <a:fillRef idx="0">
+                <a:schemeClr val="accent1"/>
+              </a:fillRef>
+              <a:effectRef idx="1">
+                <a:schemeClr val="accent1"/>
+              </a:effectRef>
+              <a:fontRef idx="minor">
+                <a:schemeClr val="tx1"/>
+              </a:fontRef>
+            </p:style>
+          </p:cxnSp>
+        </p:grpSp>
+        <p:sp>
+          <p:nvSpPr>
+            <p:cNvPr id="54" name="Document 53"/>
+            <p:cNvSpPr/>
+            <p:nvPr/>
+          </p:nvSpPr>
+          <p:spPr>
+            <a:xfrm>
+              <a:off x="6578609" y="3517953"/>
+              <a:ext cx="1248377" cy="676013"/>
+            </a:xfrm>
+            <a:prstGeom prst="flowChartDocument">
+              <a:avLst/>
+            </a:prstGeom>
+            <a:solidFill>
+              <a:schemeClr val="bg1"/>
+            </a:solidFill>
+            <a:ln>
+              <a:solidFill>
+                <a:srgbClr val="000000"/>
+              </a:solidFill>
+              <a:prstDash val="lgDash"/>
+            </a:ln>
+            <a:effectLst/>
+          </p:spPr>
+          <p:style>
+            <a:lnRef idx="1">
+              <a:schemeClr val="accent1"/>
+            </a:lnRef>
+            <a:fillRef idx="3">
+              <a:schemeClr val="accent1"/>
+            </a:fillRef>
+            <a:effectRef idx="2">
+              <a:schemeClr val="accent1"/>
+            </a:effectRef>
+            <a:fontRef idx="minor">
+              <a:schemeClr val="lt1"/>
+            </a:fontRef>
+          </p:style>
+          <p:txBody>
+            <a:bodyPr rtlCol="0" anchor="ctr"/>
+            <a:lstStyle/>
+            <a:p>
+              <a:pPr algn="ctr"/>
+              <a:r>
+                <a:rPr lang="en-GB" sz="1200" dirty="0" smtClean="0">
+                  <a:solidFill>
+                    <a:prstClr val="black"/>
+                  </a:solidFill>
+                  <a:latin typeface="Arial"/>
+                  <a:cs typeface="Arial"/>
+                </a:rPr>
+                <a:t>Intermediate</a:t>
+              </a:r>
+            </a:p>
+            <a:p>
+              <a:pPr algn="ctr"/>
+              <a:r>
+                <a:rPr lang="en-GB" sz="1200" dirty="0" smtClean="0">
+                  <a:solidFill>
+                    <a:prstClr val="black"/>
+                  </a:solidFill>
+                  <a:latin typeface="Arial"/>
+                  <a:cs typeface="Arial"/>
+                </a:rPr>
+                <a:t>ANSI-C code</a:t>
+              </a:r>
+              <a:endParaRPr lang="en-US" sz="1200" dirty="0"/>
+            </a:p>
+          </p:txBody>
+        </p:sp>
+        <p:cxnSp>
+          <p:nvCxnSpPr>
+            <p:cNvPr id="56" name="Straight Arrow Connector 55"/>
             <p:cNvCxnSpPr/>
             <p:nvPr/>
           </p:nvCxnSpPr>
           <p:spPr>
-            <a:xfrm rot="5400000">
-              <a:off x="3444279" y="5585390"/>
-              <a:ext cx="351070" cy="261"/>
+            <a:xfrm flipV="1">
+              <a:off x="7826986" y="3842833"/>
+              <a:ext cx="339544" cy="859"/>
             </a:xfrm>
             <a:prstGeom prst="straightConnector1">
               <a:avLst/>
@@ -4917,115 +5041,6 @@
           </p:style>
         </p:cxnSp>
       </p:grpSp>
-      <p:sp>
-        <p:nvSpPr>
-          <p:cNvPr id="54" name="Document 53"/>
-          <p:cNvSpPr/>
-          <p:nvPr/>
-        </p:nvSpPr>
-        <p:spPr>
-          <a:xfrm>
-            <a:off x="6578609" y="3517953"/>
-            <a:ext cx="1248377" cy="676013"/>
-          </a:xfrm>
-          <a:prstGeom prst="flowChartDocument">
-            <a:avLst/>
-          </a:prstGeom>
-          <a:solidFill>
-            <a:schemeClr val="bg1"/>
-          </a:solidFill>
-          <a:ln>
-            <a:solidFill>
-              <a:srgbClr val="000000"/>
-            </a:solidFill>
-            <a:prstDash val="lgDash"/>
-          </a:ln>
-          <a:effectLst/>
-        </p:spPr>
-        <p:style>
-          <a:lnRef idx="1">
-            <a:schemeClr val="accent1"/>
-          </a:lnRef>
-          <a:fillRef idx="3">
-            <a:schemeClr val="accent1"/>
-          </a:fillRef>
-          <a:effectRef idx="2">
-            <a:schemeClr val="accent1"/>
-          </a:effectRef>
-          <a:fontRef idx="minor">
-            <a:schemeClr val="lt1"/>
-          </a:fontRef>
-        </p:style>
-        <p:txBody>
-          <a:bodyPr rtlCol="0" anchor="ctr"/>
-          <a:lstStyle/>
-          <a:p>
-            <a:pPr algn="ctr"/>
-            <a:r>
-              <a:rPr lang="en-GB" sz="1200" dirty="0" smtClean="0">
-                <a:solidFill>
-                  <a:prstClr val="black"/>
-                </a:solidFill>
-                <a:latin typeface="Arial"/>
-                <a:cs typeface="Arial"/>
-              </a:rPr>
-              <a:t>Intermediate</a:t>
-            </a:r>
-          </a:p>
-          <a:p>
-            <a:pPr algn="ctr"/>
-            <a:r>
-              <a:rPr lang="en-GB" sz="1200" dirty="0" smtClean="0">
-                <a:solidFill>
-                  <a:prstClr val="black"/>
-                </a:solidFill>
-                <a:latin typeface="Arial"/>
-                <a:cs typeface="Arial"/>
-              </a:rPr>
-              <a:t>ANSI-C code</a:t>
-            </a:r>
-            <a:endParaRPr lang="en-US" sz="1200" dirty="0"/>
-          </a:p>
-        </p:txBody>
-      </p:sp>
-      <p:cxnSp>
-        <p:nvCxnSpPr>
-          <p:cNvPr id="56" name="Straight Arrow Connector 55"/>
-          <p:cNvCxnSpPr/>
-          <p:nvPr/>
-        </p:nvCxnSpPr>
-        <p:spPr>
-          <a:xfrm flipV="1">
-            <a:off x="7826986" y="3842833"/>
-            <a:ext cx="339544" cy="859"/>
-          </a:xfrm>
-          <a:prstGeom prst="straightConnector1">
-            <a:avLst/>
-          </a:prstGeom>
-          <a:ln w="6350" cmpd="sng">
-            <a:solidFill>
-              <a:srgbClr val="000000"/>
-            </a:solidFill>
-            <a:headEnd type="none"/>
-            <a:tailEnd type="triangle"/>
-          </a:ln>
-          <a:effectLst/>
-        </p:spPr>
-        <p:style>
-          <a:lnRef idx="2">
-            <a:schemeClr val="accent1"/>
-          </a:lnRef>
-          <a:fillRef idx="0">
-            <a:schemeClr val="accent1"/>
-          </a:fillRef>
-          <a:effectRef idx="1">
-            <a:schemeClr val="accent1"/>
-          </a:effectRef>
-          <a:fontRef idx="minor">
-            <a:schemeClr val="tx1"/>
-          </a:fontRef>
-        </p:style>
-      </p:cxnSp>
     </p:spTree>
     <p:extLst>
       <p:ext uri="{BB962C8B-B14F-4D97-AF65-F5344CB8AC3E}">

--- a/paper/figures/verification-flow.pptx
+++ b/paper/figures/verification-flow.pptx
@@ -304,7 +304,7 @@
           <a:p>
             <a:fld id="{24600E32-1EDA-9448-8110-B067D99F7BD4}" type="datetimeFigureOut">
               <a:rPr lang="en-US" smtClean="0"/>
-              <a:t>10/13/2016</a:t>
+              <a:t>10/14/2016</a:t>
             </a:fld>
             <a:endParaRPr lang="en-US"/>
           </a:p>
@@ -474,7 +474,7 @@
           <a:p>
             <a:fld id="{24600E32-1EDA-9448-8110-B067D99F7BD4}" type="datetimeFigureOut">
               <a:rPr lang="en-US" smtClean="0"/>
-              <a:t>10/13/2016</a:t>
+              <a:t>10/14/2016</a:t>
             </a:fld>
             <a:endParaRPr lang="en-US"/>
           </a:p>
@@ -654,7 +654,7 @@
           <a:p>
             <a:fld id="{24600E32-1EDA-9448-8110-B067D99F7BD4}" type="datetimeFigureOut">
               <a:rPr lang="en-US" smtClean="0"/>
-              <a:t>10/13/2016</a:t>
+              <a:t>10/14/2016</a:t>
             </a:fld>
             <a:endParaRPr lang="en-US"/>
           </a:p>
@@ -824,7 +824,7 @@
           <a:p>
             <a:fld id="{24600E32-1EDA-9448-8110-B067D99F7BD4}" type="datetimeFigureOut">
               <a:rPr lang="en-US" smtClean="0"/>
-              <a:t>10/13/2016</a:t>
+              <a:t>10/14/2016</a:t>
             </a:fld>
             <a:endParaRPr lang="en-US"/>
           </a:p>
@@ -1070,7 +1070,7 @@
           <a:p>
             <a:fld id="{24600E32-1EDA-9448-8110-B067D99F7BD4}" type="datetimeFigureOut">
               <a:rPr lang="en-US" smtClean="0"/>
-              <a:t>10/13/2016</a:t>
+              <a:t>10/14/2016</a:t>
             </a:fld>
             <a:endParaRPr lang="en-US"/>
           </a:p>
@@ -1358,7 +1358,7 @@
           <a:p>
             <a:fld id="{24600E32-1EDA-9448-8110-B067D99F7BD4}" type="datetimeFigureOut">
               <a:rPr lang="en-US" smtClean="0"/>
-              <a:t>10/13/2016</a:t>
+              <a:t>10/14/2016</a:t>
             </a:fld>
             <a:endParaRPr lang="en-US"/>
           </a:p>
@@ -1780,7 +1780,7 @@
           <a:p>
             <a:fld id="{24600E32-1EDA-9448-8110-B067D99F7BD4}" type="datetimeFigureOut">
               <a:rPr lang="en-US" smtClean="0"/>
-              <a:t>10/13/2016</a:t>
+              <a:t>10/14/2016</a:t>
             </a:fld>
             <a:endParaRPr lang="en-US"/>
           </a:p>
@@ -1898,7 +1898,7 @@
           <a:p>
             <a:fld id="{24600E32-1EDA-9448-8110-B067D99F7BD4}" type="datetimeFigureOut">
               <a:rPr lang="en-US" smtClean="0"/>
-              <a:t>10/13/2016</a:t>
+              <a:t>10/14/2016</a:t>
             </a:fld>
             <a:endParaRPr lang="en-US"/>
           </a:p>
@@ -1993,7 +1993,7 @@
           <a:p>
             <a:fld id="{24600E32-1EDA-9448-8110-B067D99F7BD4}" type="datetimeFigureOut">
               <a:rPr lang="en-US" smtClean="0"/>
-              <a:t>10/13/2016</a:t>
+              <a:t>10/14/2016</a:t>
             </a:fld>
             <a:endParaRPr lang="en-US"/>
           </a:p>
@@ -2270,7 +2270,7 @@
           <a:p>
             <a:fld id="{24600E32-1EDA-9448-8110-B067D99F7BD4}" type="datetimeFigureOut">
               <a:rPr lang="en-US" smtClean="0"/>
-              <a:t>10/13/2016</a:t>
+              <a:t>10/14/2016</a:t>
             </a:fld>
             <a:endParaRPr lang="en-US"/>
           </a:p>
@@ -2523,7 +2523,7 @@
           <a:p>
             <a:fld id="{24600E32-1EDA-9448-8110-B067D99F7BD4}" type="datetimeFigureOut">
               <a:rPr lang="en-US" smtClean="0"/>
-              <a:t>10/13/2016</a:t>
+              <a:t>10/14/2016</a:t>
             </a:fld>
             <a:endParaRPr lang="en-US"/>
           </a:p>
@@ -2736,7 +2736,7 @@
           <a:p>
             <a:fld id="{24600E32-1EDA-9448-8110-B067D99F7BD4}" type="datetimeFigureOut">
               <a:rPr lang="en-US" smtClean="0"/>
-              <a:t>10/13/2016</a:t>
+              <a:t>10/14/2016</a:t>
             </a:fld>
             <a:endParaRPr lang="en-US"/>
           </a:p>
@@ -3464,25 +3464,8 @@
                     <a:latin typeface="Arial"/>
                     <a:cs typeface="Arial"/>
                   </a:rPr>
-                  <a:t>Step </a:t>
+                  <a:t>Step 2</a:t>
                 </a:r>
-                <a:r>
-                  <a:rPr lang="en-GB" sz="1200" b="1" dirty="0" smtClean="0">
-                    <a:solidFill>
-                      <a:schemeClr val="tx1"/>
-                    </a:solidFill>
-                    <a:latin typeface="Arial"/>
-                    <a:cs typeface="Arial"/>
-                  </a:rPr>
-                  <a:t>2</a:t>
-                </a:r>
-                <a:endParaRPr lang="en-GB" sz="1200" b="1" dirty="0" smtClean="0">
-                  <a:solidFill>
-                    <a:schemeClr val="tx1"/>
-                  </a:solidFill>
-                  <a:latin typeface="Arial"/>
-                  <a:cs typeface="Arial"/>
-                </a:endParaRPr>
               </a:p>
               <a:p>
                 <a:pPr algn="ctr"/>
@@ -3746,13 +3729,6 @@
                   </a:rPr>
                   <a:t>Define controller realization form</a:t>
                 </a:r>
-                <a:endParaRPr lang="en-GB" sz="1200" dirty="0">
-                  <a:solidFill>
-                    <a:schemeClr val="tx1"/>
-                  </a:solidFill>
-                  <a:latin typeface="Arial"/>
-                  <a:cs typeface="Arial"/>
-                </a:endParaRPr>
               </a:p>
             </p:txBody>
           </p:sp>
@@ -3805,25 +3781,8 @@
                     <a:latin typeface="Arial"/>
                     <a:cs typeface="Arial"/>
                   </a:rPr>
-                  <a:t>Step </a:t>
+                  <a:t>Step 3</a:t>
                 </a:r>
-                <a:r>
-                  <a:rPr lang="en-GB" sz="1200" b="1" dirty="0" smtClean="0">
-                    <a:solidFill>
-                      <a:schemeClr val="tx1"/>
-                    </a:solidFill>
-                    <a:latin typeface="Arial"/>
-                    <a:cs typeface="Arial"/>
-                  </a:rPr>
-                  <a:t>3</a:t>
-                </a:r>
-                <a:endParaRPr lang="en-GB" sz="1200" b="1" dirty="0" smtClean="0">
-                  <a:solidFill>
-                    <a:schemeClr val="tx1"/>
-                  </a:solidFill>
-                  <a:latin typeface="Arial"/>
-                  <a:cs typeface="Arial"/>
-                </a:endParaRPr>
               </a:p>
               <a:p>
                 <a:pPr algn="ctr"/>
@@ -4433,24 +4392,14 @@
                 <a:t>Synthesise </a:t>
               </a:r>
               <a:r>
-                <a:rPr lang="en-GB" sz="1200" dirty="0">
+                <a:rPr lang="en-GB" sz="1200" smtClean="0">
                   <a:solidFill>
                     <a:schemeClr val="tx1"/>
                   </a:solidFill>
                   <a:latin typeface="Arial"/>
                   <a:cs typeface="Arial"/>
                 </a:rPr>
-                <a:t>closed-loop </a:t>
-              </a:r>
-              <a:r>
-                <a:rPr lang="en-GB" sz="1200" dirty="0" smtClean="0">
-                  <a:solidFill>
-                    <a:schemeClr val="tx1"/>
-                  </a:solidFill>
-                  <a:latin typeface="Arial"/>
-                  <a:cs typeface="Arial"/>
-                </a:rPr>
-                <a:t>control system</a:t>
+                <a:t>digital controller</a:t>
               </a:r>
               <a:endParaRPr lang="en-GB" sz="1200" dirty="0">
                 <a:solidFill>

--- a/paper/figures/verification-flow.pptx
+++ b/paper/figures/verification-flow.pptx
@@ -3186,11 +3186,11 @@
             <a:p>
               <a:pPr algn="ctr"/>
               <a:r>
-                <a:rPr lang="en-GB" sz="1200" dirty="0" smtClean="0">
+                <a:rPr lang="en-GB" sz="1200" dirty="0" err="1">
                   <a:latin typeface="Arial"/>
                   <a:cs typeface="Arial"/>
                 </a:rPr>
-                <a:t>DSVerifier</a:t>
+                <a:t>DSSynth</a:t>
               </a:r>
               <a:endParaRPr lang="en-GB" sz="1200" dirty="0">
                 <a:latin typeface="Arial"/>
@@ -4392,7 +4392,7 @@
                 <a:t>Synthesise </a:t>
               </a:r>
               <a:r>
-                <a:rPr lang="en-GB" sz="1200" smtClean="0">
+                <a:rPr lang="en-GB" sz="1200" dirty="0" smtClean="0">
                   <a:solidFill>
                     <a:schemeClr val="tx1"/>
                   </a:solidFill>

--- a/paper/figures/verification-flow.pptx
+++ b/paper/figures/verification-flow.pptx
@@ -3111,718 +3111,239 @@
           <a:chExt cx="0" cy="0"/>
         </a:xfrm>
       </p:grpSpPr>
+      <p:sp>
+        <p:nvSpPr>
+          <p:cNvPr id="55" name="TextBox 54"/>
+          <p:cNvSpPr txBox="1"/>
+          <p:nvPr/>
+        </p:nvSpPr>
+        <p:spPr>
+          <a:xfrm>
+            <a:off x="-653492" y="1595793"/>
+            <a:ext cx="1385221" cy="276999"/>
+          </a:xfrm>
+          <a:prstGeom prst="rect">
+            <a:avLst/>
+          </a:prstGeom>
+          <a:noFill/>
+        </p:spPr>
+        <p:txBody>
+          <a:bodyPr wrap="square" rtlCol="0">
+            <a:spAutoFit/>
+          </a:bodyPr>
+          <a:lstStyle/>
+          <a:p>
+            <a:pPr algn="ctr"/>
+            <a:r>
+              <a:rPr lang="en-GB" sz="1200" dirty="0" smtClean="0">
+                <a:latin typeface="Arial"/>
+                <a:cs typeface="Arial"/>
+              </a:rPr>
+              <a:t>User</a:t>
+            </a:r>
+            <a:endParaRPr lang="en-GB" sz="1200" dirty="0">
+              <a:latin typeface="Arial"/>
+              <a:cs typeface="Arial"/>
+            </a:endParaRPr>
+          </a:p>
+        </p:txBody>
+      </p:sp>
+      <p:sp>
+        <p:nvSpPr>
+          <p:cNvPr id="100" name="TextBox 99"/>
+          <p:cNvSpPr txBox="1"/>
+          <p:nvPr/>
+        </p:nvSpPr>
+        <p:spPr>
+          <a:xfrm>
+            <a:off x="-474091" y="2638922"/>
+            <a:ext cx="1385221" cy="276999"/>
+          </a:xfrm>
+          <a:prstGeom prst="rect">
+            <a:avLst/>
+          </a:prstGeom>
+          <a:noFill/>
+        </p:spPr>
+        <p:txBody>
+          <a:bodyPr wrap="square" rtlCol="0">
+            <a:spAutoFit/>
+          </a:bodyPr>
+          <a:lstStyle/>
+          <a:p>
+            <a:pPr algn="ctr"/>
+            <a:r>
+              <a:rPr lang="en-GB" sz="1200" dirty="0" err="1">
+                <a:latin typeface="Arial"/>
+                <a:cs typeface="Arial"/>
+              </a:rPr>
+              <a:t>DSSynth</a:t>
+            </a:r>
+            <a:endParaRPr lang="en-GB" sz="1200" dirty="0">
+              <a:latin typeface="Arial"/>
+              <a:cs typeface="Arial"/>
+            </a:endParaRPr>
+          </a:p>
+        </p:txBody>
+      </p:sp>
       <p:grpSp>
         <p:nvGrpSpPr>
-          <p:cNvPr id="5" name="Grupo 4"/>
+          <p:cNvPr id="48" name="Group 47"/>
+          <p:cNvGrpSpPr/>
+          <p:nvPr/>
+        </p:nvGrpSpPr>
+        <p:grpSpPr>
+          <a:xfrm rot="16200000">
+            <a:off x="96675" y="1702642"/>
+            <a:ext cx="243399" cy="583699"/>
+            <a:chOff x="3376545" y="5409984"/>
+            <a:chExt cx="243399" cy="351072"/>
+          </a:xfrm>
+        </p:grpSpPr>
+        <p:cxnSp>
+          <p:nvCxnSpPr>
+            <p:cNvPr id="23" name="Straight Arrow Connector 22"/>
+            <p:cNvCxnSpPr/>
+            <p:nvPr/>
+          </p:nvCxnSpPr>
+          <p:spPr>
+            <a:xfrm rot="5400000">
+              <a:off x="3201141" y="5585388"/>
+              <a:ext cx="351070" cy="261"/>
+            </a:xfrm>
+            <a:prstGeom prst="straightConnector1">
+              <a:avLst/>
+            </a:prstGeom>
+            <a:ln w="6350" cmpd="sng">
+              <a:solidFill>
+                <a:srgbClr val="000000"/>
+              </a:solidFill>
+              <a:headEnd type="none"/>
+              <a:tailEnd type="triangle"/>
+            </a:ln>
+            <a:effectLst/>
+          </p:spPr>
+          <p:style>
+            <a:lnRef idx="2">
+              <a:schemeClr val="accent1"/>
+            </a:lnRef>
+            <a:fillRef idx="0">
+              <a:schemeClr val="accent1"/>
+            </a:fillRef>
+            <a:effectRef idx="1">
+              <a:schemeClr val="accent1"/>
+            </a:effectRef>
+            <a:fontRef idx="minor">
+              <a:schemeClr val="tx1"/>
+            </a:fontRef>
+          </p:style>
+        </p:cxnSp>
+        <p:cxnSp>
+          <p:nvCxnSpPr>
+            <p:cNvPr id="51" name="Straight Arrow Connector 50"/>
+            <p:cNvCxnSpPr/>
+            <p:nvPr/>
+          </p:nvCxnSpPr>
+          <p:spPr>
+            <a:xfrm rot="5400000">
+              <a:off x="3326406" y="5585389"/>
+              <a:ext cx="351070" cy="261"/>
+            </a:xfrm>
+            <a:prstGeom prst="straightConnector1">
+              <a:avLst/>
+            </a:prstGeom>
+            <a:ln w="6350" cmpd="sng">
+              <a:solidFill>
+                <a:srgbClr val="000000"/>
+              </a:solidFill>
+              <a:headEnd type="none"/>
+              <a:tailEnd type="triangle"/>
+            </a:ln>
+            <a:effectLst/>
+          </p:spPr>
+          <p:style>
+            <a:lnRef idx="2">
+              <a:schemeClr val="accent1"/>
+            </a:lnRef>
+            <a:fillRef idx="0">
+              <a:schemeClr val="accent1"/>
+            </a:fillRef>
+            <a:effectRef idx="1">
+              <a:schemeClr val="accent1"/>
+            </a:effectRef>
+            <a:fontRef idx="minor">
+              <a:schemeClr val="tx1"/>
+            </a:fontRef>
+          </p:style>
+        </p:cxnSp>
+        <p:cxnSp>
+          <p:nvCxnSpPr>
+            <p:cNvPr id="52" name="Straight Arrow Connector 51"/>
+            <p:cNvCxnSpPr/>
+            <p:nvPr/>
+          </p:nvCxnSpPr>
+          <p:spPr>
+            <a:xfrm rot="5400000">
+              <a:off x="3444279" y="5585390"/>
+              <a:ext cx="351070" cy="261"/>
+            </a:xfrm>
+            <a:prstGeom prst="straightConnector1">
+              <a:avLst/>
+            </a:prstGeom>
+            <a:ln w="6350" cmpd="sng">
+              <a:solidFill>
+                <a:srgbClr val="000000"/>
+              </a:solidFill>
+              <a:headEnd type="none"/>
+              <a:tailEnd type="triangle"/>
+            </a:ln>
+            <a:effectLst/>
+          </p:spPr>
+          <p:style>
+            <a:lnRef idx="2">
+              <a:schemeClr val="accent1"/>
+            </a:lnRef>
+            <a:fillRef idx="0">
+              <a:schemeClr val="accent1"/>
+            </a:fillRef>
+            <a:effectRef idx="1">
+              <a:schemeClr val="accent1"/>
+            </a:effectRef>
+            <a:fontRef idx="minor">
+              <a:schemeClr val="tx1"/>
+            </a:fontRef>
+          </p:style>
+        </p:cxnSp>
+      </p:grpSp>
+      <p:grpSp>
+        <p:nvGrpSpPr>
+          <p:cNvPr id="3" name="Group 2"/>
           <p:cNvGrpSpPr/>
           <p:nvPr/>
         </p:nvGrpSpPr>
         <p:grpSpPr>
           <a:xfrm>
-            <a:off x="-653492" y="1595793"/>
-            <a:ext cx="10472908" cy="2600465"/>
-            <a:chOff x="-653492" y="1595793"/>
-            <a:chExt cx="10472908" cy="2600465"/>
+            <a:off x="2584540" y="1654013"/>
+            <a:ext cx="1727711" cy="678305"/>
+            <a:chOff x="740000" y="3583036"/>
+            <a:chExt cx="1727711" cy="678305"/>
           </a:xfrm>
         </p:grpSpPr>
         <p:sp>
           <p:nvSpPr>
-            <p:cNvPr id="55" name="TextBox 54"/>
-            <p:cNvSpPr txBox="1"/>
-            <p:nvPr/>
-          </p:nvSpPr>
-          <p:spPr>
-            <a:xfrm>
-              <a:off x="-653492" y="1595793"/>
-              <a:ext cx="1385221" cy="276999"/>
-            </a:xfrm>
-            <a:prstGeom prst="rect">
-              <a:avLst/>
-            </a:prstGeom>
-            <a:noFill/>
-          </p:spPr>
-          <p:txBody>
-            <a:bodyPr wrap="square" rtlCol="0">
-              <a:spAutoFit/>
-            </a:bodyPr>
-            <a:lstStyle/>
-            <a:p>
-              <a:pPr algn="ctr"/>
-              <a:r>
-                <a:rPr lang="en-GB" sz="1200" dirty="0" smtClean="0">
-                  <a:latin typeface="Arial"/>
-                  <a:cs typeface="Arial"/>
-                </a:rPr>
-                <a:t>User</a:t>
-              </a:r>
-              <a:endParaRPr lang="en-GB" sz="1200" dirty="0">
-                <a:latin typeface="Arial"/>
-                <a:cs typeface="Arial"/>
-              </a:endParaRPr>
-            </a:p>
-          </p:txBody>
-        </p:sp>
-        <p:sp>
-          <p:nvSpPr>
-            <p:cNvPr id="100" name="TextBox 99"/>
-            <p:cNvSpPr txBox="1"/>
-            <p:nvPr/>
-          </p:nvSpPr>
-          <p:spPr>
-            <a:xfrm>
-              <a:off x="-474091" y="3448820"/>
-              <a:ext cx="1385221" cy="276999"/>
-            </a:xfrm>
-            <a:prstGeom prst="rect">
-              <a:avLst/>
-            </a:prstGeom>
-            <a:noFill/>
-          </p:spPr>
-          <p:txBody>
-            <a:bodyPr wrap="square" rtlCol="0">
-              <a:spAutoFit/>
-            </a:bodyPr>
-            <a:lstStyle/>
-            <a:p>
-              <a:pPr algn="ctr"/>
-              <a:r>
-                <a:rPr lang="en-GB" sz="1200" dirty="0" err="1">
-                  <a:latin typeface="Arial"/>
-                  <a:cs typeface="Arial"/>
-                </a:rPr>
-                <a:t>DSSynth</a:t>
-              </a:r>
-              <a:endParaRPr lang="en-GB" sz="1200" dirty="0">
-                <a:latin typeface="Arial"/>
-                <a:cs typeface="Arial"/>
-              </a:endParaRPr>
-            </a:p>
-          </p:txBody>
-        </p:sp>
-        <p:grpSp>
-          <p:nvGrpSpPr>
-            <p:cNvPr id="48" name="Group 47"/>
-            <p:cNvGrpSpPr/>
-            <p:nvPr/>
-          </p:nvGrpSpPr>
-          <p:grpSpPr>
-            <a:xfrm rot="16200000">
-              <a:off x="96675" y="1702642"/>
-              <a:ext cx="243399" cy="583699"/>
-              <a:chOff x="3376545" y="5409984"/>
-              <a:chExt cx="243399" cy="351072"/>
-            </a:xfrm>
-          </p:grpSpPr>
-          <p:cxnSp>
-            <p:nvCxnSpPr>
-              <p:cNvPr id="23" name="Straight Arrow Connector 22"/>
-              <p:cNvCxnSpPr/>
-              <p:nvPr/>
-            </p:nvCxnSpPr>
-            <p:spPr>
-              <a:xfrm rot="5400000">
-                <a:off x="3201141" y="5585388"/>
-                <a:ext cx="351070" cy="261"/>
-              </a:xfrm>
-              <a:prstGeom prst="straightConnector1">
-                <a:avLst/>
-              </a:prstGeom>
-              <a:ln w="6350" cmpd="sng">
-                <a:solidFill>
-                  <a:srgbClr val="000000"/>
-                </a:solidFill>
-                <a:headEnd type="none"/>
-                <a:tailEnd type="triangle"/>
-              </a:ln>
-              <a:effectLst/>
-            </p:spPr>
-            <p:style>
-              <a:lnRef idx="2">
-                <a:schemeClr val="accent1"/>
-              </a:lnRef>
-              <a:fillRef idx="0">
-                <a:schemeClr val="accent1"/>
-              </a:fillRef>
-              <a:effectRef idx="1">
-                <a:schemeClr val="accent1"/>
-              </a:effectRef>
-              <a:fontRef idx="minor">
-                <a:schemeClr val="tx1"/>
-              </a:fontRef>
-            </p:style>
-          </p:cxnSp>
-          <p:cxnSp>
-            <p:nvCxnSpPr>
-              <p:cNvPr id="51" name="Straight Arrow Connector 50"/>
-              <p:cNvCxnSpPr/>
-              <p:nvPr/>
-            </p:nvCxnSpPr>
-            <p:spPr>
-              <a:xfrm rot="5400000">
-                <a:off x="3326406" y="5585389"/>
-                <a:ext cx="351070" cy="261"/>
-              </a:xfrm>
-              <a:prstGeom prst="straightConnector1">
-                <a:avLst/>
-              </a:prstGeom>
-              <a:ln w="6350" cmpd="sng">
-                <a:solidFill>
-                  <a:srgbClr val="000000"/>
-                </a:solidFill>
-                <a:headEnd type="none"/>
-                <a:tailEnd type="triangle"/>
-              </a:ln>
-              <a:effectLst/>
-            </p:spPr>
-            <p:style>
-              <a:lnRef idx="2">
-                <a:schemeClr val="accent1"/>
-              </a:lnRef>
-              <a:fillRef idx="0">
-                <a:schemeClr val="accent1"/>
-              </a:fillRef>
-              <a:effectRef idx="1">
-                <a:schemeClr val="accent1"/>
-              </a:effectRef>
-              <a:fontRef idx="minor">
-                <a:schemeClr val="tx1"/>
-              </a:fontRef>
-            </p:style>
-          </p:cxnSp>
-          <p:cxnSp>
-            <p:nvCxnSpPr>
-              <p:cNvPr id="52" name="Straight Arrow Connector 51"/>
-              <p:cNvCxnSpPr/>
-              <p:nvPr/>
-            </p:nvCxnSpPr>
-            <p:spPr>
-              <a:xfrm rot="5400000">
-                <a:off x="3444279" y="5585390"/>
-                <a:ext cx="351070" cy="261"/>
-              </a:xfrm>
-              <a:prstGeom prst="straightConnector1">
-                <a:avLst/>
-              </a:prstGeom>
-              <a:ln w="6350" cmpd="sng">
-                <a:solidFill>
-                  <a:srgbClr val="000000"/>
-                </a:solidFill>
-                <a:headEnd type="none"/>
-                <a:tailEnd type="triangle"/>
-              </a:ln>
-              <a:effectLst/>
-            </p:spPr>
-            <p:style>
-              <a:lnRef idx="2">
-                <a:schemeClr val="accent1"/>
-              </a:lnRef>
-              <a:fillRef idx="0">
-                <a:schemeClr val="accent1"/>
-              </a:fillRef>
-              <a:effectRef idx="1">
-                <a:schemeClr val="accent1"/>
-              </a:effectRef>
-              <a:fontRef idx="minor">
-                <a:schemeClr val="tx1"/>
-              </a:fontRef>
-            </p:style>
-          </p:cxnSp>
-        </p:grpSp>
-        <p:grpSp>
-          <p:nvGrpSpPr>
-            <p:cNvPr id="3" name="Group 2"/>
-            <p:cNvGrpSpPr/>
-            <p:nvPr/>
-          </p:nvGrpSpPr>
-          <p:grpSpPr>
-            <a:xfrm>
-              <a:off x="2584540" y="1654013"/>
-              <a:ext cx="1727711" cy="678305"/>
-              <a:chOff x="740000" y="3583036"/>
-              <a:chExt cx="1727711" cy="678305"/>
-            </a:xfrm>
-          </p:grpSpPr>
-          <p:sp>
-            <p:nvSpPr>
-              <p:cNvPr id="33" name="Process 32"/>
-              <p:cNvSpPr/>
-              <p:nvPr/>
-            </p:nvSpPr>
-            <p:spPr>
-              <a:xfrm>
-                <a:off x="740000" y="3583036"/>
-                <a:ext cx="1727138" cy="677732"/>
-              </a:xfrm>
-              <a:prstGeom prst="flowChartProcess">
-                <a:avLst/>
-              </a:prstGeom>
-              <a:solidFill>
-                <a:schemeClr val="bg1"/>
-              </a:solidFill>
-              <a:ln w="6350" cmpd="sng">
-                <a:solidFill>
-                  <a:schemeClr val="tx1"/>
-                </a:solidFill>
-              </a:ln>
-              <a:effectLst/>
-            </p:spPr>
-            <p:style>
-              <a:lnRef idx="1">
-                <a:schemeClr val="accent1"/>
-              </a:lnRef>
-              <a:fillRef idx="3">
-                <a:schemeClr val="accent1"/>
-              </a:fillRef>
-              <a:effectRef idx="2">
-                <a:schemeClr val="accent1"/>
-              </a:effectRef>
-              <a:fontRef idx="minor">
-                <a:schemeClr val="lt1"/>
-              </a:fontRef>
-            </p:style>
-            <p:txBody>
-              <a:bodyPr rtlCol="0" anchor="ctr"/>
-              <a:lstStyle/>
-              <a:p>
-                <a:pPr algn="ctr"/>
-                <a:endParaRPr lang="en-GB" sz="1000" dirty="0" smtClean="0">
-                  <a:solidFill>
-                    <a:schemeClr val="tx1"/>
-                  </a:solidFill>
-                  <a:latin typeface="Arial"/>
-                  <a:cs typeface="Arial"/>
-                </a:endParaRPr>
-              </a:p>
-              <a:p>
-                <a:pPr algn="ctr"/>
-                <a:r>
-                  <a:rPr lang="en-GB" sz="1100" dirty="0" smtClean="0">
-                    <a:solidFill>
-                      <a:schemeClr val="tx1"/>
-                    </a:solidFill>
-                    <a:latin typeface="Arial"/>
-                    <a:cs typeface="Arial"/>
-                  </a:rPr>
-                  <a:t>Define controller numerical representation</a:t>
-                </a:r>
-                <a:endParaRPr lang="en-GB" sz="1100" dirty="0">
-                  <a:solidFill>
-                    <a:schemeClr val="tx1"/>
-                  </a:solidFill>
-                  <a:latin typeface="Arial"/>
-                  <a:cs typeface="Arial"/>
-                </a:endParaRPr>
-              </a:p>
-            </p:txBody>
-          </p:sp>
-          <p:sp>
-            <p:nvSpPr>
-              <p:cNvPr id="34" name="Process 33"/>
-              <p:cNvSpPr/>
-              <p:nvPr/>
-            </p:nvSpPr>
-            <p:spPr>
-              <a:xfrm>
-                <a:off x="740001" y="3583609"/>
-                <a:ext cx="1727710" cy="677732"/>
-              </a:xfrm>
-              <a:prstGeom prst="flowChartProcess">
-                <a:avLst/>
-              </a:prstGeom>
-              <a:noFill/>
-              <a:ln w="6350" cmpd="sng">
-                <a:solidFill>
-                  <a:schemeClr val="tx1"/>
-                </a:solidFill>
-              </a:ln>
-              <a:effectLst/>
-            </p:spPr>
-            <p:style>
-              <a:lnRef idx="1">
-                <a:schemeClr val="accent1"/>
-              </a:lnRef>
-              <a:fillRef idx="3">
-                <a:schemeClr val="accent1"/>
-              </a:fillRef>
-              <a:effectRef idx="2">
-                <a:schemeClr val="accent1"/>
-              </a:effectRef>
-              <a:fontRef idx="minor">
-                <a:schemeClr val="lt1"/>
-              </a:fontRef>
-            </p:style>
-            <p:txBody>
-              <a:bodyPr rtlCol="0" anchor="ctr"/>
-              <a:lstStyle/>
-              <a:p>
-                <a:pPr algn="ctr"/>
-                <a:r>
-                  <a:rPr lang="en-GB" sz="1200" b="1" dirty="0" smtClean="0">
-                    <a:solidFill>
-                      <a:schemeClr val="tx1"/>
-                    </a:solidFill>
-                    <a:latin typeface="Arial"/>
-                    <a:cs typeface="Arial"/>
-                  </a:rPr>
-                  <a:t>Step 2</a:t>
-                </a:r>
-              </a:p>
-              <a:p>
-                <a:pPr algn="ctr"/>
-                <a:endParaRPr lang="en-GB" sz="1200" dirty="0">
-                  <a:solidFill>
-                    <a:schemeClr val="tx1"/>
-                  </a:solidFill>
-                  <a:latin typeface="Arial"/>
-                  <a:cs typeface="Arial"/>
-                </a:endParaRPr>
-              </a:p>
-              <a:p>
-                <a:pPr algn="ctr"/>
-                <a:endParaRPr lang="en-GB" sz="1200" dirty="0" smtClean="0">
-                  <a:solidFill>
-                    <a:schemeClr val="tx1"/>
-                  </a:solidFill>
-                  <a:latin typeface="Arial"/>
-                  <a:cs typeface="Arial"/>
-                </a:endParaRPr>
-              </a:p>
-            </p:txBody>
-          </p:sp>
-        </p:grpSp>
-        <p:grpSp>
-          <p:nvGrpSpPr>
-            <p:cNvPr id="35" name="Group 34"/>
-            <p:cNvGrpSpPr/>
-            <p:nvPr/>
-          </p:nvGrpSpPr>
-          <p:grpSpPr>
-            <a:xfrm>
-              <a:off x="594882" y="1654013"/>
-              <a:ext cx="1652886" cy="678305"/>
-              <a:chOff x="814824" y="3583036"/>
-              <a:chExt cx="1652886" cy="678305"/>
-            </a:xfrm>
-          </p:grpSpPr>
-          <p:sp>
-            <p:nvSpPr>
-              <p:cNvPr id="37" name="Process 36"/>
-              <p:cNvSpPr/>
-              <p:nvPr/>
-            </p:nvSpPr>
-            <p:spPr>
-              <a:xfrm>
-                <a:off x="814824" y="3583036"/>
-                <a:ext cx="1652313" cy="677732"/>
-              </a:xfrm>
-              <a:prstGeom prst="flowChartProcess">
-                <a:avLst/>
-              </a:prstGeom>
-              <a:solidFill>
-                <a:schemeClr val="bg1"/>
-              </a:solidFill>
-              <a:ln w="6350" cmpd="sng">
-                <a:solidFill>
-                  <a:schemeClr val="tx1"/>
-                </a:solidFill>
-              </a:ln>
-              <a:effectLst/>
-            </p:spPr>
-            <p:style>
-              <a:lnRef idx="1">
-                <a:schemeClr val="accent1"/>
-              </a:lnRef>
-              <a:fillRef idx="3">
-                <a:schemeClr val="accent1"/>
-              </a:fillRef>
-              <a:effectRef idx="2">
-                <a:schemeClr val="accent1"/>
-              </a:effectRef>
-              <a:fontRef idx="minor">
-                <a:schemeClr val="lt1"/>
-              </a:fontRef>
-            </p:style>
-            <p:txBody>
-              <a:bodyPr rtlCol="0" anchor="ctr"/>
-              <a:lstStyle/>
-              <a:p>
-                <a:pPr algn="ctr"/>
-                <a:endParaRPr lang="en-GB" sz="1000" dirty="0" smtClean="0">
-                  <a:solidFill>
-                    <a:schemeClr val="tx1"/>
-                  </a:solidFill>
-                  <a:latin typeface="Arial"/>
-                  <a:cs typeface="Arial"/>
-                </a:endParaRPr>
-              </a:p>
-              <a:p>
-                <a:pPr algn="ctr"/>
-                <a:r>
-                  <a:rPr lang="en-GB" sz="1200" dirty="0" smtClean="0">
-                    <a:solidFill>
-                      <a:schemeClr val="tx1"/>
-                    </a:solidFill>
-                    <a:latin typeface="Arial"/>
-                    <a:cs typeface="Arial"/>
-                  </a:rPr>
-                  <a:t>Determine plant model and intervals</a:t>
-                </a:r>
-                <a:endParaRPr lang="en-GB" sz="1200" dirty="0">
-                  <a:solidFill>
-                    <a:schemeClr val="tx1"/>
-                  </a:solidFill>
-                  <a:latin typeface="Arial"/>
-                  <a:cs typeface="Arial"/>
-                </a:endParaRPr>
-              </a:p>
-            </p:txBody>
-          </p:sp>
-          <p:sp>
-            <p:nvSpPr>
-              <p:cNvPr id="38" name="Process 37"/>
-              <p:cNvSpPr/>
-              <p:nvPr/>
-            </p:nvSpPr>
-            <p:spPr>
-              <a:xfrm>
-                <a:off x="815397" y="3583609"/>
-                <a:ext cx="1652313" cy="677732"/>
-              </a:xfrm>
-              <a:prstGeom prst="flowChartProcess">
-                <a:avLst/>
-              </a:prstGeom>
-              <a:noFill/>
-              <a:ln w="6350" cmpd="sng">
-                <a:solidFill>
-                  <a:schemeClr val="tx1"/>
-                </a:solidFill>
-              </a:ln>
-              <a:effectLst/>
-            </p:spPr>
-            <p:style>
-              <a:lnRef idx="1">
-                <a:schemeClr val="accent1"/>
-              </a:lnRef>
-              <a:fillRef idx="3">
-                <a:schemeClr val="accent1"/>
-              </a:fillRef>
-              <a:effectRef idx="2">
-                <a:schemeClr val="accent1"/>
-              </a:effectRef>
-              <a:fontRef idx="minor">
-                <a:schemeClr val="lt1"/>
-              </a:fontRef>
-            </p:style>
-            <p:txBody>
-              <a:bodyPr rtlCol="0" anchor="ctr"/>
-              <a:lstStyle/>
-              <a:p>
-                <a:pPr algn="ctr"/>
-                <a:r>
-                  <a:rPr lang="en-GB" sz="1200" b="1" dirty="0" smtClean="0">
-                    <a:solidFill>
-                      <a:schemeClr val="tx1"/>
-                    </a:solidFill>
-                    <a:latin typeface="Arial"/>
-                    <a:cs typeface="Arial"/>
-                  </a:rPr>
-                  <a:t>Step 1</a:t>
-                </a:r>
-              </a:p>
-              <a:p>
-                <a:pPr algn="ctr"/>
-                <a:endParaRPr lang="en-GB" sz="1200" dirty="0">
-                  <a:solidFill>
-                    <a:schemeClr val="tx1"/>
-                  </a:solidFill>
-                  <a:latin typeface="Arial"/>
-                  <a:cs typeface="Arial"/>
-                </a:endParaRPr>
-              </a:p>
-              <a:p>
-                <a:pPr algn="ctr"/>
-                <a:endParaRPr lang="en-GB" sz="1200" dirty="0" smtClean="0">
-                  <a:solidFill>
-                    <a:schemeClr val="tx1"/>
-                  </a:solidFill>
-                  <a:latin typeface="Arial"/>
-                  <a:cs typeface="Arial"/>
-                </a:endParaRPr>
-              </a:p>
-            </p:txBody>
-          </p:sp>
-        </p:grpSp>
-        <p:grpSp>
-          <p:nvGrpSpPr>
-            <p:cNvPr id="46" name="Group 45"/>
-            <p:cNvGrpSpPr/>
-            <p:nvPr/>
-          </p:nvGrpSpPr>
-          <p:grpSpPr>
-            <a:xfrm>
-              <a:off x="4671057" y="1651502"/>
-              <a:ext cx="1652886" cy="678305"/>
-              <a:chOff x="814824" y="3583036"/>
-              <a:chExt cx="1652886" cy="678305"/>
-            </a:xfrm>
-          </p:grpSpPr>
-          <p:sp>
-            <p:nvSpPr>
-              <p:cNvPr id="47" name="Process 46"/>
-              <p:cNvSpPr/>
-              <p:nvPr/>
-            </p:nvSpPr>
-            <p:spPr>
-              <a:xfrm>
-                <a:off x="814824" y="3583036"/>
-                <a:ext cx="1652313" cy="677732"/>
-              </a:xfrm>
-              <a:prstGeom prst="flowChartProcess">
-                <a:avLst/>
-              </a:prstGeom>
-              <a:solidFill>
-                <a:schemeClr val="bg1"/>
-              </a:solidFill>
-              <a:ln w="6350" cmpd="sng">
-                <a:solidFill>
-                  <a:schemeClr val="tx1"/>
-                </a:solidFill>
-              </a:ln>
-              <a:effectLst/>
-            </p:spPr>
-            <p:style>
-              <a:lnRef idx="1">
-                <a:schemeClr val="accent1"/>
-              </a:lnRef>
-              <a:fillRef idx="3">
-                <a:schemeClr val="accent1"/>
-              </a:fillRef>
-              <a:effectRef idx="2">
-                <a:schemeClr val="accent1"/>
-              </a:effectRef>
-              <a:fontRef idx="minor">
-                <a:schemeClr val="lt1"/>
-              </a:fontRef>
-            </p:style>
-            <p:txBody>
-              <a:bodyPr rtlCol="0" anchor="ctr"/>
-              <a:lstStyle/>
-              <a:p>
-                <a:pPr algn="ctr"/>
-                <a:endParaRPr lang="en-GB" sz="1000" dirty="0" smtClean="0">
-                  <a:solidFill>
-                    <a:schemeClr val="tx1"/>
-                  </a:solidFill>
-                  <a:latin typeface="Arial"/>
-                  <a:cs typeface="Arial"/>
-                </a:endParaRPr>
-              </a:p>
-              <a:p>
-                <a:pPr algn="ctr"/>
-                <a:r>
-                  <a:rPr lang="en-GB" sz="1200" dirty="0">
-                    <a:solidFill>
-                      <a:schemeClr val="tx1"/>
-                    </a:solidFill>
-                    <a:latin typeface="Arial"/>
-                    <a:cs typeface="Arial"/>
-                  </a:rPr>
-                  <a:t>Define controller realization form</a:t>
-                </a:r>
-              </a:p>
-            </p:txBody>
-          </p:sp>
-          <p:sp>
-            <p:nvSpPr>
-              <p:cNvPr id="57" name="Process 56"/>
-              <p:cNvSpPr/>
-              <p:nvPr/>
-            </p:nvSpPr>
-            <p:spPr>
-              <a:xfrm>
-                <a:off x="815397" y="3583609"/>
-                <a:ext cx="1652313" cy="677732"/>
-              </a:xfrm>
-              <a:prstGeom prst="flowChartProcess">
-                <a:avLst/>
-              </a:prstGeom>
-              <a:noFill/>
-              <a:ln w="6350" cmpd="sng">
-                <a:solidFill>
-                  <a:schemeClr val="tx1"/>
-                </a:solidFill>
-              </a:ln>
-              <a:effectLst/>
-            </p:spPr>
-            <p:style>
-              <a:lnRef idx="1">
-                <a:schemeClr val="accent1"/>
-              </a:lnRef>
-              <a:fillRef idx="3">
-                <a:schemeClr val="accent1"/>
-              </a:fillRef>
-              <a:effectRef idx="2">
-                <a:schemeClr val="accent1"/>
-              </a:effectRef>
-              <a:fontRef idx="minor">
-                <a:schemeClr val="lt1"/>
-              </a:fontRef>
-            </p:style>
-            <p:txBody>
-              <a:bodyPr rtlCol="0" anchor="ctr"/>
-              <a:lstStyle/>
-              <a:p>
-                <a:pPr algn="ctr"/>
-                <a:r>
-                  <a:rPr lang="en-GB" sz="1200" b="1" dirty="0" smtClean="0">
-                    <a:solidFill>
-                      <a:schemeClr val="tx1"/>
-                    </a:solidFill>
-                    <a:latin typeface="Arial"/>
-                    <a:cs typeface="Arial"/>
-                  </a:rPr>
-                  <a:t>Step 3</a:t>
-                </a:r>
-              </a:p>
-              <a:p>
-                <a:pPr algn="ctr"/>
-                <a:endParaRPr lang="en-GB" sz="1200" dirty="0">
-                  <a:solidFill>
-                    <a:schemeClr val="tx1"/>
-                  </a:solidFill>
-                  <a:latin typeface="Arial"/>
-                  <a:cs typeface="Arial"/>
-                </a:endParaRPr>
-              </a:p>
-              <a:p>
-                <a:pPr algn="ctr"/>
-                <a:endParaRPr lang="en-GB" sz="1200" dirty="0" smtClean="0">
-                  <a:solidFill>
-                    <a:schemeClr val="tx1"/>
-                  </a:solidFill>
-                  <a:latin typeface="Arial"/>
-                  <a:cs typeface="Arial"/>
-                </a:endParaRPr>
-              </a:p>
-            </p:txBody>
-          </p:sp>
-        </p:grpSp>
-        <p:sp>
-          <p:nvSpPr>
-            <p:cNvPr id="60" name="Process 59"/>
+            <p:cNvPr id="33" name="Process 32"/>
             <p:cNvSpPr/>
             <p:nvPr/>
           </p:nvSpPr>
           <p:spPr>
             <a:xfrm>
-              <a:off x="606476" y="3517380"/>
-              <a:ext cx="1752639" cy="677732"/>
+              <a:off x="740000" y="3583036"/>
+              <a:ext cx="1727138" cy="677732"/>
             </a:xfrm>
             <a:prstGeom prst="flowChartProcess">
               <a:avLst/>
             </a:prstGeom>
             <a:solidFill>
-              <a:srgbClr val="F2F2F2"/>
+              <a:schemeClr val="bg1"/>
             </a:solidFill>
             <a:ln w="6350" cmpd="sng">
               <a:solidFill>
@@ -3868,7 +3389,7 @@
                   <a:latin typeface="Arial"/>
                   <a:cs typeface="Arial"/>
                 </a:rPr>
-                <a:t>Construct a non-deterministic plant model</a:t>
+                <a:t>Define controller numerical representation</a:t>
               </a:r>
               <a:endParaRPr lang="en-GB" sz="1100" dirty="0">
                 <a:solidFill>
@@ -3882,14 +3403,14 @@
         </p:sp>
         <p:sp>
           <p:nvSpPr>
-            <p:cNvPr id="62" name="Process 61"/>
+            <p:cNvPr id="34" name="Process 33"/>
             <p:cNvSpPr/>
             <p:nvPr/>
           </p:nvSpPr>
           <p:spPr>
             <a:xfrm>
-              <a:off x="607049" y="3517953"/>
-              <a:ext cx="1752066" cy="677732"/>
+              <a:off x="740001" y="3583609"/>
+              <a:ext cx="1727710" cy="677732"/>
             </a:xfrm>
             <a:prstGeom prst="flowChartProcess">
               <a:avLst/>
@@ -3929,7 +3450,7 @@
                   <a:latin typeface="Arial"/>
                   <a:cs typeface="Arial"/>
                 </a:rPr>
-                <a:t>Step A</a:t>
+                <a:t>Step 2</a:t>
               </a:r>
             </a:p>
             <a:p>
@@ -3954,102 +3475,37 @@
             </a:p>
           </p:txBody>
         </p:sp>
-        <p:cxnSp>
-          <p:nvCxnSpPr>
-            <p:cNvPr id="63" name="Straight Arrow Connector 62"/>
-            <p:cNvCxnSpPr>
-              <a:stCxn id="37" idx="3"/>
-            </p:cNvCxnSpPr>
-            <p:nvPr/>
-          </p:nvCxnSpPr>
-          <p:spPr>
-            <a:xfrm flipV="1">
-              <a:off x="2247195" y="1992087"/>
-              <a:ext cx="338398" cy="792"/>
-            </a:xfrm>
-            <a:prstGeom prst="straightConnector1">
-              <a:avLst/>
-            </a:prstGeom>
-            <a:ln w="6350" cmpd="sng">
-              <a:solidFill>
-                <a:srgbClr val="000000"/>
-              </a:solidFill>
-              <a:headEnd type="none"/>
-              <a:tailEnd type="triangle"/>
-            </a:ln>
-            <a:effectLst/>
-          </p:spPr>
-          <p:style>
-            <a:lnRef idx="2">
-              <a:schemeClr val="accent1"/>
-            </a:lnRef>
-            <a:fillRef idx="0">
-              <a:schemeClr val="accent1"/>
-            </a:fillRef>
-            <a:effectRef idx="1">
-              <a:schemeClr val="accent1"/>
-            </a:effectRef>
-            <a:fontRef idx="minor">
-              <a:schemeClr val="tx1"/>
-            </a:fontRef>
-          </p:style>
-        </p:cxnSp>
-        <p:cxnSp>
-          <p:nvCxnSpPr>
-            <p:cNvPr id="67" name="Straight Arrow Connector 66"/>
-            <p:cNvCxnSpPr>
-              <a:endCxn id="47" idx="1"/>
-            </p:cNvCxnSpPr>
-            <p:nvPr/>
-          </p:nvCxnSpPr>
-          <p:spPr>
-            <a:xfrm flipV="1">
-              <a:off x="4331513" y="1990368"/>
-              <a:ext cx="339544" cy="1719"/>
-            </a:xfrm>
-            <a:prstGeom prst="straightConnector1">
-              <a:avLst/>
-            </a:prstGeom>
-            <a:ln w="6350" cmpd="sng">
-              <a:solidFill>
-                <a:srgbClr val="000000"/>
-              </a:solidFill>
-              <a:headEnd type="none"/>
-              <a:tailEnd type="triangle"/>
-            </a:ln>
-            <a:effectLst/>
-          </p:spPr>
-          <p:style>
-            <a:lnRef idx="2">
-              <a:schemeClr val="accent1"/>
-            </a:lnRef>
-            <a:fillRef idx="0">
-              <a:schemeClr val="accent1"/>
-            </a:fillRef>
-            <a:effectRef idx="1">
-              <a:schemeClr val="accent1"/>
-            </a:effectRef>
-            <a:fontRef idx="minor">
-              <a:schemeClr val="tx1"/>
-            </a:fontRef>
-          </p:style>
-        </p:cxnSp>
+      </p:grpSp>
+      <p:grpSp>
+        <p:nvGrpSpPr>
+          <p:cNvPr id="35" name="Group 34"/>
+          <p:cNvGrpSpPr/>
+          <p:nvPr/>
+        </p:nvGrpSpPr>
+        <p:grpSpPr>
+          <a:xfrm>
+            <a:off x="594882" y="1654013"/>
+            <a:ext cx="1652886" cy="678305"/>
+            <a:chOff x="814824" y="3583036"/>
+            <a:chExt cx="1652886" cy="678305"/>
+          </a:xfrm>
+        </p:grpSpPr>
         <p:sp>
           <p:nvSpPr>
-            <p:cNvPr id="69" name="Process 68"/>
+            <p:cNvPr id="37" name="Process 36"/>
             <p:cNvSpPr/>
             <p:nvPr/>
           </p:nvSpPr>
           <p:spPr>
             <a:xfrm>
-              <a:off x="2597187" y="3516807"/>
+              <a:off x="814824" y="3583036"/>
               <a:ext cx="1652313" cy="677732"/>
             </a:xfrm>
             <a:prstGeom prst="flowChartProcess">
               <a:avLst/>
             </a:prstGeom>
             <a:solidFill>
-              <a:srgbClr val="F2F2F2"/>
+              <a:schemeClr val="bg1"/>
             </a:solidFill>
             <a:ln w="6350" cmpd="sng">
               <a:solidFill>
@@ -4095,7 +3551,7 @@
                   <a:latin typeface="Arial"/>
                   <a:cs typeface="Arial"/>
                 </a:rPr>
-                <a:t>Formulate a FWL effect function</a:t>
+                <a:t>Determine plant model and intervals</a:t>
               </a:r>
               <a:endParaRPr lang="en-GB" sz="1200" dirty="0">
                 <a:solidFill>
@@ -4109,13 +3565,13 @@
         </p:sp>
         <p:sp>
           <p:nvSpPr>
-            <p:cNvPr id="70" name="Process 69"/>
+            <p:cNvPr id="38" name="Process 37"/>
             <p:cNvSpPr/>
             <p:nvPr/>
           </p:nvSpPr>
           <p:spPr>
             <a:xfrm>
-              <a:off x="2597760" y="3517380"/>
+              <a:off x="815397" y="3583609"/>
               <a:ext cx="1652313" cy="677732"/>
             </a:xfrm>
             <a:prstGeom prst="flowChartProcess">
@@ -4156,7 +3612,7 @@
                   <a:latin typeface="Arial"/>
                   <a:cs typeface="Arial"/>
                 </a:rPr>
-                <a:t>Step B</a:t>
+                <a:t>Step 1</a:t>
               </a:r>
             </a:p>
             <a:p>
@@ -4181,22 +3637,37 @@
             </a:p>
           </p:txBody>
         </p:sp>
+      </p:grpSp>
+      <p:grpSp>
+        <p:nvGrpSpPr>
+          <p:cNvPr id="46" name="Group 45"/>
+          <p:cNvGrpSpPr/>
+          <p:nvPr/>
+        </p:nvGrpSpPr>
+        <p:grpSpPr>
+          <a:xfrm>
+            <a:off x="4671057" y="1651502"/>
+            <a:ext cx="1652886" cy="678305"/>
+            <a:chOff x="814824" y="3583036"/>
+            <a:chExt cx="1652886" cy="678305"/>
+          </a:xfrm>
+        </p:grpSpPr>
         <p:sp>
           <p:nvSpPr>
-            <p:cNvPr id="72" name="Process 71"/>
+            <p:cNvPr id="47" name="Process 46"/>
             <p:cNvSpPr/>
             <p:nvPr/>
           </p:nvSpPr>
           <p:spPr>
             <a:xfrm>
-              <a:off x="4586752" y="3517953"/>
+              <a:off x="814824" y="3583036"/>
               <a:ext cx="1652313" cy="677732"/>
             </a:xfrm>
             <a:prstGeom prst="flowChartProcess">
               <a:avLst/>
             </a:prstGeom>
             <a:solidFill>
-              <a:srgbClr val="F2F2F2"/>
+              <a:schemeClr val="bg1"/>
             </a:solidFill>
             <a:ln w="6350" cmpd="sng">
               <a:solidFill>
@@ -4235,34 +3706,27 @@
             <a:p>
               <a:pPr algn="ctr"/>
               <a:r>
-                <a:rPr lang="en-GB" sz="1200" dirty="0" smtClean="0">
+                <a:rPr lang="en-GB" sz="1200" dirty="0">
                   <a:solidFill>
                     <a:schemeClr val="tx1"/>
                   </a:solidFill>
                   <a:latin typeface="Arial"/>
                   <a:cs typeface="Arial"/>
                 </a:rPr>
-                <a:t>Compute FWL controller model</a:t>
+                <a:t>Define controller realization form</a:t>
               </a:r>
-              <a:endParaRPr lang="en-GB" sz="1200" dirty="0">
-                <a:solidFill>
-                  <a:schemeClr val="tx1"/>
-                </a:solidFill>
-                <a:latin typeface="Arial"/>
-                <a:cs typeface="Arial"/>
-              </a:endParaRPr>
             </a:p>
           </p:txBody>
         </p:sp>
         <p:sp>
           <p:nvSpPr>
-            <p:cNvPr id="73" name="Process 72"/>
+            <p:cNvPr id="57" name="Process 56"/>
             <p:cNvSpPr/>
             <p:nvPr/>
           </p:nvSpPr>
           <p:spPr>
             <a:xfrm>
-              <a:off x="4587325" y="3518526"/>
+              <a:off x="815397" y="3583609"/>
               <a:ext cx="1652313" cy="677732"/>
             </a:xfrm>
             <a:prstGeom prst="flowChartProcess">
@@ -4303,7 +3767,7 @@
                   <a:latin typeface="Arial"/>
                   <a:cs typeface="Arial"/>
                 </a:rPr>
-                <a:t>Step C</a:t>
+                <a:t>Step 3</a:t>
               </a:r>
             </a:p>
             <a:p>
@@ -4328,176 +3792,880 @@
             </a:p>
           </p:txBody>
         </p:sp>
-        <p:sp>
-          <p:nvSpPr>
-            <p:cNvPr id="75" name="Process 74"/>
-            <p:cNvSpPr/>
-            <p:nvPr/>
-          </p:nvSpPr>
-          <p:spPr>
-            <a:xfrm>
-              <a:off x="8166530" y="3511898"/>
-              <a:ext cx="1652313" cy="677732"/>
-            </a:xfrm>
-            <a:prstGeom prst="flowChartProcess">
-              <a:avLst/>
-            </a:prstGeom>
+      </p:grpSp>
+      <p:sp>
+        <p:nvSpPr>
+          <p:cNvPr id="60" name="Process 59"/>
+          <p:cNvSpPr/>
+          <p:nvPr/>
+        </p:nvSpPr>
+        <p:spPr>
+          <a:xfrm>
+            <a:off x="606476" y="2707482"/>
+            <a:ext cx="1752639" cy="677732"/>
+          </a:xfrm>
+          <a:prstGeom prst="flowChartProcess">
+            <a:avLst/>
+          </a:prstGeom>
+          <a:solidFill>
+            <a:srgbClr val="F2F2F2"/>
+          </a:solidFill>
+          <a:ln w="6350" cmpd="sng">
             <a:solidFill>
-              <a:srgbClr val="F2F2F2"/>
+              <a:schemeClr val="tx1"/>
             </a:solidFill>
-            <a:ln w="6350" cmpd="sng">
+          </a:ln>
+          <a:effectLst/>
+        </p:spPr>
+        <p:style>
+          <a:lnRef idx="1">
+            <a:schemeClr val="accent1"/>
+          </a:lnRef>
+          <a:fillRef idx="3">
+            <a:schemeClr val="accent1"/>
+          </a:fillRef>
+          <a:effectRef idx="2">
+            <a:schemeClr val="accent1"/>
+          </a:effectRef>
+          <a:fontRef idx="minor">
+            <a:schemeClr val="lt1"/>
+          </a:fontRef>
+        </p:style>
+        <p:txBody>
+          <a:bodyPr rtlCol="0" anchor="ctr"/>
+          <a:lstStyle/>
+          <a:p>
+            <a:pPr algn="ctr"/>
+            <a:endParaRPr lang="en-GB" sz="1000" dirty="0" smtClean="0">
               <a:solidFill>
                 <a:schemeClr val="tx1"/>
               </a:solidFill>
-            </a:ln>
-            <a:effectLst/>
-          </p:spPr>
-          <p:style>
-            <a:lnRef idx="1">
-              <a:schemeClr val="accent1"/>
-            </a:lnRef>
-            <a:fillRef idx="3">
-              <a:schemeClr val="accent1"/>
-            </a:fillRef>
-            <a:effectRef idx="2">
-              <a:schemeClr val="accent1"/>
-            </a:effectRef>
-            <a:fontRef idx="minor">
-              <a:schemeClr val="lt1"/>
-            </a:fontRef>
-          </p:style>
-          <p:txBody>
-            <a:bodyPr rtlCol="0" anchor="ctr"/>
-            <a:lstStyle/>
-            <a:p>
-              <a:pPr algn="ctr"/>
-              <a:endParaRPr lang="en-GB" sz="1000" dirty="0" smtClean="0">
+              <a:latin typeface="Arial"/>
+              <a:cs typeface="Arial"/>
+            </a:endParaRPr>
+          </a:p>
+          <a:p>
+            <a:pPr algn="ctr"/>
+            <a:r>
+              <a:rPr lang="en-GB" sz="1100" dirty="0" smtClean="0">
                 <a:solidFill>
                   <a:schemeClr val="tx1"/>
                 </a:solidFill>
                 <a:latin typeface="Arial"/>
                 <a:cs typeface="Arial"/>
-              </a:endParaRPr>
-            </a:p>
-            <a:p>
-              <a:pPr algn="ctr"/>
-              <a:r>
-                <a:rPr lang="en-GB" sz="1200" dirty="0" smtClean="0">
-                  <a:solidFill>
-                    <a:schemeClr val="tx1"/>
-                  </a:solidFill>
-                  <a:latin typeface="Arial"/>
-                  <a:cs typeface="Arial"/>
-                </a:rPr>
-                <a:t>Synthesise </a:t>
-              </a:r>
-              <a:r>
-                <a:rPr lang="en-GB" sz="1200" dirty="0" smtClean="0">
-                  <a:solidFill>
-                    <a:schemeClr val="tx1"/>
-                  </a:solidFill>
-                  <a:latin typeface="Arial"/>
-                  <a:cs typeface="Arial"/>
-                </a:rPr>
-                <a:t>digital controller</a:t>
-              </a:r>
-              <a:endParaRPr lang="en-GB" sz="1200" dirty="0">
+              </a:rPr>
+              <a:t>Construct a non-deterministic plant model</a:t>
+            </a:r>
+            <a:endParaRPr lang="en-GB" sz="1100" dirty="0">
+              <a:solidFill>
+                <a:schemeClr val="tx1"/>
+              </a:solidFill>
+              <a:latin typeface="Arial"/>
+              <a:cs typeface="Arial"/>
+            </a:endParaRPr>
+          </a:p>
+        </p:txBody>
+      </p:sp>
+      <p:sp>
+        <p:nvSpPr>
+          <p:cNvPr id="62" name="Process 61"/>
+          <p:cNvSpPr/>
+          <p:nvPr/>
+        </p:nvSpPr>
+        <p:spPr>
+          <a:xfrm>
+            <a:off x="607049" y="2708055"/>
+            <a:ext cx="1752066" cy="677732"/>
+          </a:xfrm>
+          <a:prstGeom prst="flowChartProcess">
+            <a:avLst/>
+          </a:prstGeom>
+          <a:noFill/>
+          <a:ln w="6350" cmpd="sng">
+            <a:solidFill>
+              <a:schemeClr val="tx1"/>
+            </a:solidFill>
+          </a:ln>
+          <a:effectLst/>
+        </p:spPr>
+        <p:style>
+          <a:lnRef idx="1">
+            <a:schemeClr val="accent1"/>
+          </a:lnRef>
+          <a:fillRef idx="3">
+            <a:schemeClr val="accent1"/>
+          </a:fillRef>
+          <a:effectRef idx="2">
+            <a:schemeClr val="accent1"/>
+          </a:effectRef>
+          <a:fontRef idx="minor">
+            <a:schemeClr val="lt1"/>
+          </a:fontRef>
+        </p:style>
+        <p:txBody>
+          <a:bodyPr rtlCol="0" anchor="ctr"/>
+          <a:lstStyle/>
+          <a:p>
+            <a:pPr algn="ctr"/>
+            <a:r>
+              <a:rPr lang="en-GB" sz="1200" b="1" dirty="0" smtClean="0">
                 <a:solidFill>
                   <a:schemeClr val="tx1"/>
                 </a:solidFill>
                 <a:latin typeface="Arial"/>
                 <a:cs typeface="Arial"/>
-              </a:endParaRPr>
-            </a:p>
-          </p:txBody>
-        </p:sp>
-        <p:sp>
-          <p:nvSpPr>
-            <p:cNvPr id="76" name="Process 75"/>
-            <p:cNvSpPr/>
-            <p:nvPr/>
-          </p:nvSpPr>
-          <p:spPr>
-            <a:xfrm>
-              <a:off x="8167103" y="3512471"/>
-              <a:ext cx="1652313" cy="677732"/>
-            </a:xfrm>
-            <a:prstGeom prst="flowChartProcess">
-              <a:avLst/>
-            </a:prstGeom>
-            <a:noFill/>
-            <a:ln w="6350" cmpd="sng">
+              </a:rPr>
+              <a:t>Step A</a:t>
+            </a:r>
+          </a:p>
+          <a:p>
+            <a:pPr algn="ctr"/>
+            <a:endParaRPr lang="en-GB" sz="1200" dirty="0">
               <a:solidFill>
                 <a:schemeClr val="tx1"/>
               </a:solidFill>
-            </a:ln>
-            <a:effectLst/>
-          </p:spPr>
-          <p:style>
-            <a:lnRef idx="1">
-              <a:schemeClr val="accent1"/>
-            </a:lnRef>
-            <a:fillRef idx="3">
-              <a:schemeClr val="accent1"/>
-            </a:fillRef>
-            <a:effectRef idx="2">
-              <a:schemeClr val="accent1"/>
-            </a:effectRef>
-            <a:fontRef idx="minor">
-              <a:schemeClr val="lt1"/>
-            </a:fontRef>
-          </p:style>
-          <p:txBody>
-            <a:bodyPr rtlCol="0" anchor="ctr"/>
-            <a:lstStyle/>
-            <a:p>
-              <a:pPr algn="ctr"/>
-              <a:r>
-                <a:rPr lang="en-GB" sz="1200" b="1" dirty="0" smtClean="0">
-                  <a:solidFill>
-                    <a:schemeClr val="tx1"/>
-                  </a:solidFill>
-                  <a:latin typeface="Arial"/>
-                  <a:cs typeface="Arial"/>
-                </a:rPr>
-                <a:t>Step D</a:t>
-              </a:r>
-            </a:p>
-            <a:p>
-              <a:pPr algn="ctr"/>
-              <a:endParaRPr lang="en-GB" sz="1200" dirty="0">
+              <a:latin typeface="Arial"/>
+              <a:cs typeface="Arial"/>
+            </a:endParaRPr>
+          </a:p>
+          <a:p>
+            <a:pPr algn="ctr"/>
+            <a:endParaRPr lang="en-GB" sz="1200" dirty="0" smtClean="0">
+              <a:solidFill>
+                <a:schemeClr val="tx1"/>
+              </a:solidFill>
+              <a:latin typeface="Arial"/>
+              <a:cs typeface="Arial"/>
+            </a:endParaRPr>
+          </a:p>
+        </p:txBody>
+      </p:sp>
+      <p:cxnSp>
+        <p:nvCxnSpPr>
+          <p:cNvPr id="63" name="Straight Arrow Connector 62"/>
+          <p:cNvCxnSpPr>
+            <a:stCxn id="37" idx="3"/>
+          </p:cNvCxnSpPr>
+          <p:nvPr/>
+        </p:nvCxnSpPr>
+        <p:spPr>
+          <a:xfrm flipV="1">
+            <a:off x="2247195" y="1992087"/>
+            <a:ext cx="338398" cy="792"/>
+          </a:xfrm>
+          <a:prstGeom prst="straightConnector1">
+            <a:avLst/>
+          </a:prstGeom>
+          <a:ln w="6350" cmpd="sng">
+            <a:solidFill>
+              <a:srgbClr val="000000"/>
+            </a:solidFill>
+            <a:headEnd type="none"/>
+            <a:tailEnd type="triangle"/>
+          </a:ln>
+          <a:effectLst/>
+        </p:spPr>
+        <p:style>
+          <a:lnRef idx="2">
+            <a:schemeClr val="accent1"/>
+          </a:lnRef>
+          <a:fillRef idx="0">
+            <a:schemeClr val="accent1"/>
+          </a:fillRef>
+          <a:effectRef idx="1">
+            <a:schemeClr val="accent1"/>
+          </a:effectRef>
+          <a:fontRef idx="minor">
+            <a:schemeClr val="tx1"/>
+          </a:fontRef>
+        </p:style>
+      </p:cxnSp>
+      <p:cxnSp>
+        <p:nvCxnSpPr>
+          <p:cNvPr id="67" name="Straight Arrow Connector 66"/>
+          <p:cNvCxnSpPr>
+            <a:endCxn id="47" idx="1"/>
+          </p:cNvCxnSpPr>
+          <p:nvPr/>
+        </p:nvCxnSpPr>
+        <p:spPr>
+          <a:xfrm flipV="1">
+            <a:off x="4331513" y="1990368"/>
+            <a:ext cx="339544" cy="1719"/>
+          </a:xfrm>
+          <a:prstGeom prst="straightConnector1">
+            <a:avLst/>
+          </a:prstGeom>
+          <a:ln w="6350" cmpd="sng">
+            <a:solidFill>
+              <a:srgbClr val="000000"/>
+            </a:solidFill>
+            <a:headEnd type="none"/>
+            <a:tailEnd type="triangle"/>
+          </a:ln>
+          <a:effectLst/>
+        </p:spPr>
+        <p:style>
+          <a:lnRef idx="2">
+            <a:schemeClr val="accent1"/>
+          </a:lnRef>
+          <a:fillRef idx="0">
+            <a:schemeClr val="accent1"/>
+          </a:fillRef>
+          <a:effectRef idx="1">
+            <a:schemeClr val="accent1"/>
+          </a:effectRef>
+          <a:fontRef idx="minor">
+            <a:schemeClr val="tx1"/>
+          </a:fontRef>
+        </p:style>
+      </p:cxnSp>
+      <p:sp>
+        <p:nvSpPr>
+          <p:cNvPr id="69" name="Process 68"/>
+          <p:cNvSpPr/>
+          <p:nvPr/>
+        </p:nvSpPr>
+        <p:spPr>
+          <a:xfrm>
+            <a:off x="2597187" y="2706909"/>
+            <a:ext cx="1652313" cy="677732"/>
+          </a:xfrm>
+          <a:prstGeom prst="flowChartProcess">
+            <a:avLst/>
+          </a:prstGeom>
+          <a:solidFill>
+            <a:srgbClr val="F2F2F2"/>
+          </a:solidFill>
+          <a:ln w="6350" cmpd="sng">
+            <a:solidFill>
+              <a:schemeClr val="tx1"/>
+            </a:solidFill>
+          </a:ln>
+          <a:effectLst/>
+        </p:spPr>
+        <p:style>
+          <a:lnRef idx="1">
+            <a:schemeClr val="accent1"/>
+          </a:lnRef>
+          <a:fillRef idx="3">
+            <a:schemeClr val="accent1"/>
+          </a:fillRef>
+          <a:effectRef idx="2">
+            <a:schemeClr val="accent1"/>
+          </a:effectRef>
+          <a:fontRef idx="minor">
+            <a:schemeClr val="lt1"/>
+          </a:fontRef>
+        </p:style>
+        <p:txBody>
+          <a:bodyPr rtlCol="0" anchor="ctr"/>
+          <a:lstStyle/>
+          <a:p>
+            <a:pPr algn="ctr"/>
+            <a:endParaRPr lang="en-GB" sz="1000" dirty="0" smtClean="0">
+              <a:solidFill>
+                <a:schemeClr val="tx1"/>
+              </a:solidFill>
+              <a:latin typeface="Arial"/>
+              <a:cs typeface="Arial"/>
+            </a:endParaRPr>
+          </a:p>
+          <a:p>
+            <a:pPr algn="ctr"/>
+            <a:r>
+              <a:rPr lang="en-GB" sz="1200" dirty="0" smtClean="0">
                 <a:solidFill>
                   <a:schemeClr val="tx1"/>
                 </a:solidFill>
                 <a:latin typeface="Arial"/>
                 <a:cs typeface="Arial"/>
-              </a:endParaRPr>
-            </a:p>
-            <a:p>
-              <a:pPr algn="ctr"/>
-              <a:endParaRPr lang="en-GB" sz="1200" dirty="0" smtClean="0">
+              </a:rPr>
+              <a:t>Formulate a FWL effect function</a:t>
+            </a:r>
+            <a:endParaRPr lang="en-GB" sz="1200" dirty="0">
+              <a:solidFill>
+                <a:schemeClr val="tx1"/>
+              </a:solidFill>
+              <a:latin typeface="Arial"/>
+              <a:cs typeface="Arial"/>
+            </a:endParaRPr>
+          </a:p>
+        </p:txBody>
+      </p:sp>
+      <p:sp>
+        <p:nvSpPr>
+          <p:cNvPr id="70" name="Process 69"/>
+          <p:cNvSpPr/>
+          <p:nvPr/>
+        </p:nvSpPr>
+        <p:spPr>
+          <a:xfrm>
+            <a:off x="2597760" y="2707482"/>
+            <a:ext cx="1652313" cy="677732"/>
+          </a:xfrm>
+          <a:prstGeom prst="flowChartProcess">
+            <a:avLst/>
+          </a:prstGeom>
+          <a:noFill/>
+          <a:ln w="6350" cmpd="sng">
+            <a:solidFill>
+              <a:schemeClr val="tx1"/>
+            </a:solidFill>
+          </a:ln>
+          <a:effectLst/>
+        </p:spPr>
+        <p:style>
+          <a:lnRef idx="1">
+            <a:schemeClr val="accent1"/>
+          </a:lnRef>
+          <a:fillRef idx="3">
+            <a:schemeClr val="accent1"/>
+          </a:fillRef>
+          <a:effectRef idx="2">
+            <a:schemeClr val="accent1"/>
+          </a:effectRef>
+          <a:fontRef idx="minor">
+            <a:schemeClr val="lt1"/>
+          </a:fontRef>
+        </p:style>
+        <p:txBody>
+          <a:bodyPr rtlCol="0" anchor="ctr"/>
+          <a:lstStyle/>
+          <a:p>
+            <a:pPr algn="ctr"/>
+            <a:r>
+              <a:rPr lang="en-GB" sz="1200" b="1" dirty="0" smtClean="0">
                 <a:solidFill>
                   <a:schemeClr val="tx1"/>
                 </a:solidFill>
                 <a:latin typeface="Arial"/>
                 <a:cs typeface="Arial"/>
-              </a:endParaRPr>
-            </a:p>
-          </p:txBody>
-        </p:sp>
+              </a:rPr>
+              <a:t>Step B</a:t>
+            </a:r>
+          </a:p>
+          <a:p>
+            <a:pPr algn="ctr"/>
+            <a:endParaRPr lang="en-GB" sz="1200" dirty="0">
+              <a:solidFill>
+                <a:schemeClr val="tx1"/>
+              </a:solidFill>
+              <a:latin typeface="Arial"/>
+              <a:cs typeface="Arial"/>
+            </a:endParaRPr>
+          </a:p>
+          <a:p>
+            <a:pPr algn="ctr"/>
+            <a:endParaRPr lang="en-GB" sz="1200" dirty="0" smtClean="0">
+              <a:solidFill>
+                <a:schemeClr val="tx1"/>
+              </a:solidFill>
+              <a:latin typeface="Arial"/>
+              <a:cs typeface="Arial"/>
+            </a:endParaRPr>
+          </a:p>
+        </p:txBody>
+      </p:sp>
+      <p:sp>
+        <p:nvSpPr>
+          <p:cNvPr id="72" name="Process 71"/>
+          <p:cNvSpPr/>
+          <p:nvPr/>
+        </p:nvSpPr>
+        <p:spPr>
+          <a:xfrm>
+            <a:off x="4586752" y="2708055"/>
+            <a:ext cx="1652313" cy="677732"/>
+          </a:xfrm>
+          <a:prstGeom prst="flowChartProcess">
+            <a:avLst/>
+          </a:prstGeom>
+          <a:solidFill>
+            <a:srgbClr val="F2F2F2"/>
+          </a:solidFill>
+          <a:ln w="6350" cmpd="sng">
+            <a:solidFill>
+              <a:schemeClr val="tx1"/>
+            </a:solidFill>
+          </a:ln>
+          <a:effectLst/>
+        </p:spPr>
+        <p:style>
+          <a:lnRef idx="1">
+            <a:schemeClr val="accent1"/>
+          </a:lnRef>
+          <a:fillRef idx="3">
+            <a:schemeClr val="accent1"/>
+          </a:fillRef>
+          <a:effectRef idx="2">
+            <a:schemeClr val="accent1"/>
+          </a:effectRef>
+          <a:fontRef idx="minor">
+            <a:schemeClr val="lt1"/>
+          </a:fontRef>
+        </p:style>
+        <p:txBody>
+          <a:bodyPr rtlCol="0" anchor="ctr"/>
+          <a:lstStyle/>
+          <a:p>
+            <a:pPr algn="ctr"/>
+            <a:endParaRPr lang="en-GB" sz="1000" dirty="0" smtClean="0">
+              <a:solidFill>
+                <a:schemeClr val="tx1"/>
+              </a:solidFill>
+              <a:latin typeface="Arial"/>
+              <a:cs typeface="Arial"/>
+            </a:endParaRPr>
+          </a:p>
+          <a:p>
+            <a:pPr algn="ctr"/>
+            <a:r>
+              <a:rPr lang="en-GB" sz="1200" dirty="0" smtClean="0">
+                <a:solidFill>
+                  <a:schemeClr val="tx1"/>
+                </a:solidFill>
+                <a:latin typeface="Arial"/>
+                <a:cs typeface="Arial"/>
+              </a:rPr>
+              <a:t>Compute FWL controller model</a:t>
+            </a:r>
+            <a:endParaRPr lang="en-GB" sz="1200" dirty="0">
+              <a:solidFill>
+                <a:schemeClr val="tx1"/>
+              </a:solidFill>
+              <a:latin typeface="Arial"/>
+              <a:cs typeface="Arial"/>
+            </a:endParaRPr>
+          </a:p>
+        </p:txBody>
+      </p:sp>
+      <p:sp>
+        <p:nvSpPr>
+          <p:cNvPr id="73" name="Process 72"/>
+          <p:cNvSpPr/>
+          <p:nvPr/>
+        </p:nvSpPr>
+        <p:spPr>
+          <a:xfrm>
+            <a:off x="4587325" y="2708628"/>
+            <a:ext cx="1652313" cy="677732"/>
+          </a:xfrm>
+          <a:prstGeom prst="flowChartProcess">
+            <a:avLst/>
+          </a:prstGeom>
+          <a:noFill/>
+          <a:ln w="6350" cmpd="sng">
+            <a:solidFill>
+              <a:schemeClr val="tx1"/>
+            </a:solidFill>
+          </a:ln>
+          <a:effectLst/>
+        </p:spPr>
+        <p:style>
+          <a:lnRef idx="1">
+            <a:schemeClr val="accent1"/>
+          </a:lnRef>
+          <a:fillRef idx="3">
+            <a:schemeClr val="accent1"/>
+          </a:fillRef>
+          <a:effectRef idx="2">
+            <a:schemeClr val="accent1"/>
+          </a:effectRef>
+          <a:fontRef idx="minor">
+            <a:schemeClr val="lt1"/>
+          </a:fontRef>
+        </p:style>
+        <p:txBody>
+          <a:bodyPr rtlCol="0" anchor="ctr"/>
+          <a:lstStyle/>
+          <a:p>
+            <a:pPr algn="ctr"/>
+            <a:r>
+              <a:rPr lang="en-GB" sz="1200" b="1" dirty="0" smtClean="0">
+                <a:solidFill>
+                  <a:schemeClr val="tx1"/>
+                </a:solidFill>
+                <a:latin typeface="Arial"/>
+                <a:cs typeface="Arial"/>
+              </a:rPr>
+              <a:t>Step C</a:t>
+            </a:r>
+          </a:p>
+          <a:p>
+            <a:pPr algn="ctr"/>
+            <a:endParaRPr lang="en-GB" sz="1200" dirty="0">
+              <a:solidFill>
+                <a:schemeClr val="tx1"/>
+              </a:solidFill>
+              <a:latin typeface="Arial"/>
+              <a:cs typeface="Arial"/>
+            </a:endParaRPr>
+          </a:p>
+          <a:p>
+            <a:pPr algn="ctr"/>
+            <a:endParaRPr lang="en-GB" sz="1200" dirty="0" smtClean="0">
+              <a:solidFill>
+                <a:schemeClr val="tx1"/>
+              </a:solidFill>
+              <a:latin typeface="Arial"/>
+              <a:cs typeface="Arial"/>
+            </a:endParaRPr>
+          </a:p>
+        </p:txBody>
+      </p:sp>
+      <p:sp>
+        <p:nvSpPr>
+          <p:cNvPr id="75" name="Process 74"/>
+          <p:cNvSpPr/>
+          <p:nvPr/>
+        </p:nvSpPr>
+        <p:spPr>
+          <a:xfrm>
+            <a:off x="8166530" y="2702000"/>
+            <a:ext cx="1652313" cy="677732"/>
+          </a:xfrm>
+          <a:prstGeom prst="flowChartProcess">
+            <a:avLst/>
+          </a:prstGeom>
+          <a:solidFill>
+            <a:srgbClr val="F2F2F2"/>
+          </a:solidFill>
+          <a:ln w="6350" cmpd="sng">
+            <a:solidFill>
+              <a:schemeClr val="tx1"/>
+            </a:solidFill>
+          </a:ln>
+          <a:effectLst/>
+        </p:spPr>
+        <p:style>
+          <a:lnRef idx="1">
+            <a:schemeClr val="accent1"/>
+          </a:lnRef>
+          <a:fillRef idx="3">
+            <a:schemeClr val="accent1"/>
+          </a:fillRef>
+          <a:effectRef idx="2">
+            <a:schemeClr val="accent1"/>
+          </a:effectRef>
+          <a:fontRef idx="minor">
+            <a:schemeClr val="lt1"/>
+          </a:fontRef>
+        </p:style>
+        <p:txBody>
+          <a:bodyPr rtlCol="0" anchor="ctr"/>
+          <a:lstStyle/>
+          <a:p>
+            <a:pPr algn="ctr"/>
+            <a:endParaRPr lang="en-GB" sz="1000" dirty="0" smtClean="0">
+              <a:solidFill>
+                <a:schemeClr val="tx1"/>
+              </a:solidFill>
+              <a:latin typeface="Arial"/>
+              <a:cs typeface="Arial"/>
+            </a:endParaRPr>
+          </a:p>
+          <a:p>
+            <a:pPr algn="ctr"/>
+            <a:r>
+              <a:rPr lang="en-GB" sz="1200" dirty="0" smtClean="0">
+                <a:solidFill>
+                  <a:schemeClr val="tx1"/>
+                </a:solidFill>
+                <a:latin typeface="Arial"/>
+                <a:cs typeface="Arial"/>
+              </a:rPr>
+              <a:t>Synthesise digital controller</a:t>
+            </a:r>
+            <a:endParaRPr lang="en-GB" sz="1200" dirty="0">
+              <a:solidFill>
+                <a:schemeClr val="tx1"/>
+              </a:solidFill>
+              <a:latin typeface="Arial"/>
+              <a:cs typeface="Arial"/>
+            </a:endParaRPr>
+          </a:p>
+        </p:txBody>
+      </p:sp>
+      <p:sp>
+        <p:nvSpPr>
+          <p:cNvPr id="76" name="Process 75"/>
+          <p:cNvSpPr/>
+          <p:nvPr/>
+        </p:nvSpPr>
+        <p:spPr>
+          <a:xfrm>
+            <a:off x="8167103" y="2702573"/>
+            <a:ext cx="1652313" cy="677732"/>
+          </a:xfrm>
+          <a:prstGeom prst="flowChartProcess">
+            <a:avLst/>
+          </a:prstGeom>
+          <a:noFill/>
+          <a:ln w="6350" cmpd="sng">
+            <a:solidFill>
+              <a:schemeClr val="tx1"/>
+            </a:solidFill>
+          </a:ln>
+          <a:effectLst/>
+        </p:spPr>
+        <p:style>
+          <a:lnRef idx="1">
+            <a:schemeClr val="accent1"/>
+          </a:lnRef>
+          <a:fillRef idx="3">
+            <a:schemeClr val="accent1"/>
+          </a:fillRef>
+          <a:effectRef idx="2">
+            <a:schemeClr val="accent1"/>
+          </a:effectRef>
+          <a:fontRef idx="minor">
+            <a:schemeClr val="lt1"/>
+          </a:fontRef>
+        </p:style>
+        <p:txBody>
+          <a:bodyPr rtlCol="0" anchor="ctr"/>
+          <a:lstStyle/>
+          <a:p>
+            <a:pPr algn="ctr"/>
+            <a:r>
+              <a:rPr lang="en-GB" sz="1200" b="1" dirty="0" smtClean="0">
+                <a:solidFill>
+                  <a:schemeClr val="tx1"/>
+                </a:solidFill>
+                <a:latin typeface="Arial"/>
+                <a:cs typeface="Arial"/>
+              </a:rPr>
+              <a:t>Step D</a:t>
+            </a:r>
+          </a:p>
+          <a:p>
+            <a:pPr algn="ctr"/>
+            <a:endParaRPr lang="en-GB" sz="1200" dirty="0">
+              <a:solidFill>
+                <a:schemeClr val="tx1"/>
+              </a:solidFill>
+              <a:latin typeface="Arial"/>
+              <a:cs typeface="Arial"/>
+            </a:endParaRPr>
+          </a:p>
+          <a:p>
+            <a:pPr algn="ctr"/>
+            <a:endParaRPr lang="en-GB" sz="1200" dirty="0" smtClean="0">
+              <a:solidFill>
+                <a:schemeClr val="tx1"/>
+              </a:solidFill>
+              <a:latin typeface="Arial"/>
+              <a:cs typeface="Arial"/>
+            </a:endParaRPr>
+          </a:p>
+        </p:txBody>
+      </p:sp>
+      <p:cxnSp>
+        <p:nvCxnSpPr>
+          <p:cNvPr id="78" name="Straight Arrow Connector 77"/>
+          <p:cNvCxnSpPr>
+            <a:stCxn id="62" idx="3"/>
+            <a:endCxn id="69" idx="1"/>
+          </p:cNvCxnSpPr>
+          <p:nvPr/>
+        </p:nvCxnSpPr>
+        <p:spPr>
+          <a:xfrm flipV="1">
+            <a:off x="2359115" y="3045775"/>
+            <a:ext cx="238072" cy="1146"/>
+          </a:xfrm>
+          <a:prstGeom prst="straightConnector1">
+            <a:avLst/>
+          </a:prstGeom>
+          <a:ln w="6350" cmpd="sng">
+            <a:solidFill>
+              <a:srgbClr val="000000"/>
+            </a:solidFill>
+            <a:headEnd type="none"/>
+            <a:tailEnd type="triangle"/>
+          </a:ln>
+          <a:effectLst/>
+        </p:spPr>
+        <p:style>
+          <a:lnRef idx="2">
+            <a:schemeClr val="accent1"/>
+          </a:lnRef>
+          <a:fillRef idx="0">
+            <a:schemeClr val="accent1"/>
+          </a:fillRef>
+          <a:effectRef idx="1">
+            <a:schemeClr val="accent1"/>
+          </a:effectRef>
+          <a:fontRef idx="minor">
+            <a:schemeClr val="tx1"/>
+          </a:fontRef>
+        </p:style>
+      </p:cxnSp>
+      <p:cxnSp>
+        <p:nvCxnSpPr>
+          <p:cNvPr id="82" name="Straight Arrow Connector 81"/>
+          <p:cNvCxnSpPr>
+            <a:stCxn id="69" idx="3"/>
+            <a:endCxn id="72" idx="1"/>
+          </p:cNvCxnSpPr>
+          <p:nvPr/>
+        </p:nvCxnSpPr>
+        <p:spPr>
+          <a:xfrm>
+            <a:off x="4249500" y="3045775"/>
+            <a:ext cx="337252" cy="1146"/>
+          </a:xfrm>
+          <a:prstGeom prst="straightConnector1">
+            <a:avLst/>
+          </a:prstGeom>
+          <a:ln w="6350" cmpd="sng">
+            <a:solidFill>
+              <a:srgbClr val="000000"/>
+            </a:solidFill>
+            <a:headEnd type="none"/>
+            <a:tailEnd type="triangle"/>
+          </a:ln>
+          <a:effectLst/>
+        </p:spPr>
+        <p:style>
+          <a:lnRef idx="2">
+            <a:schemeClr val="accent1"/>
+          </a:lnRef>
+          <a:fillRef idx="0">
+            <a:schemeClr val="accent1"/>
+          </a:fillRef>
+          <a:effectRef idx="1">
+            <a:schemeClr val="accent1"/>
+          </a:effectRef>
+          <a:fontRef idx="minor">
+            <a:schemeClr val="tx1"/>
+          </a:fontRef>
+        </p:style>
+      </p:cxnSp>
+      <p:cxnSp>
+        <p:nvCxnSpPr>
+          <p:cNvPr id="86" name="Straight Arrow Connector 85"/>
+          <p:cNvCxnSpPr>
+            <a:stCxn id="72" idx="3"/>
+            <a:endCxn id="54" idx="1"/>
+          </p:cNvCxnSpPr>
+          <p:nvPr/>
+        </p:nvCxnSpPr>
+        <p:spPr>
+          <a:xfrm flipV="1">
+            <a:off x="6239065" y="3046062"/>
+            <a:ext cx="339544" cy="859"/>
+          </a:xfrm>
+          <a:prstGeom prst="straightConnector1">
+            <a:avLst/>
+          </a:prstGeom>
+          <a:ln w="6350" cmpd="sng">
+            <a:solidFill>
+              <a:srgbClr val="000000"/>
+            </a:solidFill>
+            <a:headEnd type="none"/>
+            <a:tailEnd type="triangle"/>
+          </a:ln>
+          <a:effectLst/>
+        </p:spPr>
+        <p:style>
+          <a:lnRef idx="2">
+            <a:schemeClr val="accent1"/>
+          </a:lnRef>
+          <a:fillRef idx="0">
+            <a:schemeClr val="accent1"/>
+          </a:fillRef>
+          <a:effectRef idx="1">
+            <a:schemeClr val="accent1"/>
+          </a:effectRef>
+          <a:fontRef idx="minor">
+            <a:schemeClr val="tx1"/>
+          </a:fontRef>
+        </p:style>
+      </p:cxnSp>
+      <p:sp>
+        <p:nvSpPr>
+          <p:cNvPr id="90" name="Document 89"/>
+          <p:cNvSpPr/>
+          <p:nvPr/>
+        </p:nvSpPr>
+        <p:spPr>
+          <a:xfrm>
+            <a:off x="6691818" y="1668197"/>
+            <a:ext cx="1247804" cy="673136"/>
+          </a:xfrm>
+          <a:prstGeom prst="flowChartDocument">
+            <a:avLst/>
+          </a:prstGeom>
+          <a:solidFill>
+            <a:schemeClr val="bg1"/>
+          </a:solidFill>
+          <a:ln>
+            <a:solidFill>
+              <a:srgbClr val="000000"/>
+            </a:solidFill>
+            <a:prstDash val="lgDash"/>
+          </a:ln>
+          <a:effectLst/>
+        </p:spPr>
+        <p:style>
+          <a:lnRef idx="1">
+            <a:schemeClr val="accent1"/>
+          </a:lnRef>
+          <a:fillRef idx="3">
+            <a:schemeClr val="accent1"/>
+          </a:fillRef>
+          <a:effectRef idx="2">
+            <a:schemeClr val="accent1"/>
+          </a:effectRef>
+          <a:fontRef idx="minor">
+            <a:schemeClr val="lt1"/>
+          </a:fontRef>
+        </p:style>
+        <p:txBody>
+          <a:bodyPr rtlCol="0" anchor="ctr"/>
+          <a:lstStyle/>
+          <a:p>
+            <a:pPr algn="ctr"/>
+            <a:r>
+              <a:rPr lang="en-GB" sz="1200" dirty="0" smtClean="0">
+                <a:solidFill>
+                  <a:prstClr val="black"/>
+                </a:solidFill>
+                <a:latin typeface="Arial"/>
+                <a:cs typeface="Arial"/>
+              </a:rPr>
+              <a:t>ANSI-C input file</a:t>
+            </a:r>
+            <a:endParaRPr lang="en-US" sz="1200" dirty="0"/>
+          </a:p>
+        </p:txBody>
+      </p:sp>
+      <p:grpSp>
+        <p:nvGrpSpPr>
+          <p:cNvPr id="96" name="Group 95"/>
+          <p:cNvGrpSpPr/>
+          <p:nvPr/>
+        </p:nvGrpSpPr>
+        <p:grpSpPr>
+          <a:xfrm rot="16200000">
+            <a:off x="99804" y="2745771"/>
+            <a:ext cx="243399" cy="583699"/>
+            <a:chOff x="3376545" y="5409984"/>
+            <a:chExt cx="243399" cy="351072"/>
+          </a:xfrm>
+        </p:grpSpPr>
         <p:cxnSp>
           <p:nvCxnSpPr>
-            <p:cNvPr id="78" name="Straight Arrow Connector 77"/>
-            <p:cNvCxnSpPr>
-              <a:stCxn id="62" idx="3"/>
-              <a:endCxn id="69" idx="1"/>
-            </p:cNvCxnSpPr>
+            <p:cNvPr id="97" name="Straight Arrow Connector 96"/>
+            <p:cNvCxnSpPr/>
             <p:nvPr/>
           </p:nvCxnSpPr>
           <p:spPr>
-            <a:xfrm flipV="1">
-              <a:off x="2359115" y="3855673"/>
-              <a:ext cx="238072" cy="1146"/>
+            <a:xfrm rot="5400000">
+              <a:off x="3201141" y="5585388"/>
+              <a:ext cx="351070" cy="261"/>
             </a:xfrm>
             <a:prstGeom prst="straightConnector1">
               <a:avLst/>
@@ -4528,17 +4696,14 @@
         </p:cxnSp>
         <p:cxnSp>
           <p:nvCxnSpPr>
-            <p:cNvPr id="82" name="Straight Arrow Connector 81"/>
-            <p:cNvCxnSpPr>
-              <a:stCxn id="69" idx="3"/>
-              <a:endCxn id="72" idx="1"/>
-            </p:cNvCxnSpPr>
+            <p:cNvPr id="98" name="Straight Arrow Connector 97"/>
+            <p:cNvCxnSpPr/>
             <p:nvPr/>
           </p:nvCxnSpPr>
           <p:spPr>
-            <a:xfrm>
-              <a:off x="4249500" y="3855673"/>
-              <a:ext cx="337252" cy="1146"/>
+            <a:xfrm rot="5400000">
+              <a:off x="3326406" y="5585389"/>
+              <a:ext cx="351070" cy="261"/>
             </a:xfrm>
             <a:prstGeom prst="straightConnector1">
               <a:avLst/>
@@ -4569,398 +4734,14 @@
         </p:cxnSp>
         <p:cxnSp>
           <p:nvCxnSpPr>
-            <p:cNvPr id="86" name="Straight Arrow Connector 85"/>
-            <p:cNvCxnSpPr>
-              <a:stCxn id="72" idx="3"/>
-              <a:endCxn id="54" idx="1"/>
-            </p:cNvCxnSpPr>
-            <p:nvPr/>
-          </p:nvCxnSpPr>
-          <p:spPr>
-            <a:xfrm flipV="1">
-              <a:off x="6239065" y="3855960"/>
-              <a:ext cx="339544" cy="859"/>
-            </a:xfrm>
-            <a:prstGeom prst="straightConnector1">
-              <a:avLst/>
-            </a:prstGeom>
-            <a:ln w="6350" cmpd="sng">
-              <a:solidFill>
-                <a:srgbClr val="000000"/>
-              </a:solidFill>
-              <a:headEnd type="none"/>
-              <a:tailEnd type="triangle"/>
-            </a:ln>
-            <a:effectLst/>
-          </p:spPr>
-          <p:style>
-            <a:lnRef idx="2">
-              <a:schemeClr val="accent1"/>
-            </a:lnRef>
-            <a:fillRef idx="0">
-              <a:schemeClr val="accent1"/>
-            </a:fillRef>
-            <a:effectRef idx="1">
-              <a:schemeClr val="accent1"/>
-            </a:effectRef>
-            <a:fontRef idx="minor">
-              <a:schemeClr val="tx1"/>
-            </a:fontRef>
-          </p:style>
-        </p:cxnSp>
-        <p:sp>
-          <p:nvSpPr>
-            <p:cNvPr id="89" name="Right Brace 88"/>
-            <p:cNvSpPr/>
-            <p:nvPr/>
-          </p:nvSpPr>
-          <p:spPr>
-            <a:xfrm rot="5400000">
-              <a:off x="3347951" y="-445393"/>
-              <a:ext cx="138264" cy="5813720"/>
-            </a:xfrm>
-            <a:prstGeom prst="rightBrace">
-              <a:avLst/>
-            </a:prstGeom>
-            <a:ln w="12700" cmpd="sng">
-              <a:solidFill>
-                <a:schemeClr val="tx1"/>
-              </a:solidFill>
-            </a:ln>
-            <a:effectLst/>
-          </p:spPr>
-          <p:style>
-            <a:lnRef idx="2">
-              <a:schemeClr val="accent1"/>
-            </a:lnRef>
-            <a:fillRef idx="0">
-              <a:schemeClr val="accent1"/>
-            </a:fillRef>
-            <a:effectRef idx="1">
-              <a:schemeClr val="accent1"/>
-            </a:effectRef>
-            <a:fontRef idx="minor">
-              <a:schemeClr val="tx1"/>
-            </a:fontRef>
-          </p:style>
-          <p:txBody>
-            <a:bodyPr rtlCol="0" anchor="ctr"/>
-            <a:lstStyle/>
-            <a:p>
-              <a:pPr algn="ctr"/>
-              <a:endParaRPr lang="en-US"/>
-            </a:p>
-          </p:txBody>
-        </p:sp>
-        <p:sp>
-          <p:nvSpPr>
-            <p:cNvPr id="90" name="Document 89"/>
-            <p:cNvSpPr/>
-            <p:nvPr/>
-          </p:nvSpPr>
-          <p:spPr>
-            <a:xfrm>
-              <a:off x="2592701" y="2608459"/>
-              <a:ext cx="1652313" cy="790826"/>
-            </a:xfrm>
-            <a:prstGeom prst="flowChartDocument">
-              <a:avLst/>
-            </a:prstGeom>
-            <a:solidFill>
-              <a:schemeClr val="bg1"/>
-            </a:solidFill>
-            <a:ln>
-              <a:solidFill>
-                <a:srgbClr val="000000"/>
-              </a:solidFill>
-              <a:prstDash val="lgDash"/>
-            </a:ln>
-            <a:effectLst/>
-          </p:spPr>
-          <p:style>
-            <a:lnRef idx="1">
-              <a:schemeClr val="accent1"/>
-            </a:lnRef>
-            <a:fillRef idx="3">
-              <a:schemeClr val="accent1"/>
-            </a:fillRef>
-            <a:effectRef idx="2">
-              <a:schemeClr val="accent1"/>
-            </a:effectRef>
-            <a:fontRef idx="minor">
-              <a:schemeClr val="lt1"/>
-            </a:fontRef>
-          </p:style>
-          <p:txBody>
-            <a:bodyPr rtlCol="0" anchor="ctr"/>
-            <a:lstStyle/>
-            <a:p>
-              <a:pPr algn="ctr"/>
-              <a:r>
-                <a:rPr lang="en-GB" sz="1200" dirty="0" smtClean="0">
-                  <a:solidFill>
-                    <a:prstClr val="black"/>
-                  </a:solidFill>
-                  <a:latin typeface="Arial"/>
-                  <a:cs typeface="Arial"/>
-                </a:rPr>
-                <a:t>ANSI-C input file</a:t>
-              </a:r>
-              <a:endParaRPr lang="en-US" sz="1200" dirty="0"/>
-            </a:p>
-          </p:txBody>
-        </p:sp>
-        <p:cxnSp>
-          <p:nvCxnSpPr>
-            <p:cNvPr id="92" name="Elbow Connector 91"/>
-            <p:cNvCxnSpPr>
-              <a:stCxn id="90" idx="1"/>
-              <a:endCxn id="60" idx="0"/>
-            </p:cNvCxnSpPr>
-            <p:nvPr/>
-          </p:nvCxnSpPr>
-          <p:spPr>
-            <a:xfrm rot="10800000" flipV="1">
-              <a:off x="1482797" y="3003872"/>
-              <a:ext cx="1109905" cy="513508"/>
-            </a:xfrm>
-            <a:prstGeom prst="bentConnector2">
-              <a:avLst/>
-            </a:prstGeom>
-            <a:ln w="6350" cmpd="sng">
-              <a:solidFill>
-                <a:srgbClr val="000000"/>
-              </a:solidFill>
-              <a:headEnd type="none"/>
-              <a:tailEnd type="triangle"/>
-            </a:ln>
-            <a:effectLst/>
-          </p:spPr>
-          <p:style>
-            <a:lnRef idx="2">
-              <a:schemeClr val="accent1"/>
-            </a:lnRef>
-            <a:fillRef idx="0">
-              <a:schemeClr val="accent1"/>
-            </a:fillRef>
-            <a:effectRef idx="1">
-              <a:schemeClr val="accent1"/>
-            </a:effectRef>
-            <a:fontRef idx="minor">
-              <a:schemeClr val="tx1"/>
-            </a:fontRef>
-          </p:style>
-        </p:cxnSp>
-        <p:grpSp>
-          <p:nvGrpSpPr>
-            <p:cNvPr id="96" name="Group 95"/>
-            <p:cNvGrpSpPr/>
-            <p:nvPr/>
-          </p:nvGrpSpPr>
-          <p:grpSpPr>
-            <a:xfrm rot="16200000">
-              <a:off x="99804" y="3555669"/>
-              <a:ext cx="243399" cy="583699"/>
-              <a:chOff x="3376545" y="5409984"/>
-              <a:chExt cx="243399" cy="351072"/>
-            </a:xfrm>
-          </p:grpSpPr>
-          <p:cxnSp>
-            <p:nvCxnSpPr>
-              <p:cNvPr id="97" name="Straight Arrow Connector 96"/>
-              <p:cNvCxnSpPr/>
-              <p:nvPr/>
-            </p:nvCxnSpPr>
-            <p:spPr>
-              <a:xfrm rot="5400000">
-                <a:off x="3201141" y="5585388"/>
-                <a:ext cx="351070" cy="261"/>
-              </a:xfrm>
-              <a:prstGeom prst="straightConnector1">
-                <a:avLst/>
-              </a:prstGeom>
-              <a:ln w="6350" cmpd="sng">
-                <a:solidFill>
-                  <a:srgbClr val="000000"/>
-                </a:solidFill>
-                <a:headEnd type="none"/>
-                <a:tailEnd type="triangle"/>
-              </a:ln>
-              <a:effectLst/>
-            </p:spPr>
-            <p:style>
-              <a:lnRef idx="2">
-                <a:schemeClr val="accent1"/>
-              </a:lnRef>
-              <a:fillRef idx="0">
-                <a:schemeClr val="accent1"/>
-              </a:fillRef>
-              <a:effectRef idx="1">
-                <a:schemeClr val="accent1"/>
-              </a:effectRef>
-              <a:fontRef idx="minor">
-                <a:schemeClr val="tx1"/>
-              </a:fontRef>
-            </p:style>
-          </p:cxnSp>
-          <p:cxnSp>
-            <p:nvCxnSpPr>
-              <p:cNvPr id="98" name="Straight Arrow Connector 97"/>
-              <p:cNvCxnSpPr/>
-              <p:nvPr/>
-            </p:nvCxnSpPr>
-            <p:spPr>
-              <a:xfrm rot="5400000">
-                <a:off x="3326406" y="5585389"/>
-                <a:ext cx="351070" cy="261"/>
-              </a:xfrm>
-              <a:prstGeom prst="straightConnector1">
-                <a:avLst/>
-              </a:prstGeom>
-              <a:ln w="6350" cmpd="sng">
-                <a:solidFill>
-                  <a:srgbClr val="000000"/>
-                </a:solidFill>
-                <a:headEnd type="none"/>
-                <a:tailEnd type="triangle"/>
-              </a:ln>
-              <a:effectLst/>
-            </p:spPr>
-            <p:style>
-              <a:lnRef idx="2">
-                <a:schemeClr val="accent1"/>
-              </a:lnRef>
-              <a:fillRef idx="0">
-                <a:schemeClr val="accent1"/>
-              </a:fillRef>
-              <a:effectRef idx="1">
-                <a:schemeClr val="accent1"/>
-              </a:effectRef>
-              <a:fontRef idx="minor">
-                <a:schemeClr val="tx1"/>
-              </a:fontRef>
-            </p:style>
-          </p:cxnSp>
-          <p:cxnSp>
-            <p:nvCxnSpPr>
-              <p:cNvPr id="99" name="Straight Arrow Connector 98"/>
-              <p:cNvCxnSpPr/>
-              <p:nvPr/>
-            </p:nvCxnSpPr>
-            <p:spPr>
-              <a:xfrm rot="5400000">
-                <a:off x="3444279" y="5585390"/>
-                <a:ext cx="351070" cy="261"/>
-              </a:xfrm>
-              <a:prstGeom prst="straightConnector1">
-                <a:avLst/>
-              </a:prstGeom>
-              <a:ln w="6350" cmpd="sng">
-                <a:solidFill>
-                  <a:srgbClr val="000000"/>
-                </a:solidFill>
-                <a:headEnd type="none"/>
-                <a:tailEnd type="triangle"/>
-              </a:ln>
-              <a:effectLst/>
-            </p:spPr>
-            <p:style>
-              <a:lnRef idx="2">
-                <a:schemeClr val="accent1"/>
-              </a:lnRef>
-              <a:fillRef idx="0">
-                <a:schemeClr val="accent1"/>
-              </a:fillRef>
-              <a:effectRef idx="1">
-                <a:schemeClr val="accent1"/>
-              </a:effectRef>
-              <a:fontRef idx="minor">
-                <a:schemeClr val="tx1"/>
-              </a:fontRef>
-            </p:style>
-          </p:cxnSp>
-        </p:grpSp>
-        <p:sp>
-          <p:nvSpPr>
-            <p:cNvPr id="54" name="Document 53"/>
-            <p:cNvSpPr/>
-            <p:nvPr/>
-          </p:nvSpPr>
-          <p:spPr>
-            <a:xfrm>
-              <a:off x="6578609" y="3517953"/>
-              <a:ext cx="1248377" cy="676013"/>
-            </a:xfrm>
-            <a:prstGeom prst="flowChartDocument">
-              <a:avLst/>
-            </a:prstGeom>
-            <a:solidFill>
-              <a:schemeClr val="bg1"/>
-            </a:solidFill>
-            <a:ln>
-              <a:solidFill>
-                <a:srgbClr val="000000"/>
-              </a:solidFill>
-              <a:prstDash val="lgDash"/>
-            </a:ln>
-            <a:effectLst/>
-          </p:spPr>
-          <p:style>
-            <a:lnRef idx="1">
-              <a:schemeClr val="accent1"/>
-            </a:lnRef>
-            <a:fillRef idx="3">
-              <a:schemeClr val="accent1"/>
-            </a:fillRef>
-            <a:effectRef idx="2">
-              <a:schemeClr val="accent1"/>
-            </a:effectRef>
-            <a:fontRef idx="minor">
-              <a:schemeClr val="lt1"/>
-            </a:fontRef>
-          </p:style>
-          <p:txBody>
-            <a:bodyPr rtlCol="0" anchor="ctr"/>
-            <a:lstStyle/>
-            <a:p>
-              <a:pPr algn="ctr"/>
-              <a:r>
-                <a:rPr lang="en-GB" sz="1200" dirty="0" smtClean="0">
-                  <a:solidFill>
-                    <a:prstClr val="black"/>
-                  </a:solidFill>
-                  <a:latin typeface="Arial"/>
-                  <a:cs typeface="Arial"/>
-                </a:rPr>
-                <a:t>Intermediate</a:t>
-              </a:r>
-            </a:p>
-            <a:p>
-              <a:pPr algn="ctr"/>
-              <a:r>
-                <a:rPr lang="en-GB" sz="1200" dirty="0" smtClean="0">
-                  <a:solidFill>
-                    <a:prstClr val="black"/>
-                  </a:solidFill>
-                  <a:latin typeface="Arial"/>
-                  <a:cs typeface="Arial"/>
-                </a:rPr>
-                <a:t>ANSI-C code</a:t>
-              </a:r>
-              <a:endParaRPr lang="en-US" sz="1200" dirty="0"/>
-            </a:p>
-          </p:txBody>
-        </p:sp>
-        <p:cxnSp>
-          <p:nvCxnSpPr>
-            <p:cNvPr id="56" name="Straight Arrow Connector 55"/>
+            <p:cNvPr id="99" name="Straight Arrow Connector 98"/>
             <p:cNvCxnSpPr/>
             <p:nvPr/>
           </p:nvCxnSpPr>
           <p:spPr>
-            <a:xfrm flipV="1">
-              <a:off x="7826986" y="3842833"/>
-              <a:ext cx="339544" cy="859"/>
+            <a:xfrm rot="5400000">
+              <a:off x="3444279" y="5585390"/>
+              <a:ext cx="351070" cy="261"/>
             </a:xfrm>
             <a:prstGeom prst="straightConnector1">
               <a:avLst/>
@@ -4990,6 +4771,196 @@
           </p:style>
         </p:cxnSp>
       </p:grpSp>
+      <p:sp>
+        <p:nvSpPr>
+          <p:cNvPr id="54" name="Document 53"/>
+          <p:cNvSpPr/>
+          <p:nvPr/>
+        </p:nvSpPr>
+        <p:spPr>
+          <a:xfrm>
+            <a:off x="6578609" y="2708055"/>
+            <a:ext cx="1248377" cy="676013"/>
+          </a:xfrm>
+          <a:prstGeom prst="flowChartDocument">
+            <a:avLst/>
+          </a:prstGeom>
+          <a:solidFill>
+            <a:schemeClr val="bg1"/>
+          </a:solidFill>
+          <a:ln>
+            <a:solidFill>
+              <a:srgbClr val="000000"/>
+            </a:solidFill>
+            <a:prstDash val="lgDash"/>
+          </a:ln>
+          <a:effectLst/>
+        </p:spPr>
+        <p:style>
+          <a:lnRef idx="1">
+            <a:schemeClr val="accent1"/>
+          </a:lnRef>
+          <a:fillRef idx="3">
+            <a:schemeClr val="accent1"/>
+          </a:fillRef>
+          <a:effectRef idx="2">
+            <a:schemeClr val="accent1"/>
+          </a:effectRef>
+          <a:fontRef idx="minor">
+            <a:schemeClr val="lt1"/>
+          </a:fontRef>
+        </p:style>
+        <p:txBody>
+          <a:bodyPr rtlCol="0" anchor="ctr"/>
+          <a:lstStyle/>
+          <a:p>
+            <a:pPr algn="ctr"/>
+            <a:r>
+              <a:rPr lang="en-GB" sz="1200" dirty="0" smtClean="0">
+                <a:solidFill>
+                  <a:prstClr val="black"/>
+                </a:solidFill>
+                <a:latin typeface="Arial"/>
+                <a:cs typeface="Arial"/>
+              </a:rPr>
+              <a:t>Intermediate</a:t>
+            </a:r>
+          </a:p>
+          <a:p>
+            <a:pPr algn="ctr"/>
+            <a:r>
+              <a:rPr lang="en-GB" sz="1200" dirty="0" smtClean="0">
+                <a:solidFill>
+                  <a:prstClr val="black"/>
+                </a:solidFill>
+                <a:latin typeface="Arial"/>
+                <a:cs typeface="Arial"/>
+              </a:rPr>
+              <a:t>ANSI-C code</a:t>
+            </a:r>
+            <a:endParaRPr lang="en-US" sz="1200" dirty="0"/>
+          </a:p>
+        </p:txBody>
+      </p:sp>
+      <p:cxnSp>
+        <p:nvCxnSpPr>
+          <p:cNvPr id="56" name="Straight Arrow Connector 55"/>
+          <p:cNvCxnSpPr/>
+          <p:nvPr/>
+        </p:nvCxnSpPr>
+        <p:spPr>
+          <a:xfrm flipV="1">
+            <a:off x="7826986" y="3032935"/>
+            <a:ext cx="339544" cy="859"/>
+          </a:xfrm>
+          <a:prstGeom prst="straightConnector1">
+            <a:avLst/>
+          </a:prstGeom>
+          <a:ln w="6350" cmpd="sng">
+            <a:solidFill>
+              <a:srgbClr val="000000"/>
+            </a:solidFill>
+            <a:headEnd type="none"/>
+            <a:tailEnd type="triangle"/>
+          </a:ln>
+          <a:effectLst/>
+        </p:spPr>
+        <p:style>
+          <a:lnRef idx="2">
+            <a:schemeClr val="accent1"/>
+          </a:lnRef>
+          <a:fillRef idx="0">
+            <a:schemeClr val="accent1"/>
+          </a:fillRef>
+          <a:effectRef idx="1">
+            <a:schemeClr val="accent1"/>
+          </a:effectRef>
+          <a:fontRef idx="minor">
+            <a:schemeClr val="tx1"/>
+          </a:fontRef>
+        </p:style>
+      </p:cxnSp>
+      <p:cxnSp>
+        <p:nvCxnSpPr>
+          <p:cNvPr id="42" name="Straight Arrow Connector 66"/>
+          <p:cNvCxnSpPr/>
+          <p:nvPr/>
+        </p:nvCxnSpPr>
+        <p:spPr>
+          <a:xfrm flipV="1">
+            <a:off x="6329986" y="1993338"/>
+            <a:ext cx="339544" cy="1719"/>
+          </a:xfrm>
+          <a:prstGeom prst="straightConnector1">
+            <a:avLst/>
+          </a:prstGeom>
+          <a:ln w="6350" cmpd="sng">
+            <a:solidFill>
+              <a:srgbClr val="000000"/>
+            </a:solidFill>
+            <a:headEnd type="none"/>
+            <a:tailEnd type="triangle"/>
+          </a:ln>
+          <a:effectLst/>
+        </p:spPr>
+        <p:style>
+          <a:lnRef idx="2">
+            <a:schemeClr val="accent1"/>
+          </a:lnRef>
+          <a:fillRef idx="0">
+            <a:schemeClr val="accent1"/>
+          </a:fillRef>
+          <a:effectRef idx="1">
+            <a:schemeClr val="accent1"/>
+          </a:effectRef>
+          <a:fontRef idx="minor">
+            <a:schemeClr val="tx1"/>
+          </a:fontRef>
+        </p:style>
+      </p:cxnSp>
+      <p:cxnSp>
+        <p:nvCxnSpPr>
+          <p:cNvPr id="9" name="Conector angulado 8"/>
+          <p:cNvCxnSpPr>
+            <a:stCxn id="90" idx="3"/>
+            <a:endCxn id="62" idx="0"/>
+          </p:cNvCxnSpPr>
+          <p:nvPr/>
+        </p:nvCxnSpPr>
+        <p:spPr>
+          <a:xfrm flipH="1">
+            <a:off x="1483082" y="2004765"/>
+            <a:ext cx="6456540" cy="703290"/>
+          </a:xfrm>
+          <a:prstGeom prst="bentConnector4">
+            <a:avLst>
+              <a:gd name="adj1" fmla="val -3541"/>
+              <a:gd name="adj2" fmla="val 73928"/>
+            </a:avLst>
+          </a:prstGeom>
+          <a:ln w="6350">
+            <a:solidFill>
+              <a:schemeClr val="tx1"/>
+            </a:solidFill>
+            <a:tailEnd type="triangle"/>
+          </a:ln>
+          <a:effectLst/>
+        </p:spPr>
+        <p:style>
+          <a:lnRef idx="2">
+            <a:schemeClr val="accent1"/>
+          </a:lnRef>
+          <a:fillRef idx="0">
+            <a:schemeClr val="accent1"/>
+          </a:fillRef>
+          <a:effectRef idx="1">
+            <a:schemeClr val="accent1"/>
+          </a:effectRef>
+          <a:fontRef idx="minor">
+            <a:schemeClr val="tx1"/>
+          </a:fontRef>
+        </p:style>
+      </p:cxnSp>
     </p:spTree>
     <p:extLst>
       <p:ext uri="{BB962C8B-B14F-4D97-AF65-F5344CB8AC3E}">
@@ -5000,6 +4971,13 @@
   <p:clrMapOvr>
     <a:masterClrMapping/>
   </p:clrMapOvr>
+  <p:timing>
+    <p:tnLst>
+      <p:par>
+        <p:cTn id="1" dur="indefinite" restart="never" nodeType="tmRoot"/>
+      </p:par>
+    </p:tnLst>
+  </p:timing>
 </p:sld>
 </file>
 

--- a/paper/figures/verification-flow.pptx
+++ b/paper/figures/verification-flow.pptx
@@ -3111,239 +3111,718 @@
           <a:chExt cx="0" cy="0"/>
         </a:xfrm>
       </p:grpSpPr>
-      <p:sp>
-        <p:nvSpPr>
-          <p:cNvPr id="55" name="TextBox 54"/>
-          <p:cNvSpPr txBox="1"/>
-          <p:nvPr/>
-        </p:nvSpPr>
-        <p:spPr>
-          <a:xfrm>
-            <a:off x="-653492" y="1595793"/>
-            <a:ext cx="1385221" cy="276999"/>
-          </a:xfrm>
-          <a:prstGeom prst="rect">
-            <a:avLst/>
-          </a:prstGeom>
-          <a:noFill/>
-        </p:spPr>
-        <p:txBody>
-          <a:bodyPr wrap="square" rtlCol="0">
-            <a:spAutoFit/>
-          </a:bodyPr>
-          <a:lstStyle/>
-          <a:p>
-            <a:pPr algn="ctr"/>
-            <a:r>
-              <a:rPr lang="en-GB" sz="1200" dirty="0" smtClean="0">
-                <a:latin typeface="Arial"/>
-                <a:cs typeface="Arial"/>
-              </a:rPr>
-              <a:t>User</a:t>
-            </a:r>
-            <a:endParaRPr lang="en-GB" sz="1200" dirty="0">
-              <a:latin typeface="Arial"/>
-              <a:cs typeface="Arial"/>
-            </a:endParaRPr>
-          </a:p>
-        </p:txBody>
-      </p:sp>
-      <p:sp>
-        <p:nvSpPr>
-          <p:cNvPr id="100" name="TextBox 99"/>
-          <p:cNvSpPr txBox="1"/>
-          <p:nvPr/>
-        </p:nvSpPr>
-        <p:spPr>
-          <a:xfrm>
-            <a:off x="-474091" y="2638922"/>
-            <a:ext cx="1385221" cy="276999"/>
-          </a:xfrm>
-          <a:prstGeom prst="rect">
-            <a:avLst/>
-          </a:prstGeom>
-          <a:noFill/>
-        </p:spPr>
-        <p:txBody>
-          <a:bodyPr wrap="square" rtlCol="0">
-            <a:spAutoFit/>
-          </a:bodyPr>
-          <a:lstStyle/>
-          <a:p>
-            <a:pPr algn="ctr"/>
-            <a:r>
-              <a:rPr lang="en-GB" sz="1200" dirty="0" err="1">
-                <a:latin typeface="Arial"/>
-                <a:cs typeface="Arial"/>
-              </a:rPr>
-              <a:t>DSSynth</a:t>
-            </a:r>
-            <a:endParaRPr lang="en-GB" sz="1200" dirty="0">
-              <a:latin typeface="Arial"/>
-              <a:cs typeface="Arial"/>
-            </a:endParaRPr>
-          </a:p>
-        </p:txBody>
-      </p:sp>
       <p:grpSp>
         <p:nvGrpSpPr>
-          <p:cNvPr id="48" name="Group 47"/>
-          <p:cNvGrpSpPr/>
-          <p:nvPr/>
-        </p:nvGrpSpPr>
-        <p:grpSpPr>
-          <a:xfrm rot="16200000">
-            <a:off x="96675" y="1702642"/>
-            <a:ext cx="243399" cy="583699"/>
-            <a:chOff x="3376545" y="5409984"/>
-            <a:chExt cx="243399" cy="351072"/>
-          </a:xfrm>
-        </p:grpSpPr>
-        <p:cxnSp>
-          <p:nvCxnSpPr>
-            <p:cNvPr id="23" name="Straight Arrow Connector 22"/>
-            <p:cNvCxnSpPr/>
-            <p:nvPr/>
-          </p:nvCxnSpPr>
-          <p:spPr>
-            <a:xfrm rot="5400000">
-              <a:off x="3201141" y="5585388"/>
-              <a:ext cx="351070" cy="261"/>
-            </a:xfrm>
-            <a:prstGeom prst="straightConnector1">
-              <a:avLst/>
-            </a:prstGeom>
-            <a:ln w="6350" cmpd="sng">
-              <a:solidFill>
-                <a:srgbClr val="000000"/>
-              </a:solidFill>
-              <a:headEnd type="none"/>
-              <a:tailEnd type="triangle"/>
-            </a:ln>
-            <a:effectLst/>
-          </p:spPr>
-          <p:style>
-            <a:lnRef idx="2">
-              <a:schemeClr val="accent1"/>
-            </a:lnRef>
-            <a:fillRef idx="0">
-              <a:schemeClr val="accent1"/>
-            </a:fillRef>
-            <a:effectRef idx="1">
-              <a:schemeClr val="accent1"/>
-            </a:effectRef>
-            <a:fontRef idx="minor">
-              <a:schemeClr val="tx1"/>
-            </a:fontRef>
-          </p:style>
-        </p:cxnSp>
-        <p:cxnSp>
-          <p:nvCxnSpPr>
-            <p:cNvPr id="51" name="Straight Arrow Connector 50"/>
-            <p:cNvCxnSpPr/>
-            <p:nvPr/>
-          </p:nvCxnSpPr>
-          <p:spPr>
-            <a:xfrm rot="5400000">
-              <a:off x="3326406" y="5585389"/>
-              <a:ext cx="351070" cy="261"/>
-            </a:xfrm>
-            <a:prstGeom prst="straightConnector1">
-              <a:avLst/>
-            </a:prstGeom>
-            <a:ln w="6350" cmpd="sng">
-              <a:solidFill>
-                <a:srgbClr val="000000"/>
-              </a:solidFill>
-              <a:headEnd type="none"/>
-              <a:tailEnd type="triangle"/>
-            </a:ln>
-            <a:effectLst/>
-          </p:spPr>
-          <p:style>
-            <a:lnRef idx="2">
-              <a:schemeClr val="accent1"/>
-            </a:lnRef>
-            <a:fillRef idx="0">
-              <a:schemeClr val="accent1"/>
-            </a:fillRef>
-            <a:effectRef idx="1">
-              <a:schemeClr val="accent1"/>
-            </a:effectRef>
-            <a:fontRef idx="minor">
-              <a:schemeClr val="tx1"/>
-            </a:fontRef>
-          </p:style>
-        </p:cxnSp>
-        <p:cxnSp>
-          <p:nvCxnSpPr>
-            <p:cNvPr id="52" name="Straight Arrow Connector 51"/>
-            <p:cNvCxnSpPr/>
-            <p:nvPr/>
-          </p:nvCxnSpPr>
-          <p:spPr>
-            <a:xfrm rot="5400000">
-              <a:off x="3444279" y="5585390"/>
-              <a:ext cx="351070" cy="261"/>
-            </a:xfrm>
-            <a:prstGeom prst="straightConnector1">
-              <a:avLst/>
-            </a:prstGeom>
-            <a:ln w="6350" cmpd="sng">
-              <a:solidFill>
-                <a:srgbClr val="000000"/>
-              </a:solidFill>
-              <a:headEnd type="none"/>
-              <a:tailEnd type="triangle"/>
-            </a:ln>
-            <a:effectLst/>
-          </p:spPr>
-          <p:style>
-            <a:lnRef idx="2">
-              <a:schemeClr val="accent1"/>
-            </a:lnRef>
-            <a:fillRef idx="0">
-              <a:schemeClr val="accent1"/>
-            </a:fillRef>
-            <a:effectRef idx="1">
-              <a:schemeClr val="accent1"/>
-            </a:effectRef>
-            <a:fontRef idx="minor">
-              <a:schemeClr val="tx1"/>
-            </a:fontRef>
-          </p:style>
-        </p:cxnSp>
-      </p:grpSp>
-      <p:grpSp>
-        <p:nvGrpSpPr>
-          <p:cNvPr id="3" name="Group 2"/>
+          <p:cNvPr id="10" name="Grupo 9"/>
           <p:cNvGrpSpPr/>
           <p:nvPr/>
         </p:nvGrpSpPr>
         <p:grpSpPr>
           <a:xfrm>
-            <a:off x="2584540" y="1654013"/>
-            <a:ext cx="1727711" cy="678305"/>
-            <a:chOff x="740000" y="3583036"/>
-            <a:chExt cx="1727711" cy="678305"/>
+            <a:off x="-653492" y="1595793"/>
+            <a:ext cx="10472908" cy="1790567"/>
+            <a:chOff x="-653492" y="1595793"/>
+            <a:chExt cx="10472908" cy="1790567"/>
           </a:xfrm>
         </p:grpSpPr>
         <p:sp>
           <p:nvSpPr>
-            <p:cNvPr id="33" name="Process 32"/>
+            <p:cNvPr id="55" name="TextBox 54"/>
+            <p:cNvSpPr txBox="1"/>
+            <p:nvPr/>
+          </p:nvSpPr>
+          <p:spPr>
+            <a:xfrm>
+              <a:off x="-653492" y="1595793"/>
+              <a:ext cx="1385221" cy="276999"/>
+            </a:xfrm>
+            <a:prstGeom prst="rect">
+              <a:avLst/>
+            </a:prstGeom>
+            <a:noFill/>
+          </p:spPr>
+          <p:txBody>
+            <a:bodyPr wrap="square" rtlCol="0">
+              <a:spAutoFit/>
+            </a:bodyPr>
+            <a:lstStyle/>
+            <a:p>
+              <a:pPr algn="ctr"/>
+              <a:r>
+                <a:rPr lang="en-GB" sz="1200" dirty="0" smtClean="0">
+                  <a:latin typeface="Arial"/>
+                  <a:cs typeface="Arial"/>
+                </a:rPr>
+                <a:t>User</a:t>
+              </a:r>
+              <a:endParaRPr lang="en-GB" sz="1200" dirty="0">
+                <a:latin typeface="Arial"/>
+                <a:cs typeface="Arial"/>
+              </a:endParaRPr>
+            </a:p>
+          </p:txBody>
+        </p:sp>
+        <p:sp>
+          <p:nvSpPr>
+            <p:cNvPr id="100" name="TextBox 99"/>
+            <p:cNvSpPr txBox="1"/>
+            <p:nvPr/>
+          </p:nvSpPr>
+          <p:spPr>
+            <a:xfrm>
+              <a:off x="-474091" y="2638922"/>
+              <a:ext cx="1385221" cy="276999"/>
+            </a:xfrm>
+            <a:prstGeom prst="rect">
+              <a:avLst/>
+            </a:prstGeom>
+            <a:noFill/>
+          </p:spPr>
+          <p:txBody>
+            <a:bodyPr wrap="square" rtlCol="0">
+              <a:spAutoFit/>
+            </a:bodyPr>
+            <a:lstStyle/>
+            <a:p>
+              <a:pPr algn="ctr"/>
+              <a:r>
+                <a:rPr lang="en-GB" sz="1200" dirty="0" err="1">
+                  <a:latin typeface="Arial"/>
+                  <a:cs typeface="Arial"/>
+                </a:rPr>
+                <a:t>DSSynth</a:t>
+              </a:r>
+              <a:endParaRPr lang="en-GB" sz="1200" dirty="0">
+                <a:latin typeface="Arial"/>
+                <a:cs typeface="Arial"/>
+              </a:endParaRPr>
+            </a:p>
+          </p:txBody>
+        </p:sp>
+        <p:grpSp>
+          <p:nvGrpSpPr>
+            <p:cNvPr id="48" name="Group 47"/>
+            <p:cNvGrpSpPr/>
+            <p:nvPr/>
+          </p:nvGrpSpPr>
+          <p:grpSpPr>
+            <a:xfrm rot="16200000">
+              <a:off x="96675" y="1702642"/>
+              <a:ext cx="243399" cy="583699"/>
+              <a:chOff x="3376545" y="5409984"/>
+              <a:chExt cx="243399" cy="351072"/>
+            </a:xfrm>
+          </p:grpSpPr>
+          <p:cxnSp>
+            <p:nvCxnSpPr>
+              <p:cNvPr id="23" name="Straight Arrow Connector 22"/>
+              <p:cNvCxnSpPr/>
+              <p:nvPr/>
+            </p:nvCxnSpPr>
+            <p:spPr>
+              <a:xfrm rot="5400000">
+                <a:off x="3201141" y="5585388"/>
+                <a:ext cx="351070" cy="261"/>
+              </a:xfrm>
+              <a:prstGeom prst="straightConnector1">
+                <a:avLst/>
+              </a:prstGeom>
+              <a:ln w="6350" cmpd="sng">
+                <a:solidFill>
+                  <a:srgbClr val="000000"/>
+                </a:solidFill>
+                <a:headEnd type="none"/>
+                <a:tailEnd type="triangle"/>
+              </a:ln>
+              <a:effectLst/>
+            </p:spPr>
+            <p:style>
+              <a:lnRef idx="2">
+                <a:schemeClr val="accent1"/>
+              </a:lnRef>
+              <a:fillRef idx="0">
+                <a:schemeClr val="accent1"/>
+              </a:fillRef>
+              <a:effectRef idx="1">
+                <a:schemeClr val="accent1"/>
+              </a:effectRef>
+              <a:fontRef idx="minor">
+                <a:schemeClr val="tx1"/>
+              </a:fontRef>
+            </p:style>
+          </p:cxnSp>
+          <p:cxnSp>
+            <p:nvCxnSpPr>
+              <p:cNvPr id="51" name="Straight Arrow Connector 50"/>
+              <p:cNvCxnSpPr/>
+              <p:nvPr/>
+            </p:nvCxnSpPr>
+            <p:spPr>
+              <a:xfrm rot="5400000">
+                <a:off x="3326406" y="5585389"/>
+                <a:ext cx="351070" cy="261"/>
+              </a:xfrm>
+              <a:prstGeom prst="straightConnector1">
+                <a:avLst/>
+              </a:prstGeom>
+              <a:ln w="6350" cmpd="sng">
+                <a:solidFill>
+                  <a:srgbClr val="000000"/>
+                </a:solidFill>
+                <a:headEnd type="none"/>
+                <a:tailEnd type="triangle"/>
+              </a:ln>
+              <a:effectLst/>
+            </p:spPr>
+            <p:style>
+              <a:lnRef idx="2">
+                <a:schemeClr val="accent1"/>
+              </a:lnRef>
+              <a:fillRef idx="0">
+                <a:schemeClr val="accent1"/>
+              </a:fillRef>
+              <a:effectRef idx="1">
+                <a:schemeClr val="accent1"/>
+              </a:effectRef>
+              <a:fontRef idx="minor">
+                <a:schemeClr val="tx1"/>
+              </a:fontRef>
+            </p:style>
+          </p:cxnSp>
+          <p:cxnSp>
+            <p:nvCxnSpPr>
+              <p:cNvPr id="52" name="Straight Arrow Connector 51"/>
+              <p:cNvCxnSpPr/>
+              <p:nvPr/>
+            </p:nvCxnSpPr>
+            <p:spPr>
+              <a:xfrm rot="5400000">
+                <a:off x="3444279" y="5585390"/>
+                <a:ext cx="351070" cy="261"/>
+              </a:xfrm>
+              <a:prstGeom prst="straightConnector1">
+                <a:avLst/>
+              </a:prstGeom>
+              <a:ln w="6350" cmpd="sng">
+                <a:solidFill>
+                  <a:srgbClr val="000000"/>
+                </a:solidFill>
+                <a:headEnd type="none"/>
+                <a:tailEnd type="triangle"/>
+              </a:ln>
+              <a:effectLst/>
+            </p:spPr>
+            <p:style>
+              <a:lnRef idx="2">
+                <a:schemeClr val="accent1"/>
+              </a:lnRef>
+              <a:fillRef idx="0">
+                <a:schemeClr val="accent1"/>
+              </a:fillRef>
+              <a:effectRef idx="1">
+                <a:schemeClr val="accent1"/>
+              </a:effectRef>
+              <a:fontRef idx="minor">
+                <a:schemeClr val="tx1"/>
+              </a:fontRef>
+            </p:style>
+          </p:cxnSp>
+        </p:grpSp>
+        <p:grpSp>
+          <p:nvGrpSpPr>
+            <p:cNvPr id="3" name="Group 2"/>
+            <p:cNvGrpSpPr/>
+            <p:nvPr/>
+          </p:nvGrpSpPr>
+          <p:grpSpPr>
+            <a:xfrm>
+              <a:off x="2584540" y="1654013"/>
+              <a:ext cx="1727711" cy="678305"/>
+              <a:chOff x="740000" y="3583036"/>
+              <a:chExt cx="1727711" cy="678305"/>
+            </a:xfrm>
+          </p:grpSpPr>
+          <p:sp>
+            <p:nvSpPr>
+              <p:cNvPr id="33" name="Process 32"/>
+              <p:cNvSpPr/>
+              <p:nvPr/>
+            </p:nvSpPr>
+            <p:spPr>
+              <a:xfrm>
+                <a:off x="740000" y="3583036"/>
+                <a:ext cx="1727138" cy="677732"/>
+              </a:xfrm>
+              <a:prstGeom prst="flowChartProcess">
+                <a:avLst/>
+              </a:prstGeom>
+              <a:solidFill>
+                <a:schemeClr val="bg1"/>
+              </a:solidFill>
+              <a:ln w="6350" cmpd="sng">
+                <a:solidFill>
+                  <a:schemeClr val="tx1"/>
+                </a:solidFill>
+              </a:ln>
+              <a:effectLst/>
+            </p:spPr>
+            <p:style>
+              <a:lnRef idx="1">
+                <a:schemeClr val="accent1"/>
+              </a:lnRef>
+              <a:fillRef idx="3">
+                <a:schemeClr val="accent1"/>
+              </a:fillRef>
+              <a:effectRef idx="2">
+                <a:schemeClr val="accent1"/>
+              </a:effectRef>
+              <a:fontRef idx="minor">
+                <a:schemeClr val="lt1"/>
+              </a:fontRef>
+            </p:style>
+            <p:txBody>
+              <a:bodyPr rtlCol="0" anchor="ctr"/>
+              <a:lstStyle/>
+              <a:p>
+                <a:pPr algn="ctr"/>
+                <a:endParaRPr lang="en-GB" sz="1000" dirty="0" smtClean="0">
+                  <a:solidFill>
+                    <a:schemeClr val="tx1"/>
+                  </a:solidFill>
+                  <a:latin typeface="Arial"/>
+                  <a:cs typeface="Arial"/>
+                </a:endParaRPr>
+              </a:p>
+              <a:p>
+                <a:pPr algn="ctr"/>
+                <a:r>
+                  <a:rPr lang="en-GB" sz="1100" dirty="0" smtClean="0">
+                    <a:solidFill>
+                      <a:schemeClr val="tx1"/>
+                    </a:solidFill>
+                    <a:latin typeface="Arial"/>
+                    <a:cs typeface="Arial"/>
+                  </a:rPr>
+                  <a:t>Define controller numerical representation</a:t>
+                </a:r>
+                <a:endParaRPr lang="en-GB" sz="1100" dirty="0">
+                  <a:solidFill>
+                    <a:schemeClr val="tx1"/>
+                  </a:solidFill>
+                  <a:latin typeface="Arial"/>
+                  <a:cs typeface="Arial"/>
+                </a:endParaRPr>
+              </a:p>
+            </p:txBody>
+          </p:sp>
+          <p:sp>
+            <p:nvSpPr>
+              <p:cNvPr id="34" name="Process 33"/>
+              <p:cNvSpPr/>
+              <p:nvPr/>
+            </p:nvSpPr>
+            <p:spPr>
+              <a:xfrm>
+                <a:off x="740001" y="3583609"/>
+                <a:ext cx="1727710" cy="677732"/>
+              </a:xfrm>
+              <a:prstGeom prst="flowChartProcess">
+                <a:avLst/>
+              </a:prstGeom>
+              <a:noFill/>
+              <a:ln w="6350" cmpd="sng">
+                <a:solidFill>
+                  <a:schemeClr val="tx1"/>
+                </a:solidFill>
+              </a:ln>
+              <a:effectLst/>
+            </p:spPr>
+            <p:style>
+              <a:lnRef idx="1">
+                <a:schemeClr val="accent1"/>
+              </a:lnRef>
+              <a:fillRef idx="3">
+                <a:schemeClr val="accent1"/>
+              </a:fillRef>
+              <a:effectRef idx="2">
+                <a:schemeClr val="accent1"/>
+              </a:effectRef>
+              <a:fontRef idx="minor">
+                <a:schemeClr val="lt1"/>
+              </a:fontRef>
+            </p:style>
+            <p:txBody>
+              <a:bodyPr rtlCol="0" anchor="ctr"/>
+              <a:lstStyle/>
+              <a:p>
+                <a:pPr algn="ctr"/>
+                <a:r>
+                  <a:rPr lang="en-GB" sz="1200" b="1" dirty="0" smtClean="0">
+                    <a:solidFill>
+                      <a:schemeClr val="tx1"/>
+                    </a:solidFill>
+                    <a:latin typeface="Arial"/>
+                    <a:cs typeface="Arial"/>
+                  </a:rPr>
+                  <a:t>Step 2</a:t>
+                </a:r>
+              </a:p>
+              <a:p>
+                <a:pPr algn="ctr"/>
+                <a:endParaRPr lang="en-GB" sz="1200" dirty="0">
+                  <a:solidFill>
+                    <a:schemeClr val="tx1"/>
+                  </a:solidFill>
+                  <a:latin typeface="Arial"/>
+                  <a:cs typeface="Arial"/>
+                </a:endParaRPr>
+              </a:p>
+              <a:p>
+                <a:pPr algn="ctr"/>
+                <a:endParaRPr lang="en-GB" sz="1200" dirty="0" smtClean="0">
+                  <a:solidFill>
+                    <a:schemeClr val="tx1"/>
+                  </a:solidFill>
+                  <a:latin typeface="Arial"/>
+                  <a:cs typeface="Arial"/>
+                </a:endParaRPr>
+              </a:p>
+            </p:txBody>
+          </p:sp>
+        </p:grpSp>
+        <p:grpSp>
+          <p:nvGrpSpPr>
+            <p:cNvPr id="35" name="Group 34"/>
+            <p:cNvGrpSpPr/>
+            <p:nvPr/>
+          </p:nvGrpSpPr>
+          <p:grpSpPr>
+            <a:xfrm>
+              <a:off x="594882" y="1654013"/>
+              <a:ext cx="1652886" cy="678305"/>
+              <a:chOff x="814824" y="3583036"/>
+              <a:chExt cx="1652886" cy="678305"/>
+            </a:xfrm>
+          </p:grpSpPr>
+          <p:sp>
+            <p:nvSpPr>
+              <p:cNvPr id="37" name="Process 36"/>
+              <p:cNvSpPr/>
+              <p:nvPr/>
+            </p:nvSpPr>
+            <p:spPr>
+              <a:xfrm>
+                <a:off x="814824" y="3583036"/>
+                <a:ext cx="1652313" cy="677732"/>
+              </a:xfrm>
+              <a:prstGeom prst="flowChartProcess">
+                <a:avLst/>
+              </a:prstGeom>
+              <a:solidFill>
+                <a:schemeClr val="bg1"/>
+              </a:solidFill>
+              <a:ln w="6350" cmpd="sng">
+                <a:solidFill>
+                  <a:schemeClr val="tx1"/>
+                </a:solidFill>
+              </a:ln>
+              <a:effectLst/>
+            </p:spPr>
+            <p:style>
+              <a:lnRef idx="1">
+                <a:schemeClr val="accent1"/>
+              </a:lnRef>
+              <a:fillRef idx="3">
+                <a:schemeClr val="accent1"/>
+              </a:fillRef>
+              <a:effectRef idx="2">
+                <a:schemeClr val="accent1"/>
+              </a:effectRef>
+              <a:fontRef idx="minor">
+                <a:schemeClr val="lt1"/>
+              </a:fontRef>
+            </p:style>
+            <p:txBody>
+              <a:bodyPr rtlCol="0" anchor="ctr"/>
+              <a:lstStyle/>
+              <a:p>
+                <a:pPr algn="ctr"/>
+                <a:endParaRPr lang="en-GB" sz="1000" dirty="0" smtClean="0">
+                  <a:solidFill>
+                    <a:schemeClr val="tx1"/>
+                  </a:solidFill>
+                  <a:latin typeface="Arial"/>
+                  <a:cs typeface="Arial"/>
+                </a:endParaRPr>
+              </a:p>
+              <a:p>
+                <a:pPr algn="ctr"/>
+                <a:r>
+                  <a:rPr lang="en-GB" sz="1200" dirty="0" smtClean="0">
+                    <a:solidFill>
+                      <a:schemeClr val="tx1"/>
+                    </a:solidFill>
+                    <a:latin typeface="Arial"/>
+                    <a:cs typeface="Arial"/>
+                  </a:rPr>
+                  <a:t>Determine plant model and intervals</a:t>
+                </a:r>
+                <a:endParaRPr lang="en-GB" sz="1200" dirty="0">
+                  <a:solidFill>
+                    <a:schemeClr val="tx1"/>
+                  </a:solidFill>
+                  <a:latin typeface="Arial"/>
+                  <a:cs typeface="Arial"/>
+                </a:endParaRPr>
+              </a:p>
+            </p:txBody>
+          </p:sp>
+          <p:sp>
+            <p:nvSpPr>
+              <p:cNvPr id="38" name="Process 37"/>
+              <p:cNvSpPr/>
+              <p:nvPr/>
+            </p:nvSpPr>
+            <p:spPr>
+              <a:xfrm>
+                <a:off x="815397" y="3583609"/>
+                <a:ext cx="1652313" cy="677732"/>
+              </a:xfrm>
+              <a:prstGeom prst="flowChartProcess">
+                <a:avLst/>
+              </a:prstGeom>
+              <a:noFill/>
+              <a:ln w="6350" cmpd="sng">
+                <a:solidFill>
+                  <a:schemeClr val="tx1"/>
+                </a:solidFill>
+              </a:ln>
+              <a:effectLst/>
+            </p:spPr>
+            <p:style>
+              <a:lnRef idx="1">
+                <a:schemeClr val="accent1"/>
+              </a:lnRef>
+              <a:fillRef idx="3">
+                <a:schemeClr val="accent1"/>
+              </a:fillRef>
+              <a:effectRef idx="2">
+                <a:schemeClr val="accent1"/>
+              </a:effectRef>
+              <a:fontRef idx="minor">
+                <a:schemeClr val="lt1"/>
+              </a:fontRef>
+            </p:style>
+            <p:txBody>
+              <a:bodyPr rtlCol="0" anchor="ctr"/>
+              <a:lstStyle/>
+              <a:p>
+                <a:pPr algn="ctr"/>
+                <a:r>
+                  <a:rPr lang="en-GB" sz="1200" b="1" dirty="0" smtClean="0">
+                    <a:solidFill>
+                      <a:schemeClr val="tx1"/>
+                    </a:solidFill>
+                    <a:latin typeface="Arial"/>
+                    <a:cs typeface="Arial"/>
+                  </a:rPr>
+                  <a:t>Step 1</a:t>
+                </a:r>
+              </a:p>
+              <a:p>
+                <a:pPr algn="ctr"/>
+                <a:endParaRPr lang="en-GB" sz="1200" dirty="0">
+                  <a:solidFill>
+                    <a:schemeClr val="tx1"/>
+                  </a:solidFill>
+                  <a:latin typeface="Arial"/>
+                  <a:cs typeface="Arial"/>
+                </a:endParaRPr>
+              </a:p>
+              <a:p>
+                <a:pPr algn="ctr"/>
+                <a:endParaRPr lang="en-GB" sz="1200" dirty="0" smtClean="0">
+                  <a:solidFill>
+                    <a:schemeClr val="tx1"/>
+                  </a:solidFill>
+                  <a:latin typeface="Arial"/>
+                  <a:cs typeface="Arial"/>
+                </a:endParaRPr>
+              </a:p>
+            </p:txBody>
+          </p:sp>
+        </p:grpSp>
+        <p:grpSp>
+          <p:nvGrpSpPr>
+            <p:cNvPr id="46" name="Group 45"/>
+            <p:cNvGrpSpPr/>
+            <p:nvPr/>
+          </p:nvGrpSpPr>
+          <p:grpSpPr>
+            <a:xfrm>
+              <a:off x="4671057" y="1651502"/>
+              <a:ext cx="1652886" cy="678305"/>
+              <a:chOff x="814824" y="3583036"/>
+              <a:chExt cx="1652886" cy="678305"/>
+            </a:xfrm>
+          </p:grpSpPr>
+          <p:sp>
+            <p:nvSpPr>
+              <p:cNvPr id="47" name="Process 46"/>
+              <p:cNvSpPr/>
+              <p:nvPr/>
+            </p:nvSpPr>
+            <p:spPr>
+              <a:xfrm>
+                <a:off x="814824" y="3583036"/>
+                <a:ext cx="1652313" cy="677732"/>
+              </a:xfrm>
+              <a:prstGeom prst="flowChartProcess">
+                <a:avLst/>
+              </a:prstGeom>
+              <a:solidFill>
+                <a:schemeClr val="bg1"/>
+              </a:solidFill>
+              <a:ln w="6350" cmpd="sng">
+                <a:solidFill>
+                  <a:schemeClr val="tx1"/>
+                </a:solidFill>
+              </a:ln>
+              <a:effectLst/>
+            </p:spPr>
+            <p:style>
+              <a:lnRef idx="1">
+                <a:schemeClr val="accent1"/>
+              </a:lnRef>
+              <a:fillRef idx="3">
+                <a:schemeClr val="accent1"/>
+              </a:fillRef>
+              <a:effectRef idx="2">
+                <a:schemeClr val="accent1"/>
+              </a:effectRef>
+              <a:fontRef idx="minor">
+                <a:schemeClr val="lt1"/>
+              </a:fontRef>
+            </p:style>
+            <p:txBody>
+              <a:bodyPr rtlCol="0" anchor="ctr"/>
+              <a:lstStyle/>
+              <a:p>
+                <a:pPr algn="ctr"/>
+                <a:endParaRPr lang="en-GB" sz="1000" dirty="0" smtClean="0">
+                  <a:solidFill>
+                    <a:schemeClr val="tx1"/>
+                  </a:solidFill>
+                  <a:latin typeface="Arial"/>
+                  <a:cs typeface="Arial"/>
+                </a:endParaRPr>
+              </a:p>
+              <a:p>
+                <a:pPr algn="ctr"/>
+                <a:r>
+                  <a:rPr lang="en-GB" sz="1200" dirty="0">
+                    <a:solidFill>
+                      <a:schemeClr val="tx1"/>
+                    </a:solidFill>
+                    <a:latin typeface="Arial"/>
+                    <a:cs typeface="Arial"/>
+                  </a:rPr>
+                  <a:t>Define controller realization form</a:t>
+                </a:r>
+              </a:p>
+            </p:txBody>
+          </p:sp>
+          <p:sp>
+            <p:nvSpPr>
+              <p:cNvPr id="57" name="Process 56"/>
+              <p:cNvSpPr/>
+              <p:nvPr/>
+            </p:nvSpPr>
+            <p:spPr>
+              <a:xfrm>
+                <a:off x="815397" y="3583609"/>
+                <a:ext cx="1652313" cy="677732"/>
+              </a:xfrm>
+              <a:prstGeom prst="flowChartProcess">
+                <a:avLst/>
+              </a:prstGeom>
+              <a:noFill/>
+              <a:ln w="6350" cmpd="sng">
+                <a:solidFill>
+                  <a:schemeClr val="tx1"/>
+                </a:solidFill>
+              </a:ln>
+              <a:effectLst/>
+            </p:spPr>
+            <p:style>
+              <a:lnRef idx="1">
+                <a:schemeClr val="accent1"/>
+              </a:lnRef>
+              <a:fillRef idx="3">
+                <a:schemeClr val="accent1"/>
+              </a:fillRef>
+              <a:effectRef idx="2">
+                <a:schemeClr val="accent1"/>
+              </a:effectRef>
+              <a:fontRef idx="minor">
+                <a:schemeClr val="lt1"/>
+              </a:fontRef>
+            </p:style>
+            <p:txBody>
+              <a:bodyPr rtlCol="0" anchor="ctr"/>
+              <a:lstStyle/>
+              <a:p>
+                <a:pPr algn="ctr"/>
+                <a:r>
+                  <a:rPr lang="en-GB" sz="1200" b="1" dirty="0" smtClean="0">
+                    <a:solidFill>
+                      <a:schemeClr val="tx1"/>
+                    </a:solidFill>
+                    <a:latin typeface="Arial"/>
+                    <a:cs typeface="Arial"/>
+                  </a:rPr>
+                  <a:t>Step 3</a:t>
+                </a:r>
+              </a:p>
+              <a:p>
+                <a:pPr algn="ctr"/>
+                <a:endParaRPr lang="en-GB" sz="1200" dirty="0">
+                  <a:solidFill>
+                    <a:schemeClr val="tx1"/>
+                  </a:solidFill>
+                  <a:latin typeface="Arial"/>
+                  <a:cs typeface="Arial"/>
+                </a:endParaRPr>
+              </a:p>
+              <a:p>
+                <a:pPr algn="ctr"/>
+                <a:endParaRPr lang="en-GB" sz="1200" dirty="0" smtClean="0">
+                  <a:solidFill>
+                    <a:schemeClr val="tx1"/>
+                  </a:solidFill>
+                  <a:latin typeface="Arial"/>
+                  <a:cs typeface="Arial"/>
+                </a:endParaRPr>
+              </a:p>
+            </p:txBody>
+          </p:sp>
+        </p:grpSp>
+        <p:sp>
+          <p:nvSpPr>
+            <p:cNvPr id="60" name="Process 59"/>
             <p:cNvSpPr/>
             <p:nvPr/>
           </p:nvSpPr>
           <p:spPr>
             <a:xfrm>
-              <a:off x="740000" y="3583036"/>
-              <a:ext cx="1727138" cy="677732"/>
+              <a:off x="606476" y="2707482"/>
+              <a:ext cx="1752639" cy="677732"/>
             </a:xfrm>
             <a:prstGeom prst="flowChartProcess">
               <a:avLst/>
             </a:prstGeom>
             <a:solidFill>
-              <a:schemeClr val="bg1"/>
+              <a:srgbClr val="F2F2F2"/>
             </a:solidFill>
             <a:ln w="6350" cmpd="sng">
               <a:solidFill>
@@ -3389,7 +3868,7 @@
                   <a:latin typeface="Arial"/>
                   <a:cs typeface="Arial"/>
                 </a:rPr>
-                <a:t>Define controller numerical representation</a:t>
+                <a:t>Construct a non-deterministic plant model</a:t>
               </a:r>
               <a:endParaRPr lang="en-GB" sz="1100" dirty="0">
                 <a:solidFill>
@@ -3403,14 +3882,14 @@
         </p:sp>
         <p:sp>
           <p:nvSpPr>
-            <p:cNvPr id="34" name="Process 33"/>
+            <p:cNvPr id="62" name="Process 61"/>
             <p:cNvSpPr/>
             <p:nvPr/>
           </p:nvSpPr>
           <p:spPr>
             <a:xfrm>
-              <a:off x="740001" y="3583609"/>
-              <a:ext cx="1727710" cy="677732"/>
+              <a:off x="607049" y="2708055"/>
+              <a:ext cx="1752066" cy="677732"/>
             </a:xfrm>
             <a:prstGeom prst="flowChartProcess">
               <a:avLst/>
@@ -3450,7 +3929,7 @@
                   <a:latin typeface="Arial"/>
                   <a:cs typeface="Arial"/>
                 </a:rPr>
-                <a:t>Step 2</a:t>
+                <a:t>Step A</a:t>
               </a:r>
             </a:p>
             <a:p>
@@ -3475,37 +3954,102 @@
             </a:p>
           </p:txBody>
         </p:sp>
-      </p:grpSp>
-      <p:grpSp>
-        <p:nvGrpSpPr>
-          <p:cNvPr id="35" name="Group 34"/>
-          <p:cNvGrpSpPr/>
-          <p:nvPr/>
-        </p:nvGrpSpPr>
-        <p:grpSpPr>
-          <a:xfrm>
-            <a:off x="594882" y="1654013"/>
-            <a:ext cx="1652886" cy="678305"/>
-            <a:chOff x="814824" y="3583036"/>
-            <a:chExt cx="1652886" cy="678305"/>
-          </a:xfrm>
-        </p:grpSpPr>
+        <p:cxnSp>
+          <p:nvCxnSpPr>
+            <p:cNvPr id="63" name="Straight Arrow Connector 62"/>
+            <p:cNvCxnSpPr>
+              <a:stCxn id="37" idx="3"/>
+            </p:cNvCxnSpPr>
+            <p:nvPr/>
+          </p:nvCxnSpPr>
+          <p:spPr>
+            <a:xfrm flipV="1">
+              <a:off x="2247195" y="1992087"/>
+              <a:ext cx="338398" cy="792"/>
+            </a:xfrm>
+            <a:prstGeom prst="straightConnector1">
+              <a:avLst/>
+            </a:prstGeom>
+            <a:ln w="6350" cmpd="sng">
+              <a:solidFill>
+                <a:srgbClr val="000000"/>
+              </a:solidFill>
+              <a:headEnd type="none"/>
+              <a:tailEnd type="triangle"/>
+            </a:ln>
+            <a:effectLst/>
+          </p:spPr>
+          <p:style>
+            <a:lnRef idx="2">
+              <a:schemeClr val="accent1"/>
+            </a:lnRef>
+            <a:fillRef idx="0">
+              <a:schemeClr val="accent1"/>
+            </a:fillRef>
+            <a:effectRef idx="1">
+              <a:schemeClr val="accent1"/>
+            </a:effectRef>
+            <a:fontRef idx="minor">
+              <a:schemeClr val="tx1"/>
+            </a:fontRef>
+          </p:style>
+        </p:cxnSp>
+        <p:cxnSp>
+          <p:nvCxnSpPr>
+            <p:cNvPr id="67" name="Straight Arrow Connector 66"/>
+            <p:cNvCxnSpPr>
+              <a:endCxn id="47" idx="1"/>
+            </p:cNvCxnSpPr>
+            <p:nvPr/>
+          </p:nvCxnSpPr>
+          <p:spPr>
+            <a:xfrm flipV="1">
+              <a:off x="4331513" y="1990368"/>
+              <a:ext cx="339544" cy="1719"/>
+            </a:xfrm>
+            <a:prstGeom prst="straightConnector1">
+              <a:avLst/>
+            </a:prstGeom>
+            <a:ln w="6350" cmpd="sng">
+              <a:solidFill>
+                <a:srgbClr val="000000"/>
+              </a:solidFill>
+              <a:headEnd type="none"/>
+              <a:tailEnd type="triangle"/>
+            </a:ln>
+            <a:effectLst/>
+          </p:spPr>
+          <p:style>
+            <a:lnRef idx="2">
+              <a:schemeClr val="accent1"/>
+            </a:lnRef>
+            <a:fillRef idx="0">
+              <a:schemeClr val="accent1"/>
+            </a:fillRef>
+            <a:effectRef idx="1">
+              <a:schemeClr val="accent1"/>
+            </a:effectRef>
+            <a:fontRef idx="minor">
+              <a:schemeClr val="tx1"/>
+            </a:fontRef>
+          </p:style>
+        </p:cxnSp>
         <p:sp>
           <p:nvSpPr>
-            <p:cNvPr id="37" name="Process 36"/>
+            <p:cNvPr id="69" name="Process 68"/>
             <p:cNvSpPr/>
             <p:nvPr/>
           </p:nvSpPr>
           <p:spPr>
             <a:xfrm>
-              <a:off x="814824" y="3583036"/>
+              <a:off x="2597187" y="2706909"/>
               <a:ext cx="1652313" cy="677732"/>
             </a:xfrm>
             <a:prstGeom prst="flowChartProcess">
               <a:avLst/>
             </a:prstGeom>
             <a:solidFill>
-              <a:schemeClr val="bg1"/>
+              <a:srgbClr val="F2F2F2"/>
             </a:solidFill>
             <a:ln w="6350" cmpd="sng">
               <a:solidFill>
@@ -3551,7 +4095,7 @@
                   <a:latin typeface="Arial"/>
                   <a:cs typeface="Arial"/>
                 </a:rPr>
-                <a:t>Determine plant model and intervals</a:t>
+                <a:t>Formulate a FWL effect function</a:t>
               </a:r>
               <a:endParaRPr lang="en-GB" sz="1200" dirty="0">
                 <a:solidFill>
@@ -3565,13 +4109,13 @@
         </p:sp>
         <p:sp>
           <p:nvSpPr>
-            <p:cNvPr id="38" name="Process 37"/>
+            <p:cNvPr id="70" name="Process 69"/>
             <p:cNvSpPr/>
             <p:nvPr/>
           </p:nvSpPr>
           <p:spPr>
             <a:xfrm>
-              <a:off x="815397" y="3583609"/>
+              <a:off x="2597760" y="2707482"/>
               <a:ext cx="1652313" cy="677732"/>
             </a:xfrm>
             <a:prstGeom prst="flowChartProcess">
@@ -3612,7 +4156,7 @@
                   <a:latin typeface="Arial"/>
                   <a:cs typeface="Arial"/>
                 </a:rPr>
-                <a:t>Step 1</a:t>
+                <a:t>Step B</a:t>
               </a:r>
             </a:p>
             <a:p>
@@ -3637,37 +4181,22 @@
             </a:p>
           </p:txBody>
         </p:sp>
-      </p:grpSp>
-      <p:grpSp>
-        <p:nvGrpSpPr>
-          <p:cNvPr id="46" name="Group 45"/>
-          <p:cNvGrpSpPr/>
-          <p:nvPr/>
-        </p:nvGrpSpPr>
-        <p:grpSpPr>
-          <a:xfrm>
-            <a:off x="4671057" y="1651502"/>
-            <a:ext cx="1652886" cy="678305"/>
-            <a:chOff x="814824" y="3583036"/>
-            <a:chExt cx="1652886" cy="678305"/>
-          </a:xfrm>
-        </p:grpSpPr>
         <p:sp>
           <p:nvSpPr>
-            <p:cNvPr id="47" name="Process 46"/>
+            <p:cNvPr id="72" name="Process 71"/>
             <p:cNvSpPr/>
             <p:nvPr/>
           </p:nvSpPr>
           <p:spPr>
             <a:xfrm>
-              <a:off x="814824" y="3583036"/>
+              <a:off x="4586752" y="2708055"/>
               <a:ext cx="1652313" cy="677732"/>
             </a:xfrm>
             <a:prstGeom prst="flowChartProcess">
               <a:avLst/>
             </a:prstGeom>
             <a:solidFill>
-              <a:schemeClr val="bg1"/>
+              <a:srgbClr val="F2F2F2"/>
             </a:solidFill>
             <a:ln w="6350" cmpd="sng">
               <a:solidFill>
@@ -3706,27 +4235,34 @@
             <a:p>
               <a:pPr algn="ctr"/>
               <a:r>
-                <a:rPr lang="en-GB" sz="1200" dirty="0">
+                <a:rPr lang="en-GB" sz="1200" dirty="0" smtClean="0">
                   <a:solidFill>
                     <a:schemeClr val="tx1"/>
                   </a:solidFill>
                   <a:latin typeface="Arial"/>
                   <a:cs typeface="Arial"/>
                 </a:rPr>
-                <a:t>Define controller realization form</a:t>
+                <a:t>Compute FWL controller model</a:t>
               </a:r>
+              <a:endParaRPr lang="en-GB" sz="1200" dirty="0">
+                <a:solidFill>
+                  <a:schemeClr val="tx1"/>
+                </a:solidFill>
+                <a:latin typeface="Arial"/>
+                <a:cs typeface="Arial"/>
+              </a:endParaRPr>
             </a:p>
           </p:txBody>
         </p:sp>
         <p:sp>
           <p:nvSpPr>
-            <p:cNvPr id="57" name="Process 56"/>
+            <p:cNvPr id="73" name="Process 72"/>
             <p:cNvSpPr/>
             <p:nvPr/>
           </p:nvSpPr>
           <p:spPr>
             <a:xfrm>
-              <a:off x="815397" y="3583609"/>
+              <a:off x="4587325" y="2708628"/>
               <a:ext cx="1652313" cy="677732"/>
             </a:xfrm>
             <a:prstGeom prst="flowChartProcess">
@@ -3767,7 +4303,7 @@
                   <a:latin typeface="Arial"/>
                   <a:cs typeface="Arial"/>
                 </a:rPr>
-                <a:t>Step 3</a:t>
+                <a:t>Step C</a:t>
               </a:r>
             </a:p>
             <a:p>
@@ -3792,880 +4328,166 @@
             </a:p>
           </p:txBody>
         </p:sp>
-      </p:grpSp>
-      <p:sp>
-        <p:nvSpPr>
-          <p:cNvPr id="60" name="Process 59"/>
-          <p:cNvSpPr/>
-          <p:nvPr/>
-        </p:nvSpPr>
-        <p:spPr>
-          <a:xfrm>
-            <a:off x="606476" y="2707482"/>
-            <a:ext cx="1752639" cy="677732"/>
-          </a:xfrm>
-          <a:prstGeom prst="flowChartProcess">
-            <a:avLst/>
-          </a:prstGeom>
-          <a:solidFill>
-            <a:srgbClr val="F2F2F2"/>
-          </a:solidFill>
-          <a:ln w="6350" cmpd="sng">
+        <p:sp>
+          <p:nvSpPr>
+            <p:cNvPr id="75" name="Process 74"/>
+            <p:cNvSpPr/>
+            <p:nvPr/>
+          </p:nvSpPr>
+          <p:spPr>
+            <a:xfrm>
+              <a:off x="8166530" y="2702000"/>
+              <a:ext cx="1652313" cy="677732"/>
+            </a:xfrm>
+            <a:prstGeom prst="flowChartProcess">
+              <a:avLst/>
+            </a:prstGeom>
             <a:solidFill>
-              <a:schemeClr val="tx1"/>
+              <a:srgbClr val="F2F2F2"/>
             </a:solidFill>
-          </a:ln>
-          <a:effectLst/>
-        </p:spPr>
-        <p:style>
-          <a:lnRef idx="1">
-            <a:schemeClr val="accent1"/>
-          </a:lnRef>
-          <a:fillRef idx="3">
-            <a:schemeClr val="accent1"/>
-          </a:fillRef>
-          <a:effectRef idx="2">
-            <a:schemeClr val="accent1"/>
-          </a:effectRef>
-          <a:fontRef idx="minor">
-            <a:schemeClr val="lt1"/>
-          </a:fontRef>
-        </p:style>
-        <p:txBody>
-          <a:bodyPr rtlCol="0" anchor="ctr"/>
-          <a:lstStyle/>
-          <a:p>
-            <a:pPr algn="ctr"/>
-            <a:endParaRPr lang="en-GB" sz="1000" dirty="0" smtClean="0">
+            <a:ln w="6350" cmpd="sng">
               <a:solidFill>
                 <a:schemeClr val="tx1"/>
               </a:solidFill>
-              <a:latin typeface="Arial"/>
-              <a:cs typeface="Arial"/>
-            </a:endParaRPr>
-          </a:p>
-          <a:p>
-            <a:pPr algn="ctr"/>
-            <a:r>
-              <a:rPr lang="en-GB" sz="1100" dirty="0" smtClean="0">
+            </a:ln>
+            <a:effectLst/>
+          </p:spPr>
+          <p:style>
+            <a:lnRef idx="1">
+              <a:schemeClr val="accent1"/>
+            </a:lnRef>
+            <a:fillRef idx="3">
+              <a:schemeClr val="accent1"/>
+            </a:fillRef>
+            <a:effectRef idx="2">
+              <a:schemeClr val="accent1"/>
+            </a:effectRef>
+            <a:fontRef idx="minor">
+              <a:schemeClr val="lt1"/>
+            </a:fontRef>
+          </p:style>
+          <p:txBody>
+            <a:bodyPr rtlCol="0" anchor="ctr"/>
+            <a:lstStyle/>
+            <a:p>
+              <a:pPr algn="ctr"/>
+              <a:endParaRPr lang="en-GB" sz="1000" dirty="0" smtClean="0">
                 <a:solidFill>
                   <a:schemeClr val="tx1"/>
                 </a:solidFill>
                 <a:latin typeface="Arial"/>
                 <a:cs typeface="Arial"/>
-              </a:rPr>
-              <a:t>Construct a non-deterministic plant model</a:t>
-            </a:r>
-            <a:endParaRPr lang="en-GB" sz="1100" dirty="0">
-              <a:solidFill>
-                <a:schemeClr val="tx1"/>
-              </a:solidFill>
-              <a:latin typeface="Arial"/>
-              <a:cs typeface="Arial"/>
-            </a:endParaRPr>
-          </a:p>
-        </p:txBody>
-      </p:sp>
-      <p:sp>
-        <p:nvSpPr>
-          <p:cNvPr id="62" name="Process 61"/>
-          <p:cNvSpPr/>
-          <p:nvPr/>
-        </p:nvSpPr>
-        <p:spPr>
-          <a:xfrm>
-            <a:off x="607049" y="2708055"/>
-            <a:ext cx="1752066" cy="677732"/>
-          </a:xfrm>
-          <a:prstGeom prst="flowChartProcess">
-            <a:avLst/>
-          </a:prstGeom>
-          <a:noFill/>
-          <a:ln w="6350" cmpd="sng">
-            <a:solidFill>
-              <a:schemeClr val="tx1"/>
-            </a:solidFill>
-          </a:ln>
-          <a:effectLst/>
-        </p:spPr>
-        <p:style>
-          <a:lnRef idx="1">
-            <a:schemeClr val="accent1"/>
-          </a:lnRef>
-          <a:fillRef idx="3">
-            <a:schemeClr val="accent1"/>
-          </a:fillRef>
-          <a:effectRef idx="2">
-            <a:schemeClr val="accent1"/>
-          </a:effectRef>
-          <a:fontRef idx="minor">
-            <a:schemeClr val="lt1"/>
-          </a:fontRef>
-        </p:style>
-        <p:txBody>
-          <a:bodyPr rtlCol="0" anchor="ctr"/>
-          <a:lstStyle/>
-          <a:p>
-            <a:pPr algn="ctr"/>
-            <a:r>
-              <a:rPr lang="en-GB" sz="1200" b="1" dirty="0" smtClean="0">
+              </a:endParaRPr>
+            </a:p>
+            <a:p>
+              <a:pPr algn="ctr"/>
+              <a:r>
+                <a:rPr lang="en-GB" sz="1200" dirty="0" smtClean="0">
+                  <a:solidFill>
+                    <a:schemeClr val="tx1"/>
+                  </a:solidFill>
+                  <a:latin typeface="Arial"/>
+                  <a:cs typeface="Arial"/>
+                </a:rPr>
+                <a:t>Synthesise digital controller</a:t>
+              </a:r>
+              <a:endParaRPr lang="en-GB" sz="1200" dirty="0">
                 <a:solidFill>
                   <a:schemeClr val="tx1"/>
                 </a:solidFill>
                 <a:latin typeface="Arial"/>
                 <a:cs typeface="Arial"/>
-              </a:rPr>
-              <a:t>Step A</a:t>
-            </a:r>
-          </a:p>
-          <a:p>
-            <a:pPr algn="ctr"/>
-            <a:endParaRPr lang="en-GB" sz="1200" dirty="0">
+              </a:endParaRPr>
+            </a:p>
+          </p:txBody>
+        </p:sp>
+        <p:sp>
+          <p:nvSpPr>
+            <p:cNvPr id="76" name="Process 75"/>
+            <p:cNvSpPr/>
+            <p:nvPr/>
+          </p:nvSpPr>
+          <p:spPr>
+            <a:xfrm>
+              <a:off x="8167103" y="2702573"/>
+              <a:ext cx="1652313" cy="677732"/>
+            </a:xfrm>
+            <a:prstGeom prst="flowChartProcess">
+              <a:avLst/>
+            </a:prstGeom>
+            <a:noFill/>
+            <a:ln w="6350" cmpd="sng">
               <a:solidFill>
                 <a:schemeClr val="tx1"/>
               </a:solidFill>
-              <a:latin typeface="Arial"/>
-              <a:cs typeface="Arial"/>
-            </a:endParaRPr>
-          </a:p>
-          <a:p>
-            <a:pPr algn="ctr"/>
-            <a:endParaRPr lang="en-GB" sz="1200" dirty="0" smtClean="0">
-              <a:solidFill>
-                <a:schemeClr val="tx1"/>
-              </a:solidFill>
-              <a:latin typeface="Arial"/>
-              <a:cs typeface="Arial"/>
-            </a:endParaRPr>
-          </a:p>
-        </p:txBody>
-      </p:sp>
-      <p:cxnSp>
-        <p:nvCxnSpPr>
-          <p:cNvPr id="63" name="Straight Arrow Connector 62"/>
-          <p:cNvCxnSpPr>
-            <a:stCxn id="37" idx="3"/>
-          </p:cNvCxnSpPr>
-          <p:nvPr/>
-        </p:nvCxnSpPr>
-        <p:spPr>
-          <a:xfrm flipV="1">
-            <a:off x="2247195" y="1992087"/>
-            <a:ext cx="338398" cy="792"/>
-          </a:xfrm>
-          <a:prstGeom prst="straightConnector1">
-            <a:avLst/>
-          </a:prstGeom>
-          <a:ln w="6350" cmpd="sng">
-            <a:solidFill>
-              <a:srgbClr val="000000"/>
-            </a:solidFill>
-            <a:headEnd type="none"/>
-            <a:tailEnd type="triangle"/>
-          </a:ln>
-          <a:effectLst/>
-        </p:spPr>
-        <p:style>
-          <a:lnRef idx="2">
-            <a:schemeClr val="accent1"/>
-          </a:lnRef>
-          <a:fillRef idx="0">
-            <a:schemeClr val="accent1"/>
-          </a:fillRef>
-          <a:effectRef idx="1">
-            <a:schemeClr val="accent1"/>
-          </a:effectRef>
-          <a:fontRef idx="minor">
-            <a:schemeClr val="tx1"/>
-          </a:fontRef>
-        </p:style>
-      </p:cxnSp>
-      <p:cxnSp>
-        <p:nvCxnSpPr>
-          <p:cNvPr id="67" name="Straight Arrow Connector 66"/>
-          <p:cNvCxnSpPr>
-            <a:endCxn id="47" idx="1"/>
-          </p:cNvCxnSpPr>
-          <p:nvPr/>
-        </p:nvCxnSpPr>
-        <p:spPr>
-          <a:xfrm flipV="1">
-            <a:off x="4331513" y="1990368"/>
-            <a:ext cx="339544" cy="1719"/>
-          </a:xfrm>
-          <a:prstGeom prst="straightConnector1">
-            <a:avLst/>
-          </a:prstGeom>
-          <a:ln w="6350" cmpd="sng">
-            <a:solidFill>
-              <a:srgbClr val="000000"/>
-            </a:solidFill>
-            <a:headEnd type="none"/>
-            <a:tailEnd type="triangle"/>
-          </a:ln>
-          <a:effectLst/>
-        </p:spPr>
-        <p:style>
-          <a:lnRef idx="2">
-            <a:schemeClr val="accent1"/>
-          </a:lnRef>
-          <a:fillRef idx="0">
-            <a:schemeClr val="accent1"/>
-          </a:fillRef>
-          <a:effectRef idx="1">
-            <a:schemeClr val="accent1"/>
-          </a:effectRef>
-          <a:fontRef idx="minor">
-            <a:schemeClr val="tx1"/>
-          </a:fontRef>
-        </p:style>
-      </p:cxnSp>
-      <p:sp>
-        <p:nvSpPr>
-          <p:cNvPr id="69" name="Process 68"/>
-          <p:cNvSpPr/>
-          <p:nvPr/>
-        </p:nvSpPr>
-        <p:spPr>
-          <a:xfrm>
-            <a:off x="2597187" y="2706909"/>
-            <a:ext cx="1652313" cy="677732"/>
-          </a:xfrm>
-          <a:prstGeom prst="flowChartProcess">
-            <a:avLst/>
-          </a:prstGeom>
-          <a:solidFill>
-            <a:srgbClr val="F2F2F2"/>
-          </a:solidFill>
-          <a:ln w="6350" cmpd="sng">
-            <a:solidFill>
-              <a:schemeClr val="tx1"/>
-            </a:solidFill>
-          </a:ln>
-          <a:effectLst/>
-        </p:spPr>
-        <p:style>
-          <a:lnRef idx="1">
-            <a:schemeClr val="accent1"/>
-          </a:lnRef>
-          <a:fillRef idx="3">
-            <a:schemeClr val="accent1"/>
-          </a:fillRef>
-          <a:effectRef idx="2">
-            <a:schemeClr val="accent1"/>
-          </a:effectRef>
-          <a:fontRef idx="minor">
-            <a:schemeClr val="lt1"/>
-          </a:fontRef>
-        </p:style>
-        <p:txBody>
-          <a:bodyPr rtlCol="0" anchor="ctr"/>
-          <a:lstStyle/>
-          <a:p>
-            <a:pPr algn="ctr"/>
-            <a:endParaRPr lang="en-GB" sz="1000" dirty="0" smtClean="0">
-              <a:solidFill>
-                <a:schemeClr val="tx1"/>
-              </a:solidFill>
-              <a:latin typeface="Arial"/>
-              <a:cs typeface="Arial"/>
-            </a:endParaRPr>
-          </a:p>
-          <a:p>
-            <a:pPr algn="ctr"/>
-            <a:r>
-              <a:rPr lang="en-GB" sz="1200" dirty="0" smtClean="0">
+            </a:ln>
+            <a:effectLst/>
+          </p:spPr>
+          <p:style>
+            <a:lnRef idx="1">
+              <a:schemeClr val="accent1"/>
+            </a:lnRef>
+            <a:fillRef idx="3">
+              <a:schemeClr val="accent1"/>
+            </a:fillRef>
+            <a:effectRef idx="2">
+              <a:schemeClr val="accent1"/>
+            </a:effectRef>
+            <a:fontRef idx="minor">
+              <a:schemeClr val="lt1"/>
+            </a:fontRef>
+          </p:style>
+          <p:txBody>
+            <a:bodyPr rtlCol="0" anchor="ctr"/>
+            <a:lstStyle/>
+            <a:p>
+              <a:pPr algn="ctr"/>
+              <a:r>
+                <a:rPr lang="en-GB" sz="1200" b="1" dirty="0" smtClean="0">
+                  <a:solidFill>
+                    <a:schemeClr val="tx1"/>
+                  </a:solidFill>
+                  <a:latin typeface="Arial"/>
+                  <a:cs typeface="Arial"/>
+                </a:rPr>
+                <a:t>Step D</a:t>
+              </a:r>
+            </a:p>
+            <a:p>
+              <a:pPr algn="ctr"/>
+              <a:endParaRPr lang="en-GB" sz="1200" dirty="0">
                 <a:solidFill>
                   <a:schemeClr val="tx1"/>
                 </a:solidFill>
                 <a:latin typeface="Arial"/>
                 <a:cs typeface="Arial"/>
-              </a:rPr>
-              <a:t>Formulate a FWL effect function</a:t>
-            </a:r>
-            <a:endParaRPr lang="en-GB" sz="1200" dirty="0">
-              <a:solidFill>
-                <a:schemeClr val="tx1"/>
-              </a:solidFill>
-              <a:latin typeface="Arial"/>
-              <a:cs typeface="Arial"/>
-            </a:endParaRPr>
-          </a:p>
-        </p:txBody>
-      </p:sp>
-      <p:sp>
-        <p:nvSpPr>
-          <p:cNvPr id="70" name="Process 69"/>
-          <p:cNvSpPr/>
-          <p:nvPr/>
-        </p:nvSpPr>
-        <p:spPr>
-          <a:xfrm>
-            <a:off x="2597760" y="2707482"/>
-            <a:ext cx="1652313" cy="677732"/>
-          </a:xfrm>
-          <a:prstGeom prst="flowChartProcess">
-            <a:avLst/>
-          </a:prstGeom>
-          <a:noFill/>
-          <a:ln w="6350" cmpd="sng">
-            <a:solidFill>
-              <a:schemeClr val="tx1"/>
-            </a:solidFill>
-          </a:ln>
-          <a:effectLst/>
-        </p:spPr>
-        <p:style>
-          <a:lnRef idx="1">
-            <a:schemeClr val="accent1"/>
-          </a:lnRef>
-          <a:fillRef idx="3">
-            <a:schemeClr val="accent1"/>
-          </a:fillRef>
-          <a:effectRef idx="2">
-            <a:schemeClr val="accent1"/>
-          </a:effectRef>
-          <a:fontRef idx="minor">
-            <a:schemeClr val="lt1"/>
-          </a:fontRef>
-        </p:style>
-        <p:txBody>
-          <a:bodyPr rtlCol="0" anchor="ctr"/>
-          <a:lstStyle/>
-          <a:p>
-            <a:pPr algn="ctr"/>
-            <a:r>
-              <a:rPr lang="en-GB" sz="1200" b="1" dirty="0" smtClean="0">
+              </a:endParaRPr>
+            </a:p>
+            <a:p>
+              <a:pPr algn="ctr"/>
+              <a:endParaRPr lang="en-GB" sz="1200" dirty="0" smtClean="0">
                 <a:solidFill>
                   <a:schemeClr val="tx1"/>
                 </a:solidFill>
                 <a:latin typeface="Arial"/>
                 <a:cs typeface="Arial"/>
-              </a:rPr>
-              <a:t>Step B</a:t>
-            </a:r>
-          </a:p>
-          <a:p>
-            <a:pPr algn="ctr"/>
-            <a:endParaRPr lang="en-GB" sz="1200" dirty="0">
-              <a:solidFill>
-                <a:schemeClr val="tx1"/>
-              </a:solidFill>
-              <a:latin typeface="Arial"/>
-              <a:cs typeface="Arial"/>
-            </a:endParaRPr>
-          </a:p>
-          <a:p>
-            <a:pPr algn="ctr"/>
-            <a:endParaRPr lang="en-GB" sz="1200" dirty="0" smtClean="0">
-              <a:solidFill>
-                <a:schemeClr val="tx1"/>
-              </a:solidFill>
-              <a:latin typeface="Arial"/>
-              <a:cs typeface="Arial"/>
-            </a:endParaRPr>
-          </a:p>
-        </p:txBody>
-      </p:sp>
-      <p:sp>
-        <p:nvSpPr>
-          <p:cNvPr id="72" name="Process 71"/>
-          <p:cNvSpPr/>
-          <p:nvPr/>
-        </p:nvSpPr>
-        <p:spPr>
-          <a:xfrm>
-            <a:off x="4586752" y="2708055"/>
-            <a:ext cx="1652313" cy="677732"/>
-          </a:xfrm>
-          <a:prstGeom prst="flowChartProcess">
-            <a:avLst/>
-          </a:prstGeom>
-          <a:solidFill>
-            <a:srgbClr val="F2F2F2"/>
-          </a:solidFill>
-          <a:ln w="6350" cmpd="sng">
-            <a:solidFill>
-              <a:schemeClr val="tx1"/>
-            </a:solidFill>
-          </a:ln>
-          <a:effectLst/>
-        </p:spPr>
-        <p:style>
-          <a:lnRef idx="1">
-            <a:schemeClr val="accent1"/>
-          </a:lnRef>
-          <a:fillRef idx="3">
-            <a:schemeClr val="accent1"/>
-          </a:fillRef>
-          <a:effectRef idx="2">
-            <a:schemeClr val="accent1"/>
-          </a:effectRef>
-          <a:fontRef idx="minor">
-            <a:schemeClr val="lt1"/>
-          </a:fontRef>
-        </p:style>
-        <p:txBody>
-          <a:bodyPr rtlCol="0" anchor="ctr"/>
-          <a:lstStyle/>
-          <a:p>
-            <a:pPr algn="ctr"/>
-            <a:endParaRPr lang="en-GB" sz="1000" dirty="0" smtClean="0">
-              <a:solidFill>
-                <a:schemeClr val="tx1"/>
-              </a:solidFill>
-              <a:latin typeface="Arial"/>
-              <a:cs typeface="Arial"/>
-            </a:endParaRPr>
-          </a:p>
-          <a:p>
-            <a:pPr algn="ctr"/>
-            <a:r>
-              <a:rPr lang="en-GB" sz="1200" dirty="0" smtClean="0">
-                <a:solidFill>
-                  <a:schemeClr val="tx1"/>
-                </a:solidFill>
-                <a:latin typeface="Arial"/>
-                <a:cs typeface="Arial"/>
-              </a:rPr>
-              <a:t>Compute FWL controller model</a:t>
-            </a:r>
-            <a:endParaRPr lang="en-GB" sz="1200" dirty="0">
-              <a:solidFill>
-                <a:schemeClr val="tx1"/>
-              </a:solidFill>
-              <a:latin typeface="Arial"/>
-              <a:cs typeface="Arial"/>
-            </a:endParaRPr>
-          </a:p>
-        </p:txBody>
-      </p:sp>
-      <p:sp>
-        <p:nvSpPr>
-          <p:cNvPr id="73" name="Process 72"/>
-          <p:cNvSpPr/>
-          <p:nvPr/>
-        </p:nvSpPr>
-        <p:spPr>
-          <a:xfrm>
-            <a:off x="4587325" y="2708628"/>
-            <a:ext cx="1652313" cy="677732"/>
-          </a:xfrm>
-          <a:prstGeom prst="flowChartProcess">
-            <a:avLst/>
-          </a:prstGeom>
-          <a:noFill/>
-          <a:ln w="6350" cmpd="sng">
-            <a:solidFill>
-              <a:schemeClr val="tx1"/>
-            </a:solidFill>
-          </a:ln>
-          <a:effectLst/>
-        </p:spPr>
-        <p:style>
-          <a:lnRef idx="1">
-            <a:schemeClr val="accent1"/>
-          </a:lnRef>
-          <a:fillRef idx="3">
-            <a:schemeClr val="accent1"/>
-          </a:fillRef>
-          <a:effectRef idx="2">
-            <a:schemeClr val="accent1"/>
-          </a:effectRef>
-          <a:fontRef idx="minor">
-            <a:schemeClr val="lt1"/>
-          </a:fontRef>
-        </p:style>
-        <p:txBody>
-          <a:bodyPr rtlCol="0" anchor="ctr"/>
-          <a:lstStyle/>
-          <a:p>
-            <a:pPr algn="ctr"/>
-            <a:r>
-              <a:rPr lang="en-GB" sz="1200" b="1" dirty="0" smtClean="0">
-                <a:solidFill>
-                  <a:schemeClr val="tx1"/>
-                </a:solidFill>
-                <a:latin typeface="Arial"/>
-                <a:cs typeface="Arial"/>
-              </a:rPr>
-              <a:t>Step C</a:t>
-            </a:r>
-          </a:p>
-          <a:p>
-            <a:pPr algn="ctr"/>
-            <a:endParaRPr lang="en-GB" sz="1200" dirty="0">
-              <a:solidFill>
-                <a:schemeClr val="tx1"/>
-              </a:solidFill>
-              <a:latin typeface="Arial"/>
-              <a:cs typeface="Arial"/>
-            </a:endParaRPr>
-          </a:p>
-          <a:p>
-            <a:pPr algn="ctr"/>
-            <a:endParaRPr lang="en-GB" sz="1200" dirty="0" smtClean="0">
-              <a:solidFill>
-                <a:schemeClr val="tx1"/>
-              </a:solidFill>
-              <a:latin typeface="Arial"/>
-              <a:cs typeface="Arial"/>
-            </a:endParaRPr>
-          </a:p>
-        </p:txBody>
-      </p:sp>
-      <p:sp>
-        <p:nvSpPr>
-          <p:cNvPr id="75" name="Process 74"/>
-          <p:cNvSpPr/>
-          <p:nvPr/>
-        </p:nvSpPr>
-        <p:spPr>
-          <a:xfrm>
-            <a:off x="8166530" y="2702000"/>
-            <a:ext cx="1652313" cy="677732"/>
-          </a:xfrm>
-          <a:prstGeom prst="flowChartProcess">
-            <a:avLst/>
-          </a:prstGeom>
-          <a:solidFill>
-            <a:srgbClr val="F2F2F2"/>
-          </a:solidFill>
-          <a:ln w="6350" cmpd="sng">
-            <a:solidFill>
-              <a:schemeClr val="tx1"/>
-            </a:solidFill>
-          </a:ln>
-          <a:effectLst/>
-        </p:spPr>
-        <p:style>
-          <a:lnRef idx="1">
-            <a:schemeClr val="accent1"/>
-          </a:lnRef>
-          <a:fillRef idx="3">
-            <a:schemeClr val="accent1"/>
-          </a:fillRef>
-          <a:effectRef idx="2">
-            <a:schemeClr val="accent1"/>
-          </a:effectRef>
-          <a:fontRef idx="minor">
-            <a:schemeClr val="lt1"/>
-          </a:fontRef>
-        </p:style>
-        <p:txBody>
-          <a:bodyPr rtlCol="0" anchor="ctr"/>
-          <a:lstStyle/>
-          <a:p>
-            <a:pPr algn="ctr"/>
-            <a:endParaRPr lang="en-GB" sz="1000" dirty="0" smtClean="0">
-              <a:solidFill>
-                <a:schemeClr val="tx1"/>
-              </a:solidFill>
-              <a:latin typeface="Arial"/>
-              <a:cs typeface="Arial"/>
-            </a:endParaRPr>
-          </a:p>
-          <a:p>
-            <a:pPr algn="ctr"/>
-            <a:r>
-              <a:rPr lang="en-GB" sz="1200" dirty="0" smtClean="0">
-                <a:solidFill>
-                  <a:schemeClr val="tx1"/>
-                </a:solidFill>
-                <a:latin typeface="Arial"/>
-                <a:cs typeface="Arial"/>
-              </a:rPr>
-              <a:t>Synthesise digital controller</a:t>
-            </a:r>
-            <a:endParaRPr lang="en-GB" sz="1200" dirty="0">
-              <a:solidFill>
-                <a:schemeClr val="tx1"/>
-              </a:solidFill>
-              <a:latin typeface="Arial"/>
-              <a:cs typeface="Arial"/>
-            </a:endParaRPr>
-          </a:p>
-        </p:txBody>
-      </p:sp>
-      <p:sp>
-        <p:nvSpPr>
-          <p:cNvPr id="76" name="Process 75"/>
-          <p:cNvSpPr/>
-          <p:nvPr/>
-        </p:nvSpPr>
-        <p:spPr>
-          <a:xfrm>
-            <a:off x="8167103" y="2702573"/>
-            <a:ext cx="1652313" cy="677732"/>
-          </a:xfrm>
-          <a:prstGeom prst="flowChartProcess">
-            <a:avLst/>
-          </a:prstGeom>
-          <a:noFill/>
-          <a:ln w="6350" cmpd="sng">
-            <a:solidFill>
-              <a:schemeClr val="tx1"/>
-            </a:solidFill>
-          </a:ln>
-          <a:effectLst/>
-        </p:spPr>
-        <p:style>
-          <a:lnRef idx="1">
-            <a:schemeClr val="accent1"/>
-          </a:lnRef>
-          <a:fillRef idx="3">
-            <a:schemeClr val="accent1"/>
-          </a:fillRef>
-          <a:effectRef idx="2">
-            <a:schemeClr val="accent1"/>
-          </a:effectRef>
-          <a:fontRef idx="minor">
-            <a:schemeClr val="lt1"/>
-          </a:fontRef>
-        </p:style>
-        <p:txBody>
-          <a:bodyPr rtlCol="0" anchor="ctr"/>
-          <a:lstStyle/>
-          <a:p>
-            <a:pPr algn="ctr"/>
-            <a:r>
-              <a:rPr lang="en-GB" sz="1200" b="1" dirty="0" smtClean="0">
-                <a:solidFill>
-                  <a:schemeClr val="tx1"/>
-                </a:solidFill>
-                <a:latin typeface="Arial"/>
-                <a:cs typeface="Arial"/>
-              </a:rPr>
-              <a:t>Step D</a:t>
-            </a:r>
-          </a:p>
-          <a:p>
-            <a:pPr algn="ctr"/>
-            <a:endParaRPr lang="en-GB" sz="1200" dirty="0">
-              <a:solidFill>
-                <a:schemeClr val="tx1"/>
-              </a:solidFill>
-              <a:latin typeface="Arial"/>
-              <a:cs typeface="Arial"/>
-            </a:endParaRPr>
-          </a:p>
-          <a:p>
-            <a:pPr algn="ctr"/>
-            <a:endParaRPr lang="en-GB" sz="1200" dirty="0" smtClean="0">
-              <a:solidFill>
-                <a:schemeClr val="tx1"/>
-              </a:solidFill>
-              <a:latin typeface="Arial"/>
-              <a:cs typeface="Arial"/>
-            </a:endParaRPr>
-          </a:p>
-        </p:txBody>
-      </p:sp>
-      <p:cxnSp>
-        <p:nvCxnSpPr>
-          <p:cNvPr id="78" name="Straight Arrow Connector 77"/>
-          <p:cNvCxnSpPr>
-            <a:stCxn id="62" idx="3"/>
-            <a:endCxn id="69" idx="1"/>
-          </p:cNvCxnSpPr>
-          <p:nvPr/>
-        </p:nvCxnSpPr>
-        <p:spPr>
-          <a:xfrm flipV="1">
-            <a:off x="2359115" y="3045775"/>
-            <a:ext cx="238072" cy="1146"/>
-          </a:xfrm>
-          <a:prstGeom prst="straightConnector1">
-            <a:avLst/>
-          </a:prstGeom>
-          <a:ln w="6350" cmpd="sng">
-            <a:solidFill>
-              <a:srgbClr val="000000"/>
-            </a:solidFill>
-            <a:headEnd type="none"/>
-            <a:tailEnd type="triangle"/>
-          </a:ln>
-          <a:effectLst/>
-        </p:spPr>
-        <p:style>
-          <a:lnRef idx="2">
-            <a:schemeClr val="accent1"/>
-          </a:lnRef>
-          <a:fillRef idx="0">
-            <a:schemeClr val="accent1"/>
-          </a:fillRef>
-          <a:effectRef idx="1">
-            <a:schemeClr val="accent1"/>
-          </a:effectRef>
-          <a:fontRef idx="minor">
-            <a:schemeClr val="tx1"/>
-          </a:fontRef>
-        </p:style>
-      </p:cxnSp>
-      <p:cxnSp>
-        <p:nvCxnSpPr>
-          <p:cNvPr id="82" name="Straight Arrow Connector 81"/>
-          <p:cNvCxnSpPr>
-            <a:stCxn id="69" idx="3"/>
-            <a:endCxn id="72" idx="1"/>
-          </p:cNvCxnSpPr>
-          <p:nvPr/>
-        </p:nvCxnSpPr>
-        <p:spPr>
-          <a:xfrm>
-            <a:off x="4249500" y="3045775"/>
-            <a:ext cx="337252" cy="1146"/>
-          </a:xfrm>
-          <a:prstGeom prst="straightConnector1">
-            <a:avLst/>
-          </a:prstGeom>
-          <a:ln w="6350" cmpd="sng">
-            <a:solidFill>
-              <a:srgbClr val="000000"/>
-            </a:solidFill>
-            <a:headEnd type="none"/>
-            <a:tailEnd type="triangle"/>
-          </a:ln>
-          <a:effectLst/>
-        </p:spPr>
-        <p:style>
-          <a:lnRef idx="2">
-            <a:schemeClr val="accent1"/>
-          </a:lnRef>
-          <a:fillRef idx="0">
-            <a:schemeClr val="accent1"/>
-          </a:fillRef>
-          <a:effectRef idx="1">
-            <a:schemeClr val="accent1"/>
-          </a:effectRef>
-          <a:fontRef idx="minor">
-            <a:schemeClr val="tx1"/>
-          </a:fontRef>
-        </p:style>
-      </p:cxnSp>
-      <p:cxnSp>
-        <p:nvCxnSpPr>
-          <p:cNvPr id="86" name="Straight Arrow Connector 85"/>
-          <p:cNvCxnSpPr>
-            <a:stCxn id="72" idx="3"/>
-            <a:endCxn id="54" idx="1"/>
-          </p:cNvCxnSpPr>
-          <p:nvPr/>
-        </p:nvCxnSpPr>
-        <p:spPr>
-          <a:xfrm flipV="1">
-            <a:off x="6239065" y="3046062"/>
-            <a:ext cx="339544" cy="859"/>
-          </a:xfrm>
-          <a:prstGeom prst="straightConnector1">
-            <a:avLst/>
-          </a:prstGeom>
-          <a:ln w="6350" cmpd="sng">
-            <a:solidFill>
-              <a:srgbClr val="000000"/>
-            </a:solidFill>
-            <a:headEnd type="none"/>
-            <a:tailEnd type="triangle"/>
-          </a:ln>
-          <a:effectLst/>
-        </p:spPr>
-        <p:style>
-          <a:lnRef idx="2">
-            <a:schemeClr val="accent1"/>
-          </a:lnRef>
-          <a:fillRef idx="0">
-            <a:schemeClr val="accent1"/>
-          </a:fillRef>
-          <a:effectRef idx="1">
-            <a:schemeClr val="accent1"/>
-          </a:effectRef>
-          <a:fontRef idx="minor">
-            <a:schemeClr val="tx1"/>
-          </a:fontRef>
-        </p:style>
-      </p:cxnSp>
-      <p:sp>
-        <p:nvSpPr>
-          <p:cNvPr id="90" name="Document 89"/>
-          <p:cNvSpPr/>
-          <p:nvPr/>
-        </p:nvSpPr>
-        <p:spPr>
-          <a:xfrm>
-            <a:off x="6691818" y="1668197"/>
-            <a:ext cx="1247804" cy="673136"/>
-          </a:xfrm>
-          <a:prstGeom prst="flowChartDocument">
-            <a:avLst/>
-          </a:prstGeom>
-          <a:solidFill>
-            <a:schemeClr val="bg1"/>
-          </a:solidFill>
-          <a:ln>
-            <a:solidFill>
-              <a:srgbClr val="000000"/>
-            </a:solidFill>
-            <a:prstDash val="lgDash"/>
-          </a:ln>
-          <a:effectLst/>
-        </p:spPr>
-        <p:style>
-          <a:lnRef idx="1">
-            <a:schemeClr val="accent1"/>
-          </a:lnRef>
-          <a:fillRef idx="3">
-            <a:schemeClr val="accent1"/>
-          </a:fillRef>
-          <a:effectRef idx="2">
-            <a:schemeClr val="accent1"/>
-          </a:effectRef>
-          <a:fontRef idx="minor">
-            <a:schemeClr val="lt1"/>
-          </a:fontRef>
-        </p:style>
-        <p:txBody>
-          <a:bodyPr rtlCol="0" anchor="ctr"/>
-          <a:lstStyle/>
-          <a:p>
-            <a:pPr algn="ctr"/>
-            <a:r>
-              <a:rPr lang="en-GB" sz="1200" dirty="0" smtClean="0">
-                <a:solidFill>
-                  <a:prstClr val="black"/>
-                </a:solidFill>
-                <a:latin typeface="Arial"/>
-                <a:cs typeface="Arial"/>
-              </a:rPr>
-              <a:t>ANSI-C input file</a:t>
-            </a:r>
-            <a:endParaRPr lang="en-US" sz="1200" dirty="0"/>
-          </a:p>
-        </p:txBody>
-      </p:sp>
-      <p:grpSp>
-        <p:nvGrpSpPr>
-          <p:cNvPr id="96" name="Group 95"/>
-          <p:cNvGrpSpPr/>
-          <p:nvPr/>
-        </p:nvGrpSpPr>
-        <p:grpSpPr>
-          <a:xfrm rot="16200000">
-            <a:off x="99804" y="2745771"/>
-            <a:ext cx="243399" cy="583699"/>
-            <a:chOff x="3376545" y="5409984"/>
-            <a:chExt cx="243399" cy="351072"/>
-          </a:xfrm>
-        </p:grpSpPr>
+              </a:endParaRPr>
+            </a:p>
+          </p:txBody>
+        </p:sp>
         <p:cxnSp>
           <p:nvCxnSpPr>
-            <p:cNvPr id="97" name="Straight Arrow Connector 96"/>
-            <p:cNvCxnSpPr/>
+            <p:cNvPr id="78" name="Straight Arrow Connector 77"/>
+            <p:cNvCxnSpPr>
+              <a:stCxn id="62" idx="3"/>
+              <a:endCxn id="69" idx="1"/>
+            </p:cNvCxnSpPr>
             <p:nvPr/>
           </p:nvCxnSpPr>
           <p:spPr>
-            <a:xfrm rot="5400000">
-              <a:off x="3201141" y="5585388"/>
-              <a:ext cx="351070" cy="261"/>
+            <a:xfrm flipV="1">
+              <a:off x="2359115" y="3045775"/>
+              <a:ext cx="238072" cy="1146"/>
             </a:xfrm>
             <a:prstGeom prst="straightConnector1">
               <a:avLst/>
@@ -4696,14 +4518,17 @@
         </p:cxnSp>
         <p:cxnSp>
           <p:nvCxnSpPr>
-            <p:cNvPr id="98" name="Straight Arrow Connector 97"/>
-            <p:cNvCxnSpPr/>
+            <p:cNvPr id="82" name="Straight Arrow Connector 81"/>
+            <p:cNvCxnSpPr>
+              <a:stCxn id="69" idx="3"/>
+              <a:endCxn id="72" idx="1"/>
+            </p:cNvCxnSpPr>
             <p:nvPr/>
           </p:nvCxnSpPr>
           <p:spPr>
-            <a:xfrm rot="5400000">
-              <a:off x="3326406" y="5585389"/>
-              <a:ext cx="351070" cy="261"/>
+            <a:xfrm>
+              <a:off x="4249500" y="3045775"/>
+              <a:ext cx="337252" cy="1146"/>
             </a:xfrm>
             <a:prstGeom prst="straightConnector1">
               <a:avLst/>
@@ -4734,14 +4559,17 @@
         </p:cxnSp>
         <p:cxnSp>
           <p:nvCxnSpPr>
-            <p:cNvPr id="99" name="Straight Arrow Connector 98"/>
-            <p:cNvCxnSpPr/>
+            <p:cNvPr id="86" name="Straight Arrow Connector 85"/>
+            <p:cNvCxnSpPr>
+              <a:stCxn id="72" idx="3"/>
+              <a:endCxn id="54" idx="1"/>
+            </p:cNvCxnSpPr>
             <p:nvPr/>
           </p:nvCxnSpPr>
           <p:spPr>
-            <a:xfrm rot="5400000">
-              <a:off x="3444279" y="5585390"/>
-              <a:ext cx="351070" cy="261"/>
+            <a:xfrm flipV="1">
+              <a:off x="6239065" y="3046062"/>
+              <a:ext cx="339544" cy="859"/>
             </a:xfrm>
             <a:prstGeom prst="straightConnector1">
               <a:avLst/>
@@ -4770,197 +4598,384 @@
             </a:fontRef>
           </p:style>
         </p:cxnSp>
+        <p:sp>
+          <p:nvSpPr>
+            <p:cNvPr id="90" name="Document 89"/>
+            <p:cNvSpPr/>
+            <p:nvPr/>
+          </p:nvSpPr>
+          <p:spPr>
+            <a:xfrm>
+              <a:off x="6691818" y="1668197"/>
+              <a:ext cx="1247804" cy="673136"/>
+            </a:xfrm>
+            <a:prstGeom prst="flowChartDocument">
+              <a:avLst/>
+            </a:prstGeom>
+            <a:solidFill>
+              <a:schemeClr val="bg1"/>
+            </a:solidFill>
+            <a:ln>
+              <a:solidFill>
+                <a:srgbClr val="000000"/>
+              </a:solidFill>
+              <a:prstDash val="lgDash"/>
+            </a:ln>
+            <a:effectLst/>
+          </p:spPr>
+          <p:style>
+            <a:lnRef idx="1">
+              <a:schemeClr val="accent1"/>
+            </a:lnRef>
+            <a:fillRef idx="3">
+              <a:schemeClr val="accent1"/>
+            </a:fillRef>
+            <a:effectRef idx="2">
+              <a:schemeClr val="accent1"/>
+            </a:effectRef>
+            <a:fontRef idx="minor">
+              <a:schemeClr val="lt1"/>
+            </a:fontRef>
+          </p:style>
+          <p:txBody>
+            <a:bodyPr rtlCol="0" anchor="ctr"/>
+            <a:lstStyle/>
+            <a:p>
+              <a:pPr algn="ctr"/>
+              <a:r>
+                <a:rPr lang="en-GB" sz="1200" dirty="0" smtClean="0">
+                  <a:solidFill>
+                    <a:prstClr val="black"/>
+                  </a:solidFill>
+                  <a:latin typeface="Arial"/>
+                  <a:cs typeface="Arial"/>
+                </a:rPr>
+                <a:t>ANSI-C input file</a:t>
+              </a:r>
+              <a:endParaRPr lang="en-US" sz="1200" dirty="0"/>
+            </a:p>
+          </p:txBody>
+        </p:sp>
+        <p:grpSp>
+          <p:nvGrpSpPr>
+            <p:cNvPr id="96" name="Group 95"/>
+            <p:cNvGrpSpPr/>
+            <p:nvPr/>
+          </p:nvGrpSpPr>
+          <p:grpSpPr>
+            <a:xfrm rot="16200000">
+              <a:off x="99804" y="2745771"/>
+              <a:ext cx="243399" cy="583699"/>
+              <a:chOff x="3376545" y="5409984"/>
+              <a:chExt cx="243399" cy="351072"/>
+            </a:xfrm>
+          </p:grpSpPr>
+          <p:cxnSp>
+            <p:nvCxnSpPr>
+              <p:cNvPr id="97" name="Straight Arrow Connector 96"/>
+              <p:cNvCxnSpPr/>
+              <p:nvPr/>
+            </p:nvCxnSpPr>
+            <p:spPr>
+              <a:xfrm rot="5400000">
+                <a:off x="3201141" y="5585388"/>
+                <a:ext cx="351070" cy="261"/>
+              </a:xfrm>
+              <a:prstGeom prst="straightConnector1">
+                <a:avLst/>
+              </a:prstGeom>
+              <a:ln w="6350" cmpd="sng">
+                <a:solidFill>
+                  <a:srgbClr val="000000"/>
+                </a:solidFill>
+                <a:headEnd type="none"/>
+                <a:tailEnd type="triangle"/>
+              </a:ln>
+              <a:effectLst/>
+            </p:spPr>
+            <p:style>
+              <a:lnRef idx="2">
+                <a:schemeClr val="accent1"/>
+              </a:lnRef>
+              <a:fillRef idx="0">
+                <a:schemeClr val="accent1"/>
+              </a:fillRef>
+              <a:effectRef idx="1">
+                <a:schemeClr val="accent1"/>
+              </a:effectRef>
+              <a:fontRef idx="minor">
+                <a:schemeClr val="tx1"/>
+              </a:fontRef>
+            </p:style>
+          </p:cxnSp>
+          <p:cxnSp>
+            <p:nvCxnSpPr>
+              <p:cNvPr id="98" name="Straight Arrow Connector 97"/>
+              <p:cNvCxnSpPr/>
+              <p:nvPr/>
+            </p:nvCxnSpPr>
+            <p:spPr>
+              <a:xfrm rot="5400000">
+                <a:off x="3326406" y="5585389"/>
+                <a:ext cx="351070" cy="261"/>
+              </a:xfrm>
+              <a:prstGeom prst="straightConnector1">
+                <a:avLst/>
+              </a:prstGeom>
+              <a:ln w="6350" cmpd="sng">
+                <a:solidFill>
+                  <a:srgbClr val="000000"/>
+                </a:solidFill>
+                <a:headEnd type="none"/>
+                <a:tailEnd type="triangle"/>
+              </a:ln>
+              <a:effectLst/>
+            </p:spPr>
+            <p:style>
+              <a:lnRef idx="2">
+                <a:schemeClr val="accent1"/>
+              </a:lnRef>
+              <a:fillRef idx="0">
+                <a:schemeClr val="accent1"/>
+              </a:fillRef>
+              <a:effectRef idx="1">
+                <a:schemeClr val="accent1"/>
+              </a:effectRef>
+              <a:fontRef idx="minor">
+                <a:schemeClr val="tx1"/>
+              </a:fontRef>
+            </p:style>
+          </p:cxnSp>
+          <p:cxnSp>
+            <p:nvCxnSpPr>
+              <p:cNvPr id="99" name="Straight Arrow Connector 98"/>
+              <p:cNvCxnSpPr/>
+              <p:nvPr/>
+            </p:nvCxnSpPr>
+            <p:spPr>
+              <a:xfrm rot="5400000">
+                <a:off x="3444279" y="5585390"/>
+                <a:ext cx="351070" cy="261"/>
+              </a:xfrm>
+              <a:prstGeom prst="straightConnector1">
+                <a:avLst/>
+              </a:prstGeom>
+              <a:ln w="6350" cmpd="sng">
+                <a:solidFill>
+                  <a:srgbClr val="000000"/>
+                </a:solidFill>
+                <a:headEnd type="none"/>
+                <a:tailEnd type="triangle"/>
+              </a:ln>
+              <a:effectLst/>
+            </p:spPr>
+            <p:style>
+              <a:lnRef idx="2">
+                <a:schemeClr val="accent1"/>
+              </a:lnRef>
+              <a:fillRef idx="0">
+                <a:schemeClr val="accent1"/>
+              </a:fillRef>
+              <a:effectRef idx="1">
+                <a:schemeClr val="accent1"/>
+              </a:effectRef>
+              <a:fontRef idx="minor">
+                <a:schemeClr val="tx1"/>
+              </a:fontRef>
+            </p:style>
+          </p:cxnSp>
+        </p:grpSp>
+        <p:sp>
+          <p:nvSpPr>
+            <p:cNvPr id="54" name="Document 53"/>
+            <p:cNvSpPr/>
+            <p:nvPr/>
+          </p:nvSpPr>
+          <p:spPr>
+            <a:xfrm>
+              <a:off x="6578609" y="2708055"/>
+              <a:ext cx="1248377" cy="676013"/>
+            </a:xfrm>
+            <a:prstGeom prst="flowChartDocument">
+              <a:avLst/>
+            </a:prstGeom>
+            <a:solidFill>
+              <a:schemeClr val="bg1"/>
+            </a:solidFill>
+            <a:ln>
+              <a:solidFill>
+                <a:srgbClr val="000000"/>
+              </a:solidFill>
+              <a:prstDash val="lgDash"/>
+            </a:ln>
+            <a:effectLst/>
+          </p:spPr>
+          <p:style>
+            <a:lnRef idx="1">
+              <a:schemeClr val="accent1"/>
+            </a:lnRef>
+            <a:fillRef idx="3">
+              <a:schemeClr val="accent1"/>
+            </a:fillRef>
+            <a:effectRef idx="2">
+              <a:schemeClr val="accent1"/>
+            </a:effectRef>
+            <a:fontRef idx="minor">
+              <a:schemeClr val="lt1"/>
+            </a:fontRef>
+          </p:style>
+          <p:txBody>
+            <a:bodyPr rtlCol="0" anchor="ctr"/>
+            <a:lstStyle/>
+            <a:p>
+              <a:pPr algn="ctr"/>
+              <a:r>
+                <a:rPr lang="en-GB" sz="1200" dirty="0" smtClean="0">
+                  <a:solidFill>
+                    <a:prstClr val="black"/>
+                  </a:solidFill>
+                  <a:latin typeface="Arial"/>
+                  <a:cs typeface="Arial"/>
+                </a:rPr>
+                <a:t>Intermediate</a:t>
+              </a:r>
+            </a:p>
+            <a:p>
+              <a:pPr algn="ctr"/>
+              <a:r>
+                <a:rPr lang="en-GB" sz="1200" dirty="0" smtClean="0">
+                  <a:solidFill>
+                    <a:prstClr val="black"/>
+                  </a:solidFill>
+                  <a:latin typeface="Arial"/>
+                  <a:cs typeface="Arial"/>
+                </a:rPr>
+                <a:t>ANSI-C code</a:t>
+              </a:r>
+              <a:endParaRPr lang="en-US" sz="1200" dirty="0"/>
+            </a:p>
+          </p:txBody>
+        </p:sp>
+        <p:cxnSp>
+          <p:nvCxnSpPr>
+            <p:cNvPr id="56" name="Straight Arrow Connector 55"/>
+            <p:cNvCxnSpPr/>
+            <p:nvPr/>
+          </p:nvCxnSpPr>
+          <p:spPr>
+            <a:xfrm flipV="1">
+              <a:off x="7826986" y="3032935"/>
+              <a:ext cx="339544" cy="859"/>
+            </a:xfrm>
+            <a:prstGeom prst="straightConnector1">
+              <a:avLst/>
+            </a:prstGeom>
+            <a:ln w="6350" cmpd="sng">
+              <a:solidFill>
+                <a:srgbClr val="000000"/>
+              </a:solidFill>
+              <a:headEnd type="none"/>
+              <a:tailEnd type="triangle"/>
+            </a:ln>
+            <a:effectLst/>
+          </p:spPr>
+          <p:style>
+            <a:lnRef idx="2">
+              <a:schemeClr val="accent1"/>
+            </a:lnRef>
+            <a:fillRef idx="0">
+              <a:schemeClr val="accent1"/>
+            </a:fillRef>
+            <a:effectRef idx="1">
+              <a:schemeClr val="accent1"/>
+            </a:effectRef>
+            <a:fontRef idx="minor">
+              <a:schemeClr val="tx1"/>
+            </a:fontRef>
+          </p:style>
+        </p:cxnSp>
+        <p:cxnSp>
+          <p:nvCxnSpPr>
+            <p:cNvPr id="42" name="Straight Arrow Connector 66"/>
+            <p:cNvCxnSpPr/>
+            <p:nvPr/>
+          </p:nvCxnSpPr>
+          <p:spPr>
+            <a:xfrm flipV="1">
+              <a:off x="6329986" y="1993338"/>
+              <a:ext cx="339544" cy="1719"/>
+            </a:xfrm>
+            <a:prstGeom prst="straightConnector1">
+              <a:avLst/>
+            </a:prstGeom>
+            <a:ln w="6350" cmpd="sng">
+              <a:solidFill>
+                <a:srgbClr val="000000"/>
+              </a:solidFill>
+              <a:headEnd type="none"/>
+              <a:tailEnd type="triangle"/>
+            </a:ln>
+            <a:effectLst/>
+          </p:spPr>
+          <p:style>
+            <a:lnRef idx="2">
+              <a:schemeClr val="accent1"/>
+            </a:lnRef>
+            <a:fillRef idx="0">
+              <a:schemeClr val="accent1"/>
+            </a:fillRef>
+            <a:effectRef idx="1">
+              <a:schemeClr val="accent1"/>
+            </a:effectRef>
+            <a:fontRef idx="minor">
+              <a:schemeClr val="tx1"/>
+            </a:fontRef>
+          </p:style>
+        </p:cxnSp>
+        <p:cxnSp>
+          <p:nvCxnSpPr>
+            <p:cNvPr id="9" name="Conector angulado 8"/>
+            <p:cNvCxnSpPr>
+              <a:stCxn id="90" idx="3"/>
+              <a:endCxn id="62" idx="0"/>
+            </p:cNvCxnSpPr>
+            <p:nvPr/>
+          </p:nvCxnSpPr>
+          <p:spPr>
+            <a:xfrm flipH="1">
+              <a:off x="1483082" y="2004765"/>
+              <a:ext cx="6456540" cy="703290"/>
+            </a:xfrm>
+            <a:prstGeom prst="bentConnector4">
+              <a:avLst>
+                <a:gd name="adj1" fmla="val -3541"/>
+                <a:gd name="adj2" fmla="val 73928"/>
+              </a:avLst>
+            </a:prstGeom>
+            <a:ln w="6350">
+              <a:solidFill>
+                <a:schemeClr val="tx1"/>
+              </a:solidFill>
+              <a:tailEnd type="triangle"/>
+            </a:ln>
+            <a:effectLst/>
+          </p:spPr>
+          <p:style>
+            <a:lnRef idx="2">
+              <a:schemeClr val="accent1"/>
+            </a:lnRef>
+            <a:fillRef idx="0">
+              <a:schemeClr val="accent1"/>
+            </a:fillRef>
+            <a:effectRef idx="1">
+              <a:schemeClr val="accent1"/>
+            </a:effectRef>
+            <a:fontRef idx="minor">
+              <a:schemeClr val="tx1"/>
+            </a:fontRef>
+          </p:style>
+        </p:cxnSp>
       </p:grpSp>
-      <p:sp>
-        <p:nvSpPr>
-          <p:cNvPr id="54" name="Document 53"/>
-          <p:cNvSpPr/>
-          <p:nvPr/>
-        </p:nvSpPr>
-        <p:spPr>
-          <a:xfrm>
-            <a:off x="6578609" y="2708055"/>
-            <a:ext cx="1248377" cy="676013"/>
-          </a:xfrm>
-          <a:prstGeom prst="flowChartDocument">
-            <a:avLst/>
-          </a:prstGeom>
-          <a:solidFill>
-            <a:schemeClr val="bg1"/>
-          </a:solidFill>
-          <a:ln>
-            <a:solidFill>
-              <a:srgbClr val="000000"/>
-            </a:solidFill>
-            <a:prstDash val="lgDash"/>
-          </a:ln>
-          <a:effectLst/>
-        </p:spPr>
-        <p:style>
-          <a:lnRef idx="1">
-            <a:schemeClr val="accent1"/>
-          </a:lnRef>
-          <a:fillRef idx="3">
-            <a:schemeClr val="accent1"/>
-          </a:fillRef>
-          <a:effectRef idx="2">
-            <a:schemeClr val="accent1"/>
-          </a:effectRef>
-          <a:fontRef idx="minor">
-            <a:schemeClr val="lt1"/>
-          </a:fontRef>
-        </p:style>
-        <p:txBody>
-          <a:bodyPr rtlCol="0" anchor="ctr"/>
-          <a:lstStyle/>
-          <a:p>
-            <a:pPr algn="ctr"/>
-            <a:r>
-              <a:rPr lang="en-GB" sz="1200" dirty="0" smtClean="0">
-                <a:solidFill>
-                  <a:prstClr val="black"/>
-                </a:solidFill>
-                <a:latin typeface="Arial"/>
-                <a:cs typeface="Arial"/>
-              </a:rPr>
-              <a:t>Intermediate</a:t>
-            </a:r>
-          </a:p>
-          <a:p>
-            <a:pPr algn="ctr"/>
-            <a:r>
-              <a:rPr lang="en-GB" sz="1200" dirty="0" smtClean="0">
-                <a:solidFill>
-                  <a:prstClr val="black"/>
-                </a:solidFill>
-                <a:latin typeface="Arial"/>
-                <a:cs typeface="Arial"/>
-              </a:rPr>
-              <a:t>ANSI-C code</a:t>
-            </a:r>
-            <a:endParaRPr lang="en-US" sz="1200" dirty="0"/>
-          </a:p>
-        </p:txBody>
-      </p:sp>
-      <p:cxnSp>
-        <p:nvCxnSpPr>
-          <p:cNvPr id="56" name="Straight Arrow Connector 55"/>
-          <p:cNvCxnSpPr/>
-          <p:nvPr/>
-        </p:nvCxnSpPr>
-        <p:spPr>
-          <a:xfrm flipV="1">
-            <a:off x="7826986" y="3032935"/>
-            <a:ext cx="339544" cy="859"/>
-          </a:xfrm>
-          <a:prstGeom prst="straightConnector1">
-            <a:avLst/>
-          </a:prstGeom>
-          <a:ln w="6350" cmpd="sng">
-            <a:solidFill>
-              <a:srgbClr val="000000"/>
-            </a:solidFill>
-            <a:headEnd type="none"/>
-            <a:tailEnd type="triangle"/>
-          </a:ln>
-          <a:effectLst/>
-        </p:spPr>
-        <p:style>
-          <a:lnRef idx="2">
-            <a:schemeClr val="accent1"/>
-          </a:lnRef>
-          <a:fillRef idx="0">
-            <a:schemeClr val="accent1"/>
-          </a:fillRef>
-          <a:effectRef idx="1">
-            <a:schemeClr val="accent1"/>
-          </a:effectRef>
-          <a:fontRef idx="minor">
-            <a:schemeClr val="tx1"/>
-          </a:fontRef>
-        </p:style>
-      </p:cxnSp>
-      <p:cxnSp>
-        <p:nvCxnSpPr>
-          <p:cNvPr id="42" name="Straight Arrow Connector 66"/>
-          <p:cNvCxnSpPr/>
-          <p:nvPr/>
-        </p:nvCxnSpPr>
-        <p:spPr>
-          <a:xfrm flipV="1">
-            <a:off x="6329986" y="1993338"/>
-            <a:ext cx="339544" cy="1719"/>
-          </a:xfrm>
-          <a:prstGeom prst="straightConnector1">
-            <a:avLst/>
-          </a:prstGeom>
-          <a:ln w="6350" cmpd="sng">
-            <a:solidFill>
-              <a:srgbClr val="000000"/>
-            </a:solidFill>
-            <a:headEnd type="none"/>
-            <a:tailEnd type="triangle"/>
-          </a:ln>
-          <a:effectLst/>
-        </p:spPr>
-        <p:style>
-          <a:lnRef idx="2">
-            <a:schemeClr val="accent1"/>
-          </a:lnRef>
-          <a:fillRef idx="0">
-            <a:schemeClr val="accent1"/>
-          </a:fillRef>
-          <a:effectRef idx="1">
-            <a:schemeClr val="accent1"/>
-          </a:effectRef>
-          <a:fontRef idx="minor">
-            <a:schemeClr val="tx1"/>
-          </a:fontRef>
-        </p:style>
-      </p:cxnSp>
-      <p:cxnSp>
-        <p:nvCxnSpPr>
-          <p:cNvPr id="9" name="Conector angulado 8"/>
-          <p:cNvCxnSpPr>
-            <a:stCxn id="90" idx="3"/>
-            <a:endCxn id="62" idx="0"/>
-          </p:cNvCxnSpPr>
-          <p:nvPr/>
-        </p:nvCxnSpPr>
-        <p:spPr>
-          <a:xfrm flipH="1">
-            <a:off x="1483082" y="2004765"/>
-            <a:ext cx="6456540" cy="703290"/>
-          </a:xfrm>
-          <a:prstGeom prst="bentConnector4">
-            <a:avLst>
-              <a:gd name="adj1" fmla="val -3541"/>
-              <a:gd name="adj2" fmla="val 73928"/>
-            </a:avLst>
-          </a:prstGeom>
-          <a:ln w="6350">
-            <a:solidFill>
-              <a:schemeClr val="tx1"/>
-            </a:solidFill>
-            <a:tailEnd type="triangle"/>
-          </a:ln>
-          <a:effectLst/>
-        </p:spPr>
-        <p:style>
-          <a:lnRef idx="2">
-            <a:schemeClr val="accent1"/>
-          </a:lnRef>
-          <a:fillRef idx="0">
-            <a:schemeClr val="accent1"/>
-          </a:fillRef>
-          <a:effectRef idx="1">
-            <a:schemeClr val="accent1"/>
-          </a:effectRef>
-          <a:fontRef idx="minor">
-            <a:schemeClr val="tx1"/>
-          </a:fontRef>
-        </p:style>
-      </p:cxnSp>
     </p:spTree>
     <p:extLst>
       <p:ext uri="{BB962C8B-B14F-4D97-AF65-F5344CB8AC3E}">
